--- a/Web/NodeJS-Notes.pptx
+++ b/Web/NodeJS-Notes.pptx
@@ -7,6 +7,9 @@
   <p:notesMasterIdLst>
     <p:notesMasterId r:id="rId13"/>
   </p:notesMasterIdLst>
+  <p:handoutMasterIdLst>
+    <p:handoutMasterId r:id="rId14"/>
+  </p:handoutMasterIdLst>
   <p:sldIdLst>
     <p:sldId id="256" r:id="rId3"/>
     <p:sldId id="266" r:id="rId4"/>
@@ -117,6 +120,164 @@
     </a:lvl9pPr>
   </p:defaultTextStyle>
 </p:presentation>
+</file>
+
+<file path=ppt/handoutMasters/handoutMaster1.xml><?xml version="1.0" encoding="utf-8"?>
+<p:handoutMaster xmlns:a="http://schemas.openxmlformats.org/drawingml/2006/main" xmlns:r="http://schemas.openxmlformats.org/officeDocument/2006/relationships" xmlns:p="http://schemas.openxmlformats.org/presentationml/2006/main">
+  <p:cSld>
+    <p:bg>
+      <p:bgRef idx="1001">
+        <a:schemeClr val="bg1"/>
+      </p:bgRef>
+    </p:bg>
+    <p:spTree>
+      <p:nvGrpSpPr>
+        <p:cNvPr id="1" name=""/>
+        <p:cNvGrpSpPr/>
+        <p:nvPr/>
+      </p:nvGrpSpPr>
+      <p:grpSpPr>
+        <a:xfrm>
+          <a:off x="0" y="0"/>
+          <a:ext cx="0" cy="0"/>
+          <a:chOff x="0" y="0"/>
+          <a:chExt cx="0" cy="0"/>
+        </a:xfrm>
+      </p:grpSpPr>
+      <p:sp>
+        <p:nvSpPr>
+          <p:cNvPr id="2" name="页眉占位符 1"/>
+          <p:cNvSpPr>
+            <a:spLocks noGrp="1"/>
+          </p:cNvSpPr>
+          <p:nvPr>
+            <p:ph type="hdr" sz="quarter"/>
+          </p:nvPr>
+        </p:nvSpPr>
+        <p:spPr>
+          <a:xfrm>
+            <a:off x="0" y="0"/>
+            <a:ext cx="2971800" cy="458788"/>
+          </a:xfrm>
+          <a:prstGeom prst="rect">
+            <a:avLst/>
+          </a:prstGeom>
+        </p:spPr>
+        <p:txBody>
+          <a:bodyPr vert="horz" lIns="91440" tIns="45720" rIns="91440" bIns="45720" rtlCol="0"/>
+          <a:lstStyle>
+            <a:lvl1pPr algn="l">
+              <a:defRPr sz="1200"/>
+            </a:lvl1pPr>
+          </a:lstStyle>
+          <a:p>
+            <a:endParaRPr lang="zh-CN" altLang="en-US"/>
+          </a:p>
+        </p:txBody>
+      </p:sp>
+      <p:sp>
+        <p:nvSpPr>
+          <p:cNvPr id="3" name="日期占位符 2"/>
+          <p:cNvSpPr>
+            <a:spLocks noGrp="1"/>
+          </p:cNvSpPr>
+          <p:nvPr>
+            <p:ph type="dt" sz="quarter" idx="1"/>
+          </p:nvPr>
+        </p:nvSpPr>
+        <p:spPr>
+          <a:xfrm>
+            <a:off x="3884613" y="0"/>
+            <a:ext cx="2971800" cy="458788"/>
+          </a:xfrm>
+          <a:prstGeom prst="rect">
+            <a:avLst/>
+          </a:prstGeom>
+        </p:spPr>
+        <p:txBody>
+          <a:bodyPr vert="horz" lIns="91440" tIns="45720" rIns="91440" bIns="45720" rtlCol="0"/>
+          <a:lstStyle>
+            <a:lvl1pPr algn="r">
+              <a:defRPr sz="1200"/>
+            </a:lvl1pPr>
+          </a:lstStyle>
+          <a:p>
+            <a:fld id="{0F9B84EA-7D68-4D60-9CB1-D50884785D1C}" type="datetimeFigureOut">
+              <a:rPr lang="zh-CN" altLang="en-US" smtClean="0"/>
+            </a:fld>
+            <a:endParaRPr lang="zh-CN" altLang="en-US"/>
+          </a:p>
+        </p:txBody>
+      </p:sp>
+      <p:sp>
+        <p:nvSpPr>
+          <p:cNvPr id="4" name="页脚占位符 3"/>
+          <p:cNvSpPr>
+            <a:spLocks noGrp="1"/>
+          </p:cNvSpPr>
+          <p:nvPr>
+            <p:ph type="ftr" sz="quarter" idx="2"/>
+          </p:nvPr>
+        </p:nvSpPr>
+        <p:spPr>
+          <a:xfrm>
+            <a:off x="0" y="8685213"/>
+            <a:ext cx="2971800" cy="458787"/>
+          </a:xfrm>
+          <a:prstGeom prst="rect">
+            <a:avLst/>
+          </a:prstGeom>
+        </p:spPr>
+        <p:txBody>
+          <a:bodyPr vert="horz" lIns="91440" tIns="45720" rIns="91440" bIns="45720" rtlCol="0" anchor="b"/>
+          <a:lstStyle>
+            <a:lvl1pPr algn="l">
+              <a:defRPr sz="1200"/>
+            </a:lvl1pPr>
+          </a:lstStyle>
+          <a:p>
+            <a:endParaRPr lang="zh-CN" altLang="en-US"/>
+          </a:p>
+        </p:txBody>
+      </p:sp>
+      <p:sp>
+        <p:nvSpPr>
+          <p:cNvPr id="5" name="灯片编号占位符 4"/>
+          <p:cNvSpPr>
+            <a:spLocks noGrp="1"/>
+          </p:cNvSpPr>
+          <p:nvPr>
+            <p:ph type="sldNum" sz="quarter" idx="3"/>
+          </p:nvPr>
+        </p:nvSpPr>
+        <p:spPr>
+          <a:xfrm>
+            <a:off x="3884613" y="8685213"/>
+            <a:ext cx="2971800" cy="458787"/>
+          </a:xfrm>
+          <a:prstGeom prst="rect">
+            <a:avLst/>
+          </a:prstGeom>
+        </p:spPr>
+        <p:txBody>
+          <a:bodyPr vert="horz" lIns="91440" tIns="45720" rIns="91440" bIns="45720" rtlCol="0" anchor="b"/>
+          <a:lstStyle>
+            <a:lvl1pPr algn="r">
+              <a:defRPr sz="1200"/>
+            </a:lvl1pPr>
+          </a:lstStyle>
+          <a:p>
+            <a:fld id="{8D4E0FC9-F1F8-4FAE-9988-3BA365CFD46F}" type="slidenum">
+              <a:rPr lang="zh-CN" altLang="en-US" smtClean="0"/>
+            </a:fld>
+            <a:endParaRPr lang="zh-CN" altLang="en-US"/>
+          </a:p>
+        </p:txBody>
+      </p:sp>
+    </p:spTree>
+  </p:cSld>
+  <p:clrMap bg1="lt1" tx1="dk1" bg2="lt2" tx2="dk2" accent1="accent1" accent2="accent2" accent3="accent3" accent4="accent4" accent5="accent5" accent6="accent6" hlink="hlink" folHlink="folHlink"/>
+</p:handoutMaster>
 </file>
 
 <file path=ppt/notesMasters/notesMaster1.xml><?xml version="1.0" encoding="utf-8"?>
@@ -5016,26 +5177,36 @@
           <a:p>
             <a:r>
               <a:rPr lang="en-US" altLang="zh-CN"/>
+              <a:t>Package Management</a:t>
+            </a:r>
+            <a:endParaRPr lang="en-US" altLang="zh-CN"/>
+          </a:p>
+        </p:txBody>
+      </p:sp>
+      <p:sp>
+        <p:nvSpPr>
+          <p:cNvPr id="3" name="内容占位符 2"/>
+          <p:cNvSpPr>
+            <a:spLocks noGrp="1"/>
+          </p:cNvSpPr>
+          <p:nvPr>
+            <p:ph idx="1"/>
+          </p:nvPr>
+        </p:nvSpPr>
+        <p:spPr/>
+        <p:txBody>
+          <a:bodyPr>
+            <a:normAutofit lnSpcReduction="10000"/>
+          </a:bodyPr>
+          <a:p>
+            <a:r>
+              <a:rPr lang="en-US" altLang="zh-CN"/>
               <a:t>npm</a:t>
             </a:r>
             <a:endParaRPr lang="en-US" altLang="zh-CN"/>
           </a:p>
-        </p:txBody>
-      </p:sp>
-      <p:sp>
-        <p:nvSpPr>
-          <p:cNvPr id="3" name="内容占位符 2"/>
-          <p:cNvSpPr>
-            <a:spLocks noGrp="1"/>
-          </p:cNvSpPr>
-          <p:nvPr>
-            <p:ph idx="1"/>
-          </p:nvPr>
-        </p:nvSpPr>
-        <p:spPr/>
-        <p:txBody>
-          <a:bodyPr/>
-          <a:p>
+          <a:p>
+            <a:pPr lvl="1"/>
             <a:r>
               <a:rPr lang="en-US" altLang="zh-CN"/>
               <a:t>npm config list</a:t>
@@ -5043,6 +5214,7 @@
             <a:endParaRPr lang="en-US" altLang="zh-CN"/>
           </a:p>
           <a:p>
+            <a:pPr lvl="1"/>
             <a:r>
               <a:rPr lang="en-US" altLang="zh-CN"/>
               <a:t>npm install -g &lt;package-name&gt;@version-number</a:t>
@@ -5050,6 +5222,7 @@
             <a:endParaRPr lang="en-US" altLang="zh-CN"/>
           </a:p>
           <a:p>
+            <a:pPr lvl="1"/>
             <a:r>
               <a:rPr lang="en-US" altLang="zh-CN"/>
               <a:t>npm list -g		// list installed packages</a:t>
@@ -5057,6 +5230,7 @@
             <a:endParaRPr lang="en-US" altLang="zh-CN"/>
           </a:p>
           <a:p>
+            <a:pPr lvl="1"/>
             <a:r>
               <a:rPr lang="en-US" altLang="zh-CN"/>
               <a:t>npm outdated</a:t>
@@ -5064,6 +5238,7 @@
             <a:endParaRPr lang="en-US" altLang="zh-CN"/>
           </a:p>
           <a:p>
+            <a:pPr lvl="1"/>
             <a:r>
               <a:rPr lang="en-US" altLang="zh-CN"/>
               <a:t>npm update &lt;package-name&gt;</a:t>
@@ -5071,6 +5246,7 @@
             <a:endParaRPr lang="en-US" altLang="zh-CN"/>
           </a:p>
           <a:p>
+            <a:pPr lvl="1"/>
             <a:r>
               <a:rPr lang="en-US" altLang="zh-CN"/>
               <a:t>npm search &lt;keyword&gt;</a:t>
@@ -5078,6 +5254,7 @@
             <a:endParaRPr lang="en-US" altLang="zh-CN"/>
           </a:p>
           <a:p>
+            <a:pPr lvl="1"/>
             <a:r>
               <a:rPr lang="en-US" altLang="zh-CN"/>
               <a:t>npm cache clean</a:t>
@@ -5085,6 +5262,7 @@
             <a:endParaRPr lang="en-US" altLang="zh-CN"/>
           </a:p>
           <a:p>
+            <a:pPr lvl="1"/>
             <a:r>
               <a:rPr lang="en-US" altLang="zh-CN"/>
               <a:t>npm install -g cnpm --registry=https://registry.npm.taobao.org</a:t>
@@ -5092,11 +5270,44 @@
             <a:endParaRPr lang="en-US" altLang="zh-CN"/>
           </a:p>
           <a:p>
+            <a:pPr lvl="1"/>
             <a:r>
               <a:rPr lang="en-US" altLang="zh-CN"/>
               <a:t>cnpm install ...</a:t>
             </a:r>
             <a:endParaRPr lang="en-US" altLang="zh-CN"/>
+          </a:p>
+          <a:p>
+            <a:pPr lvl="0"/>
+            <a:r>
+              <a:rPr lang="en-US" altLang="zh-CN" sz="2400">
+                <a:sym typeface="+mn-ea"/>
+              </a:rPr>
+              <a:t>yarn</a:t>
+            </a:r>
+            <a:endParaRPr lang="en-US" altLang="zh-CN" sz="2400"/>
+          </a:p>
+          <a:p>
+            <a:pPr lvl="1"/>
+            <a:r>
+              <a:rPr lang="en-US" altLang="zh-CN">
+                <a:sym typeface="+mn-ea"/>
+              </a:rPr>
+              <a:t>cnpm i -g yarn</a:t>
+            </a:r>
+            <a:endParaRPr lang="en-US" altLang="zh-CN"/>
+          </a:p>
+          <a:p>
+            <a:pPr lvl="1"/>
+            <a:r>
+              <a:rPr lang="en-US" altLang="zh-CN">
+                <a:sym typeface="+mn-ea"/>
+              </a:rPr>
+              <a:t>yarn config set registry 'https://registry.npm.taobao.org</a:t>
+            </a:r>
+            <a:endParaRPr lang="en-US" altLang="zh-CN">
+              <a:sym typeface="+mn-ea"/>
+            </a:endParaRPr>
           </a:p>
         </p:txBody>
       </p:sp>
@@ -6086,4 +6297,263 @@
     </a:ext>
   </a:extLst>
 </a:theme>
+</file>
+
+<file path=ppt/theme/theme3.xml><?xml version="1.0" encoding="utf-8"?>
+<a:theme xmlns:a="http://schemas.openxmlformats.org/drawingml/2006/main" name="Office 主题">
+  <a:themeElements>
+    <a:clrScheme name="Office">
+      <a:dk1>
+        <a:sysClr val="windowText" lastClr="000000"/>
+      </a:dk1>
+      <a:lt1>
+        <a:sysClr val="window" lastClr="FFFFFF"/>
+      </a:lt1>
+      <a:dk2>
+        <a:srgbClr val="44546A"/>
+      </a:dk2>
+      <a:lt2>
+        <a:srgbClr val="E7E6E6"/>
+      </a:lt2>
+      <a:accent1>
+        <a:srgbClr val="5B9BD5"/>
+      </a:accent1>
+      <a:accent2>
+        <a:srgbClr val="ED7D31"/>
+      </a:accent2>
+      <a:accent3>
+        <a:srgbClr val="A5A5A5"/>
+      </a:accent3>
+      <a:accent4>
+        <a:srgbClr val="FFC000"/>
+      </a:accent4>
+      <a:accent5>
+        <a:srgbClr val="4472C4"/>
+      </a:accent5>
+      <a:accent6>
+        <a:srgbClr val="70AD47"/>
+      </a:accent6>
+      <a:hlink>
+        <a:srgbClr val="0563C1"/>
+      </a:hlink>
+      <a:folHlink>
+        <a:srgbClr val="954F72"/>
+      </a:folHlink>
+    </a:clrScheme>
+    <a:fontScheme name="Office">
+      <a:majorFont>
+        <a:latin typeface="Calibri Light"/>
+        <a:ea typeface=""/>
+        <a:cs typeface=""/>
+        <a:font script="Jpan" typeface="ＭＳ Ｐゴシック"/>
+        <a:font script="Hang" typeface="맑은 고딕"/>
+        <a:font script="Hans" typeface="宋体"/>
+        <a:font script="Hant" typeface="新細明體"/>
+        <a:font script="Arab" typeface="Times New Roman"/>
+        <a:font script="Hebr" typeface="Times New Roman"/>
+        <a:font script="Thai" typeface="Angsana New"/>
+        <a:font script="Ethi" typeface="Nyala"/>
+        <a:font script="Beng" typeface="Vrinda"/>
+        <a:font script="Gujr" typeface="Shruti"/>
+        <a:font script="Khmr" typeface="MoolBoran"/>
+        <a:font script="Knda" typeface="Tunga"/>
+        <a:font script="Guru" typeface="Raavi"/>
+        <a:font script="Cans" typeface="Euphemia"/>
+        <a:font script="Cher" typeface="Plantagenet Cherokee"/>
+        <a:font script="Yiii" typeface="Microsoft Yi Baiti"/>
+        <a:font script="Tibt" typeface="Microsoft Himalaya"/>
+        <a:font script="Thaa" typeface="MV Boli"/>
+        <a:font script="Deva" typeface="Mangal"/>
+        <a:font script="Telu" typeface="Gautami"/>
+        <a:font script="Taml" typeface="Latha"/>
+        <a:font script="Syrc" typeface="Estrangelo Edessa"/>
+        <a:font script="Orya" typeface="Kalinga"/>
+        <a:font script="Mlym" typeface="Kartika"/>
+        <a:font script="Laoo" typeface="DokChampa"/>
+        <a:font script="Sinh" typeface="Iskoola Pota"/>
+        <a:font script="Mong" typeface="Mongolian Baiti"/>
+        <a:font script="Viet" typeface="Times New Roman"/>
+        <a:font script="Uigh" typeface="Microsoft Uighur"/>
+        <a:font script="Geor" typeface="Sylfaen"/>
+      </a:majorFont>
+      <a:minorFont>
+        <a:latin typeface="Calibri"/>
+        <a:ea typeface=""/>
+        <a:cs typeface=""/>
+        <a:font script="Jpan" typeface="ＭＳ Ｐゴシック"/>
+        <a:font script="Hang" typeface="맑은 고딕"/>
+        <a:font script="Hans" typeface="宋体"/>
+        <a:font script="Hant" typeface="新細明體"/>
+        <a:font script="Arab" typeface="Arial"/>
+        <a:font script="Hebr" typeface="Arial"/>
+        <a:font script="Thai" typeface="Cordia New"/>
+        <a:font script="Ethi" typeface="Nyala"/>
+        <a:font script="Beng" typeface="Vrinda"/>
+        <a:font script="Gujr" typeface="Shruti"/>
+        <a:font script="Khmr" typeface="DaunPenh"/>
+        <a:font script="Knda" typeface="Tunga"/>
+        <a:font script="Guru" typeface="Raavi"/>
+        <a:font script="Cans" typeface="Euphemia"/>
+        <a:font script="Cher" typeface="Plantagenet Cherokee"/>
+        <a:font script="Yiii" typeface="Microsoft Yi Baiti"/>
+        <a:font script="Tibt" typeface="Microsoft Himalaya"/>
+        <a:font script="Thaa" typeface="MV Boli"/>
+        <a:font script="Deva" typeface="Mangal"/>
+        <a:font script="Telu" typeface="Gautami"/>
+        <a:font script="Taml" typeface="Latha"/>
+        <a:font script="Syrc" typeface="Estrangelo Edessa"/>
+        <a:font script="Orya" typeface="Kalinga"/>
+        <a:font script="Mlym" typeface="Kartika"/>
+        <a:font script="Laoo" typeface="DokChampa"/>
+        <a:font script="Sinh" typeface="Iskoola Pota"/>
+        <a:font script="Mong" typeface="Mongolian Baiti"/>
+        <a:font script="Viet" typeface="Arial"/>
+        <a:font script="Uigh" typeface="Microsoft Uighur"/>
+        <a:font script="Geor" typeface="Sylfaen"/>
+      </a:minorFont>
+    </a:fontScheme>
+    <a:fmtScheme name="Office">
+      <a:fillStyleLst>
+        <a:solidFill>
+          <a:schemeClr val="phClr"/>
+        </a:solidFill>
+        <a:gradFill rotWithShape="1">
+          <a:gsLst>
+            <a:gs pos="0">
+              <a:schemeClr val="phClr">
+                <a:lumMod val="110000"/>
+                <a:satMod val="105000"/>
+                <a:tint val="67000"/>
+              </a:schemeClr>
+            </a:gs>
+            <a:gs pos="50000">
+              <a:schemeClr val="phClr">
+                <a:lumMod val="105000"/>
+                <a:satMod val="103000"/>
+                <a:tint val="73000"/>
+              </a:schemeClr>
+            </a:gs>
+            <a:gs pos="100000">
+              <a:schemeClr val="phClr">
+                <a:lumMod val="105000"/>
+                <a:satMod val="109000"/>
+                <a:tint val="81000"/>
+              </a:schemeClr>
+            </a:gs>
+          </a:gsLst>
+          <a:lin ang="5400000" scaled="0"/>
+        </a:gradFill>
+        <a:gradFill rotWithShape="1">
+          <a:gsLst>
+            <a:gs pos="0">
+              <a:schemeClr val="phClr">
+                <a:satMod val="103000"/>
+                <a:lumMod val="102000"/>
+                <a:tint val="94000"/>
+              </a:schemeClr>
+            </a:gs>
+            <a:gs pos="50000">
+              <a:schemeClr val="phClr">
+                <a:satMod val="110000"/>
+                <a:lumMod val="100000"/>
+                <a:shade val="100000"/>
+              </a:schemeClr>
+            </a:gs>
+            <a:gs pos="100000">
+              <a:schemeClr val="phClr">
+                <a:lumMod val="99000"/>
+                <a:satMod val="120000"/>
+                <a:shade val="78000"/>
+              </a:schemeClr>
+            </a:gs>
+          </a:gsLst>
+          <a:lin ang="5400000" scaled="0"/>
+        </a:gradFill>
+      </a:fillStyleLst>
+      <a:lnStyleLst>
+        <a:ln w="6350" cap="flat" cmpd="sng" algn="ctr">
+          <a:solidFill>
+            <a:schemeClr val="phClr"/>
+          </a:solidFill>
+          <a:prstDash val="solid"/>
+          <a:miter lim="800000"/>
+        </a:ln>
+        <a:ln w="12700" cap="flat" cmpd="sng" algn="ctr">
+          <a:solidFill>
+            <a:schemeClr val="phClr"/>
+          </a:solidFill>
+          <a:prstDash val="solid"/>
+          <a:miter lim="800000"/>
+        </a:ln>
+        <a:ln w="19050" cap="flat" cmpd="sng" algn="ctr">
+          <a:solidFill>
+            <a:schemeClr val="phClr"/>
+          </a:solidFill>
+          <a:prstDash val="solid"/>
+          <a:miter lim="800000"/>
+        </a:ln>
+      </a:lnStyleLst>
+      <a:effectStyleLst>
+        <a:effectStyle>
+          <a:effectLst/>
+        </a:effectStyle>
+        <a:effectStyle>
+          <a:effectLst/>
+        </a:effectStyle>
+        <a:effectStyle>
+          <a:effectLst>
+            <a:outerShdw blurRad="57150" dist="19050" dir="5400000" algn="ctr" rotWithShape="0">
+              <a:srgbClr val="000000">
+                <a:alpha val="63000"/>
+              </a:srgbClr>
+            </a:outerShdw>
+          </a:effectLst>
+        </a:effectStyle>
+      </a:effectStyleLst>
+      <a:bgFillStyleLst>
+        <a:solidFill>
+          <a:schemeClr val="phClr"/>
+        </a:solidFill>
+        <a:solidFill>
+          <a:schemeClr val="phClr">
+            <a:tint val="95000"/>
+            <a:satMod val="170000"/>
+          </a:schemeClr>
+        </a:solidFill>
+        <a:gradFill rotWithShape="1">
+          <a:gsLst>
+            <a:gs pos="0">
+              <a:schemeClr val="phClr">
+                <a:tint val="93000"/>
+                <a:satMod val="150000"/>
+                <a:shade val="98000"/>
+                <a:lumMod val="102000"/>
+              </a:schemeClr>
+            </a:gs>
+            <a:gs pos="50000">
+              <a:schemeClr val="phClr">
+                <a:tint val="98000"/>
+                <a:satMod val="130000"/>
+                <a:shade val="90000"/>
+                <a:lumMod val="103000"/>
+              </a:schemeClr>
+            </a:gs>
+            <a:gs pos="100000">
+              <a:schemeClr val="phClr">
+                <a:shade val="63000"/>
+                <a:satMod val="120000"/>
+              </a:schemeClr>
+            </a:gs>
+          </a:gsLst>
+          <a:lin ang="5400000" scaled="0"/>
+        </a:gradFill>
+      </a:bgFillStyleLst>
+    </a:fmtScheme>
+  </a:themeElements>
+  <a:extLst>
+    <a:ext uri="{05A4C25C-085E-4340-85A3-A5531E510DB2}">
+      <thm15:themeFamily xmlns:thm15="http://schemas.microsoft.com/office/thememl/2012/main" name="Office Theme" id="{62F939B6-93AF-4DB8-9C6B-D6C7DFDC589F}" vid="{4A3C46E8-61CC-4603-A589-7422A47A8E4A}"/>
+    </a:ext>
+  </a:extLst>
+</a:theme>
 </file>
--- a/Web/NodeJS-Notes.pptx
+++ b/Web/NodeJS-Notes.pptx
@@ -3707,10 +3707,15 @@
             </p:custDataLst>
           </p:nvPr>
         </p:nvSpPr>
-        <p:spPr/>
+        <p:spPr>
+          <a:xfrm>
+            <a:off x="1524000" y="5299075"/>
+            <a:ext cx="9144000" cy="695325"/>
+          </a:xfrm>
+        </p:spPr>
         <p:txBody>
           <a:bodyPr>
-            <a:normAutofit fontScale="25000"/>
+            <a:normAutofit fontScale="65000"/>
           </a:bodyPr>
           <a:p>
             <a:pPr algn="ctr"/>
@@ -3724,7 +3729,7 @@
             <a:pPr algn="ctr"/>
             <a:r>
               <a:rPr lang="en-US" altLang="zh-CN" smtClean="0"/>
-              <a:t>Last updated: 10/3/2018</a:t>
+              <a:t>Last updated: 6/3/2021</a:t>
             </a:r>
             <a:endParaRPr lang="en-US" altLang="zh-CN" smtClean="0"/>
           </a:p>
@@ -3878,84 +3883,96 @@
           <a:p>
             <a:pPr lvl="0"/>
             <a:r>
-              <a:rPr lang="en-US" altLang="zh-CN" sz="2880">
+              <a:rPr lang="en-US" altLang="zh-CN" sz="2800">
                 <a:sym typeface="+mn-ea"/>
               </a:rPr>
               <a:t>Overview</a:t>
             </a:r>
-            <a:endParaRPr lang="en-US" altLang="zh-CN" sz="2880">
+            <a:endParaRPr lang="en-US" altLang="zh-CN" sz="2800">
               <a:sym typeface="+mn-ea"/>
             </a:endParaRPr>
           </a:p>
           <a:p>
             <a:pPr lvl="1"/>
             <a:r>
-              <a:rPr lang="en-US" altLang="zh-CN" sz="2400">
+              <a:rPr lang="en-US" altLang="zh-CN">
                 <a:sym typeface="+mn-ea"/>
               </a:rPr>
               <a:t>Runtime environment for executing JS code</a:t>
             </a:r>
-            <a:endParaRPr lang="en-US" altLang="zh-CN" sz="2400"/>
+            <a:endParaRPr lang="en-US" altLang="zh-CN"/>
           </a:p>
           <a:p>
             <a:pPr lvl="1"/>
             <a:r>
-              <a:rPr lang="en-US" altLang="zh-CN" sz="2400">
+              <a:rPr lang="en-US" altLang="zh-CN">
                 <a:sym typeface="+mn-ea"/>
               </a:rPr>
               <a:t>Features</a:t>
             </a:r>
-            <a:endParaRPr lang="en-US" altLang="zh-CN" sz="2400"/>
+            <a:endParaRPr lang="en-US" altLang="zh-CN"/>
           </a:p>
           <a:p>
             <a:pPr lvl="2"/>
             <a:r>
-              <a:rPr lang="en-US" altLang="zh-CN" sz="2400">
+              <a:rPr lang="en-US" altLang="zh-CN" sz="2000">
                 <a:sym typeface="+mn-ea"/>
               </a:rPr>
               <a:t>Asynchronous</a:t>
             </a:r>
-            <a:endParaRPr lang="en-US" altLang="zh-CN" sz="2400"/>
+            <a:endParaRPr lang="en-US" altLang="zh-CN" sz="2000"/>
           </a:p>
           <a:p>
             <a:pPr lvl="1"/>
             <a:r>
-              <a:rPr lang="en-US" altLang="zh-CN" sz="2400">
+              <a:rPr lang="en-US" altLang="zh-CN">
                 <a:sym typeface="+mn-ea"/>
               </a:rPr>
               <a:t>node --version</a:t>
             </a:r>
-            <a:endParaRPr lang="en-US" altLang="zh-CN" sz="2400">
+            <a:endParaRPr lang="en-US" altLang="zh-CN">
               <a:sym typeface="+mn-ea"/>
             </a:endParaRPr>
           </a:p>
           <a:p>
+            <a:pPr lvl="1"/>
+            <a:r>
+              <a:rPr lang="en-US" altLang="zh-CN">
+                <a:sym typeface="+mn-ea"/>
+              </a:rPr>
+              <a:t>node -p "process.arch"	// 32bit or 64bit</a:t>
+            </a:r>
+            <a:endParaRPr lang="en-US" altLang="zh-CN">
+              <a:sym typeface="+mn-ea"/>
+            </a:endParaRPr>
+          </a:p>
+          <a:p>
             <a:pPr lvl="0"/>
             <a:r>
-              <a:rPr lang="en-US" altLang="zh-CN"/>
+              <a:rPr lang="en-US" altLang="zh-CN" sz="2000"/>
               <a:t>Global object</a:t>
             </a:r>
-            <a:endParaRPr lang="en-US" altLang="zh-CN"/>
+            <a:endParaRPr lang="en-US" altLang="zh-CN" sz="2000"/>
           </a:p>
           <a:p>
             <a:pPr lvl="1"/>
             <a:r>
-              <a:rPr lang="en-US" altLang="zh-CN"/>
+              <a:rPr lang="en-US" altLang="zh-CN" sz="1800"/>
               <a:t>global, window, module, __filename, __dirname</a:t>
             </a:r>
-            <a:endParaRPr lang="zh-CN" altLang="zh-CN"/>
+            <a:endParaRPr lang="zh-CN" altLang="zh-CN" sz="1800"/>
           </a:p>
           <a:p>
             <a:pPr lvl="1"/>
             <a:r>
-              <a:rPr lang="en-US" altLang="zh-CN"/>
+              <a:rPr lang="en-US" altLang="zh-CN" sz="1800"/>
               <a:t>require: load module</a:t>
             </a:r>
-            <a:endParaRPr lang="en-US" altLang="zh-CN"/>
+            <a:endParaRPr lang="en-US" altLang="zh-CN" sz="1800"/>
           </a:p>
           <a:p>
             <a:pPr lvl="1"/>
-            <a:endParaRPr lang="en-US" altLang="zh-CN"/>
+            <a:endParaRPr lang="en-US" altLang="zh-CN" sz="1800"/>
           </a:p>
         </p:txBody>
       </p:sp>
@@ -4098,7 +4115,7 @@
             <a:pPr lvl="1"/>
             <a:r>
               <a:rPr lang="en-US" altLang="zh-CN"/>
-              <a:t>curl -sL https://deb.nodesource.com/setup_12.x | sudo -E bash -</a:t>
+              <a:t>curl -sL https://deb.nodesource.com/setup_14.x | sudo -E bash -</a:t>
             </a:r>
             <a:endParaRPr lang="en-US" altLang="zh-CN"/>
           </a:p>
@@ -4107,6 +4124,38 @@
             <a:r>
               <a:rPr lang="en-US" altLang="zh-CN"/>
               <a:t>sudo apt-get install -y nodejs</a:t>
+            </a:r>
+            <a:endParaRPr lang="en-US" altLang="zh-CN"/>
+          </a:p>
+          <a:p>
+            <a:pPr lvl="1"/>
+            <a:r>
+              <a:rPr lang="en-US" altLang="zh-CN"/>
+              <a:t>npm install --global windows-build-tools</a:t>
+            </a:r>
+            <a:endParaRPr lang="en-US" altLang="zh-CN"/>
+          </a:p>
+          <a:p>
+            <a:pPr lvl="0"/>
+            <a:r>
+              <a:rPr lang="en-US" altLang="zh-CN"/>
+              <a:t>FAQ</a:t>
+            </a:r>
+            <a:endParaRPr lang="en-US" altLang="zh-CN"/>
+          </a:p>
+          <a:p>
+            <a:pPr lvl="1"/>
+            <a:r>
+              <a:rPr lang="en-US" altLang="zh-CN"/>
+              <a:t>After upgrade nodejs, npm run build may fail with message like “Node Sass does not yet support your current environment:”</a:t>
+            </a:r>
+            <a:endParaRPr lang="en-US" altLang="zh-CN"/>
+          </a:p>
+          <a:p>
+            <a:pPr lvl="2"/>
+            <a:r>
+              <a:rPr lang="en-US" altLang="zh-CN"/>
+              <a:t>run “npm rebuild node-sass”</a:t>
             </a:r>
             <a:endParaRPr lang="en-US" altLang="zh-CN"/>
           </a:p>
@@ -5196,7 +5245,7 @@
         <p:spPr/>
         <p:txBody>
           <a:bodyPr>
-            <a:normAutofit lnSpcReduction="10000"/>
+            <a:normAutofit lnSpcReduction="20000"/>
           </a:bodyPr>
           <a:p>
             <a:r>
@@ -5225,6 +5274,14 @@
             <a:pPr lvl="1"/>
             <a:r>
               <a:rPr lang="en-US" altLang="zh-CN"/>
+              <a:t>npm uninstall &lt;package-name&gt;</a:t>
+            </a:r>
+            <a:endParaRPr lang="en-US" altLang="zh-CN"/>
+          </a:p>
+          <a:p>
+            <a:pPr lvl="1"/>
+            <a:r>
+              <a:rPr lang="en-US" altLang="zh-CN"/>
               <a:t>npm list -g		// list installed packages</a:t>
             </a:r>
             <a:endParaRPr lang="en-US" altLang="zh-CN"/>
@@ -5274,6 +5331,14 @@
             <a:r>
               <a:rPr lang="en-US" altLang="zh-CN"/>
               <a:t>cnpm install ...</a:t>
+            </a:r>
+            <a:endParaRPr lang="en-US" altLang="zh-CN"/>
+          </a:p>
+          <a:p>
+            <a:pPr lvl="1"/>
+            <a:r>
+              <a:rPr lang="en-US" altLang="zh-CN"/>
+              <a:t>https://docs.npmjs.com/common-errors</a:t>
             </a:r>
             <a:endParaRPr lang="en-US" altLang="zh-CN"/>
           </a:p>

--- a/Web/NodeJS-Notes.pptx
+++ b/Web/NodeJS-Notes.pptx
@@ -5242,10 +5242,15 @@
             <p:ph idx="1"/>
           </p:nvPr>
         </p:nvSpPr>
-        <p:spPr/>
+        <p:spPr>
+          <a:xfrm>
+            <a:off x="838200" y="1211580"/>
+            <a:ext cx="5118100" cy="5032375"/>
+          </a:xfrm>
+        </p:spPr>
         <p:txBody>
           <a:bodyPr>
-            <a:normAutofit lnSpcReduction="20000"/>
+            <a:normAutofit fontScale="70000"/>
           </a:bodyPr>
           <a:p>
             <a:r>
@@ -5266,6 +5271,14 @@
             <a:pPr lvl="1"/>
             <a:r>
               <a:rPr lang="en-US" altLang="zh-CN"/>
+              <a:t>npm install -g npm</a:t>
+            </a:r>
+            <a:endParaRPr lang="en-US" altLang="zh-CN"/>
+          </a:p>
+          <a:p>
+            <a:pPr lvl="1"/>
+            <a:r>
+              <a:rPr lang="en-US" altLang="zh-CN"/>
               <a:t>npm install -g &lt;package-name&gt;@version-number</a:t>
             </a:r>
             <a:endParaRPr lang="en-US" altLang="zh-CN"/>
@@ -5343,34 +5356,255 @@
             <a:endParaRPr lang="en-US" altLang="zh-CN"/>
           </a:p>
           <a:p>
+            <a:pPr lvl="1"/>
+            <a:r>
+              <a:rPr lang="en-US" altLang="zh-CN"/>
+              <a:t>cnpm view &lt;package-name&gt; versions</a:t>
+            </a:r>
+            <a:endParaRPr lang="en-US" altLang="zh-CN"/>
+          </a:p>
+          <a:p>
+            <a:pPr lvl="2"/>
+            <a:r>
+              <a:rPr lang="en-US" altLang="zh-CN" sz="1800"/>
+              <a:t>cnpm view vue-panzoom versions</a:t>
+            </a:r>
+            <a:endParaRPr lang="en-US" altLang="zh-CN" sz="1800"/>
+          </a:p>
+          <a:p>
+            <a:pPr lvl="1"/>
+            <a:r>
+              <a:rPr lang="en-US" altLang="zh-CN" sz="2000"/>
+              <a:t>cnpm uninstall &lt;package-name&gt;</a:t>
+            </a:r>
+            <a:endParaRPr lang="en-US" altLang="zh-CN" sz="2000"/>
+          </a:p>
+          <a:p>
+            <a:pPr lvl="1"/>
+            <a:r>
+              <a:rPr lang="en-US" altLang="zh-CN">
+                <a:sym typeface="+mn-ea"/>
+              </a:rPr>
+              <a:t>cnpm rebuild</a:t>
+            </a:r>
+            <a:endParaRPr lang="en-US" altLang="zh-CN">
+              <a:sym typeface="+mn-ea"/>
+            </a:endParaRPr>
+          </a:p>
+        </p:txBody>
+      </p:sp>
+      <p:sp>
+        <p:nvSpPr>
+          <p:cNvPr id="4" name="内容占位符 2"/>
+          <p:cNvSpPr>
+            <a:spLocks noGrp="1"/>
+          </p:cNvSpPr>
+          <p:nvPr/>
+        </p:nvSpPr>
+        <p:spPr>
+          <a:xfrm>
+            <a:off x="6657340" y="1195070"/>
+            <a:ext cx="5393690" cy="5032375"/>
+          </a:xfrm>
+          <a:prstGeom prst="rect">
+            <a:avLst/>
+          </a:prstGeom>
+        </p:spPr>
+        <p:txBody>
+          <a:bodyPr vert="horz" lIns="91440" tIns="45720" rIns="91440" bIns="45720" rtlCol="0"/>
+          <a:lstStyle>
+            <a:lvl1pPr marL="342900" indent="-342900" algn="l" defTabSz="914400" rtl="0" eaLnBrk="1" latinLnBrk="0" hangingPunct="1">
+              <a:lnSpc>
+                <a:spcPct val="90000"/>
+              </a:lnSpc>
+              <a:spcBef>
+                <a:spcPts val="1000"/>
+              </a:spcBef>
+              <a:buFont typeface="黑体" panose="02010609060101010101" pitchFamily="49" charset="-122"/>
+              <a:buChar char="〉"/>
+              <a:defRPr sz="2400" kern="1200">
+                <a:solidFill>
+                  <a:schemeClr val="tx1"/>
+                </a:solidFill>
+                <a:latin typeface="+mn-lt"/>
+                <a:ea typeface="+mn-ea"/>
+                <a:cs typeface="+mn-cs"/>
+              </a:defRPr>
+            </a:lvl1pPr>
+            <a:lvl2pPr marL="800100" indent="-342900" algn="l" defTabSz="914400" rtl="0" eaLnBrk="1" latinLnBrk="0" hangingPunct="1">
+              <a:lnSpc>
+                <a:spcPct val="90000"/>
+              </a:lnSpc>
+              <a:spcBef>
+                <a:spcPts val="500"/>
+              </a:spcBef>
+              <a:buFont typeface="Arial" panose="020B0604020202020204" pitchFamily="34" charset="0"/>
+              <a:buChar char="•"/>
+              <a:defRPr sz="2000" kern="1200">
+                <a:solidFill>
+                  <a:schemeClr val="tx1"/>
+                </a:solidFill>
+                <a:latin typeface="+mn-lt"/>
+                <a:ea typeface="+mn-ea"/>
+                <a:cs typeface="+mn-cs"/>
+              </a:defRPr>
+            </a:lvl2pPr>
+            <a:lvl3pPr marL="1257300" indent="-342900" algn="l" defTabSz="914400" rtl="0" eaLnBrk="1" latinLnBrk="0" hangingPunct="1">
+              <a:lnSpc>
+                <a:spcPct val="90000"/>
+              </a:lnSpc>
+              <a:spcBef>
+                <a:spcPts val="500"/>
+              </a:spcBef>
+              <a:buFont typeface="Arial" panose="020B0604020202020204" pitchFamily="34" charset="0"/>
+              <a:buChar char="•"/>
+              <a:defRPr sz="1800" kern="1200">
+                <a:solidFill>
+                  <a:schemeClr val="tx1"/>
+                </a:solidFill>
+                <a:latin typeface="+mn-lt"/>
+                <a:ea typeface="+mn-ea"/>
+                <a:cs typeface="+mn-cs"/>
+              </a:defRPr>
+            </a:lvl3pPr>
+            <a:lvl4pPr marL="1657350" indent="-285750" algn="l" defTabSz="914400" rtl="0" eaLnBrk="1" latinLnBrk="0" hangingPunct="1">
+              <a:lnSpc>
+                <a:spcPct val="90000"/>
+              </a:lnSpc>
+              <a:spcBef>
+                <a:spcPts val="500"/>
+              </a:spcBef>
+              <a:buFont typeface="Arial" panose="020B0604020202020204" pitchFamily="34" charset="0"/>
+              <a:buChar char="•"/>
+              <a:defRPr sz="1800" kern="1200">
+                <a:solidFill>
+                  <a:schemeClr val="tx1"/>
+                </a:solidFill>
+                <a:latin typeface="+mn-lt"/>
+                <a:ea typeface="+mn-ea"/>
+                <a:cs typeface="+mn-cs"/>
+              </a:defRPr>
+            </a:lvl4pPr>
+            <a:lvl5pPr marL="2114550" indent="-285750" algn="l" defTabSz="914400" rtl="0" eaLnBrk="1" latinLnBrk="0" hangingPunct="1">
+              <a:lnSpc>
+                <a:spcPct val="90000"/>
+              </a:lnSpc>
+              <a:spcBef>
+                <a:spcPts val="500"/>
+              </a:spcBef>
+              <a:buFont typeface="Arial" panose="020B0604020202020204" pitchFamily="34" charset="0"/>
+              <a:buChar char="•"/>
+              <a:defRPr sz="1800" kern="1200">
+                <a:solidFill>
+                  <a:schemeClr val="tx1"/>
+                </a:solidFill>
+                <a:latin typeface="+mn-lt"/>
+                <a:ea typeface="+mn-ea"/>
+                <a:cs typeface="+mn-cs"/>
+              </a:defRPr>
+            </a:lvl5pPr>
+            <a:lvl6pPr marL="2514600" indent="-228600" algn="l" defTabSz="914400" rtl="0" eaLnBrk="1" latinLnBrk="0" hangingPunct="1">
+              <a:lnSpc>
+                <a:spcPct val="90000"/>
+              </a:lnSpc>
+              <a:spcBef>
+                <a:spcPts val="500"/>
+              </a:spcBef>
+              <a:buFont typeface="Arial" panose="020B0604020202020204" pitchFamily="34" charset="0"/>
+              <a:buChar char="•"/>
+              <a:defRPr sz="1800" kern="1200">
+                <a:solidFill>
+                  <a:schemeClr val="tx1"/>
+                </a:solidFill>
+                <a:latin typeface="+mn-lt"/>
+                <a:ea typeface="+mn-ea"/>
+                <a:cs typeface="+mn-cs"/>
+              </a:defRPr>
+            </a:lvl6pPr>
+            <a:lvl7pPr marL="2971800" indent="-228600" algn="l" defTabSz="914400" rtl="0" eaLnBrk="1" latinLnBrk="0" hangingPunct="1">
+              <a:lnSpc>
+                <a:spcPct val="90000"/>
+              </a:lnSpc>
+              <a:spcBef>
+                <a:spcPts val="500"/>
+              </a:spcBef>
+              <a:buFont typeface="Arial" panose="020B0604020202020204" pitchFamily="34" charset="0"/>
+              <a:buChar char="•"/>
+              <a:defRPr sz="1800" kern="1200">
+                <a:solidFill>
+                  <a:schemeClr val="tx1"/>
+                </a:solidFill>
+                <a:latin typeface="+mn-lt"/>
+                <a:ea typeface="+mn-ea"/>
+                <a:cs typeface="+mn-cs"/>
+              </a:defRPr>
+            </a:lvl7pPr>
+            <a:lvl8pPr marL="3429000" indent="-228600" algn="l" defTabSz="914400" rtl="0" eaLnBrk="1" latinLnBrk="0" hangingPunct="1">
+              <a:lnSpc>
+                <a:spcPct val="90000"/>
+              </a:lnSpc>
+              <a:spcBef>
+                <a:spcPts val="500"/>
+              </a:spcBef>
+              <a:buFont typeface="Arial" panose="020B0604020202020204" pitchFamily="34" charset="0"/>
+              <a:buChar char="•"/>
+              <a:defRPr sz="1800" kern="1200">
+                <a:solidFill>
+                  <a:schemeClr val="tx1"/>
+                </a:solidFill>
+                <a:latin typeface="+mn-lt"/>
+                <a:ea typeface="+mn-ea"/>
+                <a:cs typeface="+mn-cs"/>
+              </a:defRPr>
+            </a:lvl8pPr>
+            <a:lvl9pPr marL="3886200" indent="-228600" algn="l" defTabSz="914400" rtl="0" eaLnBrk="1" latinLnBrk="0" hangingPunct="1">
+              <a:lnSpc>
+                <a:spcPct val="90000"/>
+              </a:lnSpc>
+              <a:spcBef>
+                <a:spcPts val="500"/>
+              </a:spcBef>
+              <a:buFont typeface="Arial" panose="020B0604020202020204" pitchFamily="34" charset="0"/>
+              <a:buChar char="•"/>
+              <a:defRPr sz="1800" kern="1200">
+                <a:solidFill>
+                  <a:schemeClr val="tx1"/>
+                </a:solidFill>
+                <a:latin typeface="+mn-lt"/>
+                <a:ea typeface="+mn-ea"/>
+                <a:cs typeface="+mn-cs"/>
+              </a:defRPr>
+            </a:lvl9pPr>
+          </a:lstStyle>
+          <a:p>
             <a:pPr lvl="0"/>
             <a:r>
-              <a:rPr lang="en-US" altLang="zh-CN" sz="2400">
+              <a:rPr lang="en-US" altLang="zh-CN" sz="2000">
                 <a:sym typeface="+mn-ea"/>
               </a:rPr>
               <a:t>yarn</a:t>
             </a:r>
-            <a:endParaRPr lang="en-US" altLang="zh-CN" sz="2400"/>
+            <a:endParaRPr lang="en-US" altLang="zh-CN" sz="2000"/>
           </a:p>
           <a:p>
             <a:pPr lvl="1"/>
             <a:r>
-              <a:rPr lang="en-US" altLang="zh-CN">
+              <a:rPr lang="en-US" altLang="zh-CN" sz="1800">
                 <a:sym typeface="+mn-ea"/>
               </a:rPr>
               <a:t>cnpm i -g yarn</a:t>
             </a:r>
-            <a:endParaRPr lang="en-US" altLang="zh-CN"/>
+            <a:endParaRPr lang="en-US" altLang="zh-CN" sz="1800"/>
           </a:p>
           <a:p>
             <a:pPr lvl="1"/>
             <a:r>
-              <a:rPr lang="en-US" altLang="zh-CN">
+              <a:rPr lang="en-US" altLang="zh-CN" sz="1800">
                 <a:sym typeface="+mn-ea"/>
               </a:rPr>
               <a:t>yarn config set registry 'https://registry.npm.taobao.org</a:t>
             </a:r>
-            <a:endParaRPr lang="en-US" altLang="zh-CN">
+            <a:endParaRPr lang="en-US" altLang="zh-CN" sz="1800">
               <a:sym typeface="+mn-ea"/>
             </a:endParaRPr>
           </a:p>

--- a/Web/NodeJS-Notes.pptx
+++ b/Web/NodeJS-Notes.pptx
@@ -5,10 +5,10 @@
     <p:sldMasterId id="2147483648" r:id="rId1"/>
   </p:sldMasterIdLst>
   <p:notesMasterIdLst>
-    <p:notesMasterId r:id="rId13"/>
+    <p:notesMasterId r:id="rId17"/>
   </p:notesMasterIdLst>
   <p:handoutMasterIdLst>
-    <p:handoutMasterId r:id="rId14"/>
+    <p:handoutMasterId r:id="rId18"/>
   </p:handoutMasterIdLst>
   <p:sldIdLst>
     <p:sldId id="256" r:id="rId3"/>
@@ -20,10 +20,17 @@
     <p:sldId id="279" r:id="rId9"/>
     <p:sldId id="268" r:id="rId10"/>
     <p:sldId id="270" r:id="rId11"/>
-    <p:sldId id="261" r:id="rId12"/>
+    <p:sldId id="291" r:id="rId12"/>
+    <p:sldId id="293" r:id="rId13"/>
+    <p:sldId id="292" r:id="rId14"/>
+    <p:sldId id="296" r:id="rId15"/>
+    <p:sldId id="261" r:id="rId16"/>
   </p:sldIdLst>
   <p:sldSz cx="12192000" cy="6858000"/>
   <p:notesSz cx="6858000" cy="9144000"/>
+  <p:custDataLst>
+    <p:tags r:id="rId22"/>
+  </p:custDataLst>
   <p:defaultTextStyle>
     <a:defPPr>
       <a:defRPr lang="zh-CN"/>
@@ -3755,6 +3762,1141 @@
         <p:cNvGrpSpPr/>
         <p:nvPr/>
       </p:nvGrpSpPr>
+      <p:grpSpPr/>
+      <p:sp>
+        <p:nvSpPr>
+          <p:cNvPr id="2" name="标题 1"/>
+          <p:cNvSpPr>
+            <a:spLocks noGrp="1"/>
+          </p:cNvSpPr>
+          <p:nvPr>
+            <p:ph type="title"/>
+          </p:nvPr>
+        </p:nvSpPr>
+        <p:spPr/>
+        <p:txBody>
+          <a:bodyPr/>
+          <a:p>
+            <a:r>
+              <a:rPr lang="en-US" altLang="zh-CN"/>
+              <a:t>Set Up Web Server</a:t>
+            </a:r>
+            <a:endParaRPr lang="en-US" altLang="zh-CN"/>
+          </a:p>
+        </p:txBody>
+      </p:sp>
+      <p:sp>
+        <p:nvSpPr>
+          <p:cNvPr id="3" name="内容占位符 2"/>
+          <p:cNvSpPr>
+            <a:spLocks noGrp="1"/>
+          </p:cNvSpPr>
+          <p:nvPr>
+            <p:ph idx="1"/>
+          </p:nvPr>
+        </p:nvSpPr>
+        <p:spPr>
+          <a:xfrm>
+            <a:off x="838200" y="1211580"/>
+            <a:ext cx="5915025" cy="4549140"/>
+          </a:xfrm>
+        </p:spPr>
+        <p:txBody>
+          <a:bodyPr>
+            <a:normAutofit lnSpcReduction="20000"/>
+          </a:bodyPr>
+          <a:p>
+            <a:r>
+              <a:rPr lang="en-US" altLang="zh-CN"/>
+              <a:t>References</a:t>
+            </a:r>
+            <a:endParaRPr lang="en-US" altLang="zh-CN"/>
+          </a:p>
+          <a:p>
+            <a:pPr lvl="1"/>
+            <a:r>
+              <a:rPr lang="en-US" altLang="zh-CN"/>
+              <a:t>https://nodejs.org/en/docs/guides/nodejs-docker-webapp/</a:t>
+            </a:r>
+            <a:endParaRPr lang="en-US" altLang="zh-CN"/>
+          </a:p>
+          <a:p>
+            <a:r>
+              <a:rPr lang="en-US" altLang="zh-CN"/>
+              <a:t>Steps</a:t>
+            </a:r>
+            <a:endParaRPr lang="en-US" altLang="zh-CN"/>
+          </a:p>
+          <a:p>
+            <a:pPr lvl="1"/>
+            <a:r>
+              <a:rPr lang="en-US" altLang="zh-CN"/>
+              <a:t>mkdir proj &amp; cd proj</a:t>
+            </a:r>
+            <a:endParaRPr lang="en-US" altLang="zh-CN"/>
+          </a:p>
+          <a:p>
+            <a:pPr lvl="1"/>
+            <a:r>
+              <a:rPr lang="en-US" altLang="zh-CN"/>
+              <a:t>cnpm init</a:t>
+            </a:r>
+            <a:endParaRPr lang="en-US" altLang="zh-CN"/>
+          </a:p>
+          <a:p>
+            <a:pPr lvl="1"/>
+            <a:r>
+              <a:rPr lang="en-US" altLang="zh-CN"/>
+              <a:t>create app.js</a:t>
+            </a:r>
+            <a:endParaRPr lang="en-US" altLang="zh-CN"/>
+          </a:p>
+          <a:p>
+            <a:pPr lvl="1"/>
+            <a:r>
+              <a:rPr lang="en-US" altLang="zh-CN"/>
+              <a:t>create package.json</a:t>
+            </a:r>
+            <a:endParaRPr lang="en-US" altLang="zh-CN"/>
+          </a:p>
+          <a:p>
+            <a:pPr lvl="1"/>
+            <a:r>
+              <a:rPr lang="en-US" altLang="zh-CN"/>
+              <a:t>run “node app.js”</a:t>
+            </a:r>
+            <a:endParaRPr lang="en-US" altLang="zh-CN"/>
+          </a:p>
+          <a:p>
+            <a:pPr lvl="0"/>
+            <a:endParaRPr lang="en-US" altLang="zh-CN"/>
+          </a:p>
+        </p:txBody>
+      </p:sp>
+      <p:sp>
+        <p:nvSpPr>
+          <p:cNvPr id="4" name="文本框 3"/>
+          <p:cNvSpPr txBox="1"/>
+          <p:nvPr/>
+        </p:nvSpPr>
+        <p:spPr>
+          <a:xfrm>
+            <a:off x="6980555" y="406400"/>
+            <a:ext cx="4267200" cy="3630930"/>
+          </a:xfrm>
+          <a:prstGeom prst="rect">
+            <a:avLst/>
+          </a:prstGeom>
+          <a:noFill/>
+          <a:ln>
+            <a:solidFill>
+              <a:srgbClr val="C00000"/>
+            </a:solidFill>
+          </a:ln>
+        </p:spPr>
+        <p:txBody>
+          <a:bodyPr wrap="square" rtlCol="0" anchor="t">
+            <a:spAutoFit/>
+          </a:bodyPr>
+          <a:p>
+            <a:r>
+              <a:rPr lang="en-US" altLang="zh-CN" sz="1000" b="1"/>
+              <a:t>server.js</a:t>
+            </a:r>
+            <a:endParaRPr lang="en-US" altLang="zh-CN" sz="1000" b="1"/>
+          </a:p>
+          <a:p>
+            <a:endParaRPr lang="en-US" altLang="zh-CN" sz="1000"/>
+          </a:p>
+          <a:p>
+            <a:r>
+              <a:rPr lang="zh-CN" altLang="en-US" sz="1000"/>
+              <a:t>const express = require("express");</a:t>
+            </a:r>
+            <a:endParaRPr lang="zh-CN" altLang="en-US" sz="1000"/>
+          </a:p>
+          <a:p>
+            <a:r>
+              <a:rPr lang="zh-CN" altLang="en-US" sz="1000"/>
+              <a:t>const bodyParser = require("body-parser")</a:t>
+            </a:r>
+            <a:endParaRPr lang="zh-CN" altLang="en-US" sz="1000"/>
+          </a:p>
+          <a:p>
+            <a:endParaRPr lang="zh-CN" altLang="en-US" sz="1000"/>
+          </a:p>
+          <a:p>
+            <a:r>
+              <a:rPr lang="zh-CN" altLang="en-US" sz="1000"/>
+              <a:t>// New app using express module</a:t>
+            </a:r>
+            <a:endParaRPr lang="zh-CN" altLang="en-US" sz="1000"/>
+          </a:p>
+          <a:p>
+            <a:r>
+              <a:rPr lang="zh-CN" altLang="en-US" sz="1000"/>
+              <a:t>const app = express();</a:t>
+            </a:r>
+            <a:endParaRPr lang="zh-CN" altLang="en-US" sz="1000"/>
+          </a:p>
+          <a:p>
+            <a:r>
+              <a:rPr lang="zh-CN" altLang="en-US" sz="1000"/>
+              <a:t>app.use(bodyParser.urlencoded({</a:t>
+            </a:r>
+            <a:endParaRPr lang="zh-CN" altLang="en-US" sz="1000"/>
+          </a:p>
+          <a:p>
+            <a:r>
+              <a:rPr lang="zh-CN" altLang="en-US" sz="1000"/>
+              <a:t>  extended:true</a:t>
+            </a:r>
+            <a:endParaRPr lang="zh-CN" altLang="en-US" sz="1000"/>
+          </a:p>
+          <a:p>
+            <a:r>
+              <a:rPr lang="zh-CN" altLang="en-US" sz="1000"/>
+              <a:t>}));</a:t>
+            </a:r>
+            <a:endParaRPr lang="zh-CN" altLang="en-US" sz="1000"/>
+          </a:p>
+          <a:p>
+            <a:endParaRPr lang="zh-CN" altLang="en-US" sz="1000"/>
+          </a:p>
+          <a:p>
+            <a:r>
+              <a:rPr lang="zh-CN" altLang="en-US" sz="1000"/>
+              <a:t>app.get("/", function(req, res) {</a:t>
+            </a:r>
+            <a:endParaRPr lang="zh-CN" altLang="en-US" sz="1000"/>
+          </a:p>
+          <a:p>
+            <a:r>
+              <a:rPr lang="zh-CN" altLang="en-US" sz="1000"/>
+              <a:t>  console.log('Received get request')</a:t>
+            </a:r>
+            <a:endParaRPr lang="zh-CN" altLang="en-US" sz="1000"/>
+          </a:p>
+          <a:p>
+            <a:r>
+              <a:rPr lang="zh-CN" altLang="en-US" sz="1000"/>
+              <a:t>  res.send('Received get request')</a:t>
+            </a:r>
+            <a:endParaRPr lang="zh-CN" altLang="en-US" sz="1000"/>
+          </a:p>
+          <a:p>
+            <a:r>
+              <a:rPr lang="zh-CN" altLang="en-US" sz="1000"/>
+              <a:t>});</a:t>
+            </a:r>
+            <a:endParaRPr lang="zh-CN" altLang="en-US" sz="1000"/>
+          </a:p>
+          <a:p>
+            <a:endParaRPr lang="zh-CN" altLang="en-US" sz="1000"/>
+          </a:p>
+          <a:p>
+            <a:r>
+              <a:rPr lang="zh-CN" altLang="en-US" sz="1000"/>
+              <a:t>app.post("/qrcode", function(req, res) {</a:t>
+            </a:r>
+            <a:endParaRPr lang="zh-CN" altLang="en-US" sz="1000"/>
+          </a:p>
+          <a:p>
+            <a:r>
+              <a:rPr lang="zh-CN" altLang="en-US" sz="1000"/>
+              <a:t>  res.send("Received post request, body=", req.body);</a:t>
+            </a:r>
+            <a:endParaRPr lang="zh-CN" altLang="en-US" sz="1000"/>
+          </a:p>
+          <a:p>
+            <a:r>
+              <a:rPr lang="zh-CN" altLang="en-US" sz="1000"/>
+              <a:t>});</a:t>
+            </a:r>
+            <a:endParaRPr lang="zh-CN" altLang="en-US" sz="1000"/>
+          </a:p>
+          <a:p>
+            <a:endParaRPr lang="zh-CN" altLang="en-US" sz="1000"/>
+          </a:p>
+          <a:p>
+            <a:r>
+              <a:rPr lang="zh-CN" altLang="en-US" sz="1000"/>
+              <a:t>app.listen(8080, function(){</a:t>
+            </a:r>
+            <a:endParaRPr lang="zh-CN" altLang="en-US" sz="1000"/>
+          </a:p>
+          <a:p>
+            <a:r>
+              <a:rPr lang="zh-CN" altLang="en-US" sz="1000"/>
+              <a:t>  console.log("server is running on port 8080");</a:t>
+            </a:r>
+            <a:endParaRPr lang="zh-CN" altLang="en-US" sz="1000"/>
+          </a:p>
+          <a:p>
+            <a:r>
+              <a:rPr lang="zh-CN" altLang="en-US" sz="1000"/>
+              <a:t>})</a:t>
+            </a:r>
+            <a:endParaRPr lang="zh-CN" altLang="en-US" sz="1000"/>
+          </a:p>
+        </p:txBody>
+      </p:sp>
+      <p:sp>
+        <p:nvSpPr>
+          <p:cNvPr id="6" name="文本框 5"/>
+          <p:cNvSpPr txBox="1"/>
+          <p:nvPr/>
+        </p:nvSpPr>
+        <p:spPr>
+          <a:xfrm>
+            <a:off x="6980555" y="4037330"/>
+            <a:ext cx="4266565" cy="2553335"/>
+          </a:xfrm>
+          <a:prstGeom prst="rect">
+            <a:avLst/>
+          </a:prstGeom>
+          <a:noFill/>
+          <a:ln>
+            <a:solidFill>
+              <a:srgbClr val="C00000"/>
+            </a:solidFill>
+          </a:ln>
+        </p:spPr>
+        <p:txBody>
+          <a:bodyPr wrap="square" rtlCol="0" anchor="t">
+            <a:spAutoFit/>
+          </a:bodyPr>
+          <a:p>
+            <a:r>
+              <a:rPr lang="en-US" altLang="zh-CN" sz="1000" b="1"/>
+              <a:t>package.json</a:t>
+            </a:r>
+            <a:endParaRPr lang="en-US" altLang="zh-CN" sz="1000" b="1"/>
+          </a:p>
+          <a:p>
+            <a:endParaRPr lang="en-US" altLang="zh-CN" sz="1000"/>
+          </a:p>
+          <a:p>
+            <a:r>
+              <a:rPr lang="zh-CN" altLang="en-US" sz="1000"/>
+              <a:t>{</a:t>
+            </a:r>
+            <a:endParaRPr lang="zh-CN" altLang="en-US" sz="1000"/>
+          </a:p>
+          <a:p>
+            <a:r>
+              <a:rPr lang="zh-CN" altLang="en-US" sz="1000"/>
+              <a:t>  "name": "docker_web_app",</a:t>
+            </a:r>
+            <a:endParaRPr lang="zh-CN" altLang="en-US" sz="1000"/>
+          </a:p>
+          <a:p>
+            <a:r>
+              <a:rPr lang="zh-CN" altLang="en-US" sz="1000"/>
+              <a:t>  "version": "1.0.0",</a:t>
+            </a:r>
+            <a:endParaRPr lang="zh-CN" altLang="en-US" sz="1000"/>
+          </a:p>
+          <a:p>
+            <a:r>
+              <a:rPr lang="zh-CN" altLang="en-US" sz="1000"/>
+              <a:t>  "description": "Node.js on Docker",</a:t>
+            </a:r>
+            <a:endParaRPr lang="zh-CN" altLang="en-US" sz="1000"/>
+          </a:p>
+          <a:p>
+            <a:r>
+              <a:rPr lang="zh-CN" altLang="en-US" sz="1000"/>
+              <a:t>  "author": "First Last &lt;first.last@example.com&gt;",</a:t>
+            </a:r>
+            <a:endParaRPr lang="zh-CN" altLang="en-US" sz="1000"/>
+          </a:p>
+          <a:p>
+            <a:r>
+              <a:rPr lang="zh-CN" altLang="en-US" sz="1000"/>
+              <a:t>  "main": "server.js",</a:t>
+            </a:r>
+            <a:endParaRPr lang="zh-CN" altLang="en-US" sz="1000"/>
+          </a:p>
+          <a:p>
+            <a:r>
+              <a:rPr lang="zh-CN" altLang="en-US" sz="1000"/>
+              <a:t>  "scripts": {</a:t>
+            </a:r>
+            <a:endParaRPr lang="zh-CN" altLang="en-US" sz="1000"/>
+          </a:p>
+          <a:p>
+            <a:r>
+              <a:rPr lang="zh-CN" altLang="en-US" sz="1000"/>
+              <a:t>    "start": "node server.js"</a:t>
+            </a:r>
+            <a:endParaRPr lang="zh-CN" altLang="en-US" sz="1000"/>
+          </a:p>
+          <a:p>
+            <a:r>
+              <a:rPr lang="zh-CN" altLang="en-US" sz="1000"/>
+              <a:t>  },</a:t>
+            </a:r>
+            <a:endParaRPr lang="zh-CN" altLang="en-US" sz="1000"/>
+          </a:p>
+          <a:p>
+            <a:r>
+              <a:rPr lang="zh-CN" altLang="en-US" sz="1000"/>
+              <a:t>  "dependencies": {</a:t>
+            </a:r>
+            <a:endParaRPr lang="zh-CN" altLang="en-US" sz="1000"/>
+          </a:p>
+          <a:p>
+            <a:r>
+              <a:rPr lang="zh-CN" altLang="en-US" sz="1000"/>
+              <a:t>    "express": "^4.16.1",</a:t>
+            </a:r>
+            <a:endParaRPr lang="zh-CN" altLang="en-US" sz="1000"/>
+          </a:p>
+          <a:p>
+            <a:r>
+              <a:rPr lang="zh-CN" altLang="en-US" sz="1000"/>
+              <a:t>    "body-parser": "^1.19.1"</a:t>
+            </a:r>
+            <a:endParaRPr lang="zh-CN" altLang="en-US" sz="1000"/>
+          </a:p>
+          <a:p>
+            <a:r>
+              <a:rPr lang="zh-CN" altLang="en-US" sz="1000"/>
+              <a:t>  }</a:t>
+            </a:r>
+            <a:endParaRPr lang="zh-CN" altLang="en-US" sz="1000"/>
+          </a:p>
+          <a:p>
+            <a:r>
+              <a:rPr lang="zh-CN" altLang="en-US" sz="1000"/>
+              <a:t>}</a:t>
+            </a:r>
+            <a:endParaRPr lang="zh-CN" altLang="en-US" sz="1000"/>
+          </a:p>
+        </p:txBody>
+      </p:sp>
+    </p:spTree>
+    <p:custDataLst>
+      <p:tags r:id="rId1"/>
+    </p:custDataLst>
+  </p:cSld>
+  <p:clrMapOvr>
+    <a:masterClrMapping/>
+  </p:clrMapOvr>
+</p:sld>
+</file>
+
+<file path=ppt/slides/slide11.xml><?xml version="1.0" encoding="utf-8"?>
+<p:sld xmlns:a="http://schemas.openxmlformats.org/drawingml/2006/main" xmlns:r="http://schemas.openxmlformats.org/officeDocument/2006/relationships" xmlns:p="http://schemas.openxmlformats.org/presentationml/2006/main">
+  <p:cSld>
+    <p:spTree>
+      <p:nvGrpSpPr>
+        <p:cNvPr id="1" name=""/>
+        <p:cNvGrpSpPr/>
+        <p:nvPr/>
+      </p:nvGrpSpPr>
+      <p:grpSpPr/>
+      <p:sp>
+        <p:nvSpPr>
+          <p:cNvPr id="2" name="标题 1"/>
+          <p:cNvSpPr>
+            <a:spLocks noGrp="1"/>
+          </p:cNvSpPr>
+          <p:nvPr>
+            <p:ph type="title"/>
+          </p:nvPr>
+        </p:nvSpPr>
+        <p:spPr/>
+        <p:txBody>
+          <a:bodyPr/>
+          <a:p>
+            <a:r>
+              <a:rPr lang="en-US" altLang="zh-CN"/>
+              <a:t>Web Server using Docker</a:t>
+            </a:r>
+            <a:endParaRPr lang="en-US" altLang="zh-CN"/>
+          </a:p>
+        </p:txBody>
+      </p:sp>
+      <p:sp>
+        <p:nvSpPr>
+          <p:cNvPr id="3" name="内容占位符 2"/>
+          <p:cNvSpPr>
+            <a:spLocks noGrp="1"/>
+          </p:cNvSpPr>
+          <p:nvPr>
+            <p:ph idx="1"/>
+          </p:nvPr>
+        </p:nvSpPr>
+        <p:spPr>
+          <a:xfrm>
+            <a:off x="838200" y="1211580"/>
+            <a:ext cx="6300470" cy="4549140"/>
+          </a:xfrm>
+        </p:spPr>
+        <p:txBody>
+          <a:bodyPr/>
+          <a:p>
+            <a:pPr lvl="0"/>
+            <a:r>
+              <a:rPr lang="en-US" altLang="zh-CN" sz="2400">
+                <a:sym typeface="+mn-ea"/>
+              </a:rPr>
+              <a:t>Docker</a:t>
+            </a:r>
+            <a:endParaRPr lang="en-US" altLang="zh-CN" sz="2400"/>
+          </a:p>
+          <a:p>
+            <a:pPr lvl="1"/>
+            <a:r>
+              <a:rPr lang="en-US" altLang="zh-CN" sz="2400">
+                <a:sym typeface="+mn-ea"/>
+              </a:rPr>
+              <a:t>create Dockerfile</a:t>
+            </a:r>
+            <a:endParaRPr lang="en-US" altLang="zh-CN" sz="2400"/>
+          </a:p>
+          <a:p>
+            <a:pPr lvl="1"/>
+            <a:r>
+              <a:rPr lang="en-US" altLang="zh-CN" sz="2400">
+                <a:sym typeface="+mn-ea"/>
+              </a:rPr>
+              <a:t>create server.js</a:t>
+            </a:r>
+            <a:endParaRPr lang="en-US" altLang="zh-CN" sz="2400"/>
+          </a:p>
+          <a:p>
+            <a:pPr lvl="1"/>
+            <a:r>
+              <a:rPr lang="en-US" altLang="zh-CN" sz="2400">
+                <a:sym typeface="+mn-ea"/>
+              </a:rPr>
+              <a:t>run “docker build . -t node-web-app”</a:t>
+            </a:r>
+            <a:endParaRPr lang="en-US" altLang="zh-CN" sz="2400">
+              <a:sym typeface="+mn-ea"/>
+            </a:endParaRPr>
+          </a:p>
+          <a:p>
+            <a:pPr lvl="1"/>
+            <a:r>
+              <a:rPr lang="en-US" altLang="zh-CN" sz="2400">
+                <a:sym typeface="+mn-ea"/>
+              </a:rPr>
+              <a:t>run “docker run -p 8080:8080 -d node-web-app”</a:t>
+            </a:r>
+            <a:endParaRPr lang="en-US" altLang="zh-CN" sz="2400"/>
+          </a:p>
+          <a:p>
+            <a:endParaRPr lang="zh-CN" altLang="en-US"/>
+          </a:p>
+        </p:txBody>
+      </p:sp>
+      <p:sp>
+        <p:nvSpPr>
+          <p:cNvPr id="5" name="文本框 4"/>
+          <p:cNvSpPr txBox="1"/>
+          <p:nvPr/>
+        </p:nvSpPr>
+        <p:spPr>
+          <a:xfrm>
+            <a:off x="7287895" y="1317625"/>
+            <a:ext cx="4267200" cy="3476625"/>
+          </a:xfrm>
+          <a:prstGeom prst="rect">
+            <a:avLst/>
+          </a:prstGeom>
+          <a:noFill/>
+          <a:ln>
+            <a:solidFill>
+              <a:srgbClr val="C00000"/>
+            </a:solidFill>
+          </a:ln>
+        </p:spPr>
+        <p:txBody>
+          <a:bodyPr wrap="square" rtlCol="0" anchor="t">
+            <a:spAutoFit/>
+          </a:bodyPr>
+          <a:p>
+            <a:r>
+              <a:rPr lang="en-US" altLang="zh-CN" sz="1000" b="1"/>
+              <a:t>Dockerfile</a:t>
+            </a:r>
+            <a:endParaRPr lang="en-US" altLang="zh-CN" sz="1000" b="1"/>
+          </a:p>
+          <a:p>
+            <a:endParaRPr lang="en-US" altLang="zh-CN" sz="1000"/>
+          </a:p>
+          <a:p>
+            <a:r>
+              <a:rPr lang="en-US" altLang="zh-CN" sz="1000"/>
+              <a:t>FROM node:16</a:t>
+            </a:r>
+            <a:endParaRPr lang="en-US" altLang="zh-CN" sz="1000"/>
+          </a:p>
+          <a:p>
+            <a:endParaRPr lang="en-US" altLang="zh-CN" sz="1000"/>
+          </a:p>
+          <a:p>
+            <a:r>
+              <a:rPr lang="en-US" altLang="zh-CN" sz="1000"/>
+              <a:t># Create app directory</a:t>
+            </a:r>
+            <a:endParaRPr lang="en-US" altLang="zh-CN" sz="1000"/>
+          </a:p>
+          <a:p>
+            <a:r>
+              <a:rPr lang="en-US" altLang="zh-CN" sz="1000"/>
+              <a:t>WORKDIR /usr/src/app</a:t>
+            </a:r>
+            <a:endParaRPr lang="en-US" altLang="zh-CN" sz="1000"/>
+          </a:p>
+          <a:p>
+            <a:endParaRPr lang="en-US" altLang="zh-CN" sz="1000"/>
+          </a:p>
+          <a:p>
+            <a:r>
+              <a:rPr lang="en-US" altLang="zh-CN" sz="1000"/>
+              <a:t># Install app dependencies</a:t>
+            </a:r>
+            <a:endParaRPr lang="en-US" altLang="zh-CN" sz="1000"/>
+          </a:p>
+          <a:p>
+            <a:r>
+              <a:rPr lang="en-US" altLang="zh-CN" sz="1000"/>
+              <a:t># A wildcard is used to ensure both package.json AND package-lock.json are copied</a:t>
+            </a:r>
+            <a:endParaRPr lang="en-US" altLang="zh-CN" sz="1000"/>
+          </a:p>
+          <a:p>
+            <a:r>
+              <a:rPr lang="en-US" altLang="zh-CN" sz="1000"/>
+              <a:t># where available (npm@5+)</a:t>
+            </a:r>
+            <a:endParaRPr lang="en-US" altLang="zh-CN" sz="1000"/>
+          </a:p>
+          <a:p>
+            <a:r>
+              <a:rPr lang="en-US" altLang="zh-CN" sz="1000"/>
+              <a:t>COPY package*.json ./</a:t>
+            </a:r>
+            <a:endParaRPr lang="en-US" altLang="zh-CN" sz="1000"/>
+          </a:p>
+          <a:p>
+            <a:endParaRPr lang="en-US" altLang="zh-CN" sz="1000"/>
+          </a:p>
+          <a:p>
+            <a:r>
+              <a:rPr lang="en-US" altLang="zh-CN" sz="1000"/>
+              <a:t>RUN npm install</a:t>
+            </a:r>
+            <a:endParaRPr lang="en-US" altLang="zh-CN" sz="1000"/>
+          </a:p>
+          <a:p>
+            <a:r>
+              <a:rPr lang="en-US" altLang="zh-CN" sz="1000"/>
+              <a:t># If you are building your code for production</a:t>
+            </a:r>
+            <a:endParaRPr lang="en-US" altLang="zh-CN" sz="1000"/>
+          </a:p>
+          <a:p>
+            <a:r>
+              <a:rPr lang="en-US" altLang="zh-CN" sz="1000"/>
+              <a:t># RUN npm ci --only=production</a:t>
+            </a:r>
+            <a:endParaRPr lang="en-US" altLang="zh-CN" sz="1000"/>
+          </a:p>
+          <a:p>
+            <a:endParaRPr lang="en-US" altLang="zh-CN" sz="1000"/>
+          </a:p>
+          <a:p>
+            <a:r>
+              <a:rPr lang="en-US" altLang="zh-CN" sz="1000"/>
+              <a:t># Bundle app source</a:t>
+            </a:r>
+            <a:endParaRPr lang="en-US" altLang="zh-CN" sz="1000"/>
+          </a:p>
+          <a:p>
+            <a:r>
+              <a:rPr lang="en-US" altLang="zh-CN" sz="1000"/>
+              <a:t>COPY . .</a:t>
+            </a:r>
+            <a:endParaRPr lang="en-US" altLang="zh-CN" sz="1000"/>
+          </a:p>
+          <a:p>
+            <a:endParaRPr lang="en-US" altLang="zh-CN" sz="1000"/>
+          </a:p>
+          <a:p>
+            <a:r>
+              <a:rPr lang="en-US" altLang="zh-CN" sz="1000"/>
+              <a:t>EXPOSE 8080</a:t>
+            </a:r>
+            <a:endParaRPr lang="en-US" altLang="zh-CN" sz="1000"/>
+          </a:p>
+          <a:p>
+            <a:r>
+              <a:rPr lang="en-US" altLang="zh-CN" sz="1000"/>
+              <a:t>CMD [ "node", "server.js" ]</a:t>
+            </a:r>
+            <a:endParaRPr lang="en-US" altLang="zh-CN" sz="1000"/>
+          </a:p>
+        </p:txBody>
+      </p:sp>
+      <p:sp>
+        <p:nvSpPr>
+          <p:cNvPr id="4" name="文本框 3"/>
+          <p:cNvSpPr txBox="1"/>
+          <p:nvPr/>
+        </p:nvSpPr>
+        <p:spPr>
+          <a:xfrm>
+            <a:off x="7287895" y="5197475"/>
+            <a:ext cx="2540000" cy="706755"/>
+          </a:xfrm>
+          <a:prstGeom prst="rect">
+            <a:avLst/>
+          </a:prstGeom>
+          <a:noFill/>
+          <a:ln>
+            <a:solidFill>
+              <a:srgbClr val="C00000"/>
+            </a:solidFill>
+          </a:ln>
+        </p:spPr>
+        <p:txBody>
+          <a:bodyPr wrap="square" rtlCol="0" anchor="t">
+            <a:spAutoFit/>
+          </a:bodyPr>
+          <a:p>
+            <a:r>
+              <a:rPr lang="en-US" altLang="zh-CN" sz="1000" b="1"/>
+              <a:t>.dockerignore</a:t>
+            </a:r>
+            <a:endParaRPr lang="en-US" altLang="zh-CN" sz="1000" b="1"/>
+          </a:p>
+          <a:p>
+            <a:endParaRPr lang="en-US" altLang="zh-CN" sz="1000"/>
+          </a:p>
+          <a:p>
+            <a:r>
+              <a:rPr lang="zh-CN" altLang="en-US" sz="1000"/>
+              <a:t>node_modules</a:t>
+            </a:r>
+            <a:endParaRPr lang="zh-CN" altLang="en-US" sz="1000"/>
+          </a:p>
+          <a:p>
+            <a:r>
+              <a:rPr lang="zh-CN" altLang="en-US" sz="1000"/>
+              <a:t>npm-debug.log</a:t>
+            </a:r>
+            <a:endParaRPr lang="zh-CN" altLang="en-US" sz="1000"/>
+          </a:p>
+        </p:txBody>
+      </p:sp>
+    </p:spTree>
+    <p:custDataLst>
+      <p:tags r:id="rId1"/>
+    </p:custDataLst>
+  </p:cSld>
+  <p:clrMapOvr>
+    <a:masterClrMapping/>
+  </p:clrMapOvr>
+</p:sld>
+</file>
+
+<file path=ppt/slides/slide12.xml><?xml version="1.0" encoding="utf-8"?>
+<p:sld xmlns:a="http://schemas.openxmlformats.org/drawingml/2006/main" xmlns:r="http://schemas.openxmlformats.org/officeDocument/2006/relationships" xmlns:p="http://schemas.openxmlformats.org/presentationml/2006/main">
+  <p:cSld>
+    <p:spTree>
+      <p:nvGrpSpPr>
+        <p:cNvPr id="1" name=""/>
+        <p:cNvGrpSpPr/>
+        <p:nvPr/>
+      </p:nvGrpSpPr>
+      <p:grpSpPr/>
+      <p:sp>
+        <p:nvSpPr>
+          <p:cNvPr id="2" name="标题 1"/>
+          <p:cNvSpPr>
+            <a:spLocks noGrp="1"/>
+          </p:cNvSpPr>
+          <p:nvPr>
+            <p:ph type="title"/>
+          </p:nvPr>
+        </p:nvSpPr>
+        <p:spPr/>
+        <p:txBody>
+          <a:bodyPr/>
+          <a:p>
+            <a:r>
+              <a:rPr lang="en-US" altLang="zh-CN"/>
+              <a:t>Express</a:t>
+            </a:r>
+            <a:endParaRPr lang="en-US" altLang="zh-CN"/>
+          </a:p>
+        </p:txBody>
+      </p:sp>
+      <p:sp>
+        <p:nvSpPr>
+          <p:cNvPr id="3" name="内容占位符 2"/>
+          <p:cNvSpPr>
+            <a:spLocks noGrp="1"/>
+          </p:cNvSpPr>
+          <p:nvPr>
+            <p:ph idx="1"/>
+          </p:nvPr>
+        </p:nvSpPr>
+        <p:spPr>
+          <a:xfrm>
+            <a:off x="838200" y="1211580"/>
+            <a:ext cx="5095240" cy="4549140"/>
+          </a:xfrm>
+        </p:spPr>
+        <p:txBody>
+          <a:bodyPr/>
+          <a:p>
+            <a:r>
+              <a:rPr lang="en-US" altLang="zh-CN"/>
+              <a:t>Steps</a:t>
+            </a:r>
+            <a:endParaRPr lang="en-US" altLang="zh-CN"/>
+          </a:p>
+        </p:txBody>
+      </p:sp>
+      <p:sp>
+        <p:nvSpPr>
+          <p:cNvPr id="4" name="文本框 3"/>
+          <p:cNvSpPr txBox="1"/>
+          <p:nvPr/>
+        </p:nvSpPr>
+        <p:spPr>
+          <a:xfrm>
+            <a:off x="7767955" y="1167130"/>
+            <a:ext cx="3677285" cy="4523105"/>
+          </a:xfrm>
+          <a:prstGeom prst="rect">
+            <a:avLst/>
+          </a:prstGeom>
+          <a:noFill/>
+          <a:ln>
+            <a:solidFill>
+              <a:srgbClr val="C00000"/>
+            </a:solidFill>
+          </a:ln>
+        </p:spPr>
+        <p:txBody>
+          <a:bodyPr wrap="square" rtlCol="0" anchor="t">
+            <a:spAutoFit/>
+          </a:bodyPr>
+          <a:p>
+            <a:r>
+              <a:rPr lang="zh-CN" altLang="en-US" sz="1200"/>
+              <a:t>/* express的服务器 */</a:t>
+            </a:r>
+            <a:endParaRPr lang="zh-CN" altLang="en-US" sz="1200"/>
+          </a:p>
+          <a:p>
+            <a:endParaRPr lang="zh-CN" altLang="en-US" sz="1200"/>
+          </a:p>
+          <a:p>
+            <a:r>
+              <a:rPr lang="zh-CN" altLang="en-US" sz="1200"/>
+              <a:t>//1. 导入express</a:t>
+            </a:r>
+            <a:endParaRPr lang="zh-CN" altLang="en-US" sz="1200"/>
+          </a:p>
+          <a:p>
+            <a:r>
+              <a:rPr lang="zh-CN" altLang="en-US" sz="1200"/>
+              <a:t>var express = require('express')</a:t>
+            </a:r>
+            <a:endParaRPr lang="zh-CN" altLang="en-US" sz="1200"/>
+          </a:p>
+          <a:p>
+            <a:endParaRPr lang="zh-CN" altLang="en-US" sz="1200"/>
+          </a:p>
+          <a:p>
+            <a:r>
+              <a:rPr lang="zh-CN" altLang="en-US" sz="1200"/>
+              <a:t>//2. 创建express服务器</a:t>
+            </a:r>
+            <a:endParaRPr lang="zh-CN" altLang="en-US" sz="1200"/>
+          </a:p>
+          <a:p>
+            <a:r>
+              <a:rPr lang="zh-CN" altLang="en-US" sz="1200"/>
+              <a:t>var server = express()</a:t>
+            </a:r>
+            <a:endParaRPr lang="zh-CN" altLang="en-US" sz="1200"/>
+          </a:p>
+          <a:p>
+            <a:endParaRPr lang="zh-CN" altLang="en-US" sz="1200"/>
+          </a:p>
+          <a:p>
+            <a:r>
+              <a:rPr lang="zh-CN" altLang="en-US" sz="1200"/>
+              <a:t>//3. 访问服务器(get或者post)</a:t>
+            </a:r>
+            <a:endParaRPr lang="zh-CN" altLang="en-US" sz="1200"/>
+          </a:p>
+          <a:p>
+            <a:r>
+              <a:rPr lang="zh-CN" altLang="en-US" sz="1200"/>
+              <a:t>//参数一: 请求根路径</a:t>
+            </a:r>
+            <a:endParaRPr lang="zh-CN" altLang="en-US" sz="1200"/>
+          </a:p>
+          <a:p>
+            <a:r>
+              <a:rPr lang="zh-CN" altLang="en-US" sz="1200"/>
+              <a:t>//3.1 get请求</a:t>
+            </a:r>
+            <a:endParaRPr lang="zh-CN" altLang="en-US" sz="1200"/>
+          </a:p>
+          <a:p>
+            <a:r>
+              <a:rPr lang="zh-CN" altLang="en-US" sz="1200"/>
+              <a:t>server.get('/', function (request, response) {</a:t>
+            </a:r>
+            <a:endParaRPr lang="zh-CN" altLang="en-US" sz="1200"/>
+          </a:p>
+          <a:p>
+            <a:r>
+              <a:rPr lang="zh-CN" altLang="en-US" sz="1200"/>
+              <a:t>    // console.log(request)</a:t>
+            </a:r>
+            <a:endParaRPr lang="zh-CN" altLang="en-US" sz="1200"/>
+          </a:p>
+          <a:p>
+            <a:r>
+              <a:rPr lang="zh-CN" altLang="en-US" sz="1200"/>
+              <a:t>    response.send('get请求成功')</a:t>
+            </a:r>
+            <a:endParaRPr lang="zh-CN" altLang="en-US" sz="1200"/>
+          </a:p>
+          <a:p>
+            <a:r>
+              <a:rPr lang="zh-CN" altLang="en-US" sz="1200"/>
+              <a:t>})</a:t>
+            </a:r>
+            <a:endParaRPr lang="zh-CN" altLang="en-US" sz="1200"/>
+          </a:p>
+          <a:p>
+            <a:endParaRPr lang="zh-CN" altLang="en-US" sz="1200"/>
+          </a:p>
+          <a:p>
+            <a:r>
+              <a:rPr lang="zh-CN" altLang="en-US" sz="1200"/>
+              <a:t>//3.2 post请求</a:t>
+            </a:r>
+            <a:endParaRPr lang="zh-CN" altLang="en-US" sz="1200"/>
+          </a:p>
+          <a:p>
+            <a:r>
+              <a:rPr lang="zh-CN" altLang="en-US" sz="1200"/>
+              <a:t>server.post('/', function (request, response) {</a:t>
+            </a:r>
+            <a:endParaRPr lang="zh-CN" altLang="en-US" sz="1200"/>
+          </a:p>
+          <a:p>
+            <a:r>
+              <a:rPr lang="zh-CN" altLang="en-US" sz="1200"/>
+              <a:t>    response.send('post请求成功')</a:t>
+            </a:r>
+            <a:endParaRPr lang="zh-CN" altLang="en-US" sz="1200"/>
+          </a:p>
+          <a:p>
+            <a:r>
+              <a:rPr lang="zh-CN" altLang="en-US" sz="1200"/>
+              <a:t>})</a:t>
+            </a:r>
+            <a:endParaRPr lang="zh-CN" altLang="en-US" sz="1200"/>
+          </a:p>
+          <a:p>
+            <a:endParaRPr lang="zh-CN" altLang="en-US" sz="1200"/>
+          </a:p>
+          <a:p>
+            <a:r>
+              <a:rPr lang="zh-CN" altLang="en-US" sz="1200"/>
+              <a:t>//4. 绑定端口</a:t>
+            </a:r>
+            <a:endParaRPr lang="zh-CN" altLang="en-US" sz="1200"/>
+          </a:p>
+          <a:p>
+            <a:r>
+              <a:rPr lang="zh-CN" altLang="en-US" sz="1200"/>
+              <a:t>server.listen(4040)</a:t>
+            </a:r>
+            <a:endParaRPr lang="zh-CN" altLang="en-US" sz="1200"/>
+          </a:p>
+          <a:p>
+            <a:r>
+              <a:rPr lang="zh-CN" altLang="en-US" sz="1200"/>
+              <a:t>console.log('启动4040')</a:t>
+            </a:r>
+            <a:endParaRPr lang="zh-CN" altLang="en-US" sz="1200"/>
+          </a:p>
+        </p:txBody>
+      </p:sp>
+    </p:spTree>
+    <p:custDataLst>
+      <p:tags r:id="rId1"/>
+    </p:custDataLst>
+  </p:cSld>
+  <p:clrMapOvr>
+    <a:masterClrMapping/>
+  </p:clrMapOvr>
+</p:sld>
+</file>
+
+<file path=ppt/slides/slide13.xml><?xml version="1.0" encoding="utf-8"?>
+<p:sld xmlns:a="http://schemas.openxmlformats.org/drawingml/2006/main" xmlns:r="http://schemas.openxmlformats.org/officeDocument/2006/relationships" xmlns:p="http://schemas.openxmlformats.org/presentationml/2006/main">
+  <p:cSld>
+    <p:spTree>
+      <p:nvGrpSpPr>
+        <p:cNvPr id="1" name=""/>
+        <p:cNvGrpSpPr/>
+        <p:nvPr/>
+      </p:nvGrpSpPr>
+      <p:grpSpPr/>
+      <p:sp>
+        <p:nvSpPr>
+          <p:cNvPr id="2" name="标题 1"/>
+          <p:cNvSpPr>
+            <a:spLocks noGrp="1"/>
+          </p:cNvSpPr>
+          <p:nvPr>
+            <p:ph type="title"/>
+          </p:nvPr>
+        </p:nvSpPr>
+        <p:spPr/>
+        <p:txBody>
+          <a:bodyPr/>
+          <a:p>
+            <a:r>
+              <a:rPr lang="en-US" altLang="zh-CN"/>
+              <a:t>Module Import and Export</a:t>
+            </a:r>
+            <a:endParaRPr lang="en-US" altLang="zh-CN"/>
+          </a:p>
+        </p:txBody>
+      </p:sp>
+      <p:sp>
+        <p:nvSpPr>
+          <p:cNvPr id="3" name="内容占位符 2"/>
+          <p:cNvSpPr>
+            <a:spLocks noGrp="1"/>
+          </p:cNvSpPr>
+          <p:nvPr>
+            <p:ph idx="1"/>
+          </p:nvPr>
+        </p:nvSpPr>
+        <p:spPr/>
+        <p:txBody>
+          <a:bodyPr/>
+          <a:p>
+            <a:r>
+              <a:rPr lang="en-US" altLang="zh-CN"/>
+              <a:t>References</a:t>
+            </a:r>
+            <a:endParaRPr lang="en-US" altLang="zh-CN"/>
+          </a:p>
+          <a:p>
+            <a:pPr lvl="1"/>
+            <a:r>
+              <a:rPr lang="en-US" altLang="zh-CN"/>
+              <a:t>https://www.freecodecamp.org/news/requiring-modules-in-node-js-everything-you-need-to-know-e7fbd119be8</a:t>
+            </a:r>
+            <a:endParaRPr lang="en-US" altLang="zh-CN"/>
+          </a:p>
+          <a:p>
+            <a:pPr lvl="0"/>
+            <a:r>
+              <a:rPr lang="en-US" altLang="zh-CN"/>
+              <a:t>require(‘module’)</a:t>
+            </a:r>
+            <a:endParaRPr lang="en-US" altLang="zh-CN"/>
+          </a:p>
+          <a:p>
+            <a:pPr lvl="1"/>
+            <a:r>
+              <a:rPr lang="en-US" altLang="zh-CN"/>
+              <a:t>steps: resolving, loading, wrapping, evaluating, caching</a:t>
+            </a:r>
+            <a:endParaRPr lang="en-US" altLang="zh-CN"/>
+          </a:p>
+          <a:p>
+            <a:pPr lvl="1"/>
+            <a:r>
+              <a:rPr lang="en-US" altLang="zh-CN"/>
+              <a:t>resolving</a:t>
+            </a:r>
+            <a:endParaRPr lang="en-US" altLang="zh-CN"/>
+          </a:p>
+          <a:p>
+            <a:pPr lvl="2"/>
+            <a:r>
+              <a:rPr lang="en-US" altLang="zh-CN"/>
+              <a:t>module.paths</a:t>
+            </a:r>
+            <a:endParaRPr lang="en-US" altLang="zh-CN"/>
+          </a:p>
+          <a:p>
+            <a:pPr lvl="2"/>
+            <a:r>
+              <a:rPr lang="en-US" altLang="zh-CN"/>
+              <a:t>index.js is used by default if require a folder</a:t>
+            </a:r>
+            <a:endParaRPr lang="en-US" altLang="zh-CN"/>
+          </a:p>
+          <a:p>
+            <a:pPr lvl="2"/>
+            <a:r>
+              <a:rPr lang="en-US" altLang="zh-CN"/>
+              <a:t>main property in package.json is used if require a folder</a:t>
+            </a:r>
+            <a:endParaRPr lang="en-US" altLang="zh-CN"/>
+          </a:p>
+          <a:p>
+            <a:pPr lvl="1"/>
+            <a:r>
+              <a:rPr lang="en-US" altLang="zh-CN"/>
+              <a:t>require.resolve</a:t>
+            </a:r>
+            <a:endParaRPr lang="en-US" altLang="zh-CN"/>
+          </a:p>
+          <a:p>
+            <a:pPr lvl="2"/>
+            <a:r>
+              <a:rPr lang="en-US" altLang="zh-CN"/>
+              <a:t>Only resolving, no other steps</a:t>
+            </a:r>
+            <a:endParaRPr lang="en-US" altLang="zh-CN"/>
+          </a:p>
+        </p:txBody>
+      </p:sp>
+    </p:spTree>
+    <p:custDataLst>
+      <p:tags r:id="rId1"/>
+    </p:custDataLst>
+  </p:cSld>
+  <p:clrMapOvr>
+    <a:masterClrMapping/>
+  </p:clrMapOvr>
+</p:sld>
+</file>
+
+<file path=ppt/slides/slide14.xml><?xml version="1.0" encoding="utf-8"?>
+<p:sld xmlns:a="http://schemas.openxmlformats.org/drawingml/2006/main" xmlns:r="http://schemas.openxmlformats.org/officeDocument/2006/relationships" xmlns:p="http://schemas.openxmlformats.org/presentationml/2006/main">
+  <p:cSld>
+    <p:spTree>
+      <p:nvGrpSpPr>
+        <p:cNvPr id="1" name=""/>
+        <p:cNvGrpSpPr/>
+        <p:nvPr/>
+      </p:nvGrpSpPr>
       <p:grpSpPr>
         <a:xfrm>
           <a:off x="0" y="0"/>
@@ -4101,7 +5243,12 @@
             <p:ph idx="1"/>
           </p:nvPr>
         </p:nvSpPr>
-        <p:spPr/>
+        <p:spPr>
+          <a:xfrm>
+            <a:off x="838200" y="1211580"/>
+            <a:ext cx="5354320" cy="4549140"/>
+          </a:xfrm>
+        </p:spPr>
         <p:txBody>
           <a:bodyPr/>
           <a:p>
@@ -4115,7 +5262,7 @@
             <a:pPr lvl="1"/>
             <a:r>
               <a:rPr lang="en-US" altLang="zh-CN"/>
-              <a:t>curl -sL https://deb.nodesource.com/setup_14.x | sudo -E bash -</a:t>
+              <a:t>curl -sL https://deb.nodesource.com/setup_16.x | sudo -E bash -</a:t>
             </a:r>
             <a:endParaRPr lang="en-US" altLang="zh-CN"/>
           </a:p>
@@ -4161,9 +5308,38 @@
           </a:p>
         </p:txBody>
       </p:sp>
+      <p:pic>
+        <p:nvPicPr>
+          <p:cNvPr id="100" name="图片 99"/>
+          <p:cNvPicPr/>
+          <p:nvPr/>
+        </p:nvPicPr>
+        <p:blipFill>
+          <a:blip r:embed="rId1">
+            <a:extLst>
+              <a:ext uri="{96DAC541-7B7A-43D3-8B79-37D633B846F1}">
+                <asvg:svgBlip xmlns:asvg="http://schemas.microsoft.com/office/drawing/2016/SVG/main" r:embed="rId2"/>
+              </a:ext>
+            </a:extLst>
+          </a:blip>
+          <a:stretch>
+            <a:fillRect/>
+          </a:stretch>
+        </p:blipFill>
+        <p:spPr>
+          <a:xfrm>
+            <a:off x="6011545" y="1620520"/>
+            <a:ext cx="5590540" cy="2912110"/>
+          </a:xfrm>
+          <a:prstGeom prst="rect">
+            <a:avLst/>
+          </a:prstGeom>
+          <a:noFill/>
+        </p:spPr>
+      </p:pic>
     </p:spTree>
     <p:custDataLst>
-      <p:tags r:id="rId1"/>
+      <p:tags r:id="rId3"/>
     </p:custDataLst>
   </p:cSld>
   <p:clrMapOvr>
@@ -5245,7 +6421,7 @@
         <p:spPr>
           <a:xfrm>
             <a:off x="838200" y="1211580"/>
-            <a:ext cx="5118100" cy="5032375"/>
+            <a:ext cx="5819140" cy="5416550"/>
           </a:xfrm>
         </p:spPr>
         <p:txBody>
@@ -5287,7 +6463,7 @@
             <a:pPr lvl="1"/>
             <a:r>
               <a:rPr lang="en-US" altLang="zh-CN"/>
-              <a:t>npm uninstall &lt;package-name&gt;</a:t>
+              <a:t>npm uninstall &lt;package-name&gt;@latest</a:t>
             </a:r>
             <a:endParaRPr lang="en-US" altLang="zh-CN"/>
           </a:p>
@@ -5303,7 +6479,15 @@
             <a:pPr lvl="1"/>
             <a:r>
               <a:rPr lang="en-US" altLang="zh-CN"/>
-              <a:t>npm outdated</a:t>
+              <a:t>npm outdated	// list outdated packages</a:t>
+            </a:r>
+            <a:endParaRPr lang="en-US" altLang="zh-CN"/>
+          </a:p>
+          <a:p>
+            <a:pPr lvl="1"/>
+            <a:r>
+              <a:rPr lang="en-US" altLang="zh-CN"/>
+              <a:t>npm update	// update all packages with newer minor version listed in package.json</a:t>
             </a:r>
             <a:endParaRPr lang="en-US" altLang="zh-CN"/>
           </a:p>
@@ -5386,6 +6570,30 @@
                 <a:sym typeface="+mn-ea"/>
               </a:rPr>
               <a:t>cnpm rebuild</a:t>
+            </a:r>
+            <a:endParaRPr lang="en-US" altLang="zh-CN">
+              <a:sym typeface="+mn-ea"/>
+            </a:endParaRPr>
+          </a:p>
+          <a:p>
+            <a:pPr lvl="1"/>
+            <a:r>
+              <a:rPr lang="en-US" altLang="zh-CN">
+                <a:sym typeface="+mn-ea"/>
+              </a:rPr>
+              <a:t>npm install -g npm-check-updates</a:t>
+            </a:r>
+            <a:endParaRPr lang="en-US" altLang="zh-CN">
+              <a:sym typeface="+mn-ea"/>
+            </a:endParaRPr>
+          </a:p>
+          <a:p>
+            <a:pPr lvl="2"/>
+            <a:r>
+              <a:rPr lang="en-US" altLang="zh-CN">
+                <a:sym typeface="+mn-ea"/>
+              </a:rPr>
+              <a:t>ncu -u	// update all packages in package.json to latest</a:t>
             </a:r>
             <a:endParaRPr lang="en-US" altLang="zh-CN">
               <a:sym typeface="+mn-ea"/>
@@ -5608,6 +6816,44 @@
               <a:sym typeface="+mn-ea"/>
             </a:endParaRPr>
           </a:p>
+          <a:p>
+            <a:pPr lvl="0"/>
+            <a:r>
+              <a:rPr lang="en-US" altLang="zh-CN" sz="2000">
+                <a:sym typeface="+mn-ea"/>
+              </a:rPr>
+              <a:t>Clean up packages</a:t>
+            </a:r>
+            <a:endParaRPr lang="en-US" altLang="zh-CN" sz="2000">
+              <a:sym typeface="+mn-ea"/>
+            </a:endParaRPr>
+          </a:p>
+          <a:p>
+            <a:pPr lvl="1"/>
+            <a:r>
+              <a:rPr lang="en-US" altLang="zh-CN" sz="1800">
+                <a:sym typeface="+mn-ea"/>
+              </a:rPr>
+              <a:t>cnpm install depcheck -g</a:t>
+            </a:r>
+            <a:endParaRPr lang="en-US" altLang="zh-CN" sz="1800"/>
+          </a:p>
+          <a:p>
+            <a:pPr lvl="1"/>
+            <a:r>
+              <a:rPr lang="en-US" altLang="zh-CN" sz="1800">
+                <a:sym typeface="+mn-ea"/>
+              </a:rPr>
+              <a:t>depcheck</a:t>
+            </a:r>
+            <a:endParaRPr lang="en-US" altLang="zh-CN" sz="1800"/>
+          </a:p>
+          <a:p>
+            <a:pPr lvl="1"/>
+            <a:endParaRPr lang="en-US" altLang="zh-CN" sz="1800">
+              <a:sym typeface="+mn-ea"/>
+            </a:endParaRPr>
+          </a:p>
         </p:txBody>
       </p:sp>
     </p:spTree>
@@ -5931,6 +7177,38 @@
 
 <file path=ppt/tags/tag15.xml><?xml version="1.0" encoding="utf-8"?>
 <p:tagLst xmlns:p="http://schemas.openxmlformats.org/presentationml/2006/main">
+  <p:tag name="KSO_WM_BEAUTIFY_FLAG" val="#wm#"/>
+  <p:tag name="KSO_WM_TEMPLATE_CATEGORY" val="custom"/>
+  <p:tag name="KSO_WM_TEMPLATE_INDEX" val="160402"/>
+</p:tagLst>
+</file>
+
+<file path=ppt/tags/tag16.xml><?xml version="1.0" encoding="utf-8"?>
+<p:tagLst xmlns:p="http://schemas.openxmlformats.org/presentationml/2006/main">
+  <p:tag name="KSO_WM_BEAUTIFY_FLAG" val="#wm#"/>
+  <p:tag name="KSO_WM_TEMPLATE_CATEGORY" val="custom"/>
+  <p:tag name="KSO_WM_TEMPLATE_INDEX" val="160402"/>
+</p:tagLst>
+</file>
+
+<file path=ppt/tags/tag17.xml><?xml version="1.0" encoding="utf-8"?>
+<p:tagLst xmlns:p="http://schemas.openxmlformats.org/presentationml/2006/main">
+  <p:tag name="KSO_WM_BEAUTIFY_FLAG" val="#wm#"/>
+  <p:tag name="KSO_WM_TEMPLATE_CATEGORY" val="custom"/>
+  <p:tag name="KSO_WM_TEMPLATE_INDEX" val="160402"/>
+</p:tagLst>
+</file>
+
+<file path=ppt/tags/tag18.xml><?xml version="1.0" encoding="utf-8"?>
+<p:tagLst xmlns:p="http://schemas.openxmlformats.org/presentationml/2006/main">
+  <p:tag name="KSO_WM_BEAUTIFY_FLAG" val="#wm#"/>
+  <p:tag name="KSO_WM_TEMPLATE_CATEGORY" val="custom"/>
+  <p:tag name="KSO_WM_TEMPLATE_INDEX" val="160402"/>
+</p:tagLst>
+</file>
+
+<file path=ppt/tags/tag19.xml><?xml version="1.0" encoding="utf-8"?>
+<p:tagLst xmlns:p="http://schemas.openxmlformats.org/presentationml/2006/main">
   <p:tag name="KSO_WM_TAG_VERSION" val="1.0"/>
   <p:tag name="KSO_WM_BEAUTIFY_FLAG" val="#wm#"/>
   <p:tag name="KSO_WM_TEMPLATE_CATEGORY" val="custom"/>
@@ -5948,7 +7226,15 @@
 </p:tagLst>
 </file>
 
-<file path=ppt/tags/tag16.xml><?xml version="1.0" encoding="utf-8"?>
+<file path=ppt/tags/tag2.xml><?xml version="1.0" encoding="utf-8"?>
+<p:tagLst xmlns:p="http://schemas.openxmlformats.org/presentationml/2006/main">
+  <p:tag name="KSO_WM_TAG_VERSION" val="1.0"/>
+  <p:tag name="KSO_WM_TEMPLATE_CATEGORY" val="custom"/>
+  <p:tag name="KSO_WM_TEMPLATE_INDEX" val="160402"/>
+</p:tagLst>
+</file>
+
+<file path=ppt/tags/tag20.xml><?xml version="1.0" encoding="utf-8"?>
 <p:tagLst xmlns:p="http://schemas.openxmlformats.org/presentationml/2006/main">
   <p:tag name="KSO_WM_TAG_VERSION" val="1.0"/>
   <p:tag name="KSO_WM_BEAUTIFY_FLAG" val="#wm#"/>
@@ -5967,7 +7253,7 @@
 </p:tagLst>
 </file>
 
-<file path=ppt/tags/tag17.xml><?xml version="1.0" encoding="utf-8"?>
+<file path=ppt/tags/tag21.xml><?xml version="1.0" encoding="utf-8"?>
 <p:tagLst xmlns:p="http://schemas.openxmlformats.org/presentationml/2006/main">
   <p:tag name="KSO_WM_TEMPLATE_CATEGORY" val="custom"/>
   <p:tag name="KSO_WM_TEMPLATE_INDEX" val="160402"/>
@@ -5982,11 +7268,9 @@
 </p:tagLst>
 </file>
 
-<file path=ppt/tags/tag2.xml><?xml version="1.0" encoding="utf-8"?>
+<file path=ppt/tags/tag22.xml><?xml version="1.0" encoding="utf-8"?>
 <p:tagLst xmlns:p="http://schemas.openxmlformats.org/presentationml/2006/main">
-  <p:tag name="KSO_WM_TAG_VERSION" val="1.0"/>
-  <p:tag name="KSO_WM_TEMPLATE_CATEGORY" val="custom"/>
-  <p:tag name="KSO_WM_TEMPLATE_INDEX" val="160402"/>
+  <p:tag name="COMMONDATA" val="eyJoZGlkIjoiODcwZjc5M2RmYzUwOWE5MjVkODVjZGMyZDUwOTRjYmEifQ=="/>
 </p:tagLst>
 </file>
 

--- a/Web/NodeJS-Notes.pptx
+++ b/Web/NodeJS-Notes.pptx
@@ -6426,176 +6426,192 @@
         </p:spPr>
         <p:txBody>
           <a:bodyPr>
-            <a:normAutofit fontScale="70000"/>
+            <a:noAutofit/>
           </a:bodyPr>
           <a:p>
             <a:r>
-              <a:rPr lang="en-US" altLang="zh-CN"/>
+              <a:rPr lang="en-US" altLang="zh-CN" sz="1400"/>
               <a:t>npm</a:t>
             </a:r>
-            <a:endParaRPr lang="en-US" altLang="zh-CN"/>
+            <a:endParaRPr lang="en-US" altLang="zh-CN" sz="1400"/>
           </a:p>
           <a:p>
             <a:pPr lvl="1"/>
             <a:r>
-              <a:rPr lang="en-US" altLang="zh-CN"/>
+              <a:rPr lang="en-US" altLang="zh-CN" sz="1200"/>
               <a:t>npm config list</a:t>
             </a:r>
-            <a:endParaRPr lang="en-US" altLang="zh-CN"/>
+            <a:endParaRPr lang="en-US" altLang="zh-CN" sz="1200"/>
           </a:p>
           <a:p>
             <a:pPr lvl="1"/>
             <a:r>
-              <a:rPr lang="en-US" altLang="zh-CN"/>
+              <a:rPr lang="en-US" altLang="zh-CN" sz="1200"/>
               <a:t>npm install -g npm</a:t>
             </a:r>
-            <a:endParaRPr lang="en-US" altLang="zh-CN"/>
+            <a:endParaRPr lang="en-US" altLang="zh-CN" sz="1200"/>
           </a:p>
           <a:p>
             <a:pPr lvl="1"/>
             <a:r>
-              <a:rPr lang="en-US" altLang="zh-CN"/>
+              <a:rPr lang="en-US" altLang="zh-CN" sz="1200"/>
               <a:t>npm install -g &lt;package-name&gt;@version-number</a:t>
             </a:r>
-            <a:endParaRPr lang="en-US" altLang="zh-CN"/>
+            <a:endParaRPr lang="en-US" altLang="zh-CN" sz="1200"/>
           </a:p>
           <a:p>
             <a:pPr lvl="1"/>
             <a:r>
-              <a:rPr lang="en-US" altLang="zh-CN"/>
+              <a:rPr lang="en-US" altLang="zh-CN" sz="1200"/>
               <a:t>npm uninstall &lt;package-name&gt;@latest</a:t>
             </a:r>
-            <a:endParaRPr lang="en-US" altLang="zh-CN"/>
+            <a:endParaRPr lang="en-US" altLang="zh-CN" sz="1200"/>
           </a:p>
           <a:p>
             <a:pPr lvl="1"/>
             <a:r>
-              <a:rPr lang="en-US" altLang="zh-CN"/>
+              <a:rPr lang="en-US" altLang="zh-CN" sz="1200"/>
               <a:t>npm list -g		// list installed packages</a:t>
             </a:r>
-            <a:endParaRPr lang="en-US" altLang="zh-CN"/>
+            <a:endParaRPr lang="en-US" altLang="zh-CN" sz="1200"/>
           </a:p>
           <a:p>
             <a:pPr lvl="1"/>
             <a:r>
-              <a:rPr lang="en-US" altLang="zh-CN"/>
+              <a:rPr lang="en-US" altLang="zh-CN" sz="1200"/>
               <a:t>npm outdated	// list outdated packages</a:t>
             </a:r>
-            <a:endParaRPr lang="en-US" altLang="zh-CN"/>
+            <a:endParaRPr lang="en-US" altLang="zh-CN" sz="1200"/>
           </a:p>
           <a:p>
             <a:pPr lvl="1"/>
             <a:r>
-              <a:rPr lang="en-US" altLang="zh-CN"/>
+              <a:rPr lang="en-US" altLang="zh-CN" sz="1200"/>
               <a:t>npm update	// update all packages with newer minor version listed in package.json</a:t>
             </a:r>
-            <a:endParaRPr lang="en-US" altLang="zh-CN"/>
+            <a:endParaRPr lang="en-US" altLang="zh-CN" sz="1200"/>
           </a:p>
           <a:p>
             <a:pPr lvl="1"/>
             <a:r>
-              <a:rPr lang="en-US" altLang="zh-CN"/>
+              <a:rPr lang="en-US" altLang="zh-CN" sz="1200"/>
               <a:t>npm update &lt;package-name&gt;</a:t>
             </a:r>
-            <a:endParaRPr lang="en-US" altLang="zh-CN"/>
+            <a:endParaRPr lang="en-US" altLang="zh-CN" sz="1200"/>
           </a:p>
           <a:p>
             <a:pPr lvl="1"/>
             <a:r>
-              <a:rPr lang="en-US" altLang="zh-CN"/>
+              <a:rPr lang="en-US" altLang="zh-CN" sz="1200"/>
               <a:t>npm search &lt;keyword&gt;</a:t>
             </a:r>
-            <a:endParaRPr lang="en-US" altLang="zh-CN"/>
+            <a:endParaRPr lang="en-US" altLang="zh-CN" sz="1200"/>
           </a:p>
           <a:p>
             <a:pPr lvl="1"/>
             <a:r>
-              <a:rPr lang="en-US" altLang="zh-CN"/>
+              <a:rPr lang="en-US" altLang="zh-CN" sz="1200"/>
               <a:t>npm cache clean</a:t>
             </a:r>
-            <a:endParaRPr lang="en-US" altLang="zh-CN"/>
+            <a:endParaRPr lang="en-US" altLang="zh-CN" sz="1200"/>
           </a:p>
           <a:p>
             <a:pPr lvl="1"/>
             <a:r>
-              <a:rPr lang="en-US" altLang="zh-CN"/>
+              <a:rPr lang="en-US" altLang="zh-CN" sz="1200"/>
+              <a:t>npm config set registry https://registry.npm.taobao.org/</a:t>
+            </a:r>
+            <a:endParaRPr lang="en-US" altLang="zh-CN" sz="1200"/>
+          </a:p>
+          <a:p>
+            <a:pPr lvl="1"/>
+            <a:r>
+              <a:rPr lang="en-US" altLang="zh-CN" sz="1200"/>
+              <a:t>npm config get</a:t>
+            </a:r>
+            <a:endParaRPr lang="en-US" altLang="zh-CN" sz="1200"/>
+          </a:p>
+          <a:p>
+            <a:pPr lvl="1"/>
+            <a:r>
+              <a:rPr lang="en-US" altLang="zh-CN" sz="1200"/>
               <a:t>npm install -g cnpm --registry=https://registry.npm.taobao.org</a:t>
             </a:r>
-            <a:endParaRPr lang="en-US" altLang="zh-CN"/>
+            <a:endParaRPr lang="en-US" altLang="zh-CN" sz="1200"/>
           </a:p>
           <a:p>
             <a:pPr lvl="1"/>
             <a:r>
-              <a:rPr lang="en-US" altLang="zh-CN"/>
+              <a:rPr lang="en-US" altLang="zh-CN" sz="1200"/>
               <a:t>cnpm install ...</a:t>
             </a:r>
-            <a:endParaRPr lang="en-US" altLang="zh-CN"/>
+            <a:endParaRPr lang="en-US" altLang="zh-CN" sz="1200"/>
           </a:p>
           <a:p>
             <a:pPr lvl="1"/>
             <a:r>
-              <a:rPr lang="en-US" altLang="zh-CN"/>
+              <a:rPr lang="en-US" altLang="zh-CN" sz="1200"/>
               <a:t>https://docs.npmjs.com/common-errors</a:t>
             </a:r>
-            <a:endParaRPr lang="en-US" altLang="zh-CN"/>
+            <a:endParaRPr lang="en-US" altLang="zh-CN" sz="1200"/>
           </a:p>
           <a:p>
             <a:pPr lvl="1"/>
             <a:r>
-              <a:rPr lang="en-US" altLang="zh-CN"/>
+              <a:rPr lang="en-US" altLang="zh-CN" sz="1200"/>
               <a:t>cnpm view &lt;package-name&gt; versions</a:t>
             </a:r>
-            <a:endParaRPr lang="en-US" altLang="zh-CN"/>
+            <a:endParaRPr lang="en-US" altLang="zh-CN" sz="1200"/>
           </a:p>
           <a:p>
             <a:pPr lvl="2"/>
             <a:r>
-              <a:rPr lang="en-US" altLang="zh-CN" sz="1800"/>
+              <a:rPr lang="en-US" altLang="zh-CN" sz="1000"/>
               <a:t>cnpm view vue-panzoom versions</a:t>
             </a:r>
-            <a:endParaRPr lang="en-US" altLang="zh-CN" sz="1800"/>
+            <a:endParaRPr lang="en-US" altLang="zh-CN" sz="1000"/>
           </a:p>
           <a:p>
             <a:pPr lvl="1"/>
             <a:r>
-              <a:rPr lang="en-US" altLang="zh-CN" sz="2000"/>
+              <a:rPr lang="en-US" altLang="zh-CN" sz="1200"/>
               <a:t>cnpm uninstall &lt;package-name&gt;</a:t>
             </a:r>
-            <a:endParaRPr lang="en-US" altLang="zh-CN" sz="2000"/>
+            <a:endParaRPr lang="en-US" altLang="zh-CN" sz="1200"/>
           </a:p>
           <a:p>
             <a:pPr lvl="1"/>
             <a:r>
-              <a:rPr lang="en-US" altLang="zh-CN">
+              <a:rPr lang="en-US" altLang="zh-CN" sz="1200">
                 <a:sym typeface="+mn-ea"/>
               </a:rPr>
               <a:t>cnpm rebuild</a:t>
             </a:r>
-            <a:endParaRPr lang="en-US" altLang="zh-CN">
+            <a:endParaRPr lang="en-US" altLang="zh-CN" sz="1200">
               <a:sym typeface="+mn-ea"/>
             </a:endParaRPr>
           </a:p>
           <a:p>
             <a:pPr lvl="1"/>
             <a:r>
-              <a:rPr lang="en-US" altLang="zh-CN">
+              <a:rPr lang="en-US" altLang="zh-CN" sz="1200">
                 <a:sym typeface="+mn-ea"/>
               </a:rPr>
               <a:t>npm install -g npm-check-updates</a:t>
             </a:r>
-            <a:endParaRPr lang="en-US" altLang="zh-CN">
+            <a:endParaRPr lang="en-US" altLang="zh-CN" sz="1200">
               <a:sym typeface="+mn-ea"/>
             </a:endParaRPr>
           </a:p>
           <a:p>
             <a:pPr lvl="2"/>
             <a:r>
-              <a:rPr lang="en-US" altLang="zh-CN">
+              <a:rPr lang="en-US" altLang="zh-CN" sz="1000">
                 <a:sym typeface="+mn-ea"/>
               </a:rPr>
               <a:t>ncu -u	// update all packages in package.json to latest</a:t>
             </a:r>
-            <a:endParaRPr lang="en-US" altLang="zh-CN">
+            <a:endParaRPr lang="en-US" altLang="zh-CN" sz="1000">
               <a:sym typeface="+mn-ea"/>
             </a:endParaRPr>
           </a:p>

--- a/Web/NodeJS-Notes.pptx
+++ b/Web/NodeJS-Notes.pptx
@@ -5,31 +5,36 @@
     <p:sldMasterId id="2147483648" r:id="rId1"/>
   </p:sldMasterIdLst>
   <p:notesMasterIdLst>
-    <p:notesMasterId r:id="rId17"/>
+    <p:notesMasterId r:id="rId22"/>
   </p:notesMasterIdLst>
   <p:handoutMasterIdLst>
-    <p:handoutMasterId r:id="rId18"/>
+    <p:handoutMasterId r:id="rId23"/>
   </p:handoutMasterIdLst>
   <p:sldIdLst>
     <p:sldId id="256" r:id="rId3"/>
     <p:sldId id="266" r:id="rId4"/>
     <p:sldId id="283" r:id="rId5"/>
-    <p:sldId id="273" r:id="rId6"/>
-    <p:sldId id="272" r:id="rId7"/>
-    <p:sldId id="274" r:id="rId8"/>
-    <p:sldId id="279" r:id="rId9"/>
-    <p:sldId id="268" r:id="rId10"/>
-    <p:sldId id="270" r:id="rId11"/>
-    <p:sldId id="291" r:id="rId12"/>
-    <p:sldId id="293" r:id="rId13"/>
-    <p:sldId id="292" r:id="rId14"/>
-    <p:sldId id="296" r:id="rId15"/>
-    <p:sldId id="261" r:id="rId16"/>
+    <p:sldId id="310" r:id="rId6"/>
+    <p:sldId id="273" r:id="rId7"/>
+    <p:sldId id="272" r:id="rId8"/>
+    <p:sldId id="274" r:id="rId9"/>
+    <p:sldId id="279" r:id="rId10"/>
+    <p:sldId id="300" r:id="rId11"/>
+    <p:sldId id="268" r:id="rId12"/>
+    <p:sldId id="270" r:id="rId13"/>
+    <p:sldId id="291" r:id="rId14"/>
+    <p:sldId id="293" r:id="rId15"/>
+    <p:sldId id="292" r:id="rId16"/>
+    <p:sldId id="296" r:id="rId17"/>
+    <p:sldId id="301" r:id="rId18"/>
+    <p:sldId id="325" r:id="rId19"/>
+    <p:sldId id="298" r:id="rId20"/>
+    <p:sldId id="261" r:id="rId21"/>
   </p:sldIdLst>
   <p:sldSz cx="12192000" cy="6858000"/>
   <p:notesSz cx="6858000" cy="9144000"/>
   <p:custDataLst>
-    <p:tags r:id="rId22"/>
+    <p:tags r:id="rId27"/>
   </p:custDataLst>
   <p:defaultTextStyle>
     <a:defPPr>
@@ -3779,7 +3784,7 @@
           <a:p>
             <a:r>
               <a:rPr lang="en-US" altLang="zh-CN"/>
-              <a:t>Set Up Web Server</a:t>
+              <a:t>Interface with C++</a:t>
             </a:r>
             <a:endParaRPr lang="en-US" altLang="zh-CN"/>
           </a:p>
@@ -3795,390 +3800,135 @@
             <p:ph idx="1"/>
           </p:nvPr>
         </p:nvSpPr>
+        <p:spPr/>
+        <p:txBody>
+          <a:bodyPr>
+            <a:normAutofit lnSpcReduction="10000"/>
+          </a:bodyPr>
+          <a:p>
+            <a:r>
+              <a:rPr lang="en-US" altLang="zh-CN"/>
+              <a:t>FFI (Foreign Function Interface)</a:t>
+            </a:r>
+            <a:endParaRPr lang="en-US" altLang="zh-CN"/>
+          </a:p>
+          <a:p>
+            <a:pPr lvl="1"/>
+            <a:r>
+              <a:rPr lang="en-US" altLang="zh-CN"/>
+              <a:t>node-ffi</a:t>
+            </a:r>
+            <a:endParaRPr lang="en-US" altLang="zh-CN"/>
+          </a:p>
+          <a:p>
+            <a:pPr lvl="2"/>
+            <a:r>
+              <a:rPr lang="en-US" altLang="zh-CN"/>
+              <a:t>Node.js add-on for loading and calling dynamic libraries using pure JS</a:t>
+            </a:r>
+            <a:endParaRPr lang="en-US" altLang="zh-CN"/>
+          </a:p>
+          <a:p>
+            <a:pPr lvl="1"/>
+            <a:r>
+              <a:rPr lang="en-US" altLang="zh-CN"/>
+              <a:t>https://github.com/node-ffi/node-ffi/wiki/Node-FFI-Tutorial</a:t>
+            </a:r>
+            <a:endParaRPr lang="en-US" altLang="zh-CN"/>
+          </a:p>
+          <a:p>
+            <a:pPr lvl="0"/>
+            <a:r>
+              <a:rPr lang="en-US" altLang="zh-CN"/>
+              <a:t>SWIG</a:t>
+            </a:r>
+            <a:endParaRPr lang="en-US" altLang="zh-CN"/>
+          </a:p>
+          <a:p>
+            <a:pPr lvl="1"/>
+            <a:r>
+              <a:rPr lang="en-US" altLang="zh-CN"/>
+              <a:t>Interface compiler that connects programs written in C/C++ with scripting languages such as JS, Python, etc.</a:t>
+            </a:r>
+            <a:endParaRPr lang="en-US" altLang="zh-CN"/>
+          </a:p>
+          <a:p>
+            <a:pPr lvl="1"/>
+            <a:r>
+              <a:rPr lang="en-US" altLang="zh-CN"/>
+              <a:t>http://www.swig.org/tutorial.html</a:t>
+            </a:r>
+            <a:endParaRPr lang="en-US" altLang="zh-CN"/>
+          </a:p>
+          <a:p>
+            <a:pPr lvl="0"/>
+            <a:r>
+              <a:rPr lang="en-US" altLang="zh-CN"/>
+              <a:t>Emscripten</a:t>
+            </a:r>
+            <a:endParaRPr lang="en-US" altLang="zh-CN"/>
+          </a:p>
+          <a:p>
+            <a:pPr lvl="1"/>
+            <a:r>
+              <a:rPr lang="en-US" altLang="zh-CN"/>
+              <a:t>Compile LLVM into JS</a:t>
+            </a:r>
+            <a:endParaRPr lang="en-US" altLang="zh-CN"/>
+          </a:p>
+          <a:p>
+            <a:pPr lvl="1"/>
+            <a:r>
+              <a:rPr lang="en-US" altLang="zh-CN"/>
+              <a:t>http://kripken.github.io/emscripten-site/docs/getting_started/index.html</a:t>
+            </a:r>
+            <a:endParaRPr lang="en-US" altLang="zh-CN"/>
+          </a:p>
+          <a:p>
+            <a:pPr lvl="0"/>
+            <a:r>
+              <a:rPr lang="en-US" altLang="zh-CN"/>
+              <a:t>nbind</a:t>
+            </a:r>
+            <a:endParaRPr lang="en-US" altLang="zh-CN"/>
+          </a:p>
+          <a:p>
+            <a:pPr lvl="1"/>
+            <a:r>
+              <a:rPr lang="en-US" altLang="zh-CN"/>
+              <a:t>https://github.com/charto/nbind</a:t>
+            </a:r>
+            <a:endParaRPr lang="en-US" altLang="zh-CN"/>
+          </a:p>
+        </p:txBody>
+      </p:sp>
+      <p:pic>
+        <p:nvPicPr>
+          <p:cNvPr id="4" name="图片 3" descr="EmscriptenToolchain"/>
+          <p:cNvPicPr>
+            <a:picLocks noChangeAspect="1"/>
+          </p:cNvPicPr>
+          <p:nvPr/>
+        </p:nvPicPr>
+        <p:blipFill>
+          <a:blip r:embed="rId1"/>
+          <a:stretch>
+            <a:fillRect/>
+          </a:stretch>
+        </p:blipFill>
         <p:spPr>
           <a:xfrm>
-            <a:off x="838200" y="1211580"/>
-            <a:ext cx="5915025" cy="4549140"/>
-          </a:xfrm>
-        </p:spPr>
-        <p:txBody>
-          <a:bodyPr>
-            <a:normAutofit lnSpcReduction="20000"/>
-          </a:bodyPr>
-          <a:p>
-            <a:r>
-              <a:rPr lang="en-US" altLang="zh-CN"/>
-              <a:t>References</a:t>
-            </a:r>
-            <a:endParaRPr lang="en-US" altLang="zh-CN"/>
-          </a:p>
-          <a:p>
-            <a:pPr lvl="1"/>
-            <a:r>
-              <a:rPr lang="en-US" altLang="zh-CN"/>
-              <a:t>https://nodejs.org/en/docs/guides/nodejs-docker-webapp/</a:t>
-            </a:r>
-            <a:endParaRPr lang="en-US" altLang="zh-CN"/>
-          </a:p>
-          <a:p>
-            <a:r>
-              <a:rPr lang="en-US" altLang="zh-CN"/>
-              <a:t>Steps</a:t>
-            </a:r>
-            <a:endParaRPr lang="en-US" altLang="zh-CN"/>
-          </a:p>
-          <a:p>
-            <a:pPr lvl="1"/>
-            <a:r>
-              <a:rPr lang="en-US" altLang="zh-CN"/>
-              <a:t>mkdir proj &amp; cd proj</a:t>
-            </a:r>
-            <a:endParaRPr lang="en-US" altLang="zh-CN"/>
-          </a:p>
-          <a:p>
-            <a:pPr lvl="1"/>
-            <a:r>
-              <a:rPr lang="en-US" altLang="zh-CN"/>
-              <a:t>cnpm init</a:t>
-            </a:r>
-            <a:endParaRPr lang="en-US" altLang="zh-CN"/>
-          </a:p>
-          <a:p>
-            <a:pPr lvl="1"/>
-            <a:r>
-              <a:rPr lang="en-US" altLang="zh-CN"/>
-              <a:t>create app.js</a:t>
-            </a:r>
-            <a:endParaRPr lang="en-US" altLang="zh-CN"/>
-          </a:p>
-          <a:p>
-            <a:pPr lvl="1"/>
-            <a:r>
-              <a:rPr lang="en-US" altLang="zh-CN"/>
-              <a:t>create package.json</a:t>
-            </a:r>
-            <a:endParaRPr lang="en-US" altLang="zh-CN"/>
-          </a:p>
-          <a:p>
-            <a:pPr lvl="1"/>
-            <a:r>
-              <a:rPr lang="en-US" altLang="zh-CN"/>
-              <a:t>run “node app.js”</a:t>
-            </a:r>
-            <a:endParaRPr lang="en-US" altLang="zh-CN"/>
-          </a:p>
-          <a:p>
-            <a:pPr lvl="0"/>
-            <a:endParaRPr lang="en-US" altLang="zh-CN"/>
-          </a:p>
-        </p:txBody>
-      </p:sp>
-      <p:sp>
-        <p:nvSpPr>
-          <p:cNvPr id="4" name="文本框 3"/>
-          <p:cNvSpPr txBox="1"/>
-          <p:nvPr/>
-        </p:nvSpPr>
-        <p:spPr>
-          <a:xfrm>
-            <a:off x="6980555" y="406400"/>
-            <a:ext cx="4267200" cy="3630930"/>
+            <a:off x="8422005" y="1905"/>
+            <a:ext cx="3347085" cy="1986915"/>
           </a:xfrm>
           <a:prstGeom prst="rect">
             <a:avLst/>
           </a:prstGeom>
-          <a:noFill/>
-          <a:ln>
-            <a:solidFill>
-              <a:srgbClr val="C00000"/>
-            </a:solidFill>
-          </a:ln>
         </p:spPr>
-        <p:txBody>
-          <a:bodyPr wrap="square" rtlCol="0" anchor="t">
-            <a:spAutoFit/>
-          </a:bodyPr>
-          <a:p>
-            <a:r>
-              <a:rPr lang="en-US" altLang="zh-CN" sz="1000" b="1"/>
-              <a:t>server.js</a:t>
-            </a:r>
-            <a:endParaRPr lang="en-US" altLang="zh-CN" sz="1000" b="1"/>
-          </a:p>
-          <a:p>
-            <a:endParaRPr lang="en-US" altLang="zh-CN" sz="1000"/>
-          </a:p>
-          <a:p>
-            <a:r>
-              <a:rPr lang="zh-CN" altLang="en-US" sz="1000"/>
-              <a:t>const express = require("express");</a:t>
-            </a:r>
-            <a:endParaRPr lang="zh-CN" altLang="en-US" sz="1000"/>
-          </a:p>
-          <a:p>
-            <a:r>
-              <a:rPr lang="zh-CN" altLang="en-US" sz="1000"/>
-              <a:t>const bodyParser = require("body-parser")</a:t>
-            </a:r>
-            <a:endParaRPr lang="zh-CN" altLang="en-US" sz="1000"/>
-          </a:p>
-          <a:p>
-            <a:endParaRPr lang="zh-CN" altLang="en-US" sz="1000"/>
-          </a:p>
-          <a:p>
-            <a:r>
-              <a:rPr lang="zh-CN" altLang="en-US" sz="1000"/>
-              <a:t>// New app using express module</a:t>
-            </a:r>
-            <a:endParaRPr lang="zh-CN" altLang="en-US" sz="1000"/>
-          </a:p>
-          <a:p>
-            <a:r>
-              <a:rPr lang="zh-CN" altLang="en-US" sz="1000"/>
-              <a:t>const app = express();</a:t>
-            </a:r>
-            <a:endParaRPr lang="zh-CN" altLang="en-US" sz="1000"/>
-          </a:p>
-          <a:p>
-            <a:r>
-              <a:rPr lang="zh-CN" altLang="en-US" sz="1000"/>
-              <a:t>app.use(bodyParser.urlencoded({</a:t>
-            </a:r>
-            <a:endParaRPr lang="zh-CN" altLang="en-US" sz="1000"/>
-          </a:p>
-          <a:p>
-            <a:r>
-              <a:rPr lang="zh-CN" altLang="en-US" sz="1000"/>
-              <a:t>  extended:true</a:t>
-            </a:r>
-            <a:endParaRPr lang="zh-CN" altLang="en-US" sz="1000"/>
-          </a:p>
-          <a:p>
-            <a:r>
-              <a:rPr lang="zh-CN" altLang="en-US" sz="1000"/>
-              <a:t>}));</a:t>
-            </a:r>
-            <a:endParaRPr lang="zh-CN" altLang="en-US" sz="1000"/>
-          </a:p>
-          <a:p>
-            <a:endParaRPr lang="zh-CN" altLang="en-US" sz="1000"/>
-          </a:p>
-          <a:p>
-            <a:r>
-              <a:rPr lang="zh-CN" altLang="en-US" sz="1000"/>
-              <a:t>app.get("/", function(req, res) {</a:t>
-            </a:r>
-            <a:endParaRPr lang="zh-CN" altLang="en-US" sz="1000"/>
-          </a:p>
-          <a:p>
-            <a:r>
-              <a:rPr lang="zh-CN" altLang="en-US" sz="1000"/>
-              <a:t>  console.log('Received get request')</a:t>
-            </a:r>
-            <a:endParaRPr lang="zh-CN" altLang="en-US" sz="1000"/>
-          </a:p>
-          <a:p>
-            <a:r>
-              <a:rPr lang="zh-CN" altLang="en-US" sz="1000"/>
-              <a:t>  res.send('Received get request')</a:t>
-            </a:r>
-            <a:endParaRPr lang="zh-CN" altLang="en-US" sz="1000"/>
-          </a:p>
-          <a:p>
-            <a:r>
-              <a:rPr lang="zh-CN" altLang="en-US" sz="1000"/>
-              <a:t>});</a:t>
-            </a:r>
-            <a:endParaRPr lang="zh-CN" altLang="en-US" sz="1000"/>
-          </a:p>
-          <a:p>
-            <a:endParaRPr lang="zh-CN" altLang="en-US" sz="1000"/>
-          </a:p>
-          <a:p>
-            <a:r>
-              <a:rPr lang="zh-CN" altLang="en-US" sz="1000"/>
-              <a:t>app.post("/qrcode", function(req, res) {</a:t>
-            </a:r>
-            <a:endParaRPr lang="zh-CN" altLang="en-US" sz="1000"/>
-          </a:p>
-          <a:p>
-            <a:r>
-              <a:rPr lang="zh-CN" altLang="en-US" sz="1000"/>
-              <a:t>  res.send("Received post request, body=", req.body);</a:t>
-            </a:r>
-            <a:endParaRPr lang="zh-CN" altLang="en-US" sz="1000"/>
-          </a:p>
-          <a:p>
-            <a:r>
-              <a:rPr lang="zh-CN" altLang="en-US" sz="1000"/>
-              <a:t>});</a:t>
-            </a:r>
-            <a:endParaRPr lang="zh-CN" altLang="en-US" sz="1000"/>
-          </a:p>
-          <a:p>
-            <a:endParaRPr lang="zh-CN" altLang="en-US" sz="1000"/>
-          </a:p>
-          <a:p>
-            <a:r>
-              <a:rPr lang="zh-CN" altLang="en-US" sz="1000"/>
-              <a:t>app.listen(8080, function(){</a:t>
-            </a:r>
-            <a:endParaRPr lang="zh-CN" altLang="en-US" sz="1000"/>
-          </a:p>
-          <a:p>
-            <a:r>
-              <a:rPr lang="zh-CN" altLang="en-US" sz="1000"/>
-              <a:t>  console.log("server is running on port 8080");</a:t>
-            </a:r>
-            <a:endParaRPr lang="zh-CN" altLang="en-US" sz="1000"/>
-          </a:p>
-          <a:p>
-            <a:r>
-              <a:rPr lang="zh-CN" altLang="en-US" sz="1000"/>
-              <a:t>})</a:t>
-            </a:r>
-            <a:endParaRPr lang="zh-CN" altLang="en-US" sz="1000"/>
-          </a:p>
-        </p:txBody>
-      </p:sp>
-      <p:sp>
-        <p:nvSpPr>
-          <p:cNvPr id="6" name="文本框 5"/>
-          <p:cNvSpPr txBox="1"/>
-          <p:nvPr/>
-        </p:nvSpPr>
-        <p:spPr>
-          <a:xfrm>
-            <a:off x="6980555" y="4037330"/>
-            <a:ext cx="4266565" cy="2553335"/>
-          </a:xfrm>
-          <a:prstGeom prst="rect">
-            <a:avLst/>
-          </a:prstGeom>
-          <a:noFill/>
-          <a:ln>
-            <a:solidFill>
-              <a:srgbClr val="C00000"/>
-            </a:solidFill>
-          </a:ln>
-        </p:spPr>
-        <p:txBody>
-          <a:bodyPr wrap="square" rtlCol="0" anchor="t">
-            <a:spAutoFit/>
-          </a:bodyPr>
-          <a:p>
-            <a:r>
-              <a:rPr lang="en-US" altLang="zh-CN" sz="1000" b="1"/>
-              <a:t>package.json</a:t>
-            </a:r>
-            <a:endParaRPr lang="en-US" altLang="zh-CN" sz="1000" b="1"/>
-          </a:p>
-          <a:p>
-            <a:endParaRPr lang="en-US" altLang="zh-CN" sz="1000"/>
-          </a:p>
-          <a:p>
-            <a:r>
-              <a:rPr lang="zh-CN" altLang="en-US" sz="1000"/>
-              <a:t>{</a:t>
-            </a:r>
-            <a:endParaRPr lang="zh-CN" altLang="en-US" sz="1000"/>
-          </a:p>
-          <a:p>
-            <a:r>
-              <a:rPr lang="zh-CN" altLang="en-US" sz="1000"/>
-              <a:t>  "name": "docker_web_app",</a:t>
-            </a:r>
-            <a:endParaRPr lang="zh-CN" altLang="en-US" sz="1000"/>
-          </a:p>
-          <a:p>
-            <a:r>
-              <a:rPr lang="zh-CN" altLang="en-US" sz="1000"/>
-              <a:t>  "version": "1.0.0",</a:t>
-            </a:r>
-            <a:endParaRPr lang="zh-CN" altLang="en-US" sz="1000"/>
-          </a:p>
-          <a:p>
-            <a:r>
-              <a:rPr lang="zh-CN" altLang="en-US" sz="1000"/>
-              <a:t>  "description": "Node.js on Docker",</a:t>
-            </a:r>
-            <a:endParaRPr lang="zh-CN" altLang="en-US" sz="1000"/>
-          </a:p>
-          <a:p>
-            <a:r>
-              <a:rPr lang="zh-CN" altLang="en-US" sz="1000"/>
-              <a:t>  "author": "First Last &lt;first.last@example.com&gt;",</a:t>
-            </a:r>
-            <a:endParaRPr lang="zh-CN" altLang="en-US" sz="1000"/>
-          </a:p>
-          <a:p>
-            <a:r>
-              <a:rPr lang="zh-CN" altLang="en-US" sz="1000"/>
-              <a:t>  "main": "server.js",</a:t>
-            </a:r>
-            <a:endParaRPr lang="zh-CN" altLang="en-US" sz="1000"/>
-          </a:p>
-          <a:p>
-            <a:r>
-              <a:rPr lang="zh-CN" altLang="en-US" sz="1000"/>
-              <a:t>  "scripts": {</a:t>
-            </a:r>
-            <a:endParaRPr lang="zh-CN" altLang="en-US" sz="1000"/>
-          </a:p>
-          <a:p>
-            <a:r>
-              <a:rPr lang="zh-CN" altLang="en-US" sz="1000"/>
-              <a:t>    "start": "node server.js"</a:t>
-            </a:r>
-            <a:endParaRPr lang="zh-CN" altLang="en-US" sz="1000"/>
-          </a:p>
-          <a:p>
-            <a:r>
-              <a:rPr lang="zh-CN" altLang="en-US" sz="1000"/>
-              <a:t>  },</a:t>
-            </a:r>
-            <a:endParaRPr lang="zh-CN" altLang="en-US" sz="1000"/>
-          </a:p>
-          <a:p>
-            <a:r>
-              <a:rPr lang="zh-CN" altLang="en-US" sz="1000"/>
-              <a:t>  "dependencies": {</a:t>
-            </a:r>
-            <a:endParaRPr lang="zh-CN" altLang="en-US" sz="1000"/>
-          </a:p>
-          <a:p>
-            <a:r>
-              <a:rPr lang="zh-CN" altLang="en-US" sz="1000"/>
-              <a:t>    "express": "^4.16.1",</a:t>
-            </a:r>
-            <a:endParaRPr lang="zh-CN" altLang="en-US" sz="1000"/>
-          </a:p>
-          <a:p>
-            <a:r>
-              <a:rPr lang="zh-CN" altLang="en-US" sz="1000"/>
-              <a:t>    "body-parser": "^1.19.1"</a:t>
-            </a:r>
-            <a:endParaRPr lang="zh-CN" altLang="en-US" sz="1000"/>
-          </a:p>
-          <a:p>
-            <a:r>
-              <a:rPr lang="zh-CN" altLang="en-US" sz="1000"/>
-              <a:t>  }</a:t>
-            </a:r>
-            <a:endParaRPr lang="zh-CN" altLang="en-US" sz="1000"/>
-          </a:p>
-          <a:p>
-            <a:r>
-              <a:rPr lang="zh-CN" altLang="en-US" sz="1000"/>
-              <a:t>}</a:t>
-            </a:r>
-            <a:endParaRPr lang="zh-CN" altLang="en-US" sz="1000"/>
-          </a:p>
-        </p:txBody>
-      </p:sp>
+      </p:pic>
     </p:spTree>
     <p:custDataLst>
-      <p:tags r:id="rId1"/>
+      <p:tags r:id="rId2"/>
     </p:custDataLst>
   </p:cSld>
   <p:clrMapOvr>
@@ -4213,7 +3963,7 @@
           <a:p>
             <a:r>
               <a:rPr lang="en-US" altLang="zh-CN"/>
-              <a:t>Web Server using Docker</a:t>
+              <a:t>node-opencv</a:t>
             </a:r>
             <a:endParaRPr lang="en-US" altLang="zh-CN"/>
           </a:p>
@@ -4229,269 +3979,31 @@
             <p:ph idx="1"/>
           </p:nvPr>
         </p:nvSpPr>
-        <p:spPr>
-          <a:xfrm>
-            <a:off x="838200" y="1211580"/>
-            <a:ext cx="6300470" cy="4549140"/>
-          </a:xfrm>
-        </p:spPr>
+        <p:spPr/>
         <p:txBody>
           <a:bodyPr/>
           <a:p>
-            <a:pPr lvl="0"/>
-            <a:r>
-              <a:rPr lang="en-US" altLang="zh-CN" sz="2400">
-                <a:sym typeface="+mn-ea"/>
-              </a:rPr>
-              <a:t>Docker</a:t>
-            </a:r>
-            <a:endParaRPr lang="en-US" altLang="zh-CN" sz="2400"/>
-          </a:p>
-          <a:p>
-            <a:pPr lvl="1"/>
-            <a:r>
-              <a:rPr lang="en-US" altLang="zh-CN" sz="2400">
-                <a:sym typeface="+mn-ea"/>
-              </a:rPr>
-              <a:t>create Dockerfile</a:t>
-            </a:r>
-            <a:endParaRPr lang="en-US" altLang="zh-CN" sz="2400"/>
-          </a:p>
-          <a:p>
-            <a:pPr lvl="1"/>
-            <a:r>
-              <a:rPr lang="en-US" altLang="zh-CN" sz="2400">
-                <a:sym typeface="+mn-ea"/>
-              </a:rPr>
-              <a:t>create server.js</a:t>
-            </a:r>
-            <a:endParaRPr lang="en-US" altLang="zh-CN" sz="2400"/>
-          </a:p>
-          <a:p>
-            <a:pPr lvl="1"/>
-            <a:r>
-              <a:rPr lang="en-US" altLang="zh-CN" sz="2400">
-                <a:sym typeface="+mn-ea"/>
-              </a:rPr>
-              <a:t>run “docker build . -t node-web-app”</a:t>
-            </a:r>
-            <a:endParaRPr lang="en-US" altLang="zh-CN" sz="2400">
-              <a:sym typeface="+mn-ea"/>
-            </a:endParaRPr>
-          </a:p>
-          <a:p>
-            <a:pPr lvl="1"/>
-            <a:r>
-              <a:rPr lang="en-US" altLang="zh-CN" sz="2400">
-                <a:sym typeface="+mn-ea"/>
-              </a:rPr>
-              <a:t>run “docker run -p 8080:8080 -d node-web-app”</a:t>
-            </a:r>
-            <a:endParaRPr lang="en-US" altLang="zh-CN" sz="2400"/>
-          </a:p>
-          <a:p>
-            <a:endParaRPr lang="zh-CN" altLang="en-US"/>
-          </a:p>
-        </p:txBody>
-      </p:sp>
-      <p:sp>
-        <p:nvSpPr>
-          <p:cNvPr id="5" name="文本框 4"/>
-          <p:cNvSpPr txBox="1"/>
-          <p:nvPr/>
-        </p:nvSpPr>
-        <p:spPr>
-          <a:xfrm>
-            <a:off x="7287895" y="1317625"/>
-            <a:ext cx="4267200" cy="3476625"/>
-          </a:xfrm>
-          <a:prstGeom prst="rect">
-            <a:avLst/>
-          </a:prstGeom>
-          <a:noFill/>
-          <a:ln>
-            <a:solidFill>
-              <a:srgbClr val="C00000"/>
-            </a:solidFill>
-          </a:ln>
-        </p:spPr>
-        <p:txBody>
-          <a:bodyPr wrap="square" rtlCol="0" anchor="t">
-            <a:spAutoFit/>
-          </a:bodyPr>
-          <a:p>
-            <a:r>
-              <a:rPr lang="en-US" altLang="zh-CN" sz="1000" b="1"/>
-              <a:t>Dockerfile</a:t>
-            </a:r>
-            <a:endParaRPr lang="en-US" altLang="zh-CN" sz="1000" b="1"/>
-          </a:p>
-          <a:p>
-            <a:endParaRPr lang="en-US" altLang="zh-CN" sz="1000"/>
-          </a:p>
-          <a:p>
-            <a:r>
-              <a:rPr lang="en-US" altLang="zh-CN" sz="1000"/>
-              <a:t>FROM node:16</a:t>
-            </a:r>
-            <a:endParaRPr lang="en-US" altLang="zh-CN" sz="1000"/>
-          </a:p>
-          <a:p>
-            <a:endParaRPr lang="en-US" altLang="zh-CN" sz="1000"/>
-          </a:p>
-          <a:p>
-            <a:r>
-              <a:rPr lang="en-US" altLang="zh-CN" sz="1000"/>
-              <a:t># Create app directory</a:t>
-            </a:r>
-            <a:endParaRPr lang="en-US" altLang="zh-CN" sz="1000"/>
-          </a:p>
-          <a:p>
-            <a:r>
-              <a:rPr lang="en-US" altLang="zh-CN" sz="1000"/>
-              <a:t>WORKDIR /usr/src/app</a:t>
-            </a:r>
-            <a:endParaRPr lang="en-US" altLang="zh-CN" sz="1000"/>
-          </a:p>
-          <a:p>
-            <a:endParaRPr lang="en-US" altLang="zh-CN" sz="1000"/>
-          </a:p>
-          <a:p>
-            <a:r>
-              <a:rPr lang="en-US" altLang="zh-CN" sz="1000"/>
-              <a:t># Install app dependencies</a:t>
-            </a:r>
-            <a:endParaRPr lang="en-US" altLang="zh-CN" sz="1000"/>
-          </a:p>
-          <a:p>
-            <a:r>
-              <a:rPr lang="en-US" altLang="zh-CN" sz="1000"/>
-              <a:t># A wildcard is used to ensure both package.json AND package-lock.json are copied</a:t>
-            </a:r>
-            <a:endParaRPr lang="en-US" altLang="zh-CN" sz="1000"/>
-          </a:p>
-          <a:p>
-            <a:r>
-              <a:rPr lang="en-US" altLang="zh-CN" sz="1000"/>
-              <a:t># where available (npm@5+)</a:t>
-            </a:r>
-            <a:endParaRPr lang="en-US" altLang="zh-CN" sz="1000"/>
-          </a:p>
-          <a:p>
-            <a:r>
-              <a:rPr lang="en-US" altLang="zh-CN" sz="1000"/>
-              <a:t>COPY package*.json ./</a:t>
-            </a:r>
-            <a:endParaRPr lang="en-US" altLang="zh-CN" sz="1000"/>
-          </a:p>
-          <a:p>
-            <a:endParaRPr lang="en-US" altLang="zh-CN" sz="1000"/>
-          </a:p>
-          <a:p>
-            <a:r>
-              <a:rPr lang="en-US" altLang="zh-CN" sz="1000"/>
-              <a:t>RUN npm install</a:t>
-            </a:r>
-            <a:endParaRPr lang="en-US" altLang="zh-CN" sz="1000"/>
-          </a:p>
-          <a:p>
-            <a:r>
-              <a:rPr lang="en-US" altLang="zh-CN" sz="1000"/>
-              <a:t># If you are building your code for production</a:t>
-            </a:r>
-            <a:endParaRPr lang="en-US" altLang="zh-CN" sz="1000"/>
-          </a:p>
-          <a:p>
-            <a:r>
-              <a:rPr lang="en-US" altLang="zh-CN" sz="1000"/>
-              <a:t># RUN npm ci --only=production</a:t>
-            </a:r>
-            <a:endParaRPr lang="en-US" altLang="zh-CN" sz="1000"/>
-          </a:p>
-          <a:p>
-            <a:endParaRPr lang="en-US" altLang="zh-CN" sz="1000"/>
-          </a:p>
-          <a:p>
-            <a:r>
-              <a:rPr lang="en-US" altLang="zh-CN" sz="1000"/>
-              <a:t># Bundle app source</a:t>
-            </a:r>
-            <a:endParaRPr lang="en-US" altLang="zh-CN" sz="1000"/>
-          </a:p>
-          <a:p>
-            <a:r>
-              <a:rPr lang="en-US" altLang="zh-CN" sz="1000"/>
-              <a:t>COPY . .</a:t>
-            </a:r>
-            <a:endParaRPr lang="en-US" altLang="zh-CN" sz="1000"/>
-          </a:p>
-          <a:p>
-            <a:endParaRPr lang="en-US" altLang="zh-CN" sz="1000"/>
-          </a:p>
-          <a:p>
-            <a:r>
-              <a:rPr lang="en-US" altLang="zh-CN" sz="1000"/>
-              <a:t>EXPOSE 8080</a:t>
-            </a:r>
-            <a:endParaRPr lang="en-US" altLang="zh-CN" sz="1000"/>
-          </a:p>
-          <a:p>
-            <a:r>
-              <a:rPr lang="en-US" altLang="zh-CN" sz="1000"/>
-              <a:t>CMD [ "node", "server.js" ]</a:t>
-            </a:r>
-            <a:endParaRPr lang="en-US" altLang="zh-CN" sz="1000"/>
-          </a:p>
-        </p:txBody>
-      </p:sp>
-      <p:sp>
-        <p:nvSpPr>
-          <p:cNvPr id="4" name="文本框 3"/>
-          <p:cNvSpPr txBox="1"/>
-          <p:nvPr/>
-        </p:nvSpPr>
-        <p:spPr>
-          <a:xfrm>
-            <a:off x="7287895" y="5197475"/>
-            <a:ext cx="2540000" cy="706755"/>
-          </a:xfrm>
-          <a:prstGeom prst="rect">
-            <a:avLst/>
-          </a:prstGeom>
-          <a:noFill/>
-          <a:ln>
-            <a:solidFill>
-              <a:srgbClr val="C00000"/>
-            </a:solidFill>
-          </a:ln>
-        </p:spPr>
-        <p:txBody>
-          <a:bodyPr wrap="square" rtlCol="0" anchor="t">
-            <a:spAutoFit/>
-          </a:bodyPr>
-          <a:p>
-            <a:r>
-              <a:rPr lang="en-US" altLang="zh-CN" sz="1000" b="1"/>
-              <a:t>.dockerignore</a:t>
-            </a:r>
-            <a:endParaRPr lang="en-US" altLang="zh-CN" sz="1000" b="1"/>
-          </a:p>
-          <a:p>
-            <a:endParaRPr lang="en-US" altLang="zh-CN" sz="1000"/>
-          </a:p>
-          <a:p>
-            <a:r>
-              <a:rPr lang="zh-CN" altLang="en-US" sz="1000"/>
-              <a:t>node_modules</a:t>
-            </a:r>
-            <a:endParaRPr lang="zh-CN" altLang="en-US" sz="1000"/>
-          </a:p>
-          <a:p>
-            <a:r>
-              <a:rPr lang="zh-CN" altLang="en-US" sz="1000"/>
-              <a:t>npm-debug.log</a:t>
-            </a:r>
-            <a:endParaRPr lang="zh-CN" altLang="en-US" sz="1000"/>
+            <a:r>
+              <a:rPr lang="en-US" altLang="zh-CN"/>
+              <a:t>Ref</a:t>
+            </a:r>
+            <a:endParaRPr lang="en-US" altLang="zh-CN"/>
+          </a:p>
+          <a:p>
+            <a:pPr lvl="1"/>
+            <a:r>
+              <a:rPr lang="en-US" altLang="zh-CN"/>
+              <a:t>https://github.com/peterbraden/node-opencv</a:t>
+            </a:r>
+            <a:endParaRPr lang="en-US" altLang="zh-CN"/>
+          </a:p>
+          <a:p>
+            <a:pPr lvl="1"/>
+            <a:r>
+              <a:rPr lang="en-US" altLang="zh-CN"/>
+              <a:t>https://community.risingstack.com/opencv-tutorial-computer-vision-with-node-js/</a:t>
+            </a:r>
+            <a:endParaRPr lang="en-US" altLang="zh-CN"/>
           </a:p>
         </p:txBody>
       </p:sp>
@@ -4532,7 +4044,7 @@
           <a:p>
             <a:r>
               <a:rPr lang="en-US" altLang="zh-CN"/>
-              <a:t>Express</a:t>
+              <a:t>Set Up Web Server</a:t>
             </a:r>
             <a:endParaRPr lang="en-US" altLang="zh-CN"/>
           </a:p>
@@ -4551,16 +4063,77 @@
         <p:spPr>
           <a:xfrm>
             <a:off x="838200" y="1211580"/>
-            <a:ext cx="5095240" cy="4549140"/>
+            <a:ext cx="5915025" cy="4549140"/>
           </a:xfrm>
         </p:spPr>
         <p:txBody>
-          <a:bodyPr/>
+          <a:bodyPr>
+            <a:normAutofit lnSpcReduction="20000"/>
+          </a:bodyPr>
+          <a:p>
+            <a:r>
+              <a:rPr lang="en-US" altLang="zh-CN"/>
+              <a:t>References</a:t>
+            </a:r>
+            <a:endParaRPr lang="en-US" altLang="zh-CN"/>
+          </a:p>
+          <a:p>
+            <a:pPr lvl="1"/>
+            <a:r>
+              <a:rPr lang="en-US" altLang="zh-CN"/>
+              <a:t>https://nodejs.org/en/docs/guides/nodejs-docker-webapp/</a:t>
+            </a:r>
+            <a:endParaRPr lang="en-US" altLang="zh-CN"/>
+          </a:p>
           <a:p>
             <a:r>
               <a:rPr lang="en-US" altLang="zh-CN"/>
               <a:t>Steps</a:t>
             </a:r>
+            <a:endParaRPr lang="en-US" altLang="zh-CN"/>
+          </a:p>
+          <a:p>
+            <a:pPr lvl="1"/>
+            <a:r>
+              <a:rPr lang="en-US" altLang="zh-CN"/>
+              <a:t>mkdir proj &amp; cd proj</a:t>
+            </a:r>
+            <a:endParaRPr lang="en-US" altLang="zh-CN"/>
+          </a:p>
+          <a:p>
+            <a:pPr lvl="1"/>
+            <a:r>
+              <a:rPr lang="en-US" altLang="zh-CN"/>
+              <a:t>cnpm init</a:t>
+            </a:r>
+            <a:endParaRPr lang="en-US" altLang="zh-CN"/>
+          </a:p>
+          <a:p>
+            <a:pPr lvl="1"/>
+            <a:r>
+              <a:rPr lang="en-US" altLang="zh-CN"/>
+              <a:t>create app.js</a:t>
+            </a:r>
+            <a:endParaRPr lang="en-US" altLang="zh-CN"/>
+          </a:p>
+          <a:p>
+            <a:pPr lvl="1"/>
+            <a:r>
+              <a:rPr lang="en-US" altLang="zh-CN"/>
+              <a:t>create package.json</a:t>
+            </a:r>
+            <a:endParaRPr lang="en-US" altLang="zh-CN"/>
+          </a:p>
+          <a:p>
+            <a:pPr lvl="1"/>
+            <a:r>
+              <a:rPr lang="en-US" altLang="zh-CN"/>
+              <a:t>run “node app.js”</a:t>
+            </a:r>
+            <a:endParaRPr lang="en-US" altLang="zh-CN"/>
+          </a:p>
+          <a:p>
+            <a:pPr lvl="0"/>
             <a:endParaRPr lang="en-US" altLang="zh-CN"/>
           </a:p>
         </p:txBody>
@@ -4573,8 +4146,8 @@
         </p:nvSpPr>
         <p:spPr>
           <a:xfrm>
-            <a:off x="7767955" y="1167130"/>
-            <a:ext cx="3677285" cy="4523105"/>
+            <a:off x="6980555" y="406400"/>
+            <a:ext cx="4267200" cy="3630930"/>
           </a:xfrm>
           <a:prstGeom prst="rect">
             <a:avLst/>
@@ -4592,151 +4165,279 @@
           </a:bodyPr>
           <a:p>
             <a:r>
-              <a:rPr lang="zh-CN" altLang="en-US" sz="1200"/>
-              <a:t>/* express的服务器 */</a:t>
-            </a:r>
-            <a:endParaRPr lang="zh-CN" altLang="en-US" sz="1200"/>
-          </a:p>
-          <a:p>
-            <a:endParaRPr lang="zh-CN" altLang="en-US" sz="1200"/>
-          </a:p>
-          <a:p>
-            <a:r>
-              <a:rPr lang="zh-CN" altLang="en-US" sz="1200"/>
-              <a:t>//1. 导入express</a:t>
-            </a:r>
-            <a:endParaRPr lang="zh-CN" altLang="en-US" sz="1200"/>
-          </a:p>
-          <a:p>
-            <a:r>
-              <a:rPr lang="zh-CN" altLang="en-US" sz="1200"/>
-              <a:t>var express = require('express')</a:t>
-            </a:r>
-            <a:endParaRPr lang="zh-CN" altLang="en-US" sz="1200"/>
-          </a:p>
-          <a:p>
-            <a:endParaRPr lang="zh-CN" altLang="en-US" sz="1200"/>
-          </a:p>
-          <a:p>
-            <a:r>
-              <a:rPr lang="zh-CN" altLang="en-US" sz="1200"/>
-              <a:t>//2. 创建express服务器</a:t>
-            </a:r>
-            <a:endParaRPr lang="zh-CN" altLang="en-US" sz="1200"/>
-          </a:p>
-          <a:p>
-            <a:r>
-              <a:rPr lang="zh-CN" altLang="en-US" sz="1200"/>
-              <a:t>var server = express()</a:t>
-            </a:r>
-            <a:endParaRPr lang="zh-CN" altLang="en-US" sz="1200"/>
-          </a:p>
-          <a:p>
-            <a:endParaRPr lang="zh-CN" altLang="en-US" sz="1200"/>
-          </a:p>
-          <a:p>
-            <a:r>
-              <a:rPr lang="zh-CN" altLang="en-US" sz="1200"/>
-              <a:t>//3. 访问服务器(get或者post)</a:t>
-            </a:r>
-            <a:endParaRPr lang="zh-CN" altLang="en-US" sz="1200"/>
-          </a:p>
-          <a:p>
-            <a:r>
-              <a:rPr lang="zh-CN" altLang="en-US" sz="1200"/>
-              <a:t>//参数一: 请求根路径</a:t>
-            </a:r>
-            <a:endParaRPr lang="zh-CN" altLang="en-US" sz="1200"/>
-          </a:p>
-          <a:p>
-            <a:r>
-              <a:rPr lang="zh-CN" altLang="en-US" sz="1200"/>
-              <a:t>//3.1 get请求</a:t>
-            </a:r>
-            <a:endParaRPr lang="zh-CN" altLang="en-US" sz="1200"/>
-          </a:p>
-          <a:p>
-            <a:r>
-              <a:rPr lang="zh-CN" altLang="en-US" sz="1200"/>
-              <a:t>server.get('/', function (request, response) {</a:t>
-            </a:r>
-            <a:endParaRPr lang="zh-CN" altLang="en-US" sz="1200"/>
-          </a:p>
-          <a:p>
-            <a:r>
-              <a:rPr lang="zh-CN" altLang="en-US" sz="1200"/>
-              <a:t>    // console.log(request)</a:t>
-            </a:r>
-            <a:endParaRPr lang="zh-CN" altLang="en-US" sz="1200"/>
-          </a:p>
-          <a:p>
-            <a:r>
-              <a:rPr lang="zh-CN" altLang="en-US" sz="1200"/>
-              <a:t>    response.send('get请求成功')</a:t>
-            </a:r>
-            <a:endParaRPr lang="zh-CN" altLang="en-US" sz="1200"/>
-          </a:p>
-          <a:p>
-            <a:r>
-              <a:rPr lang="zh-CN" altLang="en-US" sz="1200"/>
+              <a:rPr lang="en-US" altLang="zh-CN" sz="1000" b="1"/>
+              <a:t>server.js</a:t>
+            </a:r>
+            <a:endParaRPr lang="en-US" altLang="zh-CN" sz="1000" b="1"/>
+          </a:p>
+          <a:p>
+            <a:endParaRPr lang="en-US" altLang="zh-CN" sz="1000"/>
+          </a:p>
+          <a:p>
+            <a:r>
+              <a:rPr lang="zh-CN" altLang="en-US" sz="1000"/>
+              <a:t>const express = require("express");</a:t>
+            </a:r>
+            <a:endParaRPr lang="zh-CN" altLang="en-US" sz="1000"/>
+          </a:p>
+          <a:p>
+            <a:r>
+              <a:rPr lang="zh-CN" altLang="en-US" sz="1000"/>
+              <a:t>const bodyParser = require("body-parser")</a:t>
+            </a:r>
+            <a:endParaRPr lang="zh-CN" altLang="en-US" sz="1000"/>
+          </a:p>
+          <a:p>
+            <a:endParaRPr lang="zh-CN" altLang="en-US" sz="1000"/>
+          </a:p>
+          <a:p>
+            <a:r>
+              <a:rPr lang="zh-CN" altLang="en-US" sz="1000"/>
+              <a:t>// New app using express module</a:t>
+            </a:r>
+            <a:endParaRPr lang="zh-CN" altLang="en-US" sz="1000"/>
+          </a:p>
+          <a:p>
+            <a:r>
+              <a:rPr lang="zh-CN" altLang="en-US" sz="1000"/>
+              <a:t>const app = express();</a:t>
+            </a:r>
+            <a:endParaRPr lang="zh-CN" altLang="en-US" sz="1000"/>
+          </a:p>
+          <a:p>
+            <a:r>
+              <a:rPr lang="zh-CN" altLang="en-US" sz="1000"/>
+              <a:t>app.use(bodyParser.urlencoded({</a:t>
+            </a:r>
+            <a:endParaRPr lang="zh-CN" altLang="en-US" sz="1000"/>
+          </a:p>
+          <a:p>
+            <a:r>
+              <a:rPr lang="zh-CN" altLang="en-US" sz="1000"/>
+              <a:t>  extended:true</a:t>
+            </a:r>
+            <a:endParaRPr lang="zh-CN" altLang="en-US" sz="1000"/>
+          </a:p>
+          <a:p>
+            <a:r>
+              <a:rPr lang="zh-CN" altLang="en-US" sz="1000"/>
+              <a:t>}));</a:t>
+            </a:r>
+            <a:endParaRPr lang="zh-CN" altLang="en-US" sz="1000"/>
+          </a:p>
+          <a:p>
+            <a:endParaRPr lang="zh-CN" altLang="en-US" sz="1000"/>
+          </a:p>
+          <a:p>
+            <a:r>
+              <a:rPr lang="zh-CN" altLang="en-US" sz="1000"/>
+              <a:t>app.get("/", function(req, res) {</a:t>
+            </a:r>
+            <a:endParaRPr lang="zh-CN" altLang="en-US" sz="1000"/>
+          </a:p>
+          <a:p>
+            <a:r>
+              <a:rPr lang="zh-CN" altLang="en-US" sz="1000"/>
+              <a:t>  console.log('Received get request')</a:t>
+            </a:r>
+            <a:endParaRPr lang="zh-CN" altLang="en-US" sz="1000"/>
+          </a:p>
+          <a:p>
+            <a:r>
+              <a:rPr lang="zh-CN" altLang="en-US" sz="1000"/>
+              <a:t>  res.send('Received get request')</a:t>
+            </a:r>
+            <a:endParaRPr lang="zh-CN" altLang="en-US" sz="1000"/>
+          </a:p>
+          <a:p>
+            <a:r>
+              <a:rPr lang="zh-CN" altLang="en-US" sz="1000"/>
+              <a:t>});</a:t>
+            </a:r>
+            <a:endParaRPr lang="zh-CN" altLang="en-US" sz="1000"/>
+          </a:p>
+          <a:p>
+            <a:endParaRPr lang="zh-CN" altLang="en-US" sz="1000"/>
+          </a:p>
+          <a:p>
+            <a:r>
+              <a:rPr lang="zh-CN" altLang="en-US" sz="1000"/>
+              <a:t>app.post("/qrcode", function(req, res) {</a:t>
+            </a:r>
+            <a:endParaRPr lang="zh-CN" altLang="en-US" sz="1000"/>
+          </a:p>
+          <a:p>
+            <a:r>
+              <a:rPr lang="zh-CN" altLang="en-US" sz="1000"/>
+              <a:t>  res.send("Received post request, body=", req.body);</a:t>
+            </a:r>
+            <a:endParaRPr lang="zh-CN" altLang="en-US" sz="1000"/>
+          </a:p>
+          <a:p>
+            <a:r>
+              <a:rPr lang="zh-CN" altLang="en-US" sz="1000"/>
+              <a:t>});</a:t>
+            </a:r>
+            <a:endParaRPr lang="zh-CN" altLang="en-US" sz="1000"/>
+          </a:p>
+          <a:p>
+            <a:endParaRPr lang="zh-CN" altLang="en-US" sz="1000"/>
+          </a:p>
+          <a:p>
+            <a:r>
+              <a:rPr lang="zh-CN" altLang="en-US" sz="1000"/>
+              <a:t>app.listen(8080, function(){</a:t>
+            </a:r>
+            <a:endParaRPr lang="zh-CN" altLang="en-US" sz="1000"/>
+          </a:p>
+          <a:p>
+            <a:r>
+              <a:rPr lang="zh-CN" altLang="en-US" sz="1000"/>
+              <a:t>  console.log("server is running on port 8080");</a:t>
+            </a:r>
+            <a:endParaRPr lang="zh-CN" altLang="en-US" sz="1000"/>
+          </a:p>
+          <a:p>
+            <a:r>
+              <a:rPr lang="zh-CN" altLang="en-US" sz="1000"/>
               <a:t>})</a:t>
             </a:r>
-            <a:endParaRPr lang="zh-CN" altLang="en-US" sz="1200"/>
-          </a:p>
-          <a:p>
-            <a:endParaRPr lang="zh-CN" altLang="en-US" sz="1200"/>
-          </a:p>
-          <a:p>
-            <a:r>
-              <a:rPr lang="zh-CN" altLang="en-US" sz="1200"/>
-              <a:t>//3.2 post请求</a:t>
-            </a:r>
-            <a:endParaRPr lang="zh-CN" altLang="en-US" sz="1200"/>
-          </a:p>
-          <a:p>
-            <a:r>
-              <a:rPr lang="zh-CN" altLang="en-US" sz="1200"/>
-              <a:t>server.post('/', function (request, response) {</a:t>
-            </a:r>
-            <a:endParaRPr lang="zh-CN" altLang="en-US" sz="1200"/>
-          </a:p>
-          <a:p>
-            <a:r>
-              <a:rPr lang="zh-CN" altLang="en-US" sz="1200"/>
-              <a:t>    response.send('post请求成功')</a:t>
-            </a:r>
-            <a:endParaRPr lang="zh-CN" altLang="en-US" sz="1200"/>
-          </a:p>
-          <a:p>
-            <a:r>
-              <a:rPr lang="zh-CN" altLang="en-US" sz="1200"/>
-              <a:t>})</a:t>
-            </a:r>
-            <a:endParaRPr lang="zh-CN" altLang="en-US" sz="1200"/>
-          </a:p>
-          <a:p>
-            <a:endParaRPr lang="zh-CN" altLang="en-US" sz="1200"/>
-          </a:p>
-          <a:p>
-            <a:r>
-              <a:rPr lang="zh-CN" altLang="en-US" sz="1200"/>
-              <a:t>//4. 绑定端口</a:t>
-            </a:r>
-            <a:endParaRPr lang="zh-CN" altLang="en-US" sz="1200"/>
-          </a:p>
-          <a:p>
-            <a:r>
-              <a:rPr lang="zh-CN" altLang="en-US" sz="1200"/>
-              <a:t>server.listen(4040)</a:t>
-            </a:r>
-            <a:endParaRPr lang="zh-CN" altLang="en-US" sz="1200"/>
-          </a:p>
-          <a:p>
-            <a:r>
-              <a:rPr lang="zh-CN" altLang="en-US" sz="1200"/>
-              <a:t>console.log('启动4040')</a:t>
-            </a:r>
-            <a:endParaRPr lang="zh-CN" altLang="en-US" sz="1200"/>
+            <a:endParaRPr lang="zh-CN" altLang="en-US" sz="1000"/>
+          </a:p>
+        </p:txBody>
+      </p:sp>
+      <p:sp>
+        <p:nvSpPr>
+          <p:cNvPr id="6" name="文本框 5"/>
+          <p:cNvSpPr txBox="1"/>
+          <p:nvPr/>
+        </p:nvSpPr>
+        <p:spPr>
+          <a:xfrm>
+            <a:off x="6980555" y="4037330"/>
+            <a:ext cx="4266565" cy="2553335"/>
+          </a:xfrm>
+          <a:prstGeom prst="rect">
+            <a:avLst/>
+          </a:prstGeom>
+          <a:noFill/>
+          <a:ln>
+            <a:solidFill>
+              <a:srgbClr val="C00000"/>
+            </a:solidFill>
+          </a:ln>
+        </p:spPr>
+        <p:txBody>
+          <a:bodyPr wrap="square" rtlCol="0" anchor="t">
+            <a:spAutoFit/>
+          </a:bodyPr>
+          <a:p>
+            <a:r>
+              <a:rPr lang="en-US" altLang="zh-CN" sz="1000" b="1"/>
+              <a:t>package.json</a:t>
+            </a:r>
+            <a:endParaRPr lang="en-US" altLang="zh-CN" sz="1000" b="1"/>
+          </a:p>
+          <a:p>
+            <a:endParaRPr lang="en-US" altLang="zh-CN" sz="1000"/>
+          </a:p>
+          <a:p>
+            <a:r>
+              <a:rPr lang="zh-CN" altLang="en-US" sz="1000"/>
+              <a:t>{</a:t>
+            </a:r>
+            <a:endParaRPr lang="zh-CN" altLang="en-US" sz="1000"/>
+          </a:p>
+          <a:p>
+            <a:r>
+              <a:rPr lang="zh-CN" altLang="en-US" sz="1000"/>
+              <a:t>  "name": "docker_web_app",</a:t>
+            </a:r>
+            <a:endParaRPr lang="zh-CN" altLang="en-US" sz="1000"/>
+          </a:p>
+          <a:p>
+            <a:r>
+              <a:rPr lang="zh-CN" altLang="en-US" sz="1000"/>
+              <a:t>  "version": "1.0.0",</a:t>
+            </a:r>
+            <a:endParaRPr lang="zh-CN" altLang="en-US" sz="1000"/>
+          </a:p>
+          <a:p>
+            <a:r>
+              <a:rPr lang="zh-CN" altLang="en-US" sz="1000"/>
+              <a:t>  "description": "Node.js on Docker",</a:t>
+            </a:r>
+            <a:endParaRPr lang="zh-CN" altLang="en-US" sz="1000"/>
+          </a:p>
+          <a:p>
+            <a:r>
+              <a:rPr lang="zh-CN" altLang="en-US" sz="1000"/>
+              <a:t>  "author": "First Last &lt;first.last@example.com&gt;",</a:t>
+            </a:r>
+            <a:endParaRPr lang="zh-CN" altLang="en-US" sz="1000"/>
+          </a:p>
+          <a:p>
+            <a:r>
+              <a:rPr lang="zh-CN" altLang="en-US" sz="1000"/>
+              <a:t>  "main": "server.js",</a:t>
+            </a:r>
+            <a:endParaRPr lang="zh-CN" altLang="en-US" sz="1000"/>
+          </a:p>
+          <a:p>
+            <a:r>
+              <a:rPr lang="zh-CN" altLang="en-US" sz="1000"/>
+              <a:t>  "scripts": {</a:t>
+            </a:r>
+            <a:endParaRPr lang="zh-CN" altLang="en-US" sz="1000"/>
+          </a:p>
+          <a:p>
+            <a:r>
+              <a:rPr lang="zh-CN" altLang="en-US" sz="1000"/>
+              <a:t>    "start": "node server.js"</a:t>
+            </a:r>
+            <a:endParaRPr lang="zh-CN" altLang="en-US" sz="1000"/>
+          </a:p>
+          <a:p>
+            <a:r>
+              <a:rPr lang="zh-CN" altLang="en-US" sz="1000"/>
+              <a:t>  },</a:t>
+            </a:r>
+            <a:endParaRPr lang="zh-CN" altLang="en-US" sz="1000"/>
+          </a:p>
+          <a:p>
+            <a:r>
+              <a:rPr lang="zh-CN" altLang="en-US" sz="1000"/>
+              <a:t>  "dependencies": {</a:t>
+            </a:r>
+            <a:endParaRPr lang="zh-CN" altLang="en-US" sz="1000"/>
+          </a:p>
+          <a:p>
+            <a:r>
+              <a:rPr lang="zh-CN" altLang="en-US" sz="1000"/>
+              <a:t>    "express": "^4.16.1",</a:t>
+            </a:r>
+            <a:endParaRPr lang="zh-CN" altLang="en-US" sz="1000"/>
+          </a:p>
+          <a:p>
+            <a:r>
+              <a:rPr lang="zh-CN" altLang="en-US" sz="1000"/>
+              <a:t>    "body-parser": "^1.19.1"</a:t>
+            </a:r>
+            <a:endParaRPr lang="zh-CN" altLang="en-US" sz="1000"/>
+          </a:p>
+          <a:p>
+            <a:r>
+              <a:rPr lang="zh-CN" altLang="en-US" sz="1000"/>
+              <a:t>  }</a:t>
+            </a:r>
+            <a:endParaRPr lang="zh-CN" altLang="en-US" sz="1000"/>
+          </a:p>
+          <a:p>
+            <a:r>
+              <a:rPr lang="zh-CN" altLang="en-US" sz="1000"/>
+              <a:t>}</a:t>
+            </a:r>
+            <a:endParaRPr lang="zh-CN" altLang="en-US" sz="1000"/>
           </a:p>
         </p:txBody>
       </p:sp>
@@ -4777,7 +4478,7 @@
           <a:p>
             <a:r>
               <a:rPr lang="en-US" altLang="zh-CN"/>
-              <a:t>Module Import and Export</a:t>
+              <a:t>Web Server using Docker</a:t>
             </a:r>
             <a:endParaRPr lang="en-US" altLang="zh-CN"/>
           </a:p>
@@ -4793,87 +4494,266 @@
             <p:ph idx="1"/>
           </p:nvPr>
         </p:nvSpPr>
-        <p:spPr/>
+        <p:spPr>
+          <a:xfrm>
+            <a:off x="838200" y="1211580"/>
+            <a:ext cx="6300470" cy="4549140"/>
+          </a:xfrm>
+        </p:spPr>
         <p:txBody>
           <a:bodyPr/>
           <a:p>
-            <a:r>
-              <a:rPr lang="en-US" altLang="zh-CN"/>
-              <a:t>References</a:t>
-            </a:r>
-            <a:endParaRPr lang="en-US" altLang="zh-CN"/>
-          </a:p>
-          <a:p>
-            <a:pPr lvl="1"/>
-            <a:r>
-              <a:rPr lang="en-US" altLang="zh-CN"/>
-              <a:t>https://www.freecodecamp.org/news/requiring-modules-in-node-js-everything-you-need-to-know-e7fbd119be8</a:t>
-            </a:r>
-            <a:endParaRPr lang="en-US" altLang="zh-CN"/>
-          </a:p>
-          <a:p>
             <a:pPr lvl="0"/>
             <a:r>
-              <a:rPr lang="en-US" altLang="zh-CN"/>
-              <a:t>require(‘module’)</a:t>
-            </a:r>
-            <a:endParaRPr lang="en-US" altLang="zh-CN"/>
-          </a:p>
-          <a:p>
-            <a:pPr lvl="1"/>
-            <a:r>
-              <a:rPr lang="en-US" altLang="zh-CN"/>
-              <a:t>steps: resolving, loading, wrapping, evaluating, caching</a:t>
-            </a:r>
-            <a:endParaRPr lang="en-US" altLang="zh-CN"/>
-          </a:p>
-          <a:p>
-            <a:pPr lvl="1"/>
-            <a:r>
-              <a:rPr lang="en-US" altLang="zh-CN"/>
-              <a:t>resolving</a:t>
-            </a:r>
-            <a:endParaRPr lang="en-US" altLang="zh-CN"/>
-          </a:p>
-          <a:p>
-            <a:pPr lvl="2"/>
-            <a:r>
-              <a:rPr lang="en-US" altLang="zh-CN"/>
-              <a:t>module.paths</a:t>
-            </a:r>
-            <a:endParaRPr lang="en-US" altLang="zh-CN"/>
-          </a:p>
-          <a:p>
-            <a:pPr lvl="2"/>
-            <a:r>
-              <a:rPr lang="en-US" altLang="zh-CN"/>
-              <a:t>index.js is used by default if require a folder</a:t>
-            </a:r>
-            <a:endParaRPr lang="en-US" altLang="zh-CN"/>
-          </a:p>
-          <a:p>
-            <a:pPr lvl="2"/>
-            <a:r>
-              <a:rPr lang="en-US" altLang="zh-CN"/>
-              <a:t>main property in package.json is used if require a folder</a:t>
-            </a:r>
-            <a:endParaRPr lang="en-US" altLang="zh-CN"/>
-          </a:p>
-          <a:p>
-            <a:pPr lvl="1"/>
-            <a:r>
-              <a:rPr lang="en-US" altLang="zh-CN"/>
-              <a:t>require.resolve</a:t>
-            </a:r>
-            <a:endParaRPr lang="en-US" altLang="zh-CN"/>
-          </a:p>
-          <a:p>
-            <a:pPr lvl="2"/>
-            <a:r>
-              <a:rPr lang="en-US" altLang="zh-CN"/>
-              <a:t>Only resolving, no other steps</a:t>
-            </a:r>
-            <a:endParaRPr lang="en-US" altLang="zh-CN"/>
+              <a:rPr lang="en-US" altLang="zh-CN" sz="2400">
+                <a:sym typeface="+mn-ea"/>
+              </a:rPr>
+              <a:t>Docker</a:t>
+            </a:r>
+            <a:endParaRPr lang="en-US" altLang="zh-CN" sz="2400"/>
+          </a:p>
+          <a:p>
+            <a:pPr lvl="1"/>
+            <a:r>
+              <a:rPr lang="en-US" altLang="zh-CN" sz="2400">
+                <a:sym typeface="+mn-ea"/>
+              </a:rPr>
+              <a:t>create Dockerfile</a:t>
+            </a:r>
+            <a:endParaRPr lang="en-US" altLang="zh-CN" sz="2400"/>
+          </a:p>
+          <a:p>
+            <a:pPr lvl="1"/>
+            <a:r>
+              <a:rPr lang="en-US" altLang="zh-CN" sz="2400">
+                <a:sym typeface="+mn-ea"/>
+              </a:rPr>
+              <a:t>create server.js</a:t>
+            </a:r>
+            <a:endParaRPr lang="en-US" altLang="zh-CN" sz="2400"/>
+          </a:p>
+          <a:p>
+            <a:pPr lvl="1"/>
+            <a:r>
+              <a:rPr lang="en-US" altLang="zh-CN" sz="2400">
+                <a:sym typeface="+mn-ea"/>
+              </a:rPr>
+              <a:t>run “docker build . -t node-web-app”</a:t>
+            </a:r>
+            <a:endParaRPr lang="en-US" altLang="zh-CN" sz="2400">
+              <a:sym typeface="+mn-ea"/>
+            </a:endParaRPr>
+          </a:p>
+          <a:p>
+            <a:pPr lvl="1"/>
+            <a:r>
+              <a:rPr lang="en-US" altLang="zh-CN" sz="2400">
+                <a:sym typeface="+mn-ea"/>
+              </a:rPr>
+              <a:t>run “docker run -p 8080:8080 -d node-web-app”</a:t>
+            </a:r>
+            <a:endParaRPr lang="zh-CN" altLang="en-US"/>
+          </a:p>
+        </p:txBody>
+      </p:sp>
+      <p:sp>
+        <p:nvSpPr>
+          <p:cNvPr id="5" name="文本框 4"/>
+          <p:cNvSpPr txBox="1"/>
+          <p:nvPr/>
+        </p:nvSpPr>
+        <p:spPr>
+          <a:xfrm>
+            <a:off x="7287895" y="1317625"/>
+            <a:ext cx="4267200" cy="3476625"/>
+          </a:xfrm>
+          <a:prstGeom prst="rect">
+            <a:avLst/>
+          </a:prstGeom>
+          <a:noFill/>
+          <a:ln>
+            <a:solidFill>
+              <a:srgbClr val="C00000"/>
+            </a:solidFill>
+          </a:ln>
+        </p:spPr>
+        <p:txBody>
+          <a:bodyPr wrap="square" rtlCol="0" anchor="t">
+            <a:spAutoFit/>
+          </a:bodyPr>
+          <a:p>
+            <a:r>
+              <a:rPr lang="en-US" altLang="zh-CN" sz="1000" b="1"/>
+              <a:t>Dockerfile</a:t>
+            </a:r>
+            <a:endParaRPr lang="en-US" altLang="zh-CN" sz="1000" b="1"/>
+          </a:p>
+          <a:p>
+            <a:endParaRPr lang="en-US" altLang="zh-CN" sz="1000"/>
+          </a:p>
+          <a:p>
+            <a:r>
+              <a:rPr lang="en-US" altLang="zh-CN" sz="1000"/>
+              <a:t>FROM node:16</a:t>
+            </a:r>
+            <a:endParaRPr lang="en-US" altLang="zh-CN" sz="1000"/>
+          </a:p>
+          <a:p>
+            <a:endParaRPr lang="en-US" altLang="zh-CN" sz="1000"/>
+          </a:p>
+          <a:p>
+            <a:r>
+              <a:rPr lang="en-US" altLang="zh-CN" sz="1000"/>
+              <a:t># Create app directory</a:t>
+            </a:r>
+            <a:endParaRPr lang="en-US" altLang="zh-CN" sz="1000"/>
+          </a:p>
+          <a:p>
+            <a:r>
+              <a:rPr lang="en-US" altLang="zh-CN" sz="1000"/>
+              <a:t>WORKDIR /usr/src/app</a:t>
+            </a:r>
+            <a:endParaRPr lang="en-US" altLang="zh-CN" sz="1000"/>
+          </a:p>
+          <a:p>
+            <a:endParaRPr lang="en-US" altLang="zh-CN" sz="1000"/>
+          </a:p>
+          <a:p>
+            <a:r>
+              <a:rPr lang="en-US" altLang="zh-CN" sz="1000"/>
+              <a:t># Install app dependencies</a:t>
+            </a:r>
+            <a:endParaRPr lang="en-US" altLang="zh-CN" sz="1000"/>
+          </a:p>
+          <a:p>
+            <a:r>
+              <a:rPr lang="en-US" altLang="zh-CN" sz="1000"/>
+              <a:t># A wildcard is used to ensure both package.json AND package-lock.json are copied</a:t>
+            </a:r>
+            <a:endParaRPr lang="en-US" altLang="zh-CN" sz="1000"/>
+          </a:p>
+          <a:p>
+            <a:r>
+              <a:rPr lang="en-US" altLang="zh-CN" sz="1000"/>
+              <a:t># where available (npm@5+)</a:t>
+            </a:r>
+            <a:endParaRPr lang="en-US" altLang="zh-CN" sz="1000"/>
+          </a:p>
+          <a:p>
+            <a:r>
+              <a:rPr lang="en-US" altLang="zh-CN" sz="1000"/>
+              <a:t>COPY package*.json ./</a:t>
+            </a:r>
+            <a:endParaRPr lang="en-US" altLang="zh-CN" sz="1000"/>
+          </a:p>
+          <a:p>
+            <a:endParaRPr lang="en-US" altLang="zh-CN" sz="1000"/>
+          </a:p>
+          <a:p>
+            <a:r>
+              <a:rPr lang="en-US" altLang="zh-CN" sz="1000"/>
+              <a:t>RUN npm install</a:t>
+            </a:r>
+            <a:endParaRPr lang="en-US" altLang="zh-CN" sz="1000"/>
+          </a:p>
+          <a:p>
+            <a:r>
+              <a:rPr lang="en-US" altLang="zh-CN" sz="1000"/>
+              <a:t># If you are building your code for production</a:t>
+            </a:r>
+            <a:endParaRPr lang="en-US" altLang="zh-CN" sz="1000"/>
+          </a:p>
+          <a:p>
+            <a:r>
+              <a:rPr lang="en-US" altLang="zh-CN" sz="1000"/>
+              <a:t># RUN npm ci --only=production</a:t>
+            </a:r>
+            <a:endParaRPr lang="en-US" altLang="zh-CN" sz="1000"/>
+          </a:p>
+          <a:p>
+            <a:endParaRPr lang="en-US" altLang="zh-CN" sz="1000"/>
+          </a:p>
+          <a:p>
+            <a:r>
+              <a:rPr lang="en-US" altLang="zh-CN" sz="1000"/>
+              <a:t># Bundle app source</a:t>
+            </a:r>
+            <a:endParaRPr lang="en-US" altLang="zh-CN" sz="1000"/>
+          </a:p>
+          <a:p>
+            <a:r>
+              <a:rPr lang="en-US" altLang="zh-CN" sz="1000"/>
+              <a:t>COPY . .</a:t>
+            </a:r>
+            <a:endParaRPr lang="en-US" altLang="zh-CN" sz="1000"/>
+          </a:p>
+          <a:p>
+            <a:endParaRPr lang="en-US" altLang="zh-CN" sz="1000"/>
+          </a:p>
+          <a:p>
+            <a:r>
+              <a:rPr lang="en-US" altLang="zh-CN" sz="1000"/>
+              <a:t>EXPOSE 8080</a:t>
+            </a:r>
+            <a:endParaRPr lang="en-US" altLang="zh-CN" sz="1000"/>
+          </a:p>
+          <a:p>
+            <a:r>
+              <a:rPr lang="en-US" altLang="zh-CN" sz="1000"/>
+              <a:t>CMD [ "node", "server.js" ]</a:t>
+            </a:r>
+            <a:endParaRPr lang="en-US" altLang="zh-CN" sz="1000"/>
+          </a:p>
+        </p:txBody>
+      </p:sp>
+      <p:sp>
+        <p:nvSpPr>
+          <p:cNvPr id="4" name="文本框 3"/>
+          <p:cNvSpPr txBox="1"/>
+          <p:nvPr/>
+        </p:nvSpPr>
+        <p:spPr>
+          <a:xfrm>
+            <a:off x="7287895" y="5197475"/>
+            <a:ext cx="2540000" cy="706755"/>
+          </a:xfrm>
+          <a:prstGeom prst="rect">
+            <a:avLst/>
+          </a:prstGeom>
+          <a:noFill/>
+          <a:ln>
+            <a:solidFill>
+              <a:srgbClr val="C00000"/>
+            </a:solidFill>
+          </a:ln>
+        </p:spPr>
+        <p:txBody>
+          <a:bodyPr wrap="square" rtlCol="0" anchor="t">
+            <a:spAutoFit/>
+          </a:bodyPr>
+          <a:p>
+            <a:r>
+              <a:rPr lang="en-US" altLang="zh-CN" sz="1000" b="1"/>
+              <a:t>.dockerignore</a:t>
+            </a:r>
+            <a:endParaRPr lang="en-US" altLang="zh-CN" sz="1000" b="1"/>
+          </a:p>
+          <a:p>
+            <a:endParaRPr lang="en-US" altLang="zh-CN" sz="1000"/>
+          </a:p>
+          <a:p>
+            <a:r>
+              <a:rPr lang="zh-CN" altLang="en-US" sz="1000"/>
+              <a:t>node_modules</a:t>
+            </a:r>
+            <a:endParaRPr lang="zh-CN" altLang="en-US" sz="1000"/>
+          </a:p>
+          <a:p>
+            <a:r>
+              <a:rPr lang="zh-CN" altLang="en-US" sz="1000"/>
+              <a:t>npm-debug.log</a:t>
+            </a:r>
+            <a:endParaRPr lang="zh-CN" altLang="en-US" sz="1000"/>
           </a:p>
         </p:txBody>
       </p:sp>
@@ -4889,6 +4769,707 @@
 </file>
 
 <file path=ppt/slides/slide14.xml><?xml version="1.0" encoding="utf-8"?>
+<p:sld xmlns:a="http://schemas.openxmlformats.org/drawingml/2006/main" xmlns:r="http://schemas.openxmlformats.org/officeDocument/2006/relationships" xmlns:p="http://schemas.openxmlformats.org/presentationml/2006/main">
+  <p:cSld>
+    <p:spTree>
+      <p:nvGrpSpPr>
+        <p:cNvPr id="1" name=""/>
+        <p:cNvGrpSpPr/>
+        <p:nvPr/>
+      </p:nvGrpSpPr>
+      <p:grpSpPr/>
+      <p:sp>
+        <p:nvSpPr>
+          <p:cNvPr id="2" name="标题 1"/>
+          <p:cNvSpPr>
+            <a:spLocks noGrp="1"/>
+          </p:cNvSpPr>
+          <p:nvPr>
+            <p:ph type="title"/>
+          </p:nvPr>
+        </p:nvSpPr>
+        <p:spPr/>
+        <p:txBody>
+          <a:bodyPr/>
+          <a:p>
+            <a:r>
+              <a:rPr lang="en-US" altLang="zh-CN"/>
+              <a:t>Express</a:t>
+            </a:r>
+            <a:endParaRPr lang="en-US" altLang="zh-CN"/>
+          </a:p>
+        </p:txBody>
+      </p:sp>
+      <p:sp>
+        <p:nvSpPr>
+          <p:cNvPr id="3" name="内容占位符 2"/>
+          <p:cNvSpPr>
+            <a:spLocks noGrp="1"/>
+          </p:cNvSpPr>
+          <p:nvPr>
+            <p:ph idx="1"/>
+          </p:nvPr>
+        </p:nvSpPr>
+        <p:spPr>
+          <a:xfrm>
+            <a:off x="838200" y="1211580"/>
+            <a:ext cx="5095240" cy="4549140"/>
+          </a:xfrm>
+        </p:spPr>
+        <p:txBody>
+          <a:bodyPr/>
+          <a:p>
+            <a:r>
+              <a:rPr lang="en-US" altLang="zh-CN"/>
+              <a:t>Steps</a:t>
+            </a:r>
+            <a:endParaRPr lang="en-US" altLang="zh-CN"/>
+          </a:p>
+        </p:txBody>
+      </p:sp>
+      <p:sp>
+        <p:nvSpPr>
+          <p:cNvPr id="4" name="文本框 3"/>
+          <p:cNvSpPr txBox="1"/>
+          <p:nvPr/>
+        </p:nvSpPr>
+        <p:spPr>
+          <a:xfrm>
+            <a:off x="7767955" y="1167130"/>
+            <a:ext cx="3677285" cy="4523105"/>
+          </a:xfrm>
+          <a:prstGeom prst="rect">
+            <a:avLst/>
+          </a:prstGeom>
+          <a:noFill/>
+          <a:ln>
+            <a:solidFill>
+              <a:srgbClr val="C00000"/>
+            </a:solidFill>
+          </a:ln>
+        </p:spPr>
+        <p:txBody>
+          <a:bodyPr wrap="square" rtlCol="0" anchor="t">
+            <a:spAutoFit/>
+          </a:bodyPr>
+          <a:p>
+            <a:r>
+              <a:rPr lang="zh-CN" altLang="en-US" sz="1200"/>
+              <a:t>/* express的服务器 */</a:t>
+            </a:r>
+            <a:endParaRPr lang="zh-CN" altLang="en-US" sz="1200"/>
+          </a:p>
+          <a:p>
+            <a:endParaRPr lang="zh-CN" altLang="en-US" sz="1200"/>
+          </a:p>
+          <a:p>
+            <a:r>
+              <a:rPr lang="zh-CN" altLang="en-US" sz="1200"/>
+              <a:t>//1. 导入express</a:t>
+            </a:r>
+            <a:endParaRPr lang="zh-CN" altLang="en-US" sz="1200"/>
+          </a:p>
+          <a:p>
+            <a:r>
+              <a:rPr lang="zh-CN" altLang="en-US" sz="1200"/>
+              <a:t>var express = require('express')</a:t>
+            </a:r>
+            <a:endParaRPr lang="zh-CN" altLang="en-US" sz="1200"/>
+          </a:p>
+          <a:p>
+            <a:endParaRPr lang="zh-CN" altLang="en-US" sz="1200"/>
+          </a:p>
+          <a:p>
+            <a:r>
+              <a:rPr lang="zh-CN" altLang="en-US" sz="1200"/>
+              <a:t>//2. 创建express服务器</a:t>
+            </a:r>
+            <a:endParaRPr lang="zh-CN" altLang="en-US" sz="1200"/>
+          </a:p>
+          <a:p>
+            <a:r>
+              <a:rPr lang="zh-CN" altLang="en-US" sz="1200"/>
+              <a:t>var server = express()</a:t>
+            </a:r>
+            <a:endParaRPr lang="zh-CN" altLang="en-US" sz="1200"/>
+          </a:p>
+          <a:p>
+            <a:endParaRPr lang="zh-CN" altLang="en-US" sz="1200"/>
+          </a:p>
+          <a:p>
+            <a:r>
+              <a:rPr lang="zh-CN" altLang="en-US" sz="1200"/>
+              <a:t>//3. 访问服务器(get或者post)</a:t>
+            </a:r>
+            <a:endParaRPr lang="zh-CN" altLang="en-US" sz="1200"/>
+          </a:p>
+          <a:p>
+            <a:r>
+              <a:rPr lang="zh-CN" altLang="en-US" sz="1200"/>
+              <a:t>//参数一: 请求根路径</a:t>
+            </a:r>
+            <a:endParaRPr lang="zh-CN" altLang="en-US" sz="1200"/>
+          </a:p>
+          <a:p>
+            <a:r>
+              <a:rPr lang="zh-CN" altLang="en-US" sz="1200"/>
+              <a:t>//3.1 get请求</a:t>
+            </a:r>
+            <a:endParaRPr lang="zh-CN" altLang="en-US" sz="1200"/>
+          </a:p>
+          <a:p>
+            <a:r>
+              <a:rPr lang="zh-CN" altLang="en-US" sz="1200"/>
+              <a:t>server.get('/', function (request, response) {</a:t>
+            </a:r>
+            <a:endParaRPr lang="zh-CN" altLang="en-US" sz="1200"/>
+          </a:p>
+          <a:p>
+            <a:r>
+              <a:rPr lang="zh-CN" altLang="en-US" sz="1200"/>
+              <a:t>    // console.log(request)</a:t>
+            </a:r>
+            <a:endParaRPr lang="zh-CN" altLang="en-US" sz="1200"/>
+          </a:p>
+          <a:p>
+            <a:r>
+              <a:rPr lang="zh-CN" altLang="en-US" sz="1200"/>
+              <a:t>    response.send('get请求成功')</a:t>
+            </a:r>
+            <a:endParaRPr lang="zh-CN" altLang="en-US" sz="1200"/>
+          </a:p>
+          <a:p>
+            <a:r>
+              <a:rPr lang="zh-CN" altLang="en-US" sz="1200"/>
+              <a:t>})</a:t>
+            </a:r>
+            <a:endParaRPr lang="zh-CN" altLang="en-US" sz="1200"/>
+          </a:p>
+          <a:p>
+            <a:endParaRPr lang="zh-CN" altLang="en-US" sz="1200"/>
+          </a:p>
+          <a:p>
+            <a:r>
+              <a:rPr lang="zh-CN" altLang="en-US" sz="1200"/>
+              <a:t>//3.2 post请求</a:t>
+            </a:r>
+            <a:endParaRPr lang="zh-CN" altLang="en-US" sz="1200"/>
+          </a:p>
+          <a:p>
+            <a:r>
+              <a:rPr lang="zh-CN" altLang="en-US" sz="1200"/>
+              <a:t>server.post('/', function (request, response) {</a:t>
+            </a:r>
+            <a:endParaRPr lang="zh-CN" altLang="en-US" sz="1200"/>
+          </a:p>
+          <a:p>
+            <a:r>
+              <a:rPr lang="zh-CN" altLang="en-US" sz="1200"/>
+              <a:t>    response.send('post请求成功')</a:t>
+            </a:r>
+            <a:endParaRPr lang="zh-CN" altLang="en-US" sz="1200"/>
+          </a:p>
+          <a:p>
+            <a:r>
+              <a:rPr lang="zh-CN" altLang="en-US" sz="1200"/>
+              <a:t>})</a:t>
+            </a:r>
+            <a:endParaRPr lang="zh-CN" altLang="en-US" sz="1200"/>
+          </a:p>
+          <a:p>
+            <a:endParaRPr lang="zh-CN" altLang="en-US" sz="1200"/>
+          </a:p>
+          <a:p>
+            <a:r>
+              <a:rPr lang="zh-CN" altLang="en-US" sz="1200"/>
+              <a:t>//4. 绑定端口</a:t>
+            </a:r>
+            <a:endParaRPr lang="zh-CN" altLang="en-US" sz="1200"/>
+          </a:p>
+          <a:p>
+            <a:r>
+              <a:rPr lang="zh-CN" altLang="en-US" sz="1200"/>
+              <a:t>server.listen(4040)</a:t>
+            </a:r>
+            <a:endParaRPr lang="zh-CN" altLang="en-US" sz="1200"/>
+          </a:p>
+          <a:p>
+            <a:r>
+              <a:rPr lang="zh-CN" altLang="en-US" sz="1200"/>
+              <a:t>console.log('启动4040')</a:t>
+            </a:r>
+            <a:endParaRPr lang="zh-CN" altLang="en-US" sz="1200"/>
+          </a:p>
+        </p:txBody>
+      </p:sp>
+    </p:spTree>
+    <p:custDataLst>
+      <p:tags r:id="rId1"/>
+    </p:custDataLst>
+  </p:cSld>
+  <p:clrMapOvr>
+    <a:masterClrMapping/>
+  </p:clrMapOvr>
+</p:sld>
+</file>
+
+<file path=ppt/slides/slide15.xml><?xml version="1.0" encoding="utf-8"?>
+<p:sld xmlns:a="http://schemas.openxmlformats.org/drawingml/2006/main" xmlns:r="http://schemas.openxmlformats.org/officeDocument/2006/relationships" xmlns:p="http://schemas.openxmlformats.org/presentationml/2006/main">
+  <p:cSld>
+    <p:spTree>
+      <p:nvGrpSpPr>
+        <p:cNvPr id="1" name=""/>
+        <p:cNvGrpSpPr/>
+        <p:nvPr/>
+      </p:nvGrpSpPr>
+      <p:grpSpPr/>
+      <p:sp>
+        <p:nvSpPr>
+          <p:cNvPr id="2" name="标题 1"/>
+          <p:cNvSpPr>
+            <a:spLocks noGrp="1"/>
+          </p:cNvSpPr>
+          <p:nvPr>
+            <p:ph type="title"/>
+          </p:nvPr>
+        </p:nvSpPr>
+        <p:spPr/>
+        <p:txBody>
+          <a:bodyPr/>
+          <a:p>
+            <a:r>
+              <a:rPr lang="en-US" altLang="zh-CN"/>
+              <a:t>Module Import and Export</a:t>
+            </a:r>
+            <a:endParaRPr lang="en-US" altLang="zh-CN"/>
+          </a:p>
+        </p:txBody>
+      </p:sp>
+      <p:sp>
+        <p:nvSpPr>
+          <p:cNvPr id="3" name="内容占位符 2"/>
+          <p:cNvSpPr>
+            <a:spLocks noGrp="1"/>
+          </p:cNvSpPr>
+          <p:nvPr>
+            <p:ph idx="1"/>
+          </p:nvPr>
+        </p:nvSpPr>
+        <p:spPr/>
+        <p:txBody>
+          <a:bodyPr/>
+          <a:p>
+            <a:r>
+              <a:rPr lang="en-US" altLang="zh-CN"/>
+              <a:t>References</a:t>
+            </a:r>
+            <a:endParaRPr lang="en-US" altLang="zh-CN"/>
+          </a:p>
+          <a:p>
+            <a:pPr lvl="1"/>
+            <a:r>
+              <a:rPr lang="en-US" altLang="zh-CN"/>
+              <a:t>https://www.freecodecamp.org/news/requiring-modules-in-node-js-everything-you-need-to-know-e7fbd119be8</a:t>
+            </a:r>
+            <a:endParaRPr lang="en-US" altLang="zh-CN"/>
+          </a:p>
+          <a:p>
+            <a:pPr lvl="0"/>
+            <a:r>
+              <a:rPr lang="en-US" altLang="zh-CN"/>
+              <a:t>require(‘module’)</a:t>
+            </a:r>
+            <a:endParaRPr lang="en-US" altLang="zh-CN"/>
+          </a:p>
+          <a:p>
+            <a:pPr lvl="1"/>
+            <a:r>
+              <a:rPr lang="en-US" altLang="zh-CN"/>
+              <a:t>steps: resolving, loading, wrapping, evaluating, caching</a:t>
+            </a:r>
+            <a:endParaRPr lang="en-US" altLang="zh-CN"/>
+          </a:p>
+          <a:p>
+            <a:pPr lvl="1"/>
+            <a:r>
+              <a:rPr lang="en-US" altLang="zh-CN"/>
+              <a:t>resolving</a:t>
+            </a:r>
+            <a:endParaRPr lang="en-US" altLang="zh-CN"/>
+          </a:p>
+          <a:p>
+            <a:pPr lvl="2"/>
+            <a:r>
+              <a:rPr lang="en-US" altLang="zh-CN"/>
+              <a:t>module.paths</a:t>
+            </a:r>
+            <a:endParaRPr lang="en-US" altLang="zh-CN"/>
+          </a:p>
+          <a:p>
+            <a:pPr lvl="2"/>
+            <a:r>
+              <a:rPr lang="en-US" altLang="zh-CN"/>
+              <a:t>index.js is used by default if require a folder</a:t>
+            </a:r>
+            <a:endParaRPr lang="en-US" altLang="zh-CN"/>
+          </a:p>
+          <a:p>
+            <a:pPr lvl="2"/>
+            <a:r>
+              <a:rPr lang="en-US" altLang="zh-CN"/>
+              <a:t>main property in package.json is used if require a folder</a:t>
+            </a:r>
+            <a:endParaRPr lang="en-US" altLang="zh-CN"/>
+          </a:p>
+          <a:p>
+            <a:pPr lvl="1"/>
+            <a:r>
+              <a:rPr lang="en-US" altLang="zh-CN"/>
+              <a:t>require.resolve</a:t>
+            </a:r>
+            <a:endParaRPr lang="en-US" altLang="zh-CN"/>
+          </a:p>
+          <a:p>
+            <a:pPr lvl="2"/>
+            <a:r>
+              <a:rPr lang="en-US" altLang="zh-CN"/>
+              <a:t>Only resolving, no other steps</a:t>
+            </a:r>
+            <a:endParaRPr lang="en-US" altLang="zh-CN"/>
+          </a:p>
+        </p:txBody>
+      </p:sp>
+    </p:spTree>
+    <p:custDataLst>
+      <p:tags r:id="rId1"/>
+    </p:custDataLst>
+  </p:cSld>
+  <p:clrMapOvr>
+    <a:masterClrMapping/>
+  </p:clrMapOvr>
+</p:sld>
+</file>
+
+<file path=ppt/slides/slide16.xml><?xml version="1.0" encoding="utf-8"?>
+<p:sld xmlns:a="http://schemas.openxmlformats.org/drawingml/2006/main" xmlns:r="http://schemas.openxmlformats.org/officeDocument/2006/relationships" xmlns:p="http://schemas.openxmlformats.org/presentationml/2006/main">
+  <p:cSld>
+    <p:spTree>
+      <p:nvGrpSpPr>
+        <p:cNvPr id="1" name=""/>
+        <p:cNvGrpSpPr/>
+        <p:nvPr/>
+      </p:nvGrpSpPr>
+      <p:grpSpPr/>
+      <p:sp>
+        <p:nvSpPr>
+          <p:cNvPr id="2" name="标题 1"/>
+          <p:cNvSpPr>
+            <a:spLocks noGrp="1"/>
+          </p:cNvSpPr>
+          <p:nvPr>
+            <p:ph type="title"/>
+          </p:nvPr>
+        </p:nvSpPr>
+        <p:spPr/>
+        <p:txBody>
+          <a:bodyPr/>
+          <a:p>
+            <a:r>
+              <a:rPr lang="en-US" altLang="zh-CN"/>
+              <a:t>Node-sass</a:t>
+            </a:r>
+            <a:endParaRPr lang="en-US" altLang="zh-CN"/>
+          </a:p>
+        </p:txBody>
+      </p:sp>
+      <p:sp>
+        <p:nvSpPr>
+          <p:cNvPr id="3" name="内容占位符 2"/>
+          <p:cNvSpPr>
+            <a:spLocks noGrp="1"/>
+          </p:cNvSpPr>
+          <p:nvPr>
+            <p:ph idx="1"/>
+          </p:nvPr>
+        </p:nvSpPr>
+        <p:spPr>
+          <a:xfrm>
+            <a:off x="838200" y="1211580"/>
+            <a:ext cx="5614035" cy="4549140"/>
+          </a:xfrm>
+        </p:spPr>
+        <p:txBody>
+          <a:bodyPr/>
+          <a:p>
+            <a:pPr lvl="0"/>
+            <a:r>
+              <a:rPr lang="en-US" altLang="zh-CN" sz="2400">
+                <a:sym typeface="+mn-ea"/>
+              </a:rPr>
+              <a:t>FAQ</a:t>
+            </a:r>
+            <a:endParaRPr lang="en-US" altLang="zh-CN" sz="2400"/>
+          </a:p>
+          <a:p>
+            <a:pPr lvl="1"/>
+            <a:endParaRPr lang="zh-CN" altLang="en-US"/>
+          </a:p>
+        </p:txBody>
+      </p:sp>
+      <p:pic>
+        <p:nvPicPr>
+          <p:cNvPr id="100" name="图片 99"/>
+          <p:cNvPicPr/>
+          <p:nvPr/>
+        </p:nvPicPr>
+        <p:blipFill>
+          <a:blip r:embed="rId1"/>
+          <a:stretch>
+            <a:fillRect/>
+          </a:stretch>
+        </p:blipFill>
+        <p:spPr>
+          <a:xfrm>
+            <a:off x="7063740" y="851535"/>
+            <a:ext cx="4488180" cy="5524500"/>
+          </a:xfrm>
+          <a:prstGeom prst="rect">
+            <a:avLst/>
+          </a:prstGeom>
+          <a:noFill/>
+          <a:ln w="9525">
+            <a:noFill/>
+          </a:ln>
+        </p:spPr>
+      </p:pic>
+    </p:spTree>
+    <p:custDataLst>
+      <p:tags r:id="rId2"/>
+    </p:custDataLst>
+  </p:cSld>
+  <p:clrMapOvr>
+    <a:masterClrMapping/>
+  </p:clrMapOvr>
+</p:sld>
+</file>
+
+<file path=ppt/slides/slide17.xml><?xml version="1.0" encoding="utf-8"?>
+<p:sld xmlns:a="http://schemas.openxmlformats.org/drawingml/2006/main" xmlns:r="http://schemas.openxmlformats.org/officeDocument/2006/relationships" xmlns:p="http://schemas.openxmlformats.org/presentationml/2006/main">
+  <p:cSld>
+    <p:spTree>
+      <p:nvGrpSpPr>
+        <p:cNvPr id="1" name=""/>
+        <p:cNvGrpSpPr/>
+        <p:nvPr/>
+      </p:nvGrpSpPr>
+      <p:grpSpPr/>
+      <p:sp>
+        <p:nvSpPr>
+          <p:cNvPr id="2" name="标题 1"/>
+          <p:cNvSpPr>
+            <a:spLocks noGrp="1"/>
+          </p:cNvSpPr>
+          <p:nvPr>
+            <p:ph type="title"/>
+          </p:nvPr>
+        </p:nvSpPr>
+        <p:spPr/>
+        <p:txBody>
+          <a:bodyPr/>
+          <a:p>
+            <a:r>
+              <a:rPr lang="en-US" altLang="zh-CN"/>
+              <a:t>Debug</a:t>
+            </a:r>
+            <a:endParaRPr lang="en-US" altLang="zh-CN"/>
+          </a:p>
+        </p:txBody>
+      </p:sp>
+      <p:sp>
+        <p:nvSpPr>
+          <p:cNvPr id="3" name="内容占位符 2"/>
+          <p:cNvSpPr>
+            <a:spLocks noGrp="1"/>
+          </p:cNvSpPr>
+          <p:nvPr>
+            <p:ph idx="1"/>
+          </p:nvPr>
+        </p:nvSpPr>
+        <p:spPr/>
+        <p:txBody>
+          <a:bodyPr/>
+          <a:p>
+            <a:r>
+              <a:rPr lang="zh-CN" altLang="en-US"/>
+              <a:t>set DEBUG=*,-not_this</a:t>
+            </a:r>
+            <a:endParaRPr lang="zh-CN" altLang="en-US"/>
+          </a:p>
+          <a:p>
+            <a:pPr lvl="1"/>
+            <a:r>
+              <a:rPr lang="en-US" altLang="zh-CN"/>
+              <a:t>set DEBUG= to turn off debug output</a:t>
+            </a:r>
+            <a:endParaRPr lang="en-US" altLang="zh-CN"/>
+          </a:p>
+        </p:txBody>
+      </p:sp>
+    </p:spTree>
+    <p:custDataLst>
+      <p:tags r:id="rId1"/>
+    </p:custDataLst>
+  </p:cSld>
+  <p:clrMapOvr>
+    <a:masterClrMapping/>
+  </p:clrMapOvr>
+</p:sld>
+</file>
+
+<file path=ppt/slides/slide18.xml><?xml version="1.0" encoding="utf-8"?>
+<p:sld xmlns:a="http://schemas.openxmlformats.org/drawingml/2006/main" xmlns:r="http://schemas.openxmlformats.org/officeDocument/2006/relationships" xmlns:p="http://schemas.openxmlformats.org/presentationml/2006/main">
+  <p:cSld>
+    <p:spTree>
+      <p:nvGrpSpPr>
+        <p:cNvPr id="1" name=""/>
+        <p:cNvGrpSpPr/>
+        <p:nvPr/>
+      </p:nvGrpSpPr>
+      <p:grpSpPr/>
+      <p:sp>
+        <p:nvSpPr>
+          <p:cNvPr id="2" name="标题 1"/>
+          <p:cNvSpPr>
+            <a:spLocks noGrp="1"/>
+          </p:cNvSpPr>
+          <p:nvPr>
+            <p:ph type="title"/>
+          </p:nvPr>
+        </p:nvSpPr>
+        <p:spPr/>
+        <p:txBody>
+          <a:bodyPr/>
+          <a:p>
+            <a:r>
+              <a:rPr lang="en-US" altLang="zh-CN"/>
+              <a:t>FAQ</a:t>
+            </a:r>
+            <a:endParaRPr lang="en-US" altLang="zh-CN"/>
+          </a:p>
+        </p:txBody>
+      </p:sp>
+      <p:sp>
+        <p:nvSpPr>
+          <p:cNvPr id="3" name="内容占位符 2"/>
+          <p:cNvSpPr>
+            <a:spLocks noGrp="1"/>
+          </p:cNvSpPr>
+          <p:nvPr>
+            <p:ph idx="1"/>
+          </p:nvPr>
+        </p:nvSpPr>
+        <p:spPr/>
+        <p:txBody>
+          <a:bodyPr/>
+          <a:p>
+            <a:r>
+              <a:rPr lang="en-US" altLang="zh-CN"/>
+              <a:t>Error</a:t>
+            </a:r>
+            <a:endParaRPr lang="en-US" altLang="zh-CN"/>
+          </a:p>
+          <a:p>
+            <a:pPr lvl="1"/>
+            <a:r>
+              <a:rPr lang="en-US" altLang="zh-CN"/>
+              <a:t>issue: node/v8-internal.h:492:38: error: ‘remove_cv_t’ is not a member of ‘std’</a:t>
+            </a:r>
+            <a:endParaRPr lang="en-US" altLang="zh-CN"/>
+          </a:p>
+          <a:p>
+            <a:pPr lvl="2"/>
+            <a:r>
+              <a:rPr lang="en-US" altLang="zh-CN"/>
+              <a:t>CXXFLAGS="-std=c++17" npm i</a:t>
+            </a:r>
+            <a:endParaRPr lang="en-US" altLang="zh-CN"/>
+          </a:p>
+          <a:p>
+            <a:pPr lvl="1"/>
+            <a:r>
+              <a:rPr lang="en-US" altLang="zh-CN"/>
+              <a:t>issue: unable to verify the first certificate</a:t>
+            </a:r>
+            <a:endParaRPr lang="en-US" altLang="zh-CN"/>
+          </a:p>
+          <a:p>
+            <a:pPr lvl="2"/>
+            <a:r>
+              <a:rPr lang="en-US" altLang="zh-CN"/>
+              <a:t>change registry = "https://registry.npm.taobao.org/" into “</a:t>
+            </a:r>
+            <a:r>
+              <a:rPr lang="en-US" altLang="zh-CN">
+                <a:sym typeface="+mn-ea"/>
+              </a:rPr>
+              <a:t>http://registry.npm.taobao.org/”</a:t>
+            </a:r>
+            <a:endParaRPr lang="en-US" altLang="zh-CN">
+              <a:sym typeface="+mn-ea"/>
+            </a:endParaRPr>
+          </a:p>
+          <a:p>
+            <a:pPr lvl="1"/>
+            <a:r>
+              <a:rPr lang="en-US" altLang="zh-CN" sz="2000">
+                <a:sym typeface="+mn-ea"/>
+              </a:rPr>
+              <a:t>issue: After upgrade nodejs, npm run build may fail with message like “Node Sass does not yet support your current environment:”</a:t>
+            </a:r>
+            <a:endParaRPr lang="en-US" altLang="zh-CN" sz="2000"/>
+          </a:p>
+          <a:p>
+            <a:pPr lvl="2"/>
+            <a:r>
+              <a:rPr lang="en-US" altLang="zh-CN" sz="2000">
+                <a:sym typeface="+mn-ea"/>
+              </a:rPr>
+              <a:t>run “npm rebuild node-sass”</a:t>
+            </a:r>
+            <a:endParaRPr lang="en-US" altLang="zh-CN" sz="2000">
+              <a:sym typeface="+mn-ea"/>
+            </a:endParaRPr>
+          </a:p>
+          <a:p>
+            <a:pPr lvl="0"/>
+            <a:r>
+              <a:rPr lang="en-US" altLang="zh-CN"/>
+              <a:t>npm common errors</a:t>
+            </a:r>
+            <a:endParaRPr lang="en-US" altLang="zh-CN"/>
+          </a:p>
+          <a:p>
+            <a:pPr lvl="1"/>
+            <a:r>
+              <a:rPr lang="en-US" altLang="zh-CN"/>
+              <a:t>https://docs.npmjs.com/common-errors/</a:t>
+            </a:r>
+            <a:endParaRPr lang="en-US" altLang="zh-CN"/>
+          </a:p>
+        </p:txBody>
+      </p:sp>
+    </p:spTree>
+    <p:custDataLst>
+      <p:tags r:id="rId1"/>
+    </p:custDataLst>
+  </p:cSld>
+  <p:clrMapOvr>
+    <a:masterClrMapping/>
+  </p:clrMapOvr>
+</p:sld>
+</file>
+
+<file path=ppt/slides/slide19.xml><?xml version="1.0" encoding="utf-8"?>
 <p:sld xmlns:a="http://schemas.openxmlformats.org/drawingml/2006/main" xmlns:r="http://schemas.openxmlformats.org/officeDocument/2006/relationships" xmlns:p="http://schemas.openxmlformats.org/presentationml/2006/main">
   <p:cSld>
     <p:spTree>
@@ -5250,11 +5831,13 @@
           </a:xfrm>
         </p:spPr>
         <p:txBody>
-          <a:bodyPr/>
-          <a:p>
-            <a:r>
-              <a:rPr lang="en-US" altLang="zh-CN"/>
-              <a:t>Steps</a:t>
+          <a:bodyPr>
+            <a:normAutofit lnSpcReduction="10000"/>
+          </a:bodyPr>
+          <a:p>
+            <a:r>
+              <a:rPr lang="en-US" altLang="zh-CN"/>
+              <a:t>Linux install</a:t>
             </a:r>
             <a:endParaRPr lang="en-US" altLang="zh-CN"/>
           </a:p>
@@ -5286,24 +5869,44 @@
             <a:pPr lvl="0"/>
             <a:r>
               <a:rPr lang="en-US" altLang="zh-CN"/>
-              <a:t>FAQ</a:t>
-            </a:r>
-            <a:endParaRPr lang="en-US" altLang="zh-CN"/>
-          </a:p>
-          <a:p>
-            <a:pPr lvl="1"/>
-            <a:r>
-              <a:rPr lang="en-US" altLang="zh-CN"/>
-              <a:t>After upgrade nodejs, npm run build may fail with message like “Node Sass does not yet support your current environment:”</a:t>
+              <a:t>Windows install</a:t>
+            </a:r>
+            <a:endParaRPr lang="en-US" altLang="zh-CN"/>
+          </a:p>
+          <a:p>
+            <a:pPr lvl="1"/>
+            <a:r>
+              <a:rPr lang="en-US" altLang="zh-CN"/>
+              <a:t>download installer from https://nodejs.org/en/download</a:t>
             </a:r>
             <a:endParaRPr lang="en-US" altLang="zh-CN"/>
           </a:p>
           <a:p>
             <a:pPr lvl="2"/>
             <a:r>
-              <a:rPr lang="en-US" altLang="zh-CN"/>
-              <a:t>run “npm rebuild node-sass”</a:t>
-            </a:r>
+              <a:rPr lang="en-US" altLang="zh-CN" sz="1800"/>
+              <a:t>Python and VS tools need to be installed along with it</a:t>
+            </a:r>
+            <a:endParaRPr lang="en-US" altLang="zh-CN" sz="1800"/>
+          </a:p>
+          <a:p>
+            <a:pPr lvl="0"/>
+            <a:r>
+              <a:rPr lang="en-US" altLang="zh-CN" sz="2400"/>
+              <a:t>Install check</a:t>
+            </a:r>
+            <a:endParaRPr lang="en-US" altLang="zh-CN" sz="2400"/>
+          </a:p>
+          <a:p>
+            <a:pPr lvl="1"/>
+            <a:r>
+              <a:rPr lang="en-US" altLang="zh-CN" sz="2000"/>
+              <a:t>node -v</a:t>
+            </a:r>
+            <a:endParaRPr lang="en-US" altLang="zh-CN"/>
+          </a:p>
+          <a:p>
+            <a:pPr lvl="1"/>
             <a:endParaRPr lang="en-US" altLang="zh-CN"/>
           </a:p>
         </p:txBody>
@@ -5374,6 +5977,252 @@
           <a:p>
             <a:r>
               <a:rPr lang="en-US" altLang="zh-CN"/>
+              <a:t>NVM (Node.js Version Manager)</a:t>
+            </a:r>
+            <a:endParaRPr lang="en-US" altLang="zh-CN"/>
+          </a:p>
+        </p:txBody>
+      </p:sp>
+      <p:sp>
+        <p:nvSpPr>
+          <p:cNvPr id="3" name="内容占位符 2"/>
+          <p:cNvSpPr>
+            <a:spLocks noGrp="1"/>
+          </p:cNvSpPr>
+          <p:nvPr>
+            <p:ph idx="1"/>
+          </p:nvPr>
+        </p:nvSpPr>
+        <p:spPr>
+          <a:xfrm>
+            <a:off x="838200" y="1211580"/>
+            <a:ext cx="6924675" cy="5036820"/>
+          </a:xfrm>
+        </p:spPr>
+        <p:txBody>
+          <a:bodyPr>
+            <a:normAutofit fontScale="60000"/>
+          </a:bodyPr>
+          <a:p>
+            <a:r>
+              <a:rPr lang="en-US" altLang="zh-CN"/>
+              <a:t>References</a:t>
+            </a:r>
+            <a:endParaRPr lang="en-US" altLang="zh-CN"/>
+          </a:p>
+          <a:p>
+            <a:pPr lvl="1"/>
+            <a:r>
+              <a:rPr lang="en-US" altLang="zh-CN">
+                <a:sym typeface="+mn-ea"/>
+              </a:rPr>
+              <a:t>https://github.com/nvm-sh/nvm (Linux)</a:t>
+            </a:r>
+            <a:endParaRPr lang="en-US" altLang="zh-CN">
+              <a:sym typeface="+mn-ea"/>
+            </a:endParaRPr>
+          </a:p>
+          <a:p>
+            <a:pPr lvl="1"/>
+            <a:r>
+              <a:rPr lang="en-US" altLang="zh-CN">
+                <a:sym typeface="+mn-ea"/>
+              </a:rPr>
+              <a:t>https://github.com/coreybutler/nvm-windows (Widnows)</a:t>
+            </a:r>
+            <a:endParaRPr lang="en-US" altLang="zh-CN">
+              <a:sym typeface="+mn-ea"/>
+            </a:endParaRPr>
+          </a:p>
+          <a:p>
+            <a:pPr lvl="0"/>
+            <a:r>
+              <a:rPr lang="en-US" altLang="zh-CN" sz="2400">
+                <a:sym typeface="+mn-ea"/>
+              </a:rPr>
+              <a:t>Windows install</a:t>
+            </a:r>
+            <a:endParaRPr lang="en-US" altLang="zh-CN"/>
+          </a:p>
+          <a:p>
+            <a:pPr lvl="1"/>
+            <a:r>
+              <a:rPr lang="en-US" altLang="zh-CN"/>
+              <a:t>Download installers</a:t>
+            </a:r>
+            <a:endParaRPr lang="en-US" altLang="zh-CN"/>
+          </a:p>
+          <a:p>
+            <a:pPr lvl="2"/>
+            <a:r>
+              <a:rPr lang="en-US" altLang="zh-CN"/>
+              <a:t>https://github.com/coreybutler/nvm-windows/releases</a:t>
+            </a:r>
+            <a:endParaRPr lang="en-US" altLang="zh-CN"/>
+          </a:p>
+          <a:p>
+            <a:pPr lvl="1"/>
+            <a:r>
+              <a:rPr lang="en-US" altLang="zh-CN"/>
+              <a:t>backup %UserProfile%\.npmrc</a:t>
+            </a:r>
+            <a:endParaRPr lang="en-US" altLang="zh-CN"/>
+          </a:p>
+          <a:p>
+            <a:pPr lvl="1"/>
+            <a:r>
+              <a:rPr lang="en-US" altLang="zh-CN"/>
+              <a:t>delete %AppData%\npm</a:t>
+            </a:r>
+            <a:endParaRPr lang="en-US" altLang="zh-CN"/>
+          </a:p>
+          <a:p>
+            <a:pPr lvl="0"/>
+            <a:r>
+              <a:rPr lang="en-US" altLang="zh-CN" sz="2400"/>
+              <a:t>Linux install</a:t>
+            </a:r>
+            <a:endParaRPr lang="en-US" altLang="zh-CN" sz="2400"/>
+          </a:p>
+          <a:p>
+            <a:pPr lvl="1"/>
+            <a:r>
+              <a:rPr lang="en-US" altLang="zh-CN"/>
+              <a:t>curl -o- https://raw.githubusercontent.com/nvm-sh/nvm/v0.39.5/install.sh | bash</a:t>
+            </a:r>
+            <a:endParaRPr lang="en-US" altLang="zh-CN"/>
+          </a:p>
+          <a:p>
+            <a:pPr lvl="1"/>
+            <a:r>
+              <a:rPr lang="en-US" altLang="zh-CN"/>
+              <a:t>log out and log in again</a:t>
+            </a:r>
+            <a:endParaRPr lang="en-US" altLang="zh-CN"/>
+          </a:p>
+          <a:p>
+            <a:pPr lvl="0"/>
+            <a:r>
+              <a:rPr lang="en-US" altLang="zh-CN" sz="2400"/>
+              <a:t>Usage</a:t>
+            </a:r>
+            <a:endParaRPr lang="en-US" altLang="zh-CN" sz="2400"/>
+          </a:p>
+          <a:p>
+            <a:pPr lvl="1"/>
+            <a:r>
+              <a:rPr lang="en-US" altLang="zh-CN" sz="2000"/>
+              <a:t>nvm list</a:t>
+            </a:r>
+            <a:endParaRPr lang="en-US" altLang="zh-CN" sz="2000"/>
+          </a:p>
+          <a:p>
+            <a:pPr lvl="1"/>
+            <a:r>
+              <a:rPr lang="en-US" altLang="zh-CN" sz="2000"/>
+              <a:t>nvm list available	// list available node versions</a:t>
+            </a:r>
+            <a:endParaRPr lang="en-US" altLang="zh-CN" sz="2000"/>
+          </a:p>
+          <a:p>
+            <a:pPr lvl="1"/>
+            <a:r>
+              <a:rPr lang="en-US" altLang="zh-CN">
+                <a:sym typeface="+mn-ea"/>
+              </a:rPr>
+              <a:t>nvm install {version} {arch}</a:t>
+            </a:r>
+            <a:endParaRPr lang="en-US" altLang="zh-CN">
+              <a:sym typeface="+mn-ea"/>
+            </a:endParaRPr>
+          </a:p>
+          <a:p>
+            <a:pPr lvl="2"/>
+            <a:r>
+              <a:rPr lang="en-US" altLang="zh-CN" sz="1800">
+                <a:sym typeface="+mn-ea"/>
+              </a:rPr>
+              <a:t>arch: 32 or 64</a:t>
+            </a:r>
+            <a:endParaRPr lang="en-US" altLang="zh-CN" sz="1800">
+              <a:sym typeface="+mn-ea"/>
+            </a:endParaRPr>
+          </a:p>
+          <a:p>
+            <a:pPr lvl="2"/>
+            <a:r>
+              <a:rPr lang="en-US" altLang="zh-CN">
+                <a:sym typeface="+mn-ea"/>
+              </a:rPr>
+              <a:t>nvm install 16.20.2 64</a:t>
+            </a:r>
+            <a:endParaRPr lang="en-US" altLang="zh-CN">
+              <a:sym typeface="+mn-ea"/>
+            </a:endParaRPr>
+          </a:p>
+          <a:p>
+            <a:pPr lvl="1"/>
+            <a:r>
+              <a:rPr lang="en-US" altLang="zh-CN" sz="2000"/>
+              <a:t>nvm use {version}</a:t>
+            </a:r>
+            <a:endParaRPr lang="en-US" altLang="zh-CN" sz="2000"/>
+          </a:p>
+          <a:p>
+            <a:pPr lvl="1"/>
+            <a:r>
+              <a:rPr lang="en-US" altLang="zh-CN" sz="2000"/>
+              <a:t>nvm uninstall {version}</a:t>
+            </a:r>
+            <a:endParaRPr lang="en-US" altLang="zh-CN" sz="2000"/>
+          </a:p>
+          <a:p>
+            <a:pPr lvl="1"/>
+            <a:r>
+              <a:rPr lang="en-US" altLang="zh-CN"/>
+              <a:t>nvm alias default [ version_here] </a:t>
+            </a:r>
+            <a:endParaRPr lang="en-US" altLang="zh-CN"/>
+          </a:p>
+        </p:txBody>
+      </p:sp>
+    </p:spTree>
+    <p:custDataLst>
+      <p:tags r:id="rId1"/>
+    </p:custDataLst>
+  </p:cSld>
+  <p:clrMapOvr>
+    <a:masterClrMapping/>
+  </p:clrMapOvr>
+</p:sld>
+</file>
+
+<file path=ppt/slides/slide5.xml><?xml version="1.0" encoding="utf-8"?>
+<p:sld xmlns:a="http://schemas.openxmlformats.org/drawingml/2006/main" xmlns:r="http://schemas.openxmlformats.org/officeDocument/2006/relationships" xmlns:p="http://schemas.openxmlformats.org/presentationml/2006/main">
+  <p:cSld>
+    <p:spTree>
+      <p:nvGrpSpPr>
+        <p:cNvPr id="1" name=""/>
+        <p:cNvGrpSpPr/>
+        <p:nvPr/>
+      </p:nvGrpSpPr>
+      <p:grpSpPr/>
+      <p:sp>
+        <p:nvSpPr>
+          <p:cNvPr id="2" name="标题 1"/>
+          <p:cNvSpPr>
+            <a:spLocks noGrp="1"/>
+          </p:cNvSpPr>
+          <p:nvPr>
+            <p:ph type="title"/>
+          </p:nvPr>
+        </p:nvSpPr>
+        <p:spPr/>
+        <p:txBody>
+          <a:bodyPr/>
+          <a:p>
+            <a:r>
+              <a:rPr lang="en-US" altLang="zh-CN"/>
               <a:t>Full Stack Development</a:t>
             </a:r>
             <a:endParaRPr lang="en-US" altLang="zh-CN"/>
@@ -6068,7 +6917,7 @@
 </p:sld>
 </file>
 
-<file path=ppt/slides/slide5.xml><?xml version="1.0" encoding="utf-8"?>
+<file path=ppt/slides/slide6.xml><?xml version="1.0" encoding="utf-8"?>
 <p:sld xmlns:a="http://schemas.openxmlformats.org/drawingml/2006/main" xmlns:r="http://schemas.openxmlformats.org/officeDocument/2006/relationships" xmlns:p="http://schemas.openxmlformats.org/presentationml/2006/main">
   <p:cSld>
     <p:spTree>
@@ -6221,7 +7070,7 @@
 </p:sld>
 </file>
 
-<file path=ppt/slides/slide6.xml><?xml version="1.0" encoding="utf-8"?>
+<file path=ppt/slides/slide7.xml><?xml version="1.0" encoding="utf-8"?>
 <p:sld xmlns:a="http://schemas.openxmlformats.org/drawingml/2006/main" xmlns:r="http://schemas.openxmlformats.org/officeDocument/2006/relationships" xmlns:p="http://schemas.openxmlformats.org/presentationml/2006/main">
   <p:cSld>
     <p:spTree>
@@ -6376,7 +7225,7 @@
 </p:sld>
 </file>
 
-<file path=ppt/slides/slide7.xml><?xml version="1.0" encoding="utf-8"?>
+<file path=ppt/slides/slide8.xml><?xml version="1.0" encoding="utf-8"?>
 <p:sld xmlns:a="http://schemas.openxmlformats.org/drawingml/2006/main" xmlns:r="http://schemas.openxmlformats.org/officeDocument/2006/relationships" xmlns:p="http://schemas.openxmlformats.org/presentationml/2006/main">
   <p:cSld>
     <p:spTree>
@@ -6402,7 +7251,7 @@
           <a:p>
             <a:r>
               <a:rPr lang="en-US" altLang="zh-CN"/>
-              <a:t>Package Management</a:t>
+              <a:t>Package Management - npm</a:t>
             </a:r>
             <a:endParaRPr lang="en-US" altLang="zh-CN"/>
           </a:p>
@@ -6438,16 +7287,46 @@
           <a:p>
             <a:pPr lvl="1"/>
             <a:r>
+              <a:rPr lang="en-US" altLang="zh-CN" sz="1200" b="1"/>
+              <a:t>npm config list  // ~/.npmrc,  ~/.npm/_logs/</a:t>
+            </a:r>
+            <a:endParaRPr lang="en-US" altLang="zh-CN" sz="1200" b="1"/>
+          </a:p>
+          <a:p>
+            <a:pPr lvl="1"/>
+            <a:r>
+              <a:rPr lang="en-US" altLang="zh-CN" sz="1200">
+                <a:sym typeface="+mn-ea"/>
+              </a:rPr>
+              <a:t>npm config set registry https://registry.npm.taobao.org/</a:t>
+            </a:r>
+            <a:endParaRPr lang="en-US" altLang="zh-CN" sz="1200">
+              <a:sym typeface="+mn-ea"/>
+            </a:endParaRPr>
+          </a:p>
+          <a:p>
+            <a:pPr lvl="1"/>
+            <a:r>
               <a:rPr lang="en-US" altLang="zh-CN" sz="1200"/>
-              <a:t>npm config list</a:t>
+              <a:t>npm config set registry https://registry.npmjs.org/</a:t>
             </a:r>
             <a:endParaRPr lang="en-US" altLang="zh-CN" sz="1200"/>
           </a:p>
           <a:p>
             <a:pPr lvl="1"/>
             <a:r>
+              <a:rPr lang="en-US" altLang="zh-CN" sz="1200">
+                <a:sym typeface="+mn-ea"/>
+              </a:rPr>
+              <a:t>npm config get</a:t>
+            </a:r>
+            <a:endParaRPr lang="en-US" altLang="zh-CN" sz="1200"/>
+          </a:p>
+          <a:p>
+            <a:pPr lvl="1"/>
+            <a:r>
               <a:rPr lang="en-US" altLang="zh-CN" sz="1200"/>
-              <a:t>npm install -g npm</a:t>
+              <a:t>npm view {package} versions	// list versions of a package</a:t>
             </a:r>
             <a:endParaRPr lang="en-US" altLang="zh-CN" sz="1200"/>
           </a:p>
@@ -6512,22 +7391,6 @@
             <a:r>
               <a:rPr lang="en-US" altLang="zh-CN" sz="1200"/>
               <a:t>npm cache clean</a:t>
-            </a:r>
-            <a:endParaRPr lang="en-US" altLang="zh-CN" sz="1200"/>
-          </a:p>
-          <a:p>
-            <a:pPr lvl="1"/>
-            <a:r>
-              <a:rPr lang="en-US" altLang="zh-CN" sz="1200"/>
-              <a:t>npm config set registry https://registry.npm.taobao.org/</a:t>
-            </a:r>
-            <a:endParaRPr lang="en-US" altLang="zh-CN" sz="1200"/>
-          </a:p>
-          <a:p>
-            <a:pPr lvl="1"/>
-            <a:r>
-              <a:rPr lang="en-US" altLang="zh-CN" sz="1200"/>
-              <a:t>npm config get</a:t>
             </a:r>
             <a:endParaRPr lang="en-US" altLang="zh-CN" sz="1200"/>
           </a:p>
@@ -6806,38 +7669,6 @@
               <a:rPr lang="en-US" altLang="zh-CN" sz="2000">
                 <a:sym typeface="+mn-ea"/>
               </a:rPr>
-              <a:t>yarn</a:t>
-            </a:r>
-            <a:endParaRPr lang="en-US" altLang="zh-CN" sz="2000"/>
-          </a:p>
-          <a:p>
-            <a:pPr lvl="1"/>
-            <a:r>
-              <a:rPr lang="en-US" altLang="zh-CN" sz="1800">
-                <a:sym typeface="+mn-ea"/>
-              </a:rPr>
-              <a:t>cnpm i -g yarn</a:t>
-            </a:r>
-            <a:endParaRPr lang="en-US" altLang="zh-CN" sz="1800"/>
-          </a:p>
-          <a:p>
-            <a:pPr lvl="1"/>
-            <a:r>
-              <a:rPr lang="en-US" altLang="zh-CN" sz="1800">
-                <a:sym typeface="+mn-ea"/>
-              </a:rPr>
-              <a:t>yarn config set registry 'https://registry.npm.taobao.org</a:t>
-            </a:r>
-            <a:endParaRPr lang="en-US" altLang="zh-CN" sz="1800">
-              <a:sym typeface="+mn-ea"/>
-            </a:endParaRPr>
-          </a:p>
-          <a:p>
-            <a:pPr lvl="0"/>
-            <a:r>
-              <a:rPr lang="en-US" altLang="zh-CN" sz="2000">
-                <a:sym typeface="+mn-ea"/>
-              </a:rPr>
               <a:t>Clean up packages</a:t>
             </a:r>
             <a:endParaRPr lang="en-US" altLang="zh-CN" sz="2000">
@@ -6875,185 +7706,6 @@
     </p:spTree>
     <p:custDataLst>
       <p:tags r:id="rId1"/>
-    </p:custDataLst>
-  </p:cSld>
-  <p:clrMapOvr>
-    <a:masterClrMapping/>
-  </p:clrMapOvr>
-</p:sld>
-</file>
-
-<file path=ppt/slides/slide8.xml><?xml version="1.0" encoding="utf-8"?>
-<p:sld xmlns:a="http://schemas.openxmlformats.org/drawingml/2006/main" xmlns:r="http://schemas.openxmlformats.org/officeDocument/2006/relationships" xmlns:p="http://schemas.openxmlformats.org/presentationml/2006/main">
-  <p:cSld>
-    <p:spTree>
-      <p:nvGrpSpPr>
-        <p:cNvPr id="1" name=""/>
-        <p:cNvGrpSpPr/>
-        <p:nvPr/>
-      </p:nvGrpSpPr>
-      <p:grpSpPr/>
-      <p:sp>
-        <p:nvSpPr>
-          <p:cNvPr id="2" name="标题 1"/>
-          <p:cNvSpPr>
-            <a:spLocks noGrp="1"/>
-          </p:cNvSpPr>
-          <p:nvPr>
-            <p:ph type="title"/>
-          </p:nvPr>
-        </p:nvSpPr>
-        <p:spPr/>
-        <p:txBody>
-          <a:bodyPr/>
-          <a:p>
-            <a:r>
-              <a:rPr lang="en-US" altLang="zh-CN"/>
-              <a:t>Interface with C++</a:t>
-            </a:r>
-            <a:endParaRPr lang="en-US" altLang="zh-CN"/>
-          </a:p>
-        </p:txBody>
-      </p:sp>
-      <p:sp>
-        <p:nvSpPr>
-          <p:cNvPr id="3" name="内容占位符 2"/>
-          <p:cNvSpPr>
-            <a:spLocks noGrp="1"/>
-          </p:cNvSpPr>
-          <p:nvPr>
-            <p:ph idx="1"/>
-          </p:nvPr>
-        </p:nvSpPr>
-        <p:spPr/>
-        <p:txBody>
-          <a:bodyPr>
-            <a:normAutofit lnSpcReduction="10000"/>
-          </a:bodyPr>
-          <a:p>
-            <a:r>
-              <a:rPr lang="en-US" altLang="zh-CN"/>
-              <a:t>FFI (Foreign Function Interface)</a:t>
-            </a:r>
-            <a:endParaRPr lang="en-US" altLang="zh-CN"/>
-          </a:p>
-          <a:p>
-            <a:pPr lvl="1"/>
-            <a:r>
-              <a:rPr lang="en-US" altLang="zh-CN"/>
-              <a:t>node-ffi</a:t>
-            </a:r>
-            <a:endParaRPr lang="en-US" altLang="zh-CN"/>
-          </a:p>
-          <a:p>
-            <a:pPr lvl="2"/>
-            <a:r>
-              <a:rPr lang="en-US" altLang="zh-CN"/>
-              <a:t>Node.js add-on for loading and calling dynamic libraries using pure JS</a:t>
-            </a:r>
-            <a:endParaRPr lang="en-US" altLang="zh-CN"/>
-          </a:p>
-          <a:p>
-            <a:pPr lvl="1"/>
-            <a:r>
-              <a:rPr lang="en-US" altLang="zh-CN"/>
-              <a:t>https://github.com/node-ffi/node-ffi/wiki/Node-FFI-Tutorial</a:t>
-            </a:r>
-            <a:endParaRPr lang="en-US" altLang="zh-CN"/>
-          </a:p>
-          <a:p>
-            <a:pPr lvl="0"/>
-            <a:r>
-              <a:rPr lang="en-US" altLang="zh-CN"/>
-              <a:t>SWIG</a:t>
-            </a:r>
-            <a:endParaRPr lang="en-US" altLang="zh-CN"/>
-          </a:p>
-          <a:p>
-            <a:pPr lvl="1"/>
-            <a:r>
-              <a:rPr lang="en-US" altLang="zh-CN"/>
-              <a:t>Interface compiler that connects programs written in C/C++ with scripting languages such as JS, Python, etc.</a:t>
-            </a:r>
-            <a:endParaRPr lang="en-US" altLang="zh-CN"/>
-          </a:p>
-          <a:p>
-            <a:pPr lvl="1"/>
-            <a:r>
-              <a:rPr lang="en-US" altLang="zh-CN"/>
-              <a:t>http://www.swig.org/tutorial.html</a:t>
-            </a:r>
-            <a:endParaRPr lang="en-US" altLang="zh-CN"/>
-          </a:p>
-          <a:p>
-            <a:pPr lvl="0"/>
-            <a:r>
-              <a:rPr lang="en-US" altLang="zh-CN"/>
-              <a:t>Emscripten</a:t>
-            </a:r>
-            <a:endParaRPr lang="en-US" altLang="zh-CN"/>
-          </a:p>
-          <a:p>
-            <a:pPr lvl="1"/>
-            <a:r>
-              <a:rPr lang="en-US" altLang="zh-CN"/>
-              <a:t>Compile LLVM into JS</a:t>
-            </a:r>
-            <a:endParaRPr lang="en-US" altLang="zh-CN"/>
-          </a:p>
-          <a:p>
-            <a:pPr lvl="1"/>
-            <a:r>
-              <a:rPr lang="en-US" altLang="zh-CN"/>
-              <a:t>http://kripken.github.io/emscripten-site/docs/getting_started/index.html</a:t>
-            </a:r>
-            <a:endParaRPr lang="en-US" altLang="zh-CN"/>
-          </a:p>
-          <a:p>
-            <a:pPr lvl="0"/>
-            <a:r>
-              <a:rPr lang="en-US" altLang="zh-CN"/>
-              <a:t>nbind</a:t>
-            </a:r>
-            <a:endParaRPr lang="en-US" altLang="zh-CN"/>
-          </a:p>
-          <a:p>
-            <a:pPr lvl="1"/>
-            <a:r>
-              <a:rPr lang="en-US" altLang="zh-CN"/>
-              <a:t>https://github.com/charto/nbind</a:t>
-            </a:r>
-            <a:endParaRPr lang="en-US" altLang="zh-CN"/>
-          </a:p>
-        </p:txBody>
-      </p:sp>
-      <p:pic>
-        <p:nvPicPr>
-          <p:cNvPr id="4" name="图片 3" descr="EmscriptenToolchain"/>
-          <p:cNvPicPr>
-            <a:picLocks noChangeAspect="1"/>
-          </p:cNvPicPr>
-          <p:nvPr/>
-        </p:nvPicPr>
-        <p:blipFill>
-          <a:blip r:embed="rId1"/>
-          <a:stretch>
-            <a:fillRect/>
-          </a:stretch>
-        </p:blipFill>
-        <p:spPr>
-          <a:xfrm>
-            <a:off x="8422005" y="1905"/>
-            <a:ext cx="3347085" cy="1986915"/>
-          </a:xfrm>
-          <a:prstGeom prst="rect">
-            <a:avLst/>
-          </a:prstGeom>
-        </p:spPr>
-      </p:pic>
-    </p:spTree>
-    <p:custDataLst>
-      <p:tags r:id="rId2"/>
     </p:custDataLst>
   </p:cSld>
   <p:clrMapOvr>
@@ -7088,7 +7740,7 @@
           <a:p>
             <a:r>
               <a:rPr lang="en-US" altLang="zh-CN"/>
-              <a:t>node-opencv</a:t>
+              <a:t>Package Management - yarn</a:t>
             </a:r>
             <a:endParaRPr lang="en-US" altLang="zh-CN"/>
           </a:p>
@@ -7108,25 +7760,110 @@
         <p:txBody>
           <a:bodyPr/>
           <a:p>
-            <a:r>
-              <a:rPr lang="en-US" altLang="zh-CN"/>
-              <a:t>Ref</a:t>
-            </a:r>
-            <a:endParaRPr lang="en-US" altLang="zh-CN"/>
-          </a:p>
-          <a:p>
-            <a:pPr lvl="1"/>
-            <a:r>
-              <a:rPr lang="en-US" altLang="zh-CN"/>
-              <a:t>https://github.com/peterbraden/node-opencv</a:t>
-            </a:r>
-            <a:endParaRPr lang="en-US" altLang="zh-CN"/>
-          </a:p>
-          <a:p>
-            <a:pPr lvl="1"/>
-            <a:r>
-              <a:rPr lang="en-US" altLang="zh-CN"/>
-              <a:t>https://community.risingstack.com/opencv-tutorial-computer-vision-with-node-js/</a:t>
+            <a:pPr lvl="0"/>
+            <a:r>
+              <a:rPr lang="en-US" altLang="zh-CN" sz="2400">
+                <a:sym typeface="+mn-ea"/>
+              </a:rPr>
+              <a:t>yarn</a:t>
+            </a:r>
+            <a:endParaRPr lang="en-US" altLang="zh-CN" sz="2400"/>
+          </a:p>
+          <a:p>
+            <a:pPr lvl="1"/>
+            <a:r>
+              <a:rPr lang="en-US" altLang="zh-CN">
+                <a:sym typeface="+mn-ea"/>
+              </a:rPr>
+              <a:t>cnpm i -g yarn</a:t>
+            </a:r>
+            <a:endParaRPr lang="en-US" altLang="zh-CN"/>
+          </a:p>
+          <a:p>
+            <a:pPr lvl="1"/>
+            <a:r>
+              <a:rPr lang="en-US" altLang="zh-CN">
+                <a:sym typeface="+mn-ea"/>
+              </a:rPr>
+              <a:t>yarn config set registry http://registry.npm.taobao.org</a:t>
+            </a:r>
+            <a:endParaRPr lang="en-US" altLang="zh-CN">
+              <a:sym typeface="+mn-ea"/>
+            </a:endParaRPr>
+          </a:p>
+          <a:p>
+            <a:pPr lvl="1"/>
+            <a:r>
+              <a:rPr lang="en-US" altLang="zh-CN">
+                <a:sym typeface="+mn-ea"/>
+              </a:rPr>
+              <a:t>yarn config set registry http://registry.yarnpkg.com</a:t>
+            </a:r>
+            <a:endParaRPr lang="en-US" altLang="zh-CN">
+              <a:sym typeface="+mn-ea"/>
+            </a:endParaRPr>
+          </a:p>
+          <a:p>
+            <a:pPr lvl="1"/>
+            <a:r>
+              <a:rPr lang="en-US" altLang="zh-CN"/>
+              <a:t>yarn config list</a:t>
+            </a:r>
+            <a:endParaRPr lang="en-US" altLang="zh-CN"/>
+          </a:p>
+          <a:p>
+            <a:pPr lvl="1"/>
+            <a:r>
+              <a:rPr lang="en-US" altLang="zh-CN"/>
+              <a:t>yarn install --verbose</a:t>
+            </a:r>
+            <a:endParaRPr lang="en-US" altLang="zh-CN"/>
+          </a:p>
+          <a:p>
+            <a:pPr lvl="1"/>
+            <a:r>
+              <a:rPr lang="en-US" altLang="zh-CN"/>
+              <a:t>yarn add &lt;package&gt;</a:t>
+            </a:r>
+            <a:endParaRPr lang="en-US" altLang="zh-CN"/>
+          </a:p>
+          <a:p>
+            <a:pPr lvl="1"/>
+            <a:r>
+              <a:rPr lang="en-US" altLang="zh-CN"/>
+              <a:t>yarn remove &lt;package&gt;</a:t>
+            </a:r>
+            <a:endParaRPr lang="en-US" altLang="zh-CN"/>
+          </a:p>
+          <a:p>
+            <a:pPr lvl="1"/>
+            <a:r>
+              <a:rPr lang="en-US" altLang="zh-CN"/>
+              <a:t>yarn cache clean</a:t>
+            </a:r>
+            <a:endParaRPr lang="en-US" altLang="zh-CN"/>
+          </a:p>
+          <a:p>
+            <a:pPr lvl="1"/>
+            <a:r>
+              <a:rPr lang="en-US" altLang="zh-CN"/>
+              <a:t>yarn list</a:t>
+            </a:r>
+            <a:endParaRPr lang="en-US" altLang="zh-CN"/>
+          </a:p>
+          <a:p>
+            <a:pPr lvl="2"/>
+            <a:r>
+              <a:rPr lang="en-US" altLang="zh-CN"/>
+              <a:t>list installed packages in tree style</a:t>
+            </a:r>
+            <a:endParaRPr lang="en-US" altLang="zh-CN"/>
+          </a:p>
+          <a:p>
+            <a:pPr lvl="2"/>
+            <a:r>
+              <a:rPr lang="en-US" altLang="zh-CN"/>
+              <a:t>yarn list --pattern jszip</a:t>
             </a:r>
             <a:endParaRPr lang="en-US" altLang="zh-CN"/>
           </a:p>
@@ -7225,6 +7962,54 @@
 
 <file path=ppt/tags/tag19.xml><?xml version="1.0" encoding="utf-8"?>
 <p:tagLst xmlns:p="http://schemas.openxmlformats.org/presentationml/2006/main">
+  <p:tag name="KSO_WM_BEAUTIFY_FLAG" val="#wm#"/>
+  <p:tag name="KSO_WM_TEMPLATE_CATEGORY" val="custom"/>
+  <p:tag name="KSO_WM_TEMPLATE_INDEX" val="160402"/>
+</p:tagLst>
+</file>
+
+<file path=ppt/tags/tag2.xml><?xml version="1.0" encoding="utf-8"?>
+<p:tagLst xmlns:p="http://schemas.openxmlformats.org/presentationml/2006/main">
+  <p:tag name="KSO_WM_TAG_VERSION" val="1.0"/>
+  <p:tag name="KSO_WM_TEMPLATE_CATEGORY" val="custom"/>
+  <p:tag name="KSO_WM_TEMPLATE_INDEX" val="160402"/>
+</p:tagLst>
+</file>
+
+<file path=ppt/tags/tag20.xml><?xml version="1.0" encoding="utf-8"?>
+<p:tagLst xmlns:p="http://schemas.openxmlformats.org/presentationml/2006/main">
+  <p:tag name="KSO_WM_BEAUTIFY_FLAG" val="#wm#"/>
+  <p:tag name="KSO_WM_TEMPLATE_CATEGORY" val="custom"/>
+  <p:tag name="KSO_WM_TEMPLATE_INDEX" val="160402"/>
+</p:tagLst>
+</file>
+
+<file path=ppt/tags/tag21.xml><?xml version="1.0" encoding="utf-8"?>
+<p:tagLst xmlns:p="http://schemas.openxmlformats.org/presentationml/2006/main">
+  <p:tag name="KSO_WM_BEAUTIFY_FLAG" val="#wm#"/>
+  <p:tag name="KSO_WM_TEMPLATE_CATEGORY" val="custom"/>
+  <p:tag name="KSO_WM_TEMPLATE_INDEX" val="160402"/>
+</p:tagLst>
+</file>
+
+<file path=ppt/tags/tag22.xml><?xml version="1.0" encoding="utf-8"?>
+<p:tagLst xmlns:p="http://schemas.openxmlformats.org/presentationml/2006/main">
+  <p:tag name="KSO_WM_BEAUTIFY_FLAG" val="#wm#"/>
+  <p:tag name="KSO_WM_TEMPLATE_CATEGORY" val="custom"/>
+  <p:tag name="KSO_WM_TEMPLATE_INDEX" val="160402"/>
+</p:tagLst>
+</file>
+
+<file path=ppt/tags/tag23.xml><?xml version="1.0" encoding="utf-8"?>
+<p:tagLst xmlns:p="http://schemas.openxmlformats.org/presentationml/2006/main">
+  <p:tag name="KSO_WM_BEAUTIFY_FLAG" val="#wm#"/>
+  <p:tag name="KSO_WM_TEMPLATE_CATEGORY" val="custom"/>
+  <p:tag name="KSO_WM_TEMPLATE_INDEX" val="160402"/>
+</p:tagLst>
+</file>
+
+<file path=ppt/tags/tag24.xml><?xml version="1.0" encoding="utf-8"?>
+<p:tagLst xmlns:p="http://schemas.openxmlformats.org/presentationml/2006/main">
   <p:tag name="KSO_WM_TAG_VERSION" val="1.0"/>
   <p:tag name="KSO_WM_BEAUTIFY_FLAG" val="#wm#"/>
   <p:tag name="KSO_WM_TEMPLATE_CATEGORY" val="custom"/>
@@ -7242,15 +8027,7 @@
 </p:tagLst>
 </file>
 
-<file path=ppt/tags/tag2.xml><?xml version="1.0" encoding="utf-8"?>
-<p:tagLst xmlns:p="http://schemas.openxmlformats.org/presentationml/2006/main">
-  <p:tag name="KSO_WM_TAG_VERSION" val="1.0"/>
-  <p:tag name="KSO_WM_TEMPLATE_CATEGORY" val="custom"/>
-  <p:tag name="KSO_WM_TEMPLATE_INDEX" val="160402"/>
-</p:tagLst>
-</file>
-
-<file path=ppt/tags/tag20.xml><?xml version="1.0" encoding="utf-8"?>
+<file path=ppt/tags/tag25.xml><?xml version="1.0" encoding="utf-8"?>
 <p:tagLst xmlns:p="http://schemas.openxmlformats.org/presentationml/2006/main">
   <p:tag name="KSO_WM_TAG_VERSION" val="1.0"/>
   <p:tag name="KSO_WM_BEAUTIFY_FLAG" val="#wm#"/>
@@ -7269,7 +8046,7 @@
 </p:tagLst>
 </file>
 
-<file path=ppt/tags/tag21.xml><?xml version="1.0" encoding="utf-8"?>
+<file path=ppt/tags/tag26.xml><?xml version="1.0" encoding="utf-8"?>
 <p:tagLst xmlns:p="http://schemas.openxmlformats.org/presentationml/2006/main">
   <p:tag name="KSO_WM_TEMPLATE_CATEGORY" val="custom"/>
   <p:tag name="KSO_WM_TEMPLATE_INDEX" val="160402"/>
@@ -7284,9 +8061,10 @@
 </p:tagLst>
 </file>
 
-<file path=ppt/tags/tag22.xml><?xml version="1.0" encoding="utf-8"?>
+<file path=ppt/tags/tag27.xml><?xml version="1.0" encoding="utf-8"?>
 <p:tagLst xmlns:p="http://schemas.openxmlformats.org/presentationml/2006/main">
-  <p:tag name="COMMONDATA" val="eyJoZGlkIjoiODcwZjc5M2RmYzUwOWE5MjVkODVjZGMyZDUwOTRjYmEifQ=="/>
+  <p:tag name="COMMONDATA" val="eyJoZGlkIjoiYjRhZjQ5NWVmZmQxNmM3NmNkNDYxNWRmNzNmMjA1ZDAifQ=="/>
+  <p:tag name="KSO_WPP_MARK_KEY" val="e2cf5ec0-0f92-446a-9169-3346f0c164cb"/>
 </p:tagLst>
 </file>
 

--- a/Web/NodeJS-Notes.pptx
+++ b/Web/NodeJS-Notes.pptx
@@ -5,10 +5,10 @@
     <p:sldMasterId id="2147483648" r:id="rId1"/>
   </p:sldMasterIdLst>
   <p:notesMasterIdLst>
-    <p:notesMasterId r:id="rId22"/>
+    <p:notesMasterId r:id="rId25"/>
   </p:notesMasterIdLst>
   <p:handoutMasterIdLst>
-    <p:handoutMasterId r:id="rId23"/>
+    <p:handoutMasterId r:id="rId26"/>
   </p:handoutMasterIdLst>
   <p:sldIdLst>
     <p:sldId id="256" r:id="rId3"/>
@@ -20,21 +20,24 @@
     <p:sldId id="274" r:id="rId9"/>
     <p:sldId id="279" r:id="rId10"/>
     <p:sldId id="300" r:id="rId11"/>
-    <p:sldId id="268" r:id="rId12"/>
-    <p:sldId id="270" r:id="rId13"/>
-    <p:sldId id="291" r:id="rId14"/>
-    <p:sldId id="293" r:id="rId15"/>
-    <p:sldId id="292" r:id="rId16"/>
-    <p:sldId id="296" r:id="rId17"/>
-    <p:sldId id="301" r:id="rId18"/>
-    <p:sldId id="325" r:id="rId19"/>
-    <p:sldId id="298" r:id="rId20"/>
-    <p:sldId id="261" r:id="rId21"/>
+    <p:sldId id="328" r:id="rId12"/>
+    <p:sldId id="268" r:id="rId13"/>
+    <p:sldId id="270" r:id="rId14"/>
+    <p:sldId id="291" r:id="rId15"/>
+    <p:sldId id="293" r:id="rId16"/>
+    <p:sldId id="292" r:id="rId17"/>
+    <p:sldId id="296" r:id="rId18"/>
+    <p:sldId id="301" r:id="rId19"/>
+    <p:sldId id="325" r:id="rId20"/>
+    <p:sldId id="342" r:id="rId21"/>
+    <p:sldId id="339" r:id="rId22"/>
+    <p:sldId id="298" r:id="rId23"/>
+    <p:sldId id="261" r:id="rId24"/>
   </p:sldIdLst>
   <p:sldSz cx="12192000" cy="6858000"/>
   <p:notesSz cx="6858000" cy="9144000"/>
   <p:custDataLst>
-    <p:tags r:id="rId27"/>
+    <p:tags r:id="rId30"/>
   </p:custDataLst>
   <p:defaultTextStyle>
     <a:defPPr>
@@ -3784,6 +3787,171 @@
           <a:p>
             <a:r>
               <a:rPr lang="en-US" altLang="zh-CN"/>
+              <a:t>Package Management - pnpm</a:t>
+            </a:r>
+            <a:endParaRPr lang="en-US" altLang="zh-CN"/>
+          </a:p>
+        </p:txBody>
+      </p:sp>
+      <p:sp>
+        <p:nvSpPr>
+          <p:cNvPr id="3" name="内容占位符 2"/>
+          <p:cNvSpPr>
+            <a:spLocks noGrp="1"/>
+          </p:cNvSpPr>
+          <p:nvPr>
+            <p:ph idx="1"/>
+          </p:nvPr>
+        </p:nvSpPr>
+        <p:spPr>
+          <a:xfrm>
+            <a:off x="838200" y="1211580"/>
+            <a:ext cx="6454775" cy="4549140"/>
+          </a:xfrm>
+        </p:spPr>
+        <p:txBody>
+          <a:bodyPr/>
+          <a:p>
+            <a:r>
+              <a:rPr lang="zh-CN" altLang="en-US"/>
+              <a:t>https://github.com/pnpm/pnpm</a:t>
+            </a:r>
+            <a:endParaRPr lang="zh-CN" altLang="en-US"/>
+          </a:p>
+          <a:p>
+            <a:r>
+              <a:rPr lang="en-US" altLang="zh-CN"/>
+              <a:t>Install</a:t>
+            </a:r>
+            <a:endParaRPr lang="en-US" altLang="zh-CN"/>
+          </a:p>
+          <a:p>
+            <a:pPr lvl="1"/>
+            <a:r>
+              <a:rPr lang="en-US" altLang="zh-CN"/>
+              <a:t>Windows</a:t>
+            </a:r>
+            <a:endParaRPr lang="en-US" altLang="zh-CN"/>
+          </a:p>
+          <a:p>
+            <a:pPr lvl="2"/>
+            <a:r>
+              <a:rPr lang="en-US" altLang="zh-CN"/>
+              <a:t>Using PowerShell, iwr https://get.pnpm.io/install.ps1 -useb | iex</a:t>
+            </a:r>
+            <a:endParaRPr lang="en-US" altLang="zh-CN"/>
+          </a:p>
+          <a:p>
+            <a:pPr lvl="1"/>
+            <a:r>
+              <a:rPr lang="en-US" altLang="zh-CN"/>
+              <a:t>POSIX</a:t>
+            </a:r>
+            <a:endParaRPr lang="en-US" altLang="zh-CN"/>
+          </a:p>
+          <a:p>
+            <a:pPr lvl="2"/>
+            <a:r>
+              <a:rPr lang="en-US" altLang="zh-CN"/>
+              <a:t>curl -fsSL https://get.pnpm.io/install.sh | sh -</a:t>
+            </a:r>
+            <a:endParaRPr lang="en-US" altLang="zh-CN"/>
+          </a:p>
+          <a:p>
+            <a:pPr lvl="1"/>
+            <a:r>
+              <a:rPr lang="en-US" altLang="zh-CN"/>
+              <a:t>npm install -g pnpm</a:t>
+            </a:r>
+            <a:endParaRPr lang="en-US" altLang="zh-CN"/>
+          </a:p>
+          <a:p>
+            <a:pPr lvl="0"/>
+            <a:r>
+              <a:rPr lang="en-US" altLang="zh-CN"/>
+              <a:t>Usage</a:t>
+            </a:r>
+            <a:endParaRPr lang="en-US" altLang="zh-CN"/>
+          </a:p>
+          <a:p>
+            <a:pPr lvl="1"/>
+            <a:r>
+              <a:rPr lang="en-US" altLang="zh-CN"/>
+              <a:t>pnpm install</a:t>
+            </a:r>
+            <a:endParaRPr lang="en-US" altLang="zh-CN"/>
+          </a:p>
+          <a:p>
+            <a:pPr lvl="1"/>
+            <a:r>
+              <a:rPr lang="en-US" altLang="zh-CN"/>
+              <a:t>pnpm add {package}</a:t>
+            </a:r>
+            <a:endParaRPr lang="en-US" altLang="zh-CN"/>
+          </a:p>
+        </p:txBody>
+      </p:sp>
+      <p:pic>
+        <p:nvPicPr>
+          <p:cNvPr id="4" name="图片 3"/>
+          <p:cNvPicPr>
+            <a:picLocks noChangeAspect="1"/>
+          </p:cNvPicPr>
+          <p:nvPr/>
+        </p:nvPicPr>
+        <p:blipFill>
+          <a:blip r:embed="rId1"/>
+          <a:stretch>
+            <a:fillRect/>
+          </a:stretch>
+        </p:blipFill>
+        <p:spPr>
+          <a:xfrm>
+            <a:off x="7661275" y="1066165"/>
+            <a:ext cx="4206240" cy="3040380"/>
+          </a:xfrm>
+          <a:prstGeom prst="rect">
+            <a:avLst/>
+          </a:prstGeom>
+        </p:spPr>
+      </p:pic>
+    </p:spTree>
+    <p:custDataLst>
+      <p:tags r:id="rId2"/>
+    </p:custDataLst>
+  </p:cSld>
+  <p:clrMapOvr>
+    <a:masterClrMapping/>
+  </p:clrMapOvr>
+</p:sld>
+</file>
+
+<file path=ppt/slides/slide11.xml><?xml version="1.0" encoding="utf-8"?>
+<p:sld xmlns:a="http://schemas.openxmlformats.org/drawingml/2006/main" xmlns:r="http://schemas.openxmlformats.org/officeDocument/2006/relationships" xmlns:p="http://schemas.openxmlformats.org/presentationml/2006/main">
+  <p:cSld>
+    <p:spTree>
+      <p:nvGrpSpPr>
+        <p:cNvPr id="1" name=""/>
+        <p:cNvGrpSpPr/>
+        <p:nvPr/>
+      </p:nvGrpSpPr>
+      <p:grpSpPr/>
+      <p:sp>
+        <p:nvSpPr>
+          <p:cNvPr id="2" name="标题 1"/>
+          <p:cNvSpPr>
+            <a:spLocks noGrp="1"/>
+          </p:cNvSpPr>
+          <p:nvPr>
+            <p:ph type="title"/>
+          </p:nvPr>
+        </p:nvSpPr>
+        <p:spPr/>
+        <p:txBody>
+          <a:bodyPr/>
+          <a:p>
+            <a:r>
+              <a:rPr lang="en-US" altLang="zh-CN"/>
               <a:t>Interface with C++</a:t>
             </a:r>
             <a:endParaRPr lang="en-US" altLang="zh-CN"/>
@@ -3937,87 +4105,6 @@
 </p:sld>
 </file>
 
-<file path=ppt/slides/slide11.xml><?xml version="1.0" encoding="utf-8"?>
-<p:sld xmlns:a="http://schemas.openxmlformats.org/drawingml/2006/main" xmlns:r="http://schemas.openxmlformats.org/officeDocument/2006/relationships" xmlns:p="http://schemas.openxmlformats.org/presentationml/2006/main">
-  <p:cSld>
-    <p:spTree>
-      <p:nvGrpSpPr>
-        <p:cNvPr id="1" name=""/>
-        <p:cNvGrpSpPr/>
-        <p:nvPr/>
-      </p:nvGrpSpPr>
-      <p:grpSpPr/>
-      <p:sp>
-        <p:nvSpPr>
-          <p:cNvPr id="2" name="标题 1"/>
-          <p:cNvSpPr>
-            <a:spLocks noGrp="1"/>
-          </p:cNvSpPr>
-          <p:nvPr>
-            <p:ph type="title"/>
-          </p:nvPr>
-        </p:nvSpPr>
-        <p:spPr/>
-        <p:txBody>
-          <a:bodyPr/>
-          <a:p>
-            <a:r>
-              <a:rPr lang="en-US" altLang="zh-CN"/>
-              <a:t>node-opencv</a:t>
-            </a:r>
-            <a:endParaRPr lang="en-US" altLang="zh-CN"/>
-          </a:p>
-        </p:txBody>
-      </p:sp>
-      <p:sp>
-        <p:nvSpPr>
-          <p:cNvPr id="3" name="内容占位符 2"/>
-          <p:cNvSpPr>
-            <a:spLocks noGrp="1"/>
-          </p:cNvSpPr>
-          <p:nvPr>
-            <p:ph idx="1"/>
-          </p:nvPr>
-        </p:nvSpPr>
-        <p:spPr/>
-        <p:txBody>
-          <a:bodyPr/>
-          <a:p>
-            <a:r>
-              <a:rPr lang="en-US" altLang="zh-CN"/>
-              <a:t>Ref</a:t>
-            </a:r>
-            <a:endParaRPr lang="en-US" altLang="zh-CN"/>
-          </a:p>
-          <a:p>
-            <a:pPr lvl="1"/>
-            <a:r>
-              <a:rPr lang="en-US" altLang="zh-CN"/>
-              <a:t>https://github.com/peterbraden/node-opencv</a:t>
-            </a:r>
-            <a:endParaRPr lang="en-US" altLang="zh-CN"/>
-          </a:p>
-          <a:p>
-            <a:pPr lvl="1"/>
-            <a:r>
-              <a:rPr lang="en-US" altLang="zh-CN"/>
-              <a:t>https://community.risingstack.com/opencv-tutorial-computer-vision-with-node-js/</a:t>
-            </a:r>
-            <a:endParaRPr lang="en-US" altLang="zh-CN"/>
-          </a:p>
-        </p:txBody>
-      </p:sp>
-    </p:spTree>
-    <p:custDataLst>
-      <p:tags r:id="rId1"/>
-    </p:custDataLst>
-  </p:cSld>
-  <p:clrMapOvr>
-    <a:masterClrMapping/>
-  </p:clrMapOvr>
-</p:sld>
-</file>
-
 <file path=ppt/slides/slide12.xml><?xml version="1.0" encoding="utf-8"?>
 <p:sld xmlns:a="http://schemas.openxmlformats.org/drawingml/2006/main" xmlns:r="http://schemas.openxmlformats.org/officeDocument/2006/relationships" xmlns:p="http://schemas.openxmlformats.org/presentationml/2006/main">
   <p:cSld>
@@ -4044,7 +4131,7 @@
           <a:p>
             <a:r>
               <a:rPr lang="en-US" altLang="zh-CN"/>
-              <a:t>Set Up Web Server</a:t>
+              <a:t>node-opencv</a:t>
             </a:r>
             <a:endParaRPr lang="en-US" altLang="zh-CN"/>
           </a:p>
@@ -4060,384 +4147,31 @@
             <p:ph idx="1"/>
           </p:nvPr>
         </p:nvSpPr>
-        <p:spPr>
-          <a:xfrm>
-            <a:off x="838200" y="1211580"/>
-            <a:ext cx="5915025" cy="4549140"/>
-          </a:xfrm>
-        </p:spPr>
-        <p:txBody>
-          <a:bodyPr>
-            <a:normAutofit lnSpcReduction="20000"/>
-          </a:bodyPr>
-          <a:p>
-            <a:r>
-              <a:rPr lang="en-US" altLang="zh-CN"/>
-              <a:t>References</a:t>
-            </a:r>
-            <a:endParaRPr lang="en-US" altLang="zh-CN"/>
-          </a:p>
-          <a:p>
-            <a:pPr lvl="1"/>
-            <a:r>
-              <a:rPr lang="en-US" altLang="zh-CN"/>
-              <a:t>https://nodejs.org/en/docs/guides/nodejs-docker-webapp/</a:t>
-            </a:r>
-            <a:endParaRPr lang="en-US" altLang="zh-CN"/>
-          </a:p>
-          <a:p>
-            <a:r>
-              <a:rPr lang="en-US" altLang="zh-CN"/>
-              <a:t>Steps</a:t>
-            </a:r>
-            <a:endParaRPr lang="en-US" altLang="zh-CN"/>
-          </a:p>
-          <a:p>
-            <a:pPr lvl="1"/>
-            <a:r>
-              <a:rPr lang="en-US" altLang="zh-CN"/>
-              <a:t>mkdir proj &amp; cd proj</a:t>
-            </a:r>
-            <a:endParaRPr lang="en-US" altLang="zh-CN"/>
-          </a:p>
-          <a:p>
-            <a:pPr lvl="1"/>
-            <a:r>
-              <a:rPr lang="en-US" altLang="zh-CN"/>
-              <a:t>cnpm init</a:t>
-            </a:r>
-            <a:endParaRPr lang="en-US" altLang="zh-CN"/>
-          </a:p>
-          <a:p>
-            <a:pPr lvl="1"/>
-            <a:r>
-              <a:rPr lang="en-US" altLang="zh-CN"/>
-              <a:t>create app.js</a:t>
-            </a:r>
-            <a:endParaRPr lang="en-US" altLang="zh-CN"/>
-          </a:p>
-          <a:p>
-            <a:pPr lvl="1"/>
-            <a:r>
-              <a:rPr lang="en-US" altLang="zh-CN"/>
-              <a:t>create package.json</a:t>
-            </a:r>
-            <a:endParaRPr lang="en-US" altLang="zh-CN"/>
-          </a:p>
-          <a:p>
-            <a:pPr lvl="1"/>
-            <a:r>
-              <a:rPr lang="en-US" altLang="zh-CN"/>
-              <a:t>run “node app.js”</a:t>
-            </a:r>
-            <a:endParaRPr lang="en-US" altLang="zh-CN"/>
-          </a:p>
-          <a:p>
-            <a:pPr lvl="0"/>
-            <a:endParaRPr lang="en-US" altLang="zh-CN"/>
-          </a:p>
-        </p:txBody>
-      </p:sp>
-      <p:sp>
-        <p:nvSpPr>
-          <p:cNvPr id="4" name="文本框 3"/>
-          <p:cNvSpPr txBox="1"/>
-          <p:nvPr/>
-        </p:nvSpPr>
-        <p:spPr>
-          <a:xfrm>
-            <a:off x="6980555" y="406400"/>
-            <a:ext cx="4267200" cy="3630930"/>
-          </a:xfrm>
-          <a:prstGeom prst="rect">
-            <a:avLst/>
-          </a:prstGeom>
-          <a:noFill/>
-          <a:ln>
-            <a:solidFill>
-              <a:srgbClr val="C00000"/>
-            </a:solidFill>
-          </a:ln>
-        </p:spPr>
-        <p:txBody>
-          <a:bodyPr wrap="square" rtlCol="0" anchor="t">
-            <a:spAutoFit/>
-          </a:bodyPr>
-          <a:p>
-            <a:r>
-              <a:rPr lang="en-US" altLang="zh-CN" sz="1000" b="1"/>
-              <a:t>server.js</a:t>
-            </a:r>
-            <a:endParaRPr lang="en-US" altLang="zh-CN" sz="1000" b="1"/>
-          </a:p>
-          <a:p>
-            <a:endParaRPr lang="en-US" altLang="zh-CN" sz="1000"/>
-          </a:p>
-          <a:p>
-            <a:r>
-              <a:rPr lang="zh-CN" altLang="en-US" sz="1000"/>
-              <a:t>const express = require("express");</a:t>
-            </a:r>
-            <a:endParaRPr lang="zh-CN" altLang="en-US" sz="1000"/>
-          </a:p>
-          <a:p>
-            <a:r>
-              <a:rPr lang="zh-CN" altLang="en-US" sz="1000"/>
-              <a:t>const bodyParser = require("body-parser")</a:t>
-            </a:r>
-            <a:endParaRPr lang="zh-CN" altLang="en-US" sz="1000"/>
-          </a:p>
-          <a:p>
-            <a:endParaRPr lang="zh-CN" altLang="en-US" sz="1000"/>
-          </a:p>
-          <a:p>
-            <a:r>
-              <a:rPr lang="zh-CN" altLang="en-US" sz="1000"/>
-              <a:t>// New app using express module</a:t>
-            </a:r>
-            <a:endParaRPr lang="zh-CN" altLang="en-US" sz="1000"/>
-          </a:p>
-          <a:p>
-            <a:r>
-              <a:rPr lang="zh-CN" altLang="en-US" sz="1000"/>
-              <a:t>const app = express();</a:t>
-            </a:r>
-            <a:endParaRPr lang="zh-CN" altLang="en-US" sz="1000"/>
-          </a:p>
-          <a:p>
-            <a:r>
-              <a:rPr lang="zh-CN" altLang="en-US" sz="1000"/>
-              <a:t>app.use(bodyParser.urlencoded({</a:t>
-            </a:r>
-            <a:endParaRPr lang="zh-CN" altLang="en-US" sz="1000"/>
-          </a:p>
-          <a:p>
-            <a:r>
-              <a:rPr lang="zh-CN" altLang="en-US" sz="1000"/>
-              <a:t>  extended:true</a:t>
-            </a:r>
-            <a:endParaRPr lang="zh-CN" altLang="en-US" sz="1000"/>
-          </a:p>
-          <a:p>
-            <a:r>
-              <a:rPr lang="zh-CN" altLang="en-US" sz="1000"/>
-              <a:t>}));</a:t>
-            </a:r>
-            <a:endParaRPr lang="zh-CN" altLang="en-US" sz="1000"/>
-          </a:p>
-          <a:p>
-            <a:endParaRPr lang="zh-CN" altLang="en-US" sz="1000"/>
-          </a:p>
-          <a:p>
-            <a:r>
-              <a:rPr lang="zh-CN" altLang="en-US" sz="1000"/>
-              <a:t>app.get("/", function(req, res) {</a:t>
-            </a:r>
-            <a:endParaRPr lang="zh-CN" altLang="en-US" sz="1000"/>
-          </a:p>
-          <a:p>
-            <a:r>
-              <a:rPr lang="zh-CN" altLang="en-US" sz="1000"/>
-              <a:t>  console.log('Received get request')</a:t>
-            </a:r>
-            <a:endParaRPr lang="zh-CN" altLang="en-US" sz="1000"/>
-          </a:p>
-          <a:p>
-            <a:r>
-              <a:rPr lang="zh-CN" altLang="en-US" sz="1000"/>
-              <a:t>  res.send('Received get request')</a:t>
-            </a:r>
-            <a:endParaRPr lang="zh-CN" altLang="en-US" sz="1000"/>
-          </a:p>
-          <a:p>
-            <a:r>
-              <a:rPr lang="zh-CN" altLang="en-US" sz="1000"/>
-              <a:t>});</a:t>
-            </a:r>
-            <a:endParaRPr lang="zh-CN" altLang="en-US" sz="1000"/>
-          </a:p>
-          <a:p>
-            <a:endParaRPr lang="zh-CN" altLang="en-US" sz="1000"/>
-          </a:p>
-          <a:p>
-            <a:r>
-              <a:rPr lang="zh-CN" altLang="en-US" sz="1000"/>
-              <a:t>app.post("/qrcode", function(req, res) {</a:t>
-            </a:r>
-            <a:endParaRPr lang="zh-CN" altLang="en-US" sz="1000"/>
-          </a:p>
-          <a:p>
-            <a:r>
-              <a:rPr lang="zh-CN" altLang="en-US" sz="1000"/>
-              <a:t>  res.send("Received post request, body=", req.body);</a:t>
-            </a:r>
-            <a:endParaRPr lang="zh-CN" altLang="en-US" sz="1000"/>
-          </a:p>
-          <a:p>
-            <a:r>
-              <a:rPr lang="zh-CN" altLang="en-US" sz="1000"/>
-              <a:t>});</a:t>
-            </a:r>
-            <a:endParaRPr lang="zh-CN" altLang="en-US" sz="1000"/>
-          </a:p>
-          <a:p>
-            <a:endParaRPr lang="zh-CN" altLang="en-US" sz="1000"/>
-          </a:p>
-          <a:p>
-            <a:r>
-              <a:rPr lang="zh-CN" altLang="en-US" sz="1000"/>
-              <a:t>app.listen(8080, function(){</a:t>
-            </a:r>
-            <a:endParaRPr lang="zh-CN" altLang="en-US" sz="1000"/>
-          </a:p>
-          <a:p>
-            <a:r>
-              <a:rPr lang="zh-CN" altLang="en-US" sz="1000"/>
-              <a:t>  console.log("server is running on port 8080");</a:t>
-            </a:r>
-            <a:endParaRPr lang="zh-CN" altLang="en-US" sz="1000"/>
-          </a:p>
-          <a:p>
-            <a:r>
-              <a:rPr lang="zh-CN" altLang="en-US" sz="1000"/>
-              <a:t>})</a:t>
-            </a:r>
-            <a:endParaRPr lang="zh-CN" altLang="en-US" sz="1000"/>
-          </a:p>
-        </p:txBody>
-      </p:sp>
-      <p:sp>
-        <p:nvSpPr>
-          <p:cNvPr id="6" name="文本框 5"/>
-          <p:cNvSpPr txBox="1"/>
-          <p:nvPr/>
-        </p:nvSpPr>
-        <p:spPr>
-          <a:xfrm>
-            <a:off x="6980555" y="4037330"/>
-            <a:ext cx="4266565" cy="2553335"/>
-          </a:xfrm>
-          <a:prstGeom prst="rect">
-            <a:avLst/>
-          </a:prstGeom>
-          <a:noFill/>
-          <a:ln>
-            <a:solidFill>
-              <a:srgbClr val="C00000"/>
-            </a:solidFill>
-          </a:ln>
-        </p:spPr>
-        <p:txBody>
-          <a:bodyPr wrap="square" rtlCol="0" anchor="t">
-            <a:spAutoFit/>
-          </a:bodyPr>
-          <a:p>
-            <a:r>
-              <a:rPr lang="en-US" altLang="zh-CN" sz="1000" b="1"/>
-              <a:t>package.json</a:t>
-            </a:r>
-            <a:endParaRPr lang="en-US" altLang="zh-CN" sz="1000" b="1"/>
-          </a:p>
-          <a:p>
-            <a:endParaRPr lang="en-US" altLang="zh-CN" sz="1000"/>
-          </a:p>
-          <a:p>
-            <a:r>
-              <a:rPr lang="zh-CN" altLang="en-US" sz="1000"/>
-              <a:t>{</a:t>
-            </a:r>
-            <a:endParaRPr lang="zh-CN" altLang="en-US" sz="1000"/>
-          </a:p>
-          <a:p>
-            <a:r>
-              <a:rPr lang="zh-CN" altLang="en-US" sz="1000"/>
-              <a:t>  "name": "docker_web_app",</a:t>
-            </a:r>
-            <a:endParaRPr lang="zh-CN" altLang="en-US" sz="1000"/>
-          </a:p>
-          <a:p>
-            <a:r>
-              <a:rPr lang="zh-CN" altLang="en-US" sz="1000"/>
-              <a:t>  "version": "1.0.0",</a:t>
-            </a:r>
-            <a:endParaRPr lang="zh-CN" altLang="en-US" sz="1000"/>
-          </a:p>
-          <a:p>
-            <a:r>
-              <a:rPr lang="zh-CN" altLang="en-US" sz="1000"/>
-              <a:t>  "description": "Node.js on Docker",</a:t>
-            </a:r>
-            <a:endParaRPr lang="zh-CN" altLang="en-US" sz="1000"/>
-          </a:p>
-          <a:p>
-            <a:r>
-              <a:rPr lang="zh-CN" altLang="en-US" sz="1000"/>
-              <a:t>  "author": "First Last &lt;first.last@example.com&gt;",</a:t>
-            </a:r>
-            <a:endParaRPr lang="zh-CN" altLang="en-US" sz="1000"/>
-          </a:p>
-          <a:p>
-            <a:r>
-              <a:rPr lang="zh-CN" altLang="en-US" sz="1000"/>
-              <a:t>  "main": "server.js",</a:t>
-            </a:r>
-            <a:endParaRPr lang="zh-CN" altLang="en-US" sz="1000"/>
-          </a:p>
-          <a:p>
-            <a:r>
-              <a:rPr lang="zh-CN" altLang="en-US" sz="1000"/>
-              <a:t>  "scripts": {</a:t>
-            </a:r>
-            <a:endParaRPr lang="zh-CN" altLang="en-US" sz="1000"/>
-          </a:p>
-          <a:p>
-            <a:r>
-              <a:rPr lang="zh-CN" altLang="en-US" sz="1000"/>
-              <a:t>    "start": "node server.js"</a:t>
-            </a:r>
-            <a:endParaRPr lang="zh-CN" altLang="en-US" sz="1000"/>
-          </a:p>
-          <a:p>
-            <a:r>
-              <a:rPr lang="zh-CN" altLang="en-US" sz="1000"/>
-              <a:t>  },</a:t>
-            </a:r>
-            <a:endParaRPr lang="zh-CN" altLang="en-US" sz="1000"/>
-          </a:p>
-          <a:p>
-            <a:r>
-              <a:rPr lang="zh-CN" altLang="en-US" sz="1000"/>
-              <a:t>  "dependencies": {</a:t>
-            </a:r>
-            <a:endParaRPr lang="zh-CN" altLang="en-US" sz="1000"/>
-          </a:p>
-          <a:p>
-            <a:r>
-              <a:rPr lang="zh-CN" altLang="en-US" sz="1000"/>
-              <a:t>    "express": "^4.16.1",</a:t>
-            </a:r>
-            <a:endParaRPr lang="zh-CN" altLang="en-US" sz="1000"/>
-          </a:p>
-          <a:p>
-            <a:r>
-              <a:rPr lang="zh-CN" altLang="en-US" sz="1000"/>
-              <a:t>    "body-parser": "^1.19.1"</a:t>
-            </a:r>
-            <a:endParaRPr lang="zh-CN" altLang="en-US" sz="1000"/>
-          </a:p>
-          <a:p>
-            <a:r>
-              <a:rPr lang="zh-CN" altLang="en-US" sz="1000"/>
-              <a:t>  }</a:t>
-            </a:r>
-            <a:endParaRPr lang="zh-CN" altLang="en-US" sz="1000"/>
-          </a:p>
-          <a:p>
-            <a:r>
-              <a:rPr lang="zh-CN" altLang="en-US" sz="1000"/>
-              <a:t>}</a:t>
-            </a:r>
-            <a:endParaRPr lang="zh-CN" altLang="en-US" sz="1000"/>
+        <p:spPr/>
+        <p:txBody>
+          <a:bodyPr/>
+          <a:p>
+            <a:r>
+              <a:rPr lang="en-US" altLang="zh-CN"/>
+              <a:t>Ref</a:t>
+            </a:r>
+            <a:endParaRPr lang="en-US" altLang="zh-CN"/>
+          </a:p>
+          <a:p>
+            <a:pPr lvl="1"/>
+            <a:r>
+              <a:rPr lang="en-US" altLang="zh-CN"/>
+              <a:t>https://github.com/peterbraden/node-opencv</a:t>
+            </a:r>
+            <a:endParaRPr lang="en-US" altLang="zh-CN"/>
+          </a:p>
+          <a:p>
+            <a:pPr lvl="1"/>
+            <a:r>
+              <a:rPr lang="en-US" altLang="zh-CN"/>
+              <a:t>https://community.risingstack.com/opencv-tutorial-computer-vision-with-node-js/</a:t>
+            </a:r>
+            <a:endParaRPr lang="en-US" altLang="zh-CN"/>
           </a:p>
         </p:txBody>
       </p:sp>
@@ -4478,7 +4212,7 @@
           <a:p>
             <a:r>
               <a:rPr lang="en-US" altLang="zh-CN"/>
-              <a:t>Web Server using Docker</a:t>
+              <a:t>Set Up Web Server</a:t>
             </a:r>
             <a:endParaRPr lang="en-US" altLang="zh-CN"/>
           </a:p>
@@ -4497,75 +4231,91 @@
         <p:spPr>
           <a:xfrm>
             <a:off x="838200" y="1211580"/>
-            <a:ext cx="6300470" cy="4549140"/>
+            <a:ext cx="5915025" cy="4549140"/>
           </a:xfrm>
         </p:spPr>
         <p:txBody>
-          <a:bodyPr/>
+          <a:bodyPr>
+            <a:normAutofit lnSpcReduction="20000"/>
+          </a:bodyPr>
+          <a:p>
+            <a:r>
+              <a:rPr lang="en-US" altLang="zh-CN"/>
+              <a:t>References</a:t>
+            </a:r>
+            <a:endParaRPr lang="en-US" altLang="zh-CN"/>
+          </a:p>
+          <a:p>
+            <a:pPr lvl="1"/>
+            <a:r>
+              <a:rPr lang="en-US" altLang="zh-CN"/>
+              <a:t>https://nodejs.org/en/docs/guides/nodejs-docker-webapp/</a:t>
+            </a:r>
+            <a:endParaRPr lang="en-US" altLang="zh-CN"/>
+          </a:p>
+          <a:p>
+            <a:r>
+              <a:rPr lang="en-US" altLang="zh-CN"/>
+              <a:t>Steps</a:t>
+            </a:r>
+            <a:endParaRPr lang="en-US" altLang="zh-CN"/>
+          </a:p>
+          <a:p>
+            <a:pPr lvl="1"/>
+            <a:r>
+              <a:rPr lang="en-US" altLang="zh-CN"/>
+              <a:t>mkdir proj &amp; cd proj</a:t>
+            </a:r>
+            <a:endParaRPr lang="en-US" altLang="zh-CN"/>
+          </a:p>
+          <a:p>
+            <a:pPr lvl="1"/>
+            <a:r>
+              <a:rPr lang="en-US" altLang="zh-CN"/>
+              <a:t>cnpm init</a:t>
+            </a:r>
+            <a:endParaRPr lang="en-US" altLang="zh-CN"/>
+          </a:p>
+          <a:p>
+            <a:pPr lvl="1"/>
+            <a:r>
+              <a:rPr lang="en-US" altLang="zh-CN"/>
+              <a:t>create app.js</a:t>
+            </a:r>
+            <a:endParaRPr lang="en-US" altLang="zh-CN"/>
+          </a:p>
+          <a:p>
+            <a:pPr lvl="1"/>
+            <a:r>
+              <a:rPr lang="en-US" altLang="zh-CN"/>
+              <a:t>create package.json</a:t>
+            </a:r>
+            <a:endParaRPr lang="en-US" altLang="zh-CN"/>
+          </a:p>
+          <a:p>
+            <a:pPr lvl="1"/>
+            <a:r>
+              <a:rPr lang="en-US" altLang="zh-CN"/>
+              <a:t>run “node app.js”</a:t>
+            </a:r>
+            <a:endParaRPr lang="en-US" altLang="zh-CN"/>
+          </a:p>
           <a:p>
             <a:pPr lvl="0"/>
-            <a:r>
-              <a:rPr lang="en-US" altLang="zh-CN" sz="2400">
-                <a:sym typeface="+mn-ea"/>
-              </a:rPr>
-              <a:t>Docker</a:t>
-            </a:r>
-            <a:endParaRPr lang="en-US" altLang="zh-CN" sz="2400"/>
-          </a:p>
-          <a:p>
-            <a:pPr lvl="1"/>
-            <a:r>
-              <a:rPr lang="en-US" altLang="zh-CN" sz="2400">
-                <a:sym typeface="+mn-ea"/>
-              </a:rPr>
-              <a:t>create Dockerfile</a:t>
-            </a:r>
-            <a:endParaRPr lang="en-US" altLang="zh-CN" sz="2400"/>
-          </a:p>
-          <a:p>
-            <a:pPr lvl="1"/>
-            <a:r>
-              <a:rPr lang="en-US" altLang="zh-CN" sz="2400">
-                <a:sym typeface="+mn-ea"/>
-              </a:rPr>
-              <a:t>create server.js</a:t>
-            </a:r>
-            <a:endParaRPr lang="en-US" altLang="zh-CN" sz="2400"/>
-          </a:p>
-          <a:p>
-            <a:pPr lvl="1"/>
-            <a:r>
-              <a:rPr lang="en-US" altLang="zh-CN" sz="2400">
-                <a:sym typeface="+mn-ea"/>
-              </a:rPr>
-              <a:t>run “docker build . -t node-web-app”</a:t>
-            </a:r>
-            <a:endParaRPr lang="en-US" altLang="zh-CN" sz="2400">
-              <a:sym typeface="+mn-ea"/>
-            </a:endParaRPr>
-          </a:p>
-          <a:p>
-            <a:pPr lvl="1"/>
-            <a:r>
-              <a:rPr lang="en-US" altLang="zh-CN" sz="2400">
-                <a:sym typeface="+mn-ea"/>
-              </a:rPr>
-              <a:t>run “docker run -p 8080:8080 -d node-web-app”</a:t>
-            </a:r>
-            <a:endParaRPr lang="zh-CN" altLang="en-US"/>
-          </a:p>
-        </p:txBody>
-      </p:sp>
-      <p:sp>
-        <p:nvSpPr>
-          <p:cNvPr id="5" name="文本框 4"/>
+            <a:endParaRPr lang="en-US" altLang="zh-CN"/>
+          </a:p>
+        </p:txBody>
+      </p:sp>
+      <p:sp>
+        <p:nvSpPr>
+          <p:cNvPr id="4" name="文本框 3"/>
           <p:cNvSpPr txBox="1"/>
           <p:nvPr/>
         </p:nvSpPr>
         <p:spPr>
           <a:xfrm>
-            <a:off x="7287895" y="1317625"/>
-            <a:ext cx="4267200" cy="3476625"/>
+            <a:off x="6980555" y="406400"/>
+            <a:ext cx="4267200" cy="3630930"/>
           </a:xfrm>
           <a:prstGeom prst="rect">
             <a:avLst/>
@@ -4584,7 +4334,7 @@
           <a:p>
             <a:r>
               <a:rPr lang="en-US" altLang="zh-CN" sz="1000" b="1"/>
-              <a:t>Dockerfile</a:t>
+              <a:t>server.js</a:t>
             </a:r>
             <a:endParaRPr lang="en-US" altLang="zh-CN" sz="1000" b="1"/>
           </a:p>
@@ -4593,129 +4343,147 @@
           </a:p>
           <a:p>
             <a:r>
-              <a:rPr lang="en-US" altLang="zh-CN" sz="1000"/>
-              <a:t>FROM node:16</a:t>
-            </a:r>
-            <a:endParaRPr lang="en-US" altLang="zh-CN" sz="1000"/>
-          </a:p>
-          <a:p>
-            <a:endParaRPr lang="en-US" altLang="zh-CN" sz="1000"/>
-          </a:p>
-          <a:p>
-            <a:r>
-              <a:rPr lang="en-US" altLang="zh-CN" sz="1000"/>
-              <a:t># Create app directory</a:t>
-            </a:r>
-            <a:endParaRPr lang="en-US" altLang="zh-CN" sz="1000"/>
-          </a:p>
-          <a:p>
-            <a:r>
-              <a:rPr lang="en-US" altLang="zh-CN" sz="1000"/>
-              <a:t>WORKDIR /usr/src/app</a:t>
-            </a:r>
-            <a:endParaRPr lang="en-US" altLang="zh-CN" sz="1000"/>
-          </a:p>
-          <a:p>
-            <a:endParaRPr lang="en-US" altLang="zh-CN" sz="1000"/>
-          </a:p>
-          <a:p>
-            <a:r>
-              <a:rPr lang="en-US" altLang="zh-CN" sz="1000"/>
-              <a:t># Install app dependencies</a:t>
-            </a:r>
-            <a:endParaRPr lang="en-US" altLang="zh-CN" sz="1000"/>
-          </a:p>
-          <a:p>
-            <a:r>
-              <a:rPr lang="en-US" altLang="zh-CN" sz="1000"/>
-              <a:t># A wildcard is used to ensure both package.json AND package-lock.json are copied</a:t>
-            </a:r>
-            <a:endParaRPr lang="en-US" altLang="zh-CN" sz="1000"/>
-          </a:p>
-          <a:p>
-            <a:r>
-              <a:rPr lang="en-US" altLang="zh-CN" sz="1000"/>
-              <a:t># where available (npm@5+)</a:t>
-            </a:r>
-            <a:endParaRPr lang="en-US" altLang="zh-CN" sz="1000"/>
-          </a:p>
-          <a:p>
-            <a:r>
-              <a:rPr lang="en-US" altLang="zh-CN" sz="1000"/>
-              <a:t>COPY package*.json ./</a:t>
-            </a:r>
-            <a:endParaRPr lang="en-US" altLang="zh-CN" sz="1000"/>
-          </a:p>
-          <a:p>
-            <a:endParaRPr lang="en-US" altLang="zh-CN" sz="1000"/>
-          </a:p>
-          <a:p>
-            <a:r>
-              <a:rPr lang="en-US" altLang="zh-CN" sz="1000"/>
-              <a:t>RUN npm install</a:t>
-            </a:r>
-            <a:endParaRPr lang="en-US" altLang="zh-CN" sz="1000"/>
-          </a:p>
-          <a:p>
-            <a:r>
-              <a:rPr lang="en-US" altLang="zh-CN" sz="1000"/>
-              <a:t># If you are building your code for production</a:t>
-            </a:r>
-            <a:endParaRPr lang="en-US" altLang="zh-CN" sz="1000"/>
-          </a:p>
-          <a:p>
-            <a:r>
-              <a:rPr lang="en-US" altLang="zh-CN" sz="1000"/>
-              <a:t># RUN npm ci --only=production</a:t>
-            </a:r>
-            <a:endParaRPr lang="en-US" altLang="zh-CN" sz="1000"/>
-          </a:p>
-          <a:p>
-            <a:endParaRPr lang="en-US" altLang="zh-CN" sz="1000"/>
-          </a:p>
-          <a:p>
-            <a:r>
-              <a:rPr lang="en-US" altLang="zh-CN" sz="1000"/>
-              <a:t># Bundle app source</a:t>
-            </a:r>
-            <a:endParaRPr lang="en-US" altLang="zh-CN" sz="1000"/>
-          </a:p>
-          <a:p>
-            <a:r>
-              <a:rPr lang="en-US" altLang="zh-CN" sz="1000"/>
-              <a:t>COPY . .</a:t>
-            </a:r>
-            <a:endParaRPr lang="en-US" altLang="zh-CN" sz="1000"/>
-          </a:p>
-          <a:p>
-            <a:endParaRPr lang="en-US" altLang="zh-CN" sz="1000"/>
-          </a:p>
-          <a:p>
-            <a:r>
-              <a:rPr lang="en-US" altLang="zh-CN" sz="1000"/>
-              <a:t>EXPOSE 8080</a:t>
-            </a:r>
-            <a:endParaRPr lang="en-US" altLang="zh-CN" sz="1000"/>
-          </a:p>
-          <a:p>
-            <a:r>
-              <a:rPr lang="en-US" altLang="zh-CN" sz="1000"/>
-              <a:t>CMD [ "node", "server.js" ]</a:t>
-            </a:r>
-            <a:endParaRPr lang="en-US" altLang="zh-CN" sz="1000"/>
-          </a:p>
-        </p:txBody>
-      </p:sp>
-      <p:sp>
-        <p:nvSpPr>
-          <p:cNvPr id="4" name="文本框 3"/>
+              <a:rPr lang="zh-CN" altLang="en-US" sz="1000"/>
+              <a:t>const express = require("express");</a:t>
+            </a:r>
+            <a:endParaRPr lang="zh-CN" altLang="en-US" sz="1000"/>
+          </a:p>
+          <a:p>
+            <a:r>
+              <a:rPr lang="zh-CN" altLang="en-US" sz="1000"/>
+              <a:t>const bodyParser = require("body-parser")</a:t>
+            </a:r>
+            <a:endParaRPr lang="zh-CN" altLang="en-US" sz="1000"/>
+          </a:p>
+          <a:p>
+            <a:endParaRPr lang="zh-CN" altLang="en-US" sz="1000"/>
+          </a:p>
+          <a:p>
+            <a:r>
+              <a:rPr lang="zh-CN" altLang="en-US" sz="1000"/>
+              <a:t>// New app using express module</a:t>
+            </a:r>
+            <a:endParaRPr lang="zh-CN" altLang="en-US" sz="1000"/>
+          </a:p>
+          <a:p>
+            <a:r>
+              <a:rPr lang="zh-CN" altLang="en-US" sz="1000"/>
+              <a:t>const app = express();</a:t>
+            </a:r>
+            <a:endParaRPr lang="zh-CN" altLang="en-US" sz="1000"/>
+          </a:p>
+          <a:p>
+            <a:r>
+              <a:rPr lang="zh-CN" altLang="en-US" sz="1000"/>
+              <a:t>app.use(bodyParser.urlencoded({</a:t>
+            </a:r>
+            <a:endParaRPr lang="zh-CN" altLang="en-US" sz="1000"/>
+          </a:p>
+          <a:p>
+            <a:r>
+              <a:rPr lang="zh-CN" altLang="en-US" sz="1000"/>
+              <a:t>  extended:true</a:t>
+            </a:r>
+            <a:endParaRPr lang="zh-CN" altLang="en-US" sz="1000"/>
+          </a:p>
+          <a:p>
+            <a:r>
+              <a:rPr lang="zh-CN" altLang="en-US" sz="1000"/>
+              <a:t>}));</a:t>
+            </a:r>
+            <a:endParaRPr lang="zh-CN" altLang="en-US" sz="1000"/>
+          </a:p>
+          <a:p>
+            <a:endParaRPr lang="zh-CN" altLang="en-US" sz="1000"/>
+          </a:p>
+          <a:p>
+            <a:r>
+              <a:rPr lang="zh-CN" altLang="en-US" sz="1000"/>
+              <a:t>app.get("/", function(req, res) {</a:t>
+            </a:r>
+            <a:endParaRPr lang="zh-CN" altLang="en-US" sz="1000"/>
+          </a:p>
+          <a:p>
+            <a:r>
+              <a:rPr lang="zh-CN" altLang="en-US" sz="1000"/>
+              <a:t>  console.log('Received get request')</a:t>
+            </a:r>
+            <a:endParaRPr lang="zh-CN" altLang="en-US" sz="1000"/>
+          </a:p>
+          <a:p>
+            <a:r>
+              <a:rPr lang="zh-CN" altLang="en-US" sz="1000"/>
+              <a:t>  res.send('Received get request')</a:t>
+            </a:r>
+            <a:endParaRPr lang="zh-CN" altLang="en-US" sz="1000"/>
+          </a:p>
+          <a:p>
+            <a:r>
+              <a:rPr lang="zh-CN" altLang="en-US" sz="1000"/>
+              <a:t>});</a:t>
+            </a:r>
+            <a:endParaRPr lang="zh-CN" altLang="en-US" sz="1000"/>
+          </a:p>
+          <a:p>
+            <a:endParaRPr lang="zh-CN" altLang="en-US" sz="1000"/>
+          </a:p>
+          <a:p>
+            <a:r>
+              <a:rPr lang="zh-CN" altLang="en-US" sz="1000"/>
+              <a:t>app.post("/qrcode", function(req, res) {</a:t>
+            </a:r>
+            <a:endParaRPr lang="zh-CN" altLang="en-US" sz="1000"/>
+          </a:p>
+          <a:p>
+            <a:r>
+              <a:rPr lang="zh-CN" altLang="en-US" sz="1000"/>
+              <a:t>  res.send("Received post request, body=", req.body);</a:t>
+            </a:r>
+            <a:endParaRPr lang="zh-CN" altLang="en-US" sz="1000"/>
+          </a:p>
+          <a:p>
+            <a:r>
+              <a:rPr lang="zh-CN" altLang="en-US" sz="1000"/>
+              <a:t>});</a:t>
+            </a:r>
+            <a:endParaRPr lang="zh-CN" altLang="en-US" sz="1000"/>
+          </a:p>
+          <a:p>
+            <a:endParaRPr lang="zh-CN" altLang="en-US" sz="1000"/>
+          </a:p>
+          <a:p>
+            <a:r>
+              <a:rPr lang="zh-CN" altLang="en-US" sz="1000"/>
+              <a:t>app.listen(8080, function(){</a:t>
+            </a:r>
+            <a:endParaRPr lang="zh-CN" altLang="en-US" sz="1000"/>
+          </a:p>
+          <a:p>
+            <a:r>
+              <a:rPr lang="zh-CN" altLang="en-US" sz="1000"/>
+              <a:t>  console.log("server is running on port 8080");</a:t>
+            </a:r>
+            <a:endParaRPr lang="zh-CN" altLang="en-US" sz="1000"/>
+          </a:p>
+          <a:p>
+            <a:r>
+              <a:rPr lang="zh-CN" altLang="en-US" sz="1000"/>
+              <a:t>})</a:t>
+            </a:r>
+            <a:endParaRPr lang="zh-CN" altLang="en-US" sz="1000"/>
+          </a:p>
+        </p:txBody>
+      </p:sp>
+      <p:sp>
+        <p:nvSpPr>
+          <p:cNvPr id="6" name="文本框 5"/>
           <p:cNvSpPr txBox="1"/>
           <p:nvPr/>
         </p:nvSpPr>
         <p:spPr>
           <a:xfrm>
-            <a:off x="7287895" y="5197475"/>
-            <a:ext cx="2540000" cy="706755"/>
+            <a:off x="6980555" y="4037330"/>
+            <a:ext cx="4266565" cy="2553335"/>
           </a:xfrm>
           <a:prstGeom prst="rect">
             <a:avLst/>
@@ -4734,7 +4502,7 @@
           <a:p>
             <a:r>
               <a:rPr lang="en-US" altLang="zh-CN" sz="1000" b="1"/>
-              <a:t>.dockerignore</a:t>
+              <a:t>package.json</a:t>
             </a:r>
             <a:endParaRPr lang="en-US" altLang="zh-CN" sz="1000" b="1"/>
           </a:p>
@@ -4744,14 +4512,98 @@
           <a:p>
             <a:r>
               <a:rPr lang="zh-CN" altLang="en-US" sz="1000"/>
-              <a:t>node_modules</a:t>
+              <a:t>{</a:t>
             </a:r>
             <a:endParaRPr lang="zh-CN" altLang="en-US" sz="1000"/>
           </a:p>
           <a:p>
             <a:r>
               <a:rPr lang="zh-CN" altLang="en-US" sz="1000"/>
-              <a:t>npm-debug.log</a:t>
+              <a:t>  "name": "docker_web_app",</a:t>
+            </a:r>
+            <a:endParaRPr lang="zh-CN" altLang="en-US" sz="1000"/>
+          </a:p>
+          <a:p>
+            <a:r>
+              <a:rPr lang="zh-CN" altLang="en-US" sz="1000"/>
+              <a:t>  "version": "1.0.0",</a:t>
+            </a:r>
+            <a:endParaRPr lang="zh-CN" altLang="en-US" sz="1000"/>
+          </a:p>
+          <a:p>
+            <a:r>
+              <a:rPr lang="zh-CN" altLang="en-US" sz="1000"/>
+              <a:t>  "description": "Node.js on Docker",</a:t>
+            </a:r>
+            <a:endParaRPr lang="zh-CN" altLang="en-US" sz="1000"/>
+          </a:p>
+          <a:p>
+            <a:r>
+              <a:rPr lang="zh-CN" altLang="en-US" sz="1000"/>
+              <a:t>  "author": "First Last &lt;first.last@example.com&gt;",</a:t>
+            </a:r>
+            <a:endParaRPr lang="zh-CN" altLang="en-US" sz="1000"/>
+          </a:p>
+          <a:p>
+            <a:r>
+              <a:rPr lang="zh-CN" altLang="en-US" sz="1000"/>
+              <a:t>  "main": "server.js",</a:t>
+            </a:r>
+            <a:endParaRPr lang="zh-CN" altLang="en-US" sz="1000"/>
+          </a:p>
+          <a:p>
+            <a:r>
+              <a:rPr lang="zh-CN" altLang="en-US" sz="1000"/>
+              <a:t>  "scripts": {</a:t>
+            </a:r>
+            <a:endParaRPr lang="zh-CN" altLang="en-US" sz="1000"/>
+          </a:p>
+          <a:p>
+            <a:r>
+              <a:rPr lang="zh-CN" altLang="en-US" sz="1000"/>
+              <a:t>    "start": "node server.js"</a:t>
+            </a:r>
+            <a:endParaRPr lang="zh-CN" altLang="en-US" sz="1000"/>
+          </a:p>
+          <a:p>
+            <a:r>
+              <a:rPr lang="zh-CN" altLang="en-US" sz="1000"/>
+              <a:t>  },</a:t>
+            </a:r>
+            <a:endParaRPr lang="zh-CN" altLang="en-US" sz="1000"/>
+          </a:p>
+          <a:p>
+            <a:r>
+              <a:rPr lang="zh-CN" altLang="en-US" sz="1000"/>
+              <a:t>  "dependencies": {</a:t>
+            </a:r>
+            <a:endParaRPr lang="zh-CN" altLang="en-US" sz="1000"/>
+          </a:p>
+          <a:p>
+            <a:r>
+              <a:rPr lang="zh-CN" altLang="en-US" sz="1000"/>
+              <a:t>    "express": "^4.16.1",</a:t>
+            </a:r>
+            <a:endParaRPr lang="zh-CN" altLang="en-US" sz="1000"/>
+          </a:p>
+          <a:p>
+            <a:r>
+              <a:rPr lang="zh-CN" altLang="en-US" sz="1000"/>
+              <a:t>    "body-parser": "^1.19.1"</a:t>
+            </a:r>
+            <a:endParaRPr lang="zh-CN" altLang="en-US" sz="1000"/>
+          </a:p>
+          <a:p>
+            <a:r>
+              <a:rPr lang="zh-CN" altLang="en-US" sz="1000"/>
+              <a:t>  }</a:t>
+            </a:r>
+            <a:endParaRPr lang="zh-CN" altLang="en-US" sz="1000"/>
+          </a:p>
+          <a:p>
+            <a:r>
+              <a:rPr lang="zh-CN" altLang="en-US" sz="1000"/>
+              <a:t>}</a:t>
             </a:r>
             <a:endParaRPr lang="zh-CN" altLang="en-US" sz="1000"/>
           </a:p>
@@ -4794,7 +4646,7 @@
           <a:p>
             <a:r>
               <a:rPr lang="en-US" altLang="zh-CN"/>
-              <a:t>Express</a:t>
+              <a:t>Web Server using Docker</a:t>
             </a:r>
             <a:endParaRPr lang="en-US" altLang="zh-CN"/>
           </a:p>
@@ -4813,30 +4665,75 @@
         <p:spPr>
           <a:xfrm>
             <a:off x="838200" y="1211580"/>
-            <a:ext cx="5095240" cy="4549140"/>
+            <a:ext cx="6300470" cy="4549140"/>
           </a:xfrm>
         </p:spPr>
         <p:txBody>
           <a:bodyPr/>
           <a:p>
-            <a:r>
-              <a:rPr lang="en-US" altLang="zh-CN"/>
-              <a:t>Steps</a:t>
-            </a:r>
-            <a:endParaRPr lang="en-US" altLang="zh-CN"/>
-          </a:p>
-        </p:txBody>
-      </p:sp>
-      <p:sp>
-        <p:nvSpPr>
-          <p:cNvPr id="4" name="文本框 3"/>
+            <a:pPr lvl="0"/>
+            <a:r>
+              <a:rPr lang="en-US" altLang="zh-CN" sz="2400">
+                <a:sym typeface="+mn-ea"/>
+              </a:rPr>
+              <a:t>Docker</a:t>
+            </a:r>
+            <a:endParaRPr lang="en-US" altLang="zh-CN" sz="2400"/>
+          </a:p>
+          <a:p>
+            <a:pPr lvl="1"/>
+            <a:r>
+              <a:rPr lang="en-US" altLang="zh-CN" sz="2400">
+                <a:sym typeface="+mn-ea"/>
+              </a:rPr>
+              <a:t>create Dockerfile</a:t>
+            </a:r>
+            <a:endParaRPr lang="en-US" altLang="zh-CN" sz="2400"/>
+          </a:p>
+          <a:p>
+            <a:pPr lvl="1"/>
+            <a:r>
+              <a:rPr lang="en-US" altLang="zh-CN" sz="2400">
+                <a:sym typeface="+mn-ea"/>
+              </a:rPr>
+              <a:t>create server.js</a:t>
+            </a:r>
+            <a:endParaRPr lang="en-US" altLang="zh-CN" sz="2400"/>
+          </a:p>
+          <a:p>
+            <a:pPr lvl="1"/>
+            <a:r>
+              <a:rPr lang="en-US" altLang="zh-CN" sz="2400">
+                <a:sym typeface="+mn-ea"/>
+              </a:rPr>
+              <a:t>run “docker build . -t node-web-app”</a:t>
+            </a:r>
+            <a:endParaRPr lang="en-US" altLang="zh-CN" sz="2400">
+              <a:sym typeface="+mn-ea"/>
+            </a:endParaRPr>
+          </a:p>
+          <a:p>
+            <a:pPr lvl="1"/>
+            <a:r>
+              <a:rPr lang="en-US" altLang="zh-CN" sz="2400">
+                <a:sym typeface="+mn-ea"/>
+              </a:rPr>
+              <a:t>run “docker run -p 8080:8080 -d node-web-app”</a:t>
+            </a:r>
+            <a:endParaRPr lang="zh-CN" altLang="en-US"/>
+          </a:p>
+        </p:txBody>
+      </p:sp>
+      <p:sp>
+        <p:nvSpPr>
+          <p:cNvPr id="5" name="文本框 4"/>
           <p:cNvSpPr txBox="1"/>
           <p:nvPr/>
         </p:nvSpPr>
         <p:spPr>
           <a:xfrm>
-            <a:off x="7767955" y="1167130"/>
-            <a:ext cx="3677285" cy="4523105"/>
+            <a:off x="7287895" y="1317625"/>
+            <a:ext cx="4267200" cy="3476625"/>
           </a:xfrm>
           <a:prstGeom prst="rect">
             <a:avLst/>
@@ -4854,151 +4751,177 @@
           </a:bodyPr>
           <a:p>
             <a:r>
-              <a:rPr lang="zh-CN" altLang="en-US" sz="1200"/>
-              <a:t>/* express的服务器 */</a:t>
-            </a:r>
-            <a:endParaRPr lang="zh-CN" altLang="en-US" sz="1200"/>
-          </a:p>
-          <a:p>
-            <a:endParaRPr lang="zh-CN" altLang="en-US" sz="1200"/>
-          </a:p>
-          <a:p>
-            <a:r>
-              <a:rPr lang="zh-CN" altLang="en-US" sz="1200"/>
-              <a:t>//1. 导入express</a:t>
-            </a:r>
-            <a:endParaRPr lang="zh-CN" altLang="en-US" sz="1200"/>
-          </a:p>
-          <a:p>
-            <a:r>
-              <a:rPr lang="zh-CN" altLang="en-US" sz="1200"/>
-              <a:t>var express = require('express')</a:t>
-            </a:r>
-            <a:endParaRPr lang="zh-CN" altLang="en-US" sz="1200"/>
-          </a:p>
-          <a:p>
-            <a:endParaRPr lang="zh-CN" altLang="en-US" sz="1200"/>
-          </a:p>
-          <a:p>
-            <a:r>
-              <a:rPr lang="zh-CN" altLang="en-US" sz="1200"/>
-              <a:t>//2. 创建express服务器</a:t>
-            </a:r>
-            <a:endParaRPr lang="zh-CN" altLang="en-US" sz="1200"/>
-          </a:p>
-          <a:p>
-            <a:r>
-              <a:rPr lang="zh-CN" altLang="en-US" sz="1200"/>
-              <a:t>var server = express()</a:t>
-            </a:r>
-            <a:endParaRPr lang="zh-CN" altLang="en-US" sz="1200"/>
-          </a:p>
-          <a:p>
-            <a:endParaRPr lang="zh-CN" altLang="en-US" sz="1200"/>
-          </a:p>
-          <a:p>
-            <a:r>
-              <a:rPr lang="zh-CN" altLang="en-US" sz="1200"/>
-              <a:t>//3. 访问服务器(get或者post)</a:t>
-            </a:r>
-            <a:endParaRPr lang="zh-CN" altLang="en-US" sz="1200"/>
-          </a:p>
-          <a:p>
-            <a:r>
-              <a:rPr lang="zh-CN" altLang="en-US" sz="1200"/>
-              <a:t>//参数一: 请求根路径</a:t>
-            </a:r>
-            <a:endParaRPr lang="zh-CN" altLang="en-US" sz="1200"/>
-          </a:p>
-          <a:p>
-            <a:r>
-              <a:rPr lang="zh-CN" altLang="en-US" sz="1200"/>
-              <a:t>//3.1 get请求</a:t>
-            </a:r>
-            <a:endParaRPr lang="zh-CN" altLang="en-US" sz="1200"/>
-          </a:p>
-          <a:p>
-            <a:r>
-              <a:rPr lang="zh-CN" altLang="en-US" sz="1200"/>
-              <a:t>server.get('/', function (request, response) {</a:t>
-            </a:r>
-            <a:endParaRPr lang="zh-CN" altLang="en-US" sz="1200"/>
-          </a:p>
-          <a:p>
-            <a:r>
-              <a:rPr lang="zh-CN" altLang="en-US" sz="1200"/>
-              <a:t>    // console.log(request)</a:t>
-            </a:r>
-            <a:endParaRPr lang="zh-CN" altLang="en-US" sz="1200"/>
-          </a:p>
-          <a:p>
-            <a:r>
-              <a:rPr lang="zh-CN" altLang="en-US" sz="1200"/>
-              <a:t>    response.send('get请求成功')</a:t>
-            </a:r>
-            <a:endParaRPr lang="zh-CN" altLang="en-US" sz="1200"/>
-          </a:p>
-          <a:p>
-            <a:r>
-              <a:rPr lang="zh-CN" altLang="en-US" sz="1200"/>
-              <a:t>})</a:t>
-            </a:r>
-            <a:endParaRPr lang="zh-CN" altLang="en-US" sz="1200"/>
-          </a:p>
-          <a:p>
-            <a:endParaRPr lang="zh-CN" altLang="en-US" sz="1200"/>
-          </a:p>
-          <a:p>
-            <a:r>
-              <a:rPr lang="zh-CN" altLang="en-US" sz="1200"/>
-              <a:t>//3.2 post请求</a:t>
-            </a:r>
-            <a:endParaRPr lang="zh-CN" altLang="en-US" sz="1200"/>
-          </a:p>
-          <a:p>
-            <a:r>
-              <a:rPr lang="zh-CN" altLang="en-US" sz="1200"/>
-              <a:t>server.post('/', function (request, response) {</a:t>
-            </a:r>
-            <a:endParaRPr lang="zh-CN" altLang="en-US" sz="1200"/>
-          </a:p>
-          <a:p>
-            <a:r>
-              <a:rPr lang="zh-CN" altLang="en-US" sz="1200"/>
-              <a:t>    response.send('post请求成功')</a:t>
-            </a:r>
-            <a:endParaRPr lang="zh-CN" altLang="en-US" sz="1200"/>
-          </a:p>
-          <a:p>
-            <a:r>
-              <a:rPr lang="zh-CN" altLang="en-US" sz="1200"/>
-              <a:t>})</a:t>
-            </a:r>
-            <a:endParaRPr lang="zh-CN" altLang="en-US" sz="1200"/>
-          </a:p>
-          <a:p>
-            <a:endParaRPr lang="zh-CN" altLang="en-US" sz="1200"/>
-          </a:p>
-          <a:p>
-            <a:r>
-              <a:rPr lang="zh-CN" altLang="en-US" sz="1200"/>
-              <a:t>//4. 绑定端口</a:t>
-            </a:r>
-            <a:endParaRPr lang="zh-CN" altLang="en-US" sz="1200"/>
-          </a:p>
-          <a:p>
-            <a:r>
-              <a:rPr lang="zh-CN" altLang="en-US" sz="1200"/>
-              <a:t>server.listen(4040)</a:t>
-            </a:r>
-            <a:endParaRPr lang="zh-CN" altLang="en-US" sz="1200"/>
-          </a:p>
-          <a:p>
-            <a:r>
-              <a:rPr lang="zh-CN" altLang="en-US" sz="1200"/>
-              <a:t>console.log('启动4040')</a:t>
-            </a:r>
-            <a:endParaRPr lang="zh-CN" altLang="en-US" sz="1200"/>
+              <a:rPr lang="en-US" altLang="zh-CN" sz="1000" b="1"/>
+              <a:t>Dockerfile</a:t>
+            </a:r>
+            <a:endParaRPr lang="en-US" altLang="zh-CN" sz="1000" b="1"/>
+          </a:p>
+          <a:p>
+            <a:endParaRPr lang="en-US" altLang="zh-CN" sz="1000"/>
+          </a:p>
+          <a:p>
+            <a:r>
+              <a:rPr lang="en-US" altLang="zh-CN" sz="1000"/>
+              <a:t>FROM node:16</a:t>
+            </a:r>
+            <a:endParaRPr lang="en-US" altLang="zh-CN" sz="1000"/>
+          </a:p>
+          <a:p>
+            <a:endParaRPr lang="en-US" altLang="zh-CN" sz="1000"/>
+          </a:p>
+          <a:p>
+            <a:r>
+              <a:rPr lang="en-US" altLang="zh-CN" sz="1000"/>
+              <a:t># Create app directory</a:t>
+            </a:r>
+            <a:endParaRPr lang="en-US" altLang="zh-CN" sz="1000"/>
+          </a:p>
+          <a:p>
+            <a:r>
+              <a:rPr lang="en-US" altLang="zh-CN" sz="1000"/>
+              <a:t>WORKDIR /usr/src/app</a:t>
+            </a:r>
+            <a:endParaRPr lang="en-US" altLang="zh-CN" sz="1000"/>
+          </a:p>
+          <a:p>
+            <a:endParaRPr lang="en-US" altLang="zh-CN" sz="1000"/>
+          </a:p>
+          <a:p>
+            <a:r>
+              <a:rPr lang="en-US" altLang="zh-CN" sz="1000"/>
+              <a:t># Install app dependencies</a:t>
+            </a:r>
+            <a:endParaRPr lang="en-US" altLang="zh-CN" sz="1000"/>
+          </a:p>
+          <a:p>
+            <a:r>
+              <a:rPr lang="en-US" altLang="zh-CN" sz="1000"/>
+              <a:t># A wildcard is used to ensure both package.json AND package-lock.json are copied</a:t>
+            </a:r>
+            <a:endParaRPr lang="en-US" altLang="zh-CN" sz="1000"/>
+          </a:p>
+          <a:p>
+            <a:r>
+              <a:rPr lang="en-US" altLang="zh-CN" sz="1000"/>
+              <a:t># where available (npm@5+)</a:t>
+            </a:r>
+            <a:endParaRPr lang="en-US" altLang="zh-CN" sz="1000"/>
+          </a:p>
+          <a:p>
+            <a:r>
+              <a:rPr lang="en-US" altLang="zh-CN" sz="1000"/>
+              <a:t>COPY package*.json ./</a:t>
+            </a:r>
+            <a:endParaRPr lang="en-US" altLang="zh-CN" sz="1000"/>
+          </a:p>
+          <a:p>
+            <a:endParaRPr lang="en-US" altLang="zh-CN" sz="1000"/>
+          </a:p>
+          <a:p>
+            <a:r>
+              <a:rPr lang="en-US" altLang="zh-CN" sz="1000"/>
+              <a:t>RUN npm install</a:t>
+            </a:r>
+            <a:endParaRPr lang="en-US" altLang="zh-CN" sz="1000"/>
+          </a:p>
+          <a:p>
+            <a:r>
+              <a:rPr lang="en-US" altLang="zh-CN" sz="1000"/>
+              <a:t># If you are building your code for production</a:t>
+            </a:r>
+            <a:endParaRPr lang="en-US" altLang="zh-CN" sz="1000"/>
+          </a:p>
+          <a:p>
+            <a:r>
+              <a:rPr lang="en-US" altLang="zh-CN" sz="1000"/>
+              <a:t># RUN npm ci --only=production</a:t>
+            </a:r>
+            <a:endParaRPr lang="en-US" altLang="zh-CN" sz="1000"/>
+          </a:p>
+          <a:p>
+            <a:endParaRPr lang="en-US" altLang="zh-CN" sz="1000"/>
+          </a:p>
+          <a:p>
+            <a:r>
+              <a:rPr lang="en-US" altLang="zh-CN" sz="1000"/>
+              <a:t># Bundle app source</a:t>
+            </a:r>
+            <a:endParaRPr lang="en-US" altLang="zh-CN" sz="1000"/>
+          </a:p>
+          <a:p>
+            <a:r>
+              <a:rPr lang="en-US" altLang="zh-CN" sz="1000"/>
+              <a:t>COPY . .</a:t>
+            </a:r>
+            <a:endParaRPr lang="en-US" altLang="zh-CN" sz="1000"/>
+          </a:p>
+          <a:p>
+            <a:endParaRPr lang="en-US" altLang="zh-CN" sz="1000"/>
+          </a:p>
+          <a:p>
+            <a:r>
+              <a:rPr lang="en-US" altLang="zh-CN" sz="1000"/>
+              <a:t>EXPOSE 8080</a:t>
+            </a:r>
+            <a:endParaRPr lang="en-US" altLang="zh-CN" sz="1000"/>
+          </a:p>
+          <a:p>
+            <a:r>
+              <a:rPr lang="en-US" altLang="zh-CN" sz="1000"/>
+              <a:t>CMD [ "node", "server.js" ]</a:t>
+            </a:r>
+            <a:endParaRPr lang="en-US" altLang="zh-CN" sz="1000"/>
+          </a:p>
+        </p:txBody>
+      </p:sp>
+      <p:sp>
+        <p:nvSpPr>
+          <p:cNvPr id="4" name="文本框 3"/>
+          <p:cNvSpPr txBox="1"/>
+          <p:nvPr/>
+        </p:nvSpPr>
+        <p:spPr>
+          <a:xfrm>
+            <a:off x="7287895" y="5197475"/>
+            <a:ext cx="2540000" cy="706755"/>
+          </a:xfrm>
+          <a:prstGeom prst="rect">
+            <a:avLst/>
+          </a:prstGeom>
+          <a:noFill/>
+          <a:ln>
+            <a:solidFill>
+              <a:srgbClr val="C00000"/>
+            </a:solidFill>
+          </a:ln>
+        </p:spPr>
+        <p:txBody>
+          <a:bodyPr wrap="square" rtlCol="0" anchor="t">
+            <a:spAutoFit/>
+          </a:bodyPr>
+          <a:p>
+            <a:r>
+              <a:rPr lang="en-US" altLang="zh-CN" sz="1000" b="1"/>
+              <a:t>.dockerignore</a:t>
+            </a:r>
+            <a:endParaRPr lang="en-US" altLang="zh-CN" sz="1000" b="1"/>
+          </a:p>
+          <a:p>
+            <a:endParaRPr lang="en-US" altLang="zh-CN" sz="1000"/>
+          </a:p>
+          <a:p>
+            <a:r>
+              <a:rPr lang="zh-CN" altLang="en-US" sz="1000"/>
+              <a:t>node_modules</a:t>
+            </a:r>
+            <a:endParaRPr lang="zh-CN" altLang="en-US" sz="1000"/>
+          </a:p>
+          <a:p>
+            <a:r>
+              <a:rPr lang="zh-CN" altLang="en-US" sz="1000"/>
+              <a:t>npm-debug.log</a:t>
+            </a:r>
+            <a:endParaRPr lang="zh-CN" altLang="en-US" sz="1000"/>
           </a:p>
         </p:txBody>
       </p:sp>
@@ -5039,7 +4962,7 @@
           <a:p>
             <a:r>
               <a:rPr lang="en-US" altLang="zh-CN"/>
-              <a:t>Module Import and Export</a:t>
+              <a:t>Express</a:t>
             </a:r>
             <a:endParaRPr lang="en-US" altLang="zh-CN"/>
           </a:p>
@@ -5055,87 +4978,195 @@
             <p:ph idx="1"/>
           </p:nvPr>
         </p:nvSpPr>
-        <p:spPr/>
+        <p:spPr>
+          <a:xfrm>
+            <a:off x="838200" y="1211580"/>
+            <a:ext cx="5095240" cy="4549140"/>
+          </a:xfrm>
+        </p:spPr>
         <p:txBody>
           <a:bodyPr/>
           <a:p>
             <a:r>
               <a:rPr lang="en-US" altLang="zh-CN"/>
-              <a:t>References</a:t>
-            </a:r>
-            <a:endParaRPr lang="en-US" altLang="zh-CN"/>
-          </a:p>
-          <a:p>
-            <a:pPr lvl="1"/>
-            <a:r>
-              <a:rPr lang="en-US" altLang="zh-CN"/>
-              <a:t>https://www.freecodecamp.org/news/requiring-modules-in-node-js-everything-you-need-to-know-e7fbd119be8</a:t>
-            </a:r>
-            <a:endParaRPr lang="en-US" altLang="zh-CN"/>
-          </a:p>
-          <a:p>
-            <a:pPr lvl="0"/>
-            <a:r>
-              <a:rPr lang="en-US" altLang="zh-CN"/>
-              <a:t>require(‘module’)</a:t>
-            </a:r>
-            <a:endParaRPr lang="en-US" altLang="zh-CN"/>
-          </a:p>
-          <a:p>
-            <a:pPr lvl="1"/>
-            <a:r>
-              <a:rPr lang="en-US" altLang="zh-CN"/>
-              <a:t>steps: resolving, loading, wrapping, evaluating, caching</a:t>
-            </a:r>
-            <a:endParaRPr lang="en-US" altLang="zh-CN"/>
-          </a:p>
-          <a:p>
-            <a:pPr lvl="1"/>
-            <a:r>
-              <a:rPr lang="en-US" altLang="zh-CN"/>
-              <a:t>resolving</a:t>
-            </a:r>
-            <a:endParaRPr lang="en-US" altLang="zh-CN"/>
-          </a:p>
-          <a:p>
-            <a:pPr lvl="2"/>
-            <a:r>
-              <a:rPr lang="en-US" altLang="zh-CN"/>
-              <a:t>module.paths</a:t>
-            </a:r>
-            <a:endParaRPr lang="en-US" altLang="zh-CN"/>
-          </a:p>
-          <a:p>
-            <a:pPr lvl="2"/>
-            <a:r>
-              <a:rPr lang="en-US" altLang="zh-CN"/>
-              <a:t>index.js is used by default if require a folder</a:t>
-            </a:r>
-            <a:endParaRPr lang="en-US" altLang="zh-CN"/>
-          </a:p>
-          <a:p>
-            <a:pPr lvl="2"/>
-            <a:r>
-              <a:rPr lang="en-US" altLang="zh-CN"/>
-              <a:t>main property in package.json is used if require a folder</a:t>
-            </a:r>
-            <a:endParaRPr lang="en-US" altLang="zh-CN"/>
-          </a:p>
-          <a:p>
-            <a:pPr lvl="1"/>
-            <a:r>
-              <a:rPr lang="en-US" altLang="zh-CN"/>
-              <a:t>require.resolve</a:t>
-            </a:r>
-            <a:endParaRPr lang="en-US" altLang="zh-CN"/>
-          </a:p>
-          <a:p>
-            <a:pPr lvl="2"/>
-            <a:r>
-              <a:rPr lang="en-US" altLang="zh-CN"/>
-              <a:t>Only resolving, no other steps</a:t>
-            </a:r>
-            <a:endParaRPr lang="en-US" altLang="zh-CN"/>
+              <a:t>Steps</a:t>
+            </a:r>
+            <a:endParaRPr lang="en-US" altLang="zh-CN"/>
+          </a:p>
+        </p:txBody>
+      </p:sp>
+      <p:sp>
+        <p:nvSpPr>
+          <p:cNvPr id="4" name="文本框 3"/>
+          <p:cNvSpPr txBox="1"/>
+          <p:nvPr/>
+        </p:nvSpPr>
+        <p:spPr>
+          <a:xfrm>
+            <a:off x="7767955" y="1167130"/>
+            <a:ext cx="3677285" cy="4523105"/>
+          </a:xfrm>
+          <a:prstGeom prst="rect">
+            <a:avLst/>
+          </a:prstGeom>
+          <a:noFill/>
+          <a:ln>
+            <a:solidFill>
+              <a:srgbClr val="C00000"/>
+            </a:solidFill>
+          </a:ln>
+        </p:spPr>
+        <p:txBody>
+          <a:bodyPr wrap="square" rtlCol="0" anchor="t">
+            <a:spAutoFit/>
+          </a:bodyPr>
+          <a:p>
+            <a:r>
+              <a:rPr lang="zh-CN" altLang="en-US" sz="1200"/>
+              <a:t>/* express的服务器 */</a:t>
+            </a:r>
+            <a:endParaRPr lang="zh-CN" altLang="en-US" sz="1200"/>
+          </a:p>
+          <a:p>
+            <a:endParaRPr lang="zh-CN" altLang="en-US" sz="1200"/>
+          </a:p>
+          <a:p>
+            <a:r>
+              <a:rPr lang="zh-CN" altLang="en-US" sz="1200"/>
+              <a:t>//1. 导入express</a:t>
+            </a:r>
+            <a:endParaRPr lang="zh-CN" altLang="en-US" sz="1200"/>
+          </a:p>
+          <a:p>
+            <a:r>
+              <a:rPr lang="zh-CN" altLang="en-US" sz="1200"/>
+              <a:t>var express = require('express')</a:t>
+            </a:r>
+            <a:endParaRPr lang="zh-CN" altLang="en-US" sz="1200"/>
+          </a:p>
+          <a:p>
+            <a:endParaRPr lang="zh-CN" altLang="en-US" sz="1200"/>
+          </a:p>
+          <a:p>
+            <a:r>
+              <a:rPr lang="zh-CN" altLang="en-US" sz="1200"/>
+              <a:t>//2. 创建express服务器</a:t>
+            </a:r>
+            <a:endParaRPr lang="zh-CN" altLang="en-US" sz="1200"/>
+          </a:p>
+          <a:p>
+            <a:r>
+              <a:rPr lang="zh-CN" altLang="en-US" sz="1200"/>
+              <a:t>var server = express()</a:t>
+            </a:r>
+            <a:endParaRPr lang="zh-CN" altLang="en-US" sz="1200"/>
+          </a:p>
+          <a:p>
+            <a:endParaRPr lang="zh-CN" altLang="en-US" sz="1200"/>
+          </a:p>
+          <a:p>
+            <a:r>
+              <a:rPr lang="zh-CN" altLang="en-US" sz="1200"/>
+              <a:t>//3. 访问服务器(get或者post)</a:t>
+            </a:r>
+            <a:endParaRPr lang="zh-CN" altLang="en-US" sz="1200"/>
+          </a:p>
+          <a:p>
+            <a:r>
+              <a:rPr lang="zh-CN" altLang="en-US" sz="1200"/>
+              <a:t>//参数一: 请求根路径</a:t>
+            </a:r>
+            <a:endParaRPr lang="zh-CN" altLang="en-US" sz="1200"/>
+          </a:p>
+          <a:p>
+            <a:r>
+              <a:rPr lang="zh-CN" altLang="en-US" sz="1200"/>
+              <a:t>//3.1 get请求</a:t>
+            </a:r>
+            <a:endParaRPr lang="zh-CN" altLang="en-US" sz="1200"/>
+          </a:p>
+          <a:p>
+            <a:r>
+              <a:rPr lang="zh-CN" altLang="en-US" sz="1200"/>
+              <a:t>server.get('/', function (request, response) {</a:t>
+            </a:r>
+            <a:endParaRPr lang="zh-CN" altLang="en-US" sz="1200"/>
+          </a:p>
+          <a:p>
+            <a:r>
+              <a:rPr lang="zh-CN" altLang="en-US" sz="1200"/>
+              <a:t>    // console.log(request)</a:t>
+            </a:r>
+            <a:endParaRPr lang="zh-CN" altLang="en-US" sz="1200"/>
+          </a:p>
+          <a:p>
+            <a:r>
+              <a:rPr lang="zh-CN" altLang="en-US" sz="1200"/>
+              <a:t>    response.send('get请求成功')</a:t>
+            </a:r>
+            <a:endParaRPr lang="zh-CN" altLang="en-US" sz="1200"/>
+          </a:p>
+          <a:p>
+            <a:r>
+              <a:rPr lang="zh-CN" altLang="en-US" sz="1200"/>
+              <a:t>})</a:t>
+            </a:r>
+            <a:endParaRPr lang="zh-CN" altLang="en-US" sz="1200"/>
+          </a:p>
+          <a:p>
+            <a:endParaRPr lang="zh-CN" altLang="en-US" sz="1200"/>
+          </a:p>
+          <a:p>
+            <a:r>
+              <a:rPr lang="zh-CN" altLang="en-US" sz="1200"/>
+              <a:t>//3.2 post请求</a:t>
+            </a:r>
+            <a:endParaRPr lang="zh-CN" altLang="en-US" sz="1200"/>
+          </a:p>
+          <a:p>
+            <a:r>
+              <a:rPr lang="zh-CN" altLang="en-US" sz="1200"/>
+              <a:t>server.post('/', function (request, response) {</a:t>
+            </a:r>
+            <a:endParaRPr lang="zh-CN" altLang="en-US" sz="1200"/>
+          </a:p>
+          <a:p>
+            <a:r>
+              <a:rPr lang="zh-CN" altLang="en-US" sz="1200"/>
+              <a:t>    response.send('post请求成功')</a:t>
+            </a:r>
+            <a:endParaRPr lang="zh-CN" altLang="en-US" sz="1200"/>
+          </a:p>
+          <a:p>
+            <a:r>
+              <a:rPr lang="zh-CN" altLang="en-US" sz="1200"/>
+              <a:t>})</a:t>
+            </a:r>
+            <a:endParaRPr lang="zh-CN" altLang="en-US" sz="1200"/>
+          </a:p>
+          <a:p>
+            <a:endParaRPr lang="zh-CN" altLang="en-US" sz="1200"/>
+          </a:p>
+          <a:p>
+            <a:r>
+              <a:rPr lang="zh-CN" altLang="en-US" sz="1200"/>
+              <a:t>//4. 绑定端口</a:t>
+            </a:r>
+            <a:endParaRPr lang="zh-CN" altLang="en-US" sz="1200"/>
+          </a:p>
+          <a:p>
+            <a:r>
+              <a:rPr lang="zh-CN" altLang="en-US" sz="1200"/>
+              <a:t>server.listen(4040)</a:t>
+            </a:r>
+            <a:endParaRPr lang="zh-CN" altLang="en-US" sz="1200"/>
+          </a:p>
+          <a:p>
+            <a:r>
+              <a:rPr lang="zh-CN" altLang="en-US" sz="1200"/>
+              <a:t>console.log('启动4040')</a:t>
+            </a:r>
+            <a:endParaRPr lang="zh-CN" altLang="en-US" sz="1200"/>
           </a:p>
         </p:txBody>
       </p:sp>
@@ -5151,6 +5182,143 @@
 </file>
 
 <file path=ppt/slides/slide16.xml><?xml version="1.0" encoding="utf-8"?>
+<p:sld xmlns:a="http://schemas.openxmlformats.org/drawingml/2006/main" xmlns:r="http://schemas.openxmlformats.org/officeDocument/2006/relationships" xmlns:p="http://schemas.openxmlformats.org/presentationml/2006/main">
+  <p:cSld>
+    <p:spTree>
+      <p:nvGrpSpPr>
+        <p:cNvPr id="1" name=""/>
+        <p:cNvGrpSpPr/>
+        <p:nvPr/>
+      </p:nvGrpSpPr>
+      <p:grpSpPr/>
+      <p:sp>
+        <p:nvSpPr>
+          <p:cNvPr id="2" name="标题 1"/>
+          <p:cNvSpPr>
+            <a:spLocks noGrp="1"/>
+          </p:cNvSpPr>
+          <p:nvPr>
+            <p:ph type="title"/>
+          </p:nvPr>
+        </p:nvSpPr>
+        <p:spPr/>
+        <p:txBody>
+          <a:bodyPr/>
+          <a:p>
+            <a:r>
+              <a:rPr lang="en-US" altLang="zh-CN"/>
+              <a:t>Module Import and Export</a:t>
+            </a:r>
+            <a:endParaRPr lang="en-US" altLang="zh-CN"/>
+          </a:p>
+        </p:txBody>
+      </p:sp>
+      <p:sp>
+        <p:nvSpPr>
+          <p:cNvPr id="3" name="内容占位符 2"/>
+          <p:cNvSpPr>
+            <a:spLocks noGrp="1"/>
+          </p:cNvSpPr>
+          <p:nvPr>
+            <p:ph idx="1"/>
+          </p:nvPr>
+        </p:nvSpPr>
+        <p:spPr/>
+        <p:txBody>
+          <a:bodyPr/>
+          <a:p>
+            <a:r>
+              <a:rPr lang="en-US" altLang="zh-CN"/>
+              <a:t>References</a:t>
+            </a:r>
+            <a:endParaRPr lang="en-US" altLang="zh-CN"/>
+          </a:p>
+          <a:p>
+            <a:pPr lvl="1"/>
+            <a:r>
+              <a:rPr lang="en-US" altLang="zh-CN"/>
+              <a:t>https://www.freecodecamp.org/news/requiring-modules-in-node-js-everything-you-need-to-know-e7fbd119be8</a:t>
+            </a:r>
+            <a:endParaRPr lang="en-US" altLang="zh-CN"/>
+          </a:p>
+          <a:p>
+            <a:pPr lvl="0"/>
+            <a:r>
+              <a:rPr lang="en-US" altLang="zh-CN"/>
+              <a:t>require(‘module’)</a:t>
+            </a:r>
+            <a:endParaRPr lang="en-US" altLang="zh-CN"/>
+          </a:p>
+          <a:p>
+            <a:pPr lvl="1"/>
+            <a:r>
+              <a:rPr lang="en-US" altLang="zh-CN"/>
+              <a:t>steps: resolving, loading, wrapping, evaluating, caching</a:t>
+            </a:r>
+            <a:endParaRPr lang="en-US" altLang="zh-CN"/>
+          </a:p>
+          <a:p>
+            <a:pPr lvl="1"/>
+            <a:r>
+              <a:rPr lang="en-US" altLang="zh-CN"/>
+              <a:t>resolving</a:t>
+            </a:r>
+            <a:endParaRPr lang="en-US" altLang="zh-CN"/>
+          </a:p>
+          <a:p>
+            <a:pPr lvl="2"/>
+            <a:r>
+              <a:rPr lang="en-US" altLang="zh-CN"/>
+              <a:t>module.paths</a:t>
+            </a:r>
+            <a:endParaRPr lang="en-US" altLang="zh-CN"/>
+          </a:p>
+          <a:p>
+            <a:pPr lvl="2"/>
+            <a:r>
+              <a:rPr lang="en-US" altLang="zh-CN"/>
+              <a:t>index.js is used by default if require a folder</a:t>
+            </a:r>
+            <a:endParaRPr lang="en-US" altLang="zh-CN"/>
+          </a:p>
+          <a:p>
+            <a:pPr lvl="2"/>
+            <a:r>
+              <a:rPr lang="en-US" altLang="zh-CN"/>
+              <a:t>main property in package.json is used if require a folder</a:t>
+            </a:r>
+            <a:endParaRPr lang="en-US" altLang="zh-CN"/>
+          </a:p>
+          <a:p>
+            <a:pPr lvl="1"/>
+            <a:r>
+              <a:rPr lang="en-US" altLang="zh-CN"/>
+              <a:t>require.resolve</a:t>
+            </a:r>
+            <a:endParaRPr lang="en-US" altLang="zh-CN"/>
+          </a:p>
+          <a:p>
+            <a:pPr lvl="2"/>
+            <a:r>
+              <a:rPr lang="en-US" altLang="zh-CN"/>
+              <a:t>Only resolving, no other steps</a:t>
+            </a:r>
+            <a:endParaRPr lang="en-US" altLang="zh-CN"/>
+          </a:p>
+        </p:txBody>
+      </p:sp>
+    </p:spTree>
+    <p:custDataLst>
+      <p:tags r:id="rId1"/>
+    </p:custDataLst>
+  </p:cSld>
+  <p:clrMapOvr>
+    <a:masterClrMapping/>
+  </p:clrMapOvr>
+</p:sld>
+</file>
+
+<file path=ppt/slides/slide17.xml><?xml version="1.0" encoding="utf-8"?>
 <p:sld xmlns:a="http://schemas.openxmlformats.org/drawingml/2006/main" xmlns:r="http://schemas.openxmlformats.org/officeDocument/2006/relationships" xmlns:p="http://schemas.openxmlformats.org/presentationml/2006/main">
   <p:cSld>
     <p:spTree>
@@ -5253,79 +5421,6 @@
 </p:sld>
 </file>
 
-<file path=ppt/slides/slide17.xml><?xml version="1.0" encoding="utf-8"?>
-<p:sld xmlns:a="http://schemas.openxmlformats.org/drawingml/2006/main" xmlns:r="http://schemas.openxmlformats.org/officeDocument/2006/relationships" xmlns:p="http://schemas.openxmlformats.org/presentationml/2006/main">
-  <p:cSld>
-    <p:spTree>
-      <p:nvGrpSpPr>
-        <p:cNvPr id="1" name=""/>
-        <p:cNvGrpSpPr/>
-        <p:nvPr/>
-      </p:nvGrpSpPr>
-      <p:grpSpPr/>
-      <p:sp>
-        <p:nvSpPr>
-          <p:cNvPr id="2" name="标题 1"/>
-          <p:cNvSpPr>
-            <a:spLocks noGrp="1"/>
-          </p:cNvSpPr>
-          <p:nvPr>
-            <p:ph type="title"/>
-          </p:nvPr>
-        </p:nvSpPr>
-        <p:spPr/>
-        <p:txBody>
-          <a:bodyPr/>
-          <a:p>
-            <a:r>
-              <a:rPr lang="en-US" altLang="zh-CN"/>
-              <a:t>Debug</a:t>
-            </a:r>
-            <a:endParaRPr lang="en-US" altLang="zh-CN"/>
-          </a:p>
-        </p:txBody>
-      </p:sp>
-      <p:sp>
-        <p:nvSpPr>
-          <p:cNvPr id="3" name="内容占位符 2"/>
-          <p:cNvSpPr>
-            <a:spLocks noGrp="1"/>
-          </p:cNvSpPr>
-          <p:nvPr>
-            <p:ph idx="1"/>
-          </p:nvPr>
-        </p:nvSpPr>
-        <p:spPr/>
-        <p:txBody>
-          <a:bodyPr/>
-          <a:p>
-            <a:r>
-              <a:rPr lang="zh-CN" altLang="en-US"/>
-              <a:t>set DEBUG=*,-not_this</a:t>
-            </a:r>
-            <a:endParaRPr lang="zh-CN" altLang="en-US"/>
-          </a:p>
-          <a:p>
-            <a:pPr lvl="1"/>
-            <a:r>
-              <a:rPr lang="en-US" altLang="zh-CN"/>
-              <a:t>set DEBUG= to turn off debug output</a:t>
-            </a:r>
-            <a:endParaRPr lang="en-US" altLang="zh-CN"/>
-          </a:p>
-        </p:txBody>
-      </p:sp>
-    </p:spTree>
-    <p:custDataLst>
-      <p:tags r:id="rId1"/>
-    </p:custDataLst>
-  </p:cSld>
-  <p:clrMapOvr>
-    <a:masterClrMapping/>
-  </p:clrMapOvr>
-</p:sld>
-</file>
-
 <file path=ppt/slides/slide18.xml><?xml version="1.0" encoding="utf-8"?>
 <p:sld xmlns:a="http://schemas.openxmlformats.org/drawingml/2006/main" xmlns:r="http://schemas.openxmlformats.org/officeDocument/2006/relationships" xmlns:p="http://schemas.openxmlformats.org/presentationml/2006/main">
   <p:cSld>
@@ -5352,7 +5447,7 @@
           <a:p>
             <a:r>
               <a:rPr lang="en-US" altLang="zh-CN"/>
-              <a:t>FAQ</a:t>
+              <a:t>Debug</a:t>
             </a:r>
             <a:endParaRPr lang="en-US" altLang="zh-CN"/>
           </a:p>
@@ -5373,86 +5468,16 @@
           <a:bodyPr/>
           <a:p>
             <a:r>
-              <a:rPr lang="en-US" altLang="zh-CN"/>
-              <a:t>Error</a:t>
-            </a:r>
-            <a:endParaRPr lang="en-US" altLang="zh-CN"/>
-          </a:p>
-          <a:p>
-            <a:pPr lvl="1"/>
-            <a:r>
-              <a:rPr lang="en-US" altLang="zh-CN"/>
-              <a:t>issue: node/v8-internal.h:492:38: error: ‘remove_cv_t’ is not a member of ‘std’</a:t>
-            </a:r>
-            <a:endParaRPr lang="en-US" altLang="zh-CN"/>
-          </a:p>
-          <a:p>
-            <a:pPr lvl="2"/>
-            <a:r>
-              <a:rPr lang="en-US" altLang="zh-CN"/>
-              <a:t>CXXFLAGS="-std=c++17" npm i</a:t>
-            </a:r>
-            <a:endParaRPr lang="en-US" altLang="zh-CN"/>
-          </a:p>
-          <a:p>
-            <a:pPr lvl="1"/>
-            <a:r>
-              <a:rPr lang="en-US" altLang="zh-CN"/>
-              <a:t>issue: unable to verify the first certificate</a:t>
-            </a:r>
-            <a:endParaRPr lang="en-US" altLang="zh-CN"/>
-          </a:p>
-          <a:p>
-            <a:pPr lvl="2"/>
-            <a:r>
-              <a:rPr lang="en-US" altLang="zh-CN"/>
-              <a:t>change registry = "https://registry.npm.taobao.org/" into “</a:t>
-            </a:r>
-            <a:r>
-              <a:rPr lang="en-US" altLang="zh-CN">
-                <a:sym typeface="+mn-ea"/>
-              </a:rPr>
-              <a:t>http://registry.npm.taobao.org/”</a:t>
-            </a:r>
-            <a:endParaRPr lang="en-US" altLang="zh-CN">
-              <a:sym typeface="+mn-ea"/>
-            </a:endParaRPr>
-          </a:p>
-          <a:p>
-            <a:pPr lvl="1"/>
-            <a:r>
-              <a:rPr lang="en-US" altLang="zh-CN" sz="2000">
-                <a:sym typeface="+mn-ea"/>
-              </a:rPr>
-              <a:t>issue: After upgrade nodejs, npm run build may fail with message like “Node Sass does not yet support your current environment:”</a:t>
-            </a:r>
-            <a:endParaRPr lang="en-US" altLang="zh-CN" sz="2000"/>
-          </a:p>
-          <a:p>
-            <a:pPr lvl="2"/>
-            <a:r>
-              <a:rPr lang="en-US" altLang="zh-CN" sz="2000">
-                <a:sym typeface="+mn-ea"/>
-              </a:rPr>
-              <a:t>run “npm rebuild node-sass”</a:t>
-            </a:r>
-            <a:endParaRPr lang="en-US" altLang="zh-CN" sz="2000">
-              <a:sym typeface="+mn-ea"/>
-            </a:endParaRPr>
-          </a:p>
-          <a:p>
-            <a:pPr lvl="0"/>
-            <a:r>
-              <a:rPr lang="en-US" altLang="zh-CN"/>
-              <a:t>npm common errors</a:t>
-            </a:r>
-            <a:endParaRPr lang="en-US" altLang="zh-CN"/>
-          </a:p>
-          <a:p>
-            <a:pPr lvl="1"/>
-            <a:r>
-              <a:rPr lang="en-US" altLang="zh-CN"/>
-              <a:t>https://docs.npmjs.com/common-errors/</a:t>
+              <a:rPr lang="zh-CN" altLang="en-US"/>
+              <a:t>set DEBUG=*,-not_this</a:t>
+            </a:r>
+            <a:endParaRPr lang="zh-CN" altLang="en-US"/>
+          </a:p>
+          <a:p>
+            <a:pPr lvl="1"/>
+            <a:r>
+              <a:rPr lang="en-US" altLang="zh-CN"/>
+              <a:t>set DEBUG= to turn off debug output</a:t>
             </a:r>
             <a:endParaRPr lang="en-US" altLang="zh-CN"/>
           </a:p>
@@ -5478,14 +5503,7 @@
         <p:cNvGrpSpPr/>
         <p:nvPr/>
       </p:nvGrpSpPr>
-      <p:grpSpPr>
-        <a:xfrm>
-          <a:off x="0" y="0"/>
-          <a:ext cx="0" cy="0"/>
-          <a:chOff x="0" y="0"/>
-          <a:chExt cx="0" cy="0"/>
-        </a:xfrm>
-      </p:grpSpPr>
+      <p:grpSpPr/>
       <p:sp>
         <p:nvSpPr>
           <p:cNvPr id="2" name="标题 1"/>
@@ -5494,67 +5512,258 @@
           </p:cNvSpPr>
           <p:nvPr>
             <p:ph type="title"/>
-            <p:custDataLst>
-              <p:tags r:id="rId1"/>
-            </p:custDataLst>
           </p:nvPr>
         </p:nvSpPr>
         <p:spPr/>
         <p:txBody>
           <a:bodyPr/>
-          <a:lstStyle/>
-          <a:p>
-            <a:r>
-              <a:rPr lang="en-US" altLang="zh-CN" smtClean="0"/>
-              <a:t>THANKS</a:t>
-            </a:r>
-            <a:endParaRPr lang="en-US" altLang="zh-CN" smtClean="0"/>
-          </a:p>
-        </p:txBody>
-      </p:sp>
-      <p:sp>
-        <p:nvSpPr>
-          <p:cNvPr id="3" name="文本占位符 2"/>
-          <p:cNvSpPr>
-            <a:spLocks noGrp="1"/>
-          </p:cNvSpPr>
-          <p:nvPr>
-            <p:ph sz="quarter" idx="13"/>
-            <p:custDataLst>
-              <p:tags r:id="rId2"/>
-            </p:custDataLst>
-          </p:nvPr>
-        </p:nvSpPr>
-        <p:spPr/>
+          <a:p>
+            <a:r>
+              <a:rPr lang="en-US" altLang="zh-CN"/>
+              <a:t>Printer - printer module</a:t>
+            </a:r>
+            <a:endParaRPr lang="en-US" altLang="zh-CN"/>
+          </a:p>
+        </p:txBody>
+      </p:sp>
+      <p:sp>
+        <p:nvSpPr>
+          <p:cNvPr id="3" name="内容占位符 2"/>
+          <p:cNvSpPr>
+            <a:spLocks noGrp="1"/>
+          </p:cNvSpPr>
+          <p:nvPr>
+            <p:ph idx="1"/>
+          </p:nvPr>
+        </p:nvSpPr>
+        <p:spPr>
+          <a:xfrm>
+            <a:off x="838200" y="1211580"/>
+            <a:ext cx="5257800" cy="4549140"/>
+          </a:xfrm>
+        </p:spPr>
         <p:txBody>
           <a:bodyPr>
-            <a:normAutofit/>
+            <a:normAutofit lnSpcReduction="10000"/>
           </a:bodyPr>
-          <a:lstStyle/>
-          <a:p>
-            <a:r>
-              <a:rPr lang="zh-CN" altLang="en-US" smtClean="0"/>
-              <a:t>谢谢聆听</a:t>
-            </a:r>
-            <a:endParaRPr lang="zh-CN" altLang="en-US" smtClean="0"/>
+          <a:p>
+            <a:pPr lvl="0"/>
+            <a:r>
+              <a:rPr lang="en-US" altLang="zh-CN" sz="2000">
+                <a:sym typeface="+mn-ea"/>
+              </a:rPr>
+              <a:t>Install</a:t>
+            </a:r>
+            <a:endParaRPr lang="en-US" altLang="zh-CN" sz="2000"/>
+          </a:p>
+          <a:p>
+            <a:pPr lvl="1"/>
+            <a:r>
+              <a:rPr lang="en-US" altLang="zh-CN" sz="2000">
+                <a:sym typeface="+mn-ea"/>
+              </a:rPr>
+              <a:t>npm install printer --legacy-peer-deps</a:t>
+            </a:r>
+            <a:endParaRPr lang="en-US" altLang="zh-CN" sz="2000"/>
+          </a:p>
+          <a:p>
+            <a:pPr lvl="1"/>
+            <a:r>
+              <a:rPr lang="en-US" altLang="zh-CN" sz="2000"/>
+              <a:t>sudo npm i -g node-gyp</a:t>
+            </a:r>
+            <a:endParaRPr lang="en-US" altLang="zh-CN" sz="2000"/>
+          </a:p>
+          <a:p>
+            <a:pPr lvl="1"/>
+            <a:r>
+              <a:rPr lang="en-US" altLang="zh-CN" sz="2000"/>
+              <a:t>sudo apt install -y libcups2-dev</a:t>
+            </a:r>
+            <a:endParaRPr lang="en-US" altLang="zh-CN" sz="2000"/>
+          </a:p>
+          <a:p>
+            <a:pPr lvl="1"/>
+            <a:r>
+              <a:rPr lang="en-US" altLang="zh-CN" sz="2000"/>
+              <a:t>npm i -D electron-rebuild</a:t>
+            </a:r>
+            <a:endParaRPr lang="en-US" altLang="zh-CN" sz="2000"/>
+          </a:p>
+          <a:p>
+            <a:pPr lvl="1"/>
+            <a:r>
+              <a:rPr lang="en-US" altLang="zh-CN">
+                <a:sym typeface="+mn-ea"/>
+              </a:rPr>
+              <a:t>cd node_modules/printer &amp;&amp; </a:t>
+            </a:r>
+            <a:r>
+              <a:rPr lang="en-US" altLang="zh-CN" sz="2000">
+                <a:sym typeface="+mn-ea"/>
+              </a:rPr>
+              <a:t>node-gyp rebuild --arch=arm64 &amp;&amp; cd ../..</a:t>
+            </a:r>
+            <a:endParaRPr lang="en-US" altLang="zh-CN" sz="2000">
+              <a:sym typeface="+mn-ea"/>
+            </a:endParaRPr>
+          </a:p>
+          <a:p>
+            <a:pPr lvl="1"/>
+            <a:r>
+              <a:rPr lang="en-US" altLang="zh-CN" sz="2000"/>
+              <a:t>node_modules/.bin/electron-rebuild</a:t>
+            </a:r>
+            <a:endParaRPr lang="en-US" altLang="zh-CN" sz="2000"/>
+          </a:p>
+          <a:p>
+            <a:pPr lvl="0"/>
+            <a:r>
+              <a:rPr lang="en-US" altLang="zh-CN"/>
+              <a:t>Usage</a:t>
+            </a:r>
+            <a:endParaRPr lang="en-US" altLang="zh-CN"/>
+          </a:p>
+          <a:p>
+            <a:pPr lvl="1"/>
+            <a:r>
+              <a:rPr lang="en-US" altLang="zh-CN"/>
+              <a:t>const printer = require('printer')</a:t>
+            </a:r>
+            <a:endParaRPr lang="en-US" altLang="zh-CN"/>
+          </a:p>
+          <a:p>
+            <a:pPr lvl="1"/>
+            <a:r>
+              <a:rPr lang="en-US" altLang="zh-CN"/>
+              <a:t>printer.getPrinters()</a:t>
+            </a:r>
+            <a:endParaRPr lang="en-US" altLang="zh-CN"/>
+          </a:p>
+          <a:p>
+            <a:pPr lvl="1"/>
+            <a:r>
+              <a:rPr lang="en-US" altLang="zh-CN"/>
+              <a:t>printer.printDirect(options)</a:t>
+            </a:r>
+            <a:endParaRPr lang="en-US" altLang="zh-CN"/>
+          </a:p>
+          <a:p>
+            <a:pPr lvl="1"/>
+            <a:r>
+              <a:rPr lang="en-US" altLang="zh-CN"/>
+              <a:t>printer.printFile(options)</a:t>
+            </a:r>
+            <a:endParaRPr lang="en-US" altLang="zh-CN"/>
+          </a:p>
+          <a:p>
+            <a:pPr lvl="1"/>
+            <a:r>
+              <a:rPr lang="en-US" altLang="zh-CN"/>
+              <a:t>printer.getSupportedPrintFormats()</a:t>
+            </a:r>
+            <a:endParaRPr lang="en-US" altLang="zh-CN"/>
+          </a:p>
+        </p:txBody>
+      </p:sp>
+      <p:sp>
+        <p:nvSpPr>
+          <p:cNvPr id="4" name="文本框 3"/>
+          <p:cNvSpPr txBox="1"/>
+          <p:nvPr/>
+        </p:nvSpPr>
+        <p:spPr>
+          <a:xfrm>
+            <a:off x="6880225" y="1483995"/>
+            <a:ext cx="4502150" cy="3138170"/>
+          </a:xfrm>
+          <a:prstGeom prst="rect">
+            <a:avLst/>
+          </a:prstGeom>
+          <a:noFill/>
+          <a:ln>
+            <a:solidFill>
+              <a:srgbClr val="C00000"/>
+            </a:solidFill>
+          </a:ln>
+        </p:spPr>
+        <p:txBody>
+          <a:bodyPr wrap="square" rtlCol="0">
+            <a:spAutoFit/>
+          </a:bodyPr>
+          <a:p>
+            <a:r>
+              <a:rPr lang="zh-CN" altLang="en-US"/>
+              <a:t>printer.printFile({filename:filename,</a:t>
+            </a:r>
+            <a:endParaRPr lang="zh-CN" altLang="en-US"/>
+          </a:p>
+          <a:p>
+            <a:r>
+              <a:rPr lang="zh-CN" altLang="en-US"/>
+              <a:t>    printer: process.env[3], // printer name, if missing then will print to default printer</a:t>
+            </a:r>
+            <a:endParaRPr lang="zh-CN" altLang="en-US"/>
+          </a:p>
+          <a:p>
+            <a:r>
+              <a:rPr lang="zh-CN" altLang="en-US"/>
+              <a:t>    success:function(jobID){</a:t>
+            </a:r>
+            <a:endParaRPr lang="zh-CN" altLang="en-US"/>
+          </a:p>
+          <a:p>
+            <a:r>
+              <a:rPr lang="zh-CN" altLang="en-US"/>
+              <a:t>      console.log("sent to printer with ID: "+jobID);</a:t>
+            </a:r>
+            <a:endParaRPr lang="zh-CN" altLang="en-US"/>
+          </a:p>
+          <a:p>
+            <a:r>
+              <a:rPr lang="zh-CN" altLang="en-US"/>
+              <a:t>    },</a:t>
+            </a:r>
+            <a:endParaRPr lang="zh-CN" altLang="en-US"/>
+          </a:p>
+          <a:p>
+            <a:r>
+              <a:rPr lang="zh-CN" altLang="en-US"/>
+              <a:t>    error:function(err){</a:t>
+            </a:r>
+            <a:endParaRPr lang="zh-CN" altLang="en-US"/>
+          </a:p>
+          <a:p>
+            <a:r>
+              <a:rPr lang="zh-CN" altLang="en-US"/>
+              <a:t>      console.log(err);</a:t>
+            </a:r>
+            <a:endParaRPr lang="zh-CN" altLang="en-US"/>
+          </a:p>
+          <a:p>
+            <a:r>
+              <a:rPr lang="zh-CN" altLang="en-US"/>
+              <a:t>    }</a:t>
+            </a:r>
+            <a:endParaRPr lang="zh-CN" altLang="en-US"/>
+          </a:p>
+          <a:p>
+            <a:r>
+              <a:rPr lang="zh-CN" altLang="en-US"/>
+              <a:t>  });</a:t>
+            </a:r>
+            <a:endParaRPr lang="zh-CN" altLang="en-US"/>
           </a:p>
         </p:txBody>
       </p:sp>
     </p:spTree>
     <p:custDataLst>
-      <p:tags r:id="rId3"/>
+      <p:tags r:id="rId1"/>
     </p:custDataLst>
   </p:cSld>
   <p:clrMapOvr>
     <a:masterClrMapping/>
   </p:clrMapOvr>
-  <p:timing>
-    <p:tnLst>
-      <p:par>
-        <p:cTn id="1" dur="indefinite" restart="never" nodeType="tmRoot"/>
-      </p:par>
-    </p:tnLst>
-  </p:timing>
 </p:sld>
 </file>
 
@@ -5782,6 +5991,593 @@
 </p:sld>
 </file>
 
+<file path=ppt/slides/slide20.xml><?xml version="1.0" encoding="utf-8"?>
+<p:sld xmlns:a="http://schemas.openxmlformats.org/drawingml/2006/main" xmlns:r="http://schemas.openxmlformats.org/officeDocument/2006/relationships" xmlns:p="http://schemas.openxmlformats.org/presentationml/2006/main">
+  <p:cSld>
+    <p:spTree>
+      <p:nvGrpSpPr>
+        <p:cNvPr id="1" name=""/>
+        <p:cNvGrpSpPr/>
+        <p:nvPr/>
+      </p:nvGrpSpPr>
+      <p:grpSpPr/>
+      <p:sp>
+        <p:nvSpPr>
+          <p:cNvPr id="2" name="标题 1"/>
+          <p:cNvSpPr>
+            <a:spLocks noGrp="1"/>
+          </p:cNvSpPr>
+          <p:nvPr>
+            <p:ph type="title"/>
+          </p:nvPr>
+        </p:nvSpPr>
+        <p:spPr/>
+        <p:txBody>
+          <a:bodyPr/>
+          <a:p>
+            <a:r>
+              <a:rPr lang="en-US" altLang="zh-CN"/>
+              <a:t>Printing</a:t>
+            </a:r>
+            <a:endParaRPr lang="en-US" altLang="zh-CN"/>
+          </a:p>
+        </p:txBody>
+      </p:sp>
+      <p:sp>
+        <p:nvSpPr>
+          <p:cNvPr id="3" name="内容占位符 2"/>
+          <p:cNvSpPr>
+            <a:spLocks noGrp="1"/>
+          </p:cNvSpPr>
+          <p:nvPr>
+            <p:ph idx="1"/>
+          </p:nvPr>
+        </p:nvSpPr>
+        <p:spPr>
+          <a:xfrm>
+            <a:off x="838200" y="1211580"/>
+            <a:ext cx="5808345" cy="5200015"/>
+          </a:xfrm>
+        </p:spPr>
+        <p:txBody>
+          <a:bodyPr>
+            <a:normAutofit fontScale="80000"/>
+          </a:bodyPr>
+          <a:p>
+            <a:r>
+              <a:rPr lang="en-US" altLang="zh-CN"/>
+              <a:t>References</a:t>
+            </a:r>
+            <a:endParaRPr lang="en-US" altLang="zh-CN"/>
+          </a:p>
+          <a:p>
+            <a:pPr lvl="1"/>
+            <a:r>
+              <a:rPr lang="en-US" altLang="zh-CN"/>
+              <a:t>https://github.com/tojocky/node-printer</a:t>
+            </a:r>
+            <a:endParaRPr lang="en-US" altLang="zh-CN"/>
+          </a:p>
+          <a:p>
+            <a:pPr lvl="1"/>
+            <a:r>
+              <a:rPr lang="en-US" altLang="zh-CN"/>
+              <a:t>https://marketsplash.com/tutorials/all/node-js-printing/</a:t>
+            </a:r>
+            <a:endParaRPr lang="en-US" altLang="zh-CN"/>
+          </a:p>
+          <a:p>
+            <a:pPr lvl="1"/>
+            <a:r>
+              <a:rPr lang="en-US" altLang="zh-CN"/>
+              <a:t>https://github.com/watson/ipp-printer</a:t>
+            </a:r>
+            <a:endParaRPr lang="en-US" altLang="zh-CN"/>
+          </a:p>
+          <a:p>
+            <a:pPr lvl="1"/>
+            <a:r>
+              <a:rPr lang="en-US" altLang="zh-CN"/>
+              <a:t>https://github.com/southlondonmakerspace/photo-printer</a:t>
+            </a:r>
+            <a:endParaRPr lang="en-US" altLang="zh-CN"/>
+          </a:p>
+          <a:p>
+            <a:pPr lvl="0"/>
+            <a:r>
+              <a:rPr lang="en-US" altLang="zh-CN"/>
+              <a:t>pdfkit</a:t>
+            </a:r>
+            <a:endParaRPr lang="en-US" altLang="zh-CN"/>
+          </a:p>
+          <a:p>
+            <a:pPr lvl="1"/>
+            <a:r>
+              <a:rPr lang="en-US" altLang="zh-CN" sz="2000"/>
+              <a:t>yarn add pdfkit</a:t>
+            </a:r>
+            <a:endParaRPr lang="en-US" altLang="zh-CN"/>
+          </a:p>
+          <a:p>
+            <a:pPr lvl="0"/>
+            <a:r>
+              <a:rPr lang="en-US" altLang="zh-CN"/>
+              <a:t>node-printer</a:t>
+            </a:r>
+            <a:endParaRPr lang="en-US" altLang="zh-CN"/>
+          </a:p>
+          <a:p>
+            <a:pPr lvl="1"/>
+            <a:r>
+              <a:rPr lang="en-US" altLang="zh-CN"/>
+              <a:t>yarn add node-printer</a:t>
+            </a:r>
+            <a:endParaRPr lang="en-US" altLang="zh-CN"/>
+          </a:p>
+          <a:p>
+            <a:pPr lvl="1"/>
+            <a:r>
+              <a:rPr lang="zh-CN" altLang="en-US">
+                <a:sym typeface="+mn-ea"/>
+              </a:rPr>
+              <a:t>const printer = require('node-printer');</a:t>
+            </a:r>
+            <a:endParaRPr lang="zh-CN" altLang="en-US"/>
+          </a:p>
+          <a:p>
+            <a:pPr lvl="1"/>
+            <a:r>
+              <a:rPr lang="en-US" altLang="zh-CN"/>
+              <a:t>const printers = printer.list()</a:t>
+            </a:r>
+            <a:endParaRPr lang="en-US" altLang="zh-CN"/>
+          </a:p>
+          <a:p>
+            <a:pPr lvl="1"/>
+            <a:r>
+              <a:rPr lang="en-US" altLang="zh-CN"/>
+              <a:t>printer.setDefault(‘Printer_Name’)</a:t>
+            </a:r>
+            <a:endParaRPr lang="en-US" altLang="zh-CN"/>
+          </a:p>
+          <a:p>
+            <a:pPr lvl="1"/>
+            <a:r>
+              <a:rPr lang="en-US" altLang="zh-CN">
+                <a:sym typeface="+mn-ea"/>
+              </a:rPr>
+              <a:t>const job=printer.print(‘filename’, options)</a:t>
+            </a:r>
+            <a:endParaRPr lang="en-US" altLang="zh-CN">
+              <a:sym typeface="+mn-ea"/>
+            </a:endParaRPr>
+          </a:p>
+          <a:p>
+            <a:pPr lvl="1"/>
+            <a:r>
+              <a:rPr lang="en-US" altLang="zh-CN"/>
+              <a:t>const jobInfo = printer.getJob('Printer_Name', job.id);</a:t>
+            </a:r>
+            <a:endParaRPr lang="en-US" altLang="zh-CN"/>
+          </a:p>
+          <a:p>
+            <a:pPr lvl="0"/>
+            <a:r>
+              <a:rPr lang="en-US" altLang="zh-CN"/>
+              <a:t>ipp-printer</a:t>
+            </a:r>
+            <a:endParaRPr lang="en-US" altLang="zh-CN"/>
+          </a:p>
+          <a:p>
+            <a:pPr lvl="1"/>
+            <a:r>
+              <a:rPr lang="en-US" altLang="zh-CN"/>
+              <a:t>yarn add ipp-printer</a:t>
+            </a:r>
+            <a:endParaRPr lang="en-US" altLang="zh-CN"/>
+          </a:p>
+        </p:txBody>
+      </p:sp>
+      <p:pic>
+        <p:nvPicPr>
+          <p:cNvPr id="101" name="图片 100"/>
+          <p:cNvPicPr/>
+          <p:nvPr/>
+        </p:nvPicPr>
+        <p:blipFill>
+          <a:blip r:embed="rId1"/>
+          <a:stretch>
+            <a:fillRect/>
+          </a:stretch>
+        </p:blipFill>
+        <p:spPr>
+          <a:xfrm>
+            <a:off x="6904038" y="914717"/>
+            <a:ext cx="2102485" cy="4792345"/>
+          </a:xfrm>
+          <a:prstGeom prst="rect">
+            <a:avLst/>
+          </a:prstGeom>
+          <a:noFill/>
+          <a:ln w="9525">
+            <a:noFill/>
+          </a:ln>
+        </p:spPr>
+      </p:pic>
+      <p:sp>
+        <p:nvSpPr>
+          <p:cNvPr id="7" name="文本框 6"/>
+          <p:cNvSpPr txBox="1"/>
+          <p:nvPr/>
+        </p:nvSpPr>
+        <p:spPr>
+          <a:xfrm>
+            <a:off x="9265285" y="1052830"/>
+            <a:ext cx="2653030" cy="1599565"/>
+          </a:xfrm>
+          <a:prstGeom prst="rect">
+            <a:avLst/>
+          </a:prstGeom>
+          <a:noFill/>
+          <a:ln>
+            <a:solidFill>
+              <a:srgbClr val="C00000"/>
+            </a:solidFill>
+          </a:ln>
+        </p:spPr>
+        <p:txBody>
+          <a:bodyPr wrap="square" rtlCol="0">
+            <a:spAutoFit/>
+          </a:bodyPr>
+          <a:p>
+            <a:r>
+              <a:rPr lang="zh-CN" altLang="en-US" sz="1400"/>
+              <a:t>const PDFDocument = require('pdfkit');</a:t>
+            </a:r>
+            <a:endParaRPr lang="zh-CN" altLang="en-US" sz="1400"/>
+          </a:p>
+          <a:p>
+            <a:r>
+              <a:rPr lang="zh-CN" altLang="en-US" sz="1400"/>
+              <a:t>let doc = new PDFDocument();</a:t>
+            </a:r>
+            <a:endParaRPr lang="zh-CN" altLang="en-US" sz="1400"/>
+          </a:p>
+          <a:p>
+            <a:r>
+              <a:rPr lang="zh-CN" altLang="en-US" sz="1400"/>
+              <a:t>doc.text('Hello from Node.js!');</a:t>
+            </a:r>
+            <a:endParaRPr lang="zh-CN" altLang="en-US" sz="1400"/>
+          </a:p>
+          <a:p>
+            <a:r>
+              <a:rPr lang="zh-CN" altLang="en-US" sz="1400"/>
+              <a:t>doc.pipe(fs.createWriteStream('output.pdf'));</a:t>
+            </a:r>
+            <a:endParaRPr lang="zh-CN" altLang="en-US" sz="1400"/>
+          </a:p>
+          <a:p>
+            <a:r>
+              <a:rPr lang="zh-CN" altLang="en-US" sz="1400"/>
+              <a:t>doc.end();</a:t>
+            </a:r>
+            <a:endParaRPr lang="zh-CN" altLang="en-US" sz="1400"/>
+          </a:p>
+        </p:txBody>
+      </p:sp>
+      <p:sp>
+        <p:nvSpPr>
+          <p:cNvPr id="8" name="文本框 7"/>
+          <p:cNvSpPr txBox="1"/>
+          <p:nvPr/>
+        </p:nvSpPr>
+        <p:spPr>
+          <a:xfrm>
+            <a:off x="9264650" y="2853055"/>
+            <a:ext cx="2653030" cy="1814830"/>
+          </a:xfrm>
+          <a:prstGeom prst="rect">
+            <a:avLst/>
+          </a:prstGeom>
+          <a:noFill/>
+          <a:ln>
+            <a:solidFill>
+              <a:srgbClr val="C00000"/>
+            </a:solidFill>
+          </a:ln>
+        </p:spPr>
+        <p:txBody>
+          <a:bodyPr wrap="square" rtlCol="0">
+            <a:spAutoFit/>
+          </a:bodyPr>
+          <a:p>
+            <a:r>
+              <a:rPr lang="zh-CN" altLang="en-US" sz="1400"/>
+              <a:t>const printer = require('node-printer');</a:t>
+            </a:r>
+            <a:endParaRPr lang="zh-CN" altLang="en-US" sz="1400"/>
+          </a:p>
+          <a:p>
+            <a:r>
+              <a:rPr lang="zh-CN" altLang="en-US" sz="1400"/>
+              <a:t>const options = {</a:t>
+            </a:r>
+            <a:endParaRPr lang="zh-CN" altLang="en-US" sz="1400"/>
+          </a:p>
+          <a:p>
+            <a:r>
+              <a:rPr lang="zh-CN" altLang="en-US" sz="1400"/>
+              <a:t>  media: 'A4',</a:t>
+            </a:r>
+            <a:endParaRPr lang="zh-CN" altLang="en-US" sz="1400"/>
+          </a:p>
+          <a:p>
+            <a:r>
+              <a:rPr lang="zh-CN" altLang="en-US" sz="1400"/>
+              <a:t>  n: 1</a:t>
+            </a:r>
+            <a:endParaRPr lang="zh-CN" altLang="en-US" sz="1400"/>
+          </a:p>
+          <a:p>
+            <a:r>
+              <a:rPr lang="zh-CN" altLang="en-US" sz="1400"/>
+              <a:t>};</a:t>
+            </a:r>
+            <a:endParaRPr lang="zh-CN" altLang="en-US" sz="1400"/>
+          </a:p>
+          <a:p>
+            <a:r>
+              <a:rPr lang="zh-CN" altLang="en-US" sz="1400"/>
+              <a:t>printer.print('path-to-file.txt', options);</a:t>
+            </a:r>
+            <a:endParaRPr lang="zh-CN" altLang="en-US" sz="1400"/>
+          </a:p>
+        </p:txBody>
+      </p:sp>
+    </p:spTree>
+    <p:custDataLst>
+      <p:tags r:id="rId2"/>
+    </p:custDataLst>
+  </p:cSld>
+  <p:clrMapOvr>
+    <a:masterClrMapping/>
+  </p:clrMapOvr>
+</p:sld>
+</file>
+
+<file path=ppt/slides/slide21.xml><?xml version="1.0" encoding="utf-8"?>
+<p:sld xmlns:a="http://schemas.openxmlformats.org/drawingml/2006/main" xmlns:r="http://schemas.openxmlformats.org/officeDocument/2006/relationships" xmlns:p="http://schemas.openxmlformats.org/presentationml/2006/main">
+  <p:cSld>
+    <p:spTree>
+      <p:nvGrpSpPr>
+        <p:cNvPr id="1" name=""/>
+        <p:cNvGrpSpPr/>
+        <p:nvPr/>
+      </p:nvGrpSpPr>
+      <p:grpSpPr/>
+      <p:sp>
+        <p:nvSpPr>
+          <p:cNvPr id="2" name="标题 1"/>
+          <p:cNvSpPr>
+            <a:spLocks noGrp="1"/>
+          </p:cNvSpPr>
+          <p:nvPr>
+            <p:ph type="title"/>
+          </p:nvPr>
+        </p:nvSpPr>
+        <p:spPr/>
+        <p:txBody>
+          <a:bodyPr/>
+          <a:p>
+            <a:r>
+              <a:rPr lang="en-US" altLang="zh-CN"/>
+              <a:t>FAQ</a:t>
+            </a:r>
+            <a:endParaRPr lang="en-US" altLang="zh-CN"/>
+          </a:p>
+        </p:txBody>
+      </p:sp>
+      <p:sp>
+        <p:nvSpPr>
+          <p:cNvPr id="3" name="内容占位符 2"/>
+          <p:cNvSpPr>
+            <a:spLocks noGrp="1"/>
+          </p:cNvSpPr>
+          <p:nvPr>
+            <p:ph idx="1"/>
+          </p:nvPr>
+        </p:nvSpPr>
+        <p:spPr/>
+        <p:txBody>
+          <a:bodyPr/>
+          <a:p>
+            <a:r>
+              <a:rPr lang="en-US" altLang="zh-CN"/>
+              <a:t>Error</a:t>
+            </a:r>
+            <a:endParaRPr lang="en-US" altLang="zh-CN"/>
+          </a:p>
+          <a:p>
+            <a:pPr lvl="1"/>
+            <a:r>
+              <a:rPr lang="en-US" altLang="zh-CN"/>
+              <a:t>issue: node/v8-internal.h:492:38: error: ‘remove_cv_t’ is not a member of ‘std’</a:t>
+            </a:r>
+            <a:endParaRPr lang="en-US" altLang="zh-CN"/>
+          </a:p>
+          <a:p>
+            <a:pPr lvl="2"/>
+            <a:r>
+              <a:rPr lang="en-US" altLang="zh-CN"/>
+              <a:t>CXXFLAGS="-std=c++17" npm i</a:t>
+            </a:r>
+            <a:endParaRPr lang="en-US" altLang="zh-CN"/>
+          </a:p>
+          <a:p>
+            <a:pPr lvl="1"/>
+            <a:r>
+              <a:rPr lang="en-US" altLang="zh-CN"/>
+              <a:t>issue: unable to verify the first certificate</a:t>
+            </a:r>
+            <a:endParaRPr lang="en-US" altLang="zh-CN"/>
+          </a:p>
+          <a:p>
+            <a:pPr lvl="2"/>
+            <a:r>
+              <a:rPr lang="en-US" altLang="zh-CN"/>
+              <a:t>change registry = "https://registry.npm.taobao.org/" into “</a:t>
+            </a:r>
+            <a:r>
+              <a:rPr lang="en-US" altLang="zh-CN">
+                <a:sym typeface="+mn-ea"/>
+              </a:rPr>
+              <a:t>http://registry.npm.taobao.org/”</a:t>
+            </a:r>
+            <a:endParaRPr lang="en-US" altLang="zh-CN">
+              <a:sym typeface="+mn-ea"/>
+            </a:endParaRPr>
+          </a:p>
+          <a:p>
+            <a:pPr lvl="1"/>
+            <a:r>
+              <a:rPr lang="en-US" altLang="zh-CN" sz="2000">
+                <a:sym typeface="+mn-ea"/>
+              </a:rPr>
+              <a:t>issue: After upgrade nodejs, npm run build may fail with message like “Node Sass does not yet support your current environment:”</a:t>
+            </a:r>
+            <a:endParaRPr lang="en-US" altLang="zh-CN" sz="2000"/>
+          </a:p>
+          <a:p>
+            <a:pPr lvl="2"/>
+            <a:r>
+              <a:rPr lang="en-US" altLang="zh-CN" sz="2000">
+                <a:sym typeface="+mn-ea"/>
+              </a:rPr>
+              <a:t>run “npm rebuild node-sass”</a:t>
+            </a:r>
+            <a:endParaRPr lang="en-US" altLang="zh-CN" sz="2000">
+              <a:sym typeface="+mn-ea"/>
+            </a:endParaRPr>
+          </a:p>
+          <a:p>
+            <a:pPr lvl="0"/>
+            <a:r>
+              <a:rPr lang="en-US" altLang="zh-CN"/>
+              <a:t>npm common errors</a:t>
+            </a:r>
+            <a:endParaRPr lang="en-US" altLang="zh-CN"/>
+          </a:p>
+          <a:p>
+            <a:pPr lvl="1"/>
+            <a:r>
+              <a:rPr lang="en-US" altLang="zh-CN"/>
+              <a:t>https://docs.npmjs.com/common-errors/</a:t>
+            </a:r>
+            <a:endParaRPr lang="en-US" altLang="zh-CN"/>
+          </a:p>
+        </p:txBody>
+      </p:sp>
+    </p:spTree>
+    <p:custDataLst>
+      <p:tags r:id="rId1"/>
+    </p:custDataLst>
+  </p:cSld>
+  <p:clrMapOvr>
+    <a:masterClrMapping/>
+  </p:clrMapOvr>
+</p:sld>
+</file>
+
+<file path=ppt/slides/slide22.xml><?xml version="1.0" encoding="utf-8"?>
+<p:sld xmlns:a="http://schemas.openxmlformats.org/drawingml/2006/main" xmlns:r="http://schemas.openxmlformats.org/officeDocument/2006/relationships" xmlns:p="http://schemas.openxmlformats.org/presentationml/2006/main">
+  <p:cSld>
+    <p:spTree>
+      <p:nvGrpSpPr>
+        <p:cNvPr id="1" name=""/>
+        <p:cNvGrpSpPr/>
+        <p:nvPr/>
+      </p:nvGrpSpPr>
+      <p:grpSpPr>
+        <a:xfrm>
+          <a:off x="0" y="0"/>
+          <a:ext cx="0" cy="0"/>
+          <a:chOff x="0" y="0"/>
+          <a:chExt cx="0" cy="0"/>
+        </a:xfrm>
+      </p:grpSpPr>
+      <p:sp>
+        <p:nvSpPr>
+          <p:cNvPr id="2" name="标题 1"/>
+          <p:cNvSpPr>
+            <a:spLocks noGrp="1"/>
+          </p:cNvSpPr>
+          <p:nvPr>
+            <p:ph type="title"/>
+            <p:custDataLst>
+              <p:tags r:id="rId1"/>
+            </p:custDataLst>
+          </p:nvPr>
+        </p:nvSpPr>
+        <p:spPr/>
+        <p:txBody>
+          <a:bodyPr/>
+          <a:lstStyle/>
+          <a:p>
+            <a:r>
+              <a:rPr lang="en-US" altLang="zh-CN" smtClean="0"/>
+              <a:t>THANKS</a:t>
+            </a:r>
+            <a:endParaRPr lang="en-US" altLang="zh-CN" smtClean="0"/>
+          </a:p>
+        </p:txBody>
+      </p:sp>
+      <p:sp>
+        <p:nvSpPr>
+          <p:cNvPr id="3" name="文本占位符 2"/>
+          <p:cNvSpPr>
+            <a:spLocks noGrp="1"/>
+          </p:cNvSpPr>
+          <p:nvPr>
+            <p:ph sz="quarter" idx="13"/>
+            <p:custDataLst>
+              <p:tags r:id="rId2"/>
+            </p:custDataLst>
+          </p:nvPr>
+        </p:nvSpPr>
+        <p:spPr/>
+        <p:txBody>
+          <a:bodyPr>
+            <a:normAutofit/>
+          </a:bodyPr>
+          <a:lstStyle/>
+          <a:p>
+            <a:r>
+              <a:rPr lang="zh-CN" altLang="en-US" smtClean="0"/>
+              <a:t>谢谢聆听</a:t>
+            </a:r>
+            <a:endParaRPr lang="zh-CN" altLang="en-US" smtClean="0"/>
+          </a:p>
+        </p:txBody>
+      </p:sp>
+    </p:spTree>
+    <p:custDataLst>
+      <p:tags r:id="rId3"/>
+    </p:custDataLst>
+  </p:cSld>
+  <p:clrMapOvr>
+    <a:masterClrMapping/>
+  </p:clrMapOvr>
+  <p:timing>
+    <p:tnLst>
+      <p:par>
+        <p:cTn id="1" dur="indefinite" restart="never" nodeType="tmRoot"/>
+      </p:par>
+    </p:tnLst>
+  </p:timing>
+</p:sld>
+</file>
+
 <file path=ppt/slides/slide3.xml><?xml version="1.0" encoding="utf-8"?>
 <p:sld xmlns:a="http://schemas.openxmlformats.org/drawingml/2006/main" xmlns:r="http://schemas.openxmlformats.org/officeDocument/2006/relationships" xmlns:p="http://schemas.openxmlformats.org/presentationml/2006/main">
   <p:cSld>
@@ -5996,7 +6792,7 @@
         <p:spPr>
           <a:xfrm>
             <a:off x="838200" y="1211580"/>
-            <a:ext cx="6924675" cy="5036820"/>
+            <a:ext cx="5975985" cy="5036820"/>
           </a:xfrm>
         </p:spPr>
         <p:txBody>
@@ -7270,7 +8066,7 @@
         <p:spPr>
           <a:xfrm>
             <a:off x="838200" y="1211580"/>
-            <a:ext cx="5819140" cy="5416550"/>
+            <a:ext cx="4784725" cy="4755515"/>
           </a:xfrm>
         </p:spPr>
         <p:txBody>
@@ -7279,202 +8075,50 @@
           </a:bodyPr>
           <a:p>
             <a:r>
+              <a:rPr lang="en-US" altLang="zh-CN" sz="1600"/>
+              <a:t>References</a:t>
+            </a:r>
+            <a:endParaRPr lang="en-US" altLang="zh-CN" sz="1600"/>
+          </a:p>
+          <a:p>
+            <a:pPr lvl="1"/>
+            <a:r>
               <a:rPr lang="en-US" altLang="zh-CN" sz="1400"/>
-              <a:t>npm</a:t>
+              <a:t>https://docs.npmjs.com/common-errors</a:t>
             </a:r>
             <a:endParaRPr lang="en-US" altLang="zh-CN" sz="1400"/>
           </a:p>
           <a:p>
-            <a:pPr lvl="1"/>
-            <a:r>
-              <a:rPr lang="en-US" altLang="zh-CN" sz="1200" b="1"/>
-              <a:t>npm config list  // ~/.npmrc,  ~/.npm/_logs/</a:t>
-            </a:r>
-            <a:endParaRPr lang="en-US" altLang="zh-CN" sz="1200" b="1"/>
-          </a:p>
-          <a:p>
-            <a:pPr lvl="1"/>
-            <a:r>
-              <a:rPr lang="en-US" altLang="zh-CN" sz="1200">
+            <a:pPr lvl="0"/>
+            <a:r>
+              <a:rPr lang="en-US" altLang="zh-CN" sz="1600">
                 <a:sym typeface="+mn-ea"/>
               </a:rPr>
-              <a:t>npm config set registry https://registry.npm.taobao.org/</a:t>
-            </a:r>
-            <a:endParaRPr lang="en-US" altLang="zh-CN" sz="1200">
+              <a:t>Clean up packages</a:t>
+            </a:r>
+            <a:endParaRPr lang="en-US" altLang="zh-CN" sz="1600">
               <a:sym typeface="+mn-ea"/>
             </a:endParaRPr>
           </a:p>
           <a:p>
             <a:pPr lvl="1"/>
             <a:r>
-              <a:rPr lang="en-US" altLang="zh-CN" sz="1200"/>
-              <a:t>npm config set registry https://registry.npmjs.org/</a:t>
-            </a:r>
-            <a:endParaRPr lang="en-US" altLang="zh-CN" sz="1200"/>
-          </a:p>
-          <a:p>
-            <a:pPr lvl="1"/>
-            <a:r>
-              <a:rPr lang="en-US" altLang="zh-CN" sz="1200">
+              <a:rPr lang="en-US" altLang="zh-CN" sz="1400">
                 <a:sym typeface="+mn-ea"/>
               </a:rPr>
-              <a:t>npm config get</a:t>
-            </a:r>
-            <a:endParaRPr lang="en-US" altLang="zh-CN" sz="1200"/>
-          </a:p>
-          <a:p>
-            <a:pPr lvl="1"/>
-            <a:r>
-              <a:rPr lang="en-US" altLang="zh-CN" sz="1200"/>
-              <a:t>npm view {package} versions	// list versions of a package</a:t>
-            </a:r>
-            <a:endParaRPr lang="en-US" altLang="zh-CN" sz="1200"/>
-          </a:p>
-          <a:p>
-            <a:pPr lvl="1"/>
-            <a:r>
-              <a:rPr lang="en-US" altLang="zh-CN" sz="1200"/>
-              <a:t>npm install -g &lt;package-name&gt;@version-number</a:t>
-            </a:r>
-            <a:endParaRPr lang="en-US" altLang="zh-CN" sz="1200"/>
-          </a:p>
-          <a:p>
-            <a:pPr lvl="1"/>
-            <a:r>
-              <a:rPr lang="en-US" altLang="zh-CN" sz="1200"/>
-              <a:t>npm uninstall &lt;package-name&gt;@latest</a:t>
-            </a:r>
-            <a:endParaRPr lang="en-US" altLang="zh-CN" sz="1200"/>
-          </a:p>
-          <a:p>
-            <a:pPr lvl="1"/>
-            <a:r>
-              <a:rPr lang="en-US" altLang="zh-CN" sz="1200"/>
-              <a:t>npm list -g		// list installed packages</a:t>
-            </a:r>
-            <a:endParaRPr lang="en-US" altLang="zh-CN" sz="1200"/>
-          </a:p>
-          <a:p>
-            <a:pPr lvl="1"/>
-            <a:r>
-              <a:rPr lang="en-US" altLang="zh-CN" sz="1200"/>
-              <a:t>npm outdated	// list outdated packages</a:t>
-            </a:r>
-            <a:endParaRPr lang="en-US" altLang="zh-CN" sz="1200"/>
-          </a:p>
-          <a:p>
-            <a:pPr lvl="1"/>
-            <a:r>
-              <a:rPr lang="en-US" altLang="zh-CN" sz="1200"/>
-              <a:t>npm update	// update all packages with newer minor version listed in package.json</a:t>
-            </a:r>
-            <a:endParaRPr lang="en-US" altLang="zh-CN" sz="1200"/>
-          </a:p>
-          <a:p>
-            <a:pPr lvl="1"/>
-            <a:r>
-              <a:rPr lang="en-US" altLang="zh-CN" sz="1200"/>
-              <a:t>npm update &lt;package-name&gt;</a:t>
-            </a:r>
-            <a:endParaRPr lang="en-US" altLang="zh-CN" sz="1200"/>
-          </a:p>
-          <a:p>
-            <a:pPr lvl="1"/>
-            <a:r>
-              <a:rPr lang="en-US" altLang="zh-CN" sz="1200"/>
-              <a:t>npm search &lt;keyword&gt;</a:t>
-            </a:r>
-            <a:endParaRPr lang="en-US" altLang="zh-CN" sz="1200"/>
-          </a:p>
-          <a:p>
-            <a:pPr lvl="1"/>
-            <a:r>
-              <a:rPr lang="en-US" altLang="zh-CN" sz="1200"/>
-              <a:t>npm cache clean</a:t>
-            </a:r>
-            <a:endParaRPr lang="en-US" altLang="zh-CN" sz="1200"/>
-          </a:p>
-          <a:p>
-            <a:pPr lvl="1"/>
-            <a:r>
-              <a:rPr lang="en-US" altLang="zh-CN" sz="1200"/>
-              <a:t>npm install -g cnpm --registry=https://registry.npm.taobao.org</a:t>
-            </a:r>
-            <a:endParaRPr lang="en-US" altLang="zh-CN" sz="1200"/>
-          </a:p>
-          <a:p>
-            <a:pPr lvl="1"/>
-            <a:r>
-              <a:rPr lang="en-US" altLang="zh-CN" sz="1200"/>
-              <a:t>cnpm install ...</a:t>
-            </a:r>
-            <a:endParaRPr lang="en-US" altLang="zh-CN" sz="1200"/>
-          </a:p>
-          <a:p>
-            <a:pPr lvl="1"/>
-            <a:r>
-              <a:rPr lang="en-US" altLang="zh-CN" sz="1200"/>
-              <a:t>https://docs.npmjs.com/common-errors</a:t>
-            </a:r>
-            <a:endParaRPr lang="en-US" altLang="zh-CN" sz="1200"/>
-          </a:p>
-          <a:p>
-            <a:pPr lvl="1"/>
-            <a:r>
-              <a:rPr lang="en-US" altLang="zh-CN" sz="1200"/>
-              <a:t>cnpm view &lt;package-name&gt; versions</a:t>
-            </a:r>
-            <a:endParaRPr lang="en-US" altLang="zh-CN" sz="1200"/>
-          </a:p>
-          <a:p>
-            <a:pPr lvl="2"/>
-            <a:r>
-              <a:rPr lang="en-US" altLang="zh-CN" sz="1000"/>
-              <a:t>cnpm view vue-panzoom versions</a:t>
-            </a:r>
-            <a:endParaRPr lang="en-US" altLang="zh-CN" sz="1000"/>
-          </a:p>
-          <a:p>
-            <a:pPr lvl="1"/>
-            <a:r>
-              <a:rPr lang="en-US" altLang="zh-CN" sz="1200"/>
-              <a:t>cnpm uninstall &lt;package-name&gt;</a:t>
-            </a:r>
-            <a:endParaRPr lang="en-US" altLang="zh-CN" sz="1200"/>
-          </a:p>
-          <a:p>
-            <a:pPr lvl="1"/>
-            <a:r>
-              <a:rPr lang="en-US" altLang="zh-CN" sz="1200">
+              <a:t>cnpm install depcheck -g</a:t>
+            </a:r>
+            <a:endParaRPr lang="en-US" altLang="zh-CN" sz="1400"/>
+          </a:p>
+          <a:p>
+            <a:pPr lvl="1"/>
+            <a:r>
+              <a:rPr lang="en-US" altLang="zh-CN" sz="1400">
                 <a:sym typeface="+mn-ea"/>
               </a:rPr>
-              <a:t>cnpm rebuild</a:t>
-            </a:r>
-            <a:endParaRPr lang="en-US" altLang="zh-CN" sz="1200">
-              <a:sym typeface="+mn-ea"/>
-            </a:endParaRPr>
-          </a:p>
-          <a:p>
-            <a:pPr lvl="1"/>
-            <a:r>
-              <a:rPr lang="en-US" altLang="zh-CN" sz="1200">
-                <a:sym typeface="+mn-ea"/>
-              </a:rPr>
-              <a:t>npm install -g npm-check-updates</a:t>
-            </a:r>
-            <a:endParaRPr lang="en-US" altLang="zh-CN" sz="1200">
-              <a:sym typeface="+mn-ea"/>
-            </a:endParaRPr>
-          </a:p>
-          <a:p>
-            <a:pPr lvl="2"/>
-            <a:r>
-              <a:rPr lang="en-US" altLang="zh-CN" sz="1000">
-                <a:sym typeface="+mn-ea"/>
-              </a:rPr>
-              <a:t>ncu -u	// update all packages in package.json to latest</a:t>
-            </a:r>
-            <a:endParaRPr lang="en-US" altLang="zh-CN" sz="1000">
+              <a:t>depcheck</a:t>
+            </a:r>
+            <a:endParaRPr lang="en-US" altLang="zh-CN" sz="1400">
               <a:sym typeface="+mn-ea"/>
             </a:endParaRPr>
           </a:p>
@@ -7664,38 +8308,6 @@
             </a:lvl9pPr>
           </a:lstStyle>
           <a:p>
-            <a:pPr lvl="0"/>
-            <a:r>
-              <a:rPr lang="en-US" altLang="zh-CN" sz="2000">
-                <a:sym typeface="+mn-ea"/>
-              </a:rPr>
-              <a:t>Clean up packages</a:t>
-            </a:r>
-            <a:endParaRPr lang="en-US" altLang="zh-CN" sz="2000">
-              <a:sym typeface="+mn-ea"/>
-            </a:endParaRPr>
-          </a:p>
-          <a:p>
-            <a:pPr lvl="1"/>
-            <a:r>
-              <a:rPr lang="en-US" altLang="zh-CN" sz="1800">
-                <a:sym typeface="+mn-ea"/>
-              </a:rPr>
-              <a:t>cnpm install depcheck -g</a:t>
-            </a:r>
-            <a:endParaRPr lang="en-US" altLang="zh-CN" sz="1800"/>
-          </a:p>
-          <a:p>
-            <a:pPr lvl="1"/>
-            <a:r>
-              <a:rPr lang="en-US" altLang="zh-CN" sz="1800">
-                <a:sym typeface="+mn-ea"/>
-              </a:rPr>
-              <a:t>depcheck</a:t>
-            </a:r>
-            <a:endParaRPr lang="en-US" altLang="zh-CN" sz="1800"/>
-          </a:p>
-          <a:p>
             <a:pPr lvl="1"/>
             <a:endParaRPr lang="en-US" altLang="zh-CN" sz="1800">
               <a:sym typeface="+mn-ea"/>
@@ -7703,9 +8315,559 @@
           </a:p>
         </p:txBody>
       </p:sp>
+      <p:graphicFrame>
+        <p:nvGraphicFramePr>
+          <p:cNvPr id="5" name="表格 4"/>
+          <p:cNvGraphicFramePr/>
+          <p:nvPr>
+            <p:custDataLst>
+              <p:tags r:id="rId1"/>
+            </p:custDataLst>
+          </p:nvPr>
+        </p:nvGraphicFramePr>
+        <p:xfrm>
+          <a:off x="5911215" y="1097915"/>
+          <a:ext cx="5921375" cy="5010150"/>
+        </p:xfrm>
+        <a:graphic>
+          <a:graphicData uri="http://schemas.openxmlformats.org/drawingml/2006/table">
+            <a:tbl>
+              <a:tblPr firstRow="1" bandRow="1">
+                <a:tableStyleId>{5C22544A-7EE6-4342-B048-85BDC9FD1C3A}</a:tableStyleId>
+              </a:tblPr>
+              <a:tblGrid>
+                <a:gridCol w="2434590"/>
+                <a:gridCol w="3486785"/>
+              </a:tblGrid>
+              <a:tr h="274320">
+                <a:tc>
+                  <a:txBody>
+                    <a:bodyPr/>
+                    <a:p>
+                      <a:pPr>
+                        <a:buNone/>
+                      </a:pPr>
+                      <a:r>
+                        <a:rPr lang="en-US" altLang="zh-CN" sz="1200"/>
+                        <a:t>Commnad</a:t>
+                      </a:r>
+                      <a:endParaRPr lang="en-US" altLang="zh-CN" sz="1200"/>
+                    </a:p>
+                  </a:txBody>
+                  <a:tcPr/>
+                </a:tc>
+                <a:tc>
+                  <a:txBody>
+                    <a:bodyPr/>
+                    <a:p>
+                      <a:pPr>
+                        <a:buNone/>
+                      </a:pPr>
+                      <a:r>
+                        <a:rPr lang="en-US" altLang="zh-CN" sz="1200"/>
+                        <a:t>Explanation</a:t>
+                      </a:r>
+                      <a:endParaRPr lang="en-US" altLang="zh-CN" sz="1200"/>
+                    </a:p>
+                  </a:txBody>
+                  <a:tcPr/>
+                </a:tc>
+              </a:tr>
+              <a:tr h="274320">
+                <a:tc>
+                  <a:txBody>
+                    <a:bodyPr/>
+                    <a:p>
+                      <a:pPr>
+                        <a:buNone/>
+                      </a:pPr>
+                      <a:r>
+                        <a:rPr lang="en-US" altLang="zh-CN" sz="1200" b="1">
+                          <a:sym typeface="+mn-ea"/>
+                        </a:rPr>
+                        <a:t>npm config list</a:t>
+                      </a:r>
+                      <a:endParaRPr lang="en-US" altLang="zh-CN" sz="1200" b="1">
+                        <a:sym typeface="+mn-ea"/>
+                      </a:endParaRPr>
+                    </a:p>
+                  </a:txBody>
+                  <a:tcPr/>
+                </a:tc>
+                <a:tc>
+                  <a:txBody>
+                    <a:bodyPr/>
+                    <a:p>
+                      <a:pPr marL="0" lvl="1">
+                        <a:buNone/>
+                      </a:pPr>
+                      <a:r>
+                        <a:rPr lang="en-US" altLang="zh-CN" sz="1200" b="1">
+                          <a:sym typeface="+mn-ea"/>
+                        </a:rPr>
+                        <a:t>~/.npmrc,  ~/.npm/_logs/</a:t>
+                      </a:r>
+                      <a:endParaRPr lang="en-US" altLang="zh-CN" sz="1200" b="1">
+                        <a:sym typeface="+mn-ea"/>
+                      </a:endParaRPr>
+                    </a:p>
+                  </a:txBody>
+                  <a:tcPr/>
+                </a:tc>
+              </a:tr>
+              <a:tr h="457200">
+                <a:tc>
+                  <a:txBody>
+                    <a:bodyPr/>
+                    <a:p>
+                      <a:pPr marL="0" lvl="1">
+                        <a:buNone/>
+                      </a:pPr>
+                      <a:r>
+                        <a:rPr lang="en-US" altLang="zh-CN" sz="1200">
+                          <a:sym typeface="+mn-ea"/>
+                        </a:rPr>
+                        <a:t>npm config set registry http://registry.npm.taobao.org/</a:t>
+                      </a:r>
+                      <a:endParaRPr lang="zh-CN" altLang="en-US" sz="1200"/>
+                    </a:p>
+                  </a:txBody>
+                  <a:tcPr/>
+                </a:tc>
+                <a:tc>
+                  <a:txBody>
+                    <a:bodyPr/>
+                    <a:p>
+                      <a:pPr>
+                        <a:buNone/>
+                      </a:pPr>
+                      <a:r>
+                        <a:rPr lang="en-US" altLang="zh-CN" sz="1200"/>
+                        <a:t>Set npm registry mirror</a:t>
+                      </a:r>
+                      <a:endParaRPr lang="en-US" altLang="zh-CN" sz="1200"/>
+                    </a:p>
+                  </a:txBody>
+                  <a:tcPr/>
+                </a:tc>
+              </a:tr>
+              <a:tr h="274320">
+                <a:tc>
+                  <a:txBody>
+                    <a:bodyPr/>
+                    <a:p>
+                      <a:pPr>
+                        <a:buNone/>
+                      </a:pPr>
+                      <a:r>
+                        <a:rPr lang="en-US" altLang="zh-CN" sz="1200"/>
+                        <a:t>npm config get registry</a:t>
+                      </a:r>
+                      <a:endParaRPr lang="en-US" altLang="zh-CN" sz="1200"/>
+                    </a:p>
+                  </a:txBody>
+                  <a:tcPr/>
+                </a:tc>
+                <a:tc>
+                  <a:txBody>
+                    <a:bodyPr/>
+                    <a:p>
+                      <a:pPr>
+                        <a:buNone/>
+                      </a:pPr>
+                      <a:r>
+                        <a:rPr lang="en-US" altLang="zh-CN" sz="1200"/>
+                        <a:t>Get npm registry</a:t>
+                      </a:r>
+                      <a:endParaRPr lang="en-US" altLang="zh-CN" sz="1200"/>
+                    </a:p>
+                  </a:txBody>
+                  <a:tcPr/>
+                </a:tc>
+              </a:tr>
+              <a:tr h="274320">
+                <a:tc>
+                  <a:txBody>
+                    <a:bodyPr/>
+                    <a:p>
+                      <a:pPr>
+                        <a:buNone/>
+                      </a:pPr>
+                      <a:r>
+                        <a:rPr lang="en-US" altLang="zh-CN" sz="1200"/>
+                        <a:t>npm list</a:t>
+                      </a:r>
+                      <a:endParaRPr lang="en-US" altLang="zh-CN" sz="1200"/>
+                    </a:p>
+                  </a:txBody>
+                  <a:tcPr/>
+                </a:tc>
+                <a:tc>
+                  <a:txBody>
+                    <a:bodyPr/>
+                    <a:p>
+                      <a:pPr>
+                        <a:buNone/>
+                      </a:pPr>
+                      <a:r>
+                        <a:rPr lang="en-US" altLang="zh-CN" sz="1200"/>
+                        <a:t>List local installed packages</a:t>
+                      </a:r>
+                      <a:endParaRPr lang="en-US" altLang="zh-CN" sz="1200"/>
+                    </a:p>
+                  </a:txBody>
+                  <a:tcPr/>
+                </a:tc>
+              </a:tr>
+              <a:tr h="274320">
+                <a:tc>
+                  <a:txBody>
+                    <a:bodyPr/>
+                    <a:p>
+                      <a:pPr>
+                        <a:buNone/>
+                      </a:pPr>
+                      <a:r>
+                        <a:rPr lang="en-US" altLang="zh-CN" sz="1200"/>
+                        <a:t>npm list -g </a:t>
+                      </a:r>
+                      <a:endParaRPr lang="en-US" altLang="zh-CN" sz="1200"/>
+                    </a:p>
+                  </a:txBody>
+                  <a:tcPr/>
+                </a:tc>
+                <a:tc>
+                  <a:txBody>
+                    <a:bodyPr/>
+                    <a:p>
+                      <a:pPr>
+                        <a:buNone/>
+                      </a:pPr>
+                      <a:r>
+                        <a:rPr lang="en-US" altLang="zh-CN" sz="1200"/>
+                        <a:t>List global installed packages</a:t>
+                      </a:r>
+                      <a:endParaRPr lang="en-US" altLang="zh-CN" sz="1200"/>
+                    </a:p>
+                  </a:txBody>
+                  <a:tcPr/>
+                </a:tc>
+              </a:tr>
+              <a:tr h="822960">
+                <a:tc>
+                  <a:txBody>
+                    <a:bodyPr/>
+                    <a:p>
+                      <a:pPr marL="0" lvl="1">
+                        <a:buNone/>
+                      </a:pPr>
+                      <a:r>
+                        <a:rPr lang="en-US" altLang="zh-CN" sz="1200">
+                          <a:sym typeface="+mn-ea"/>
+                        </a:rPr>
+                        <a:t>npm install &lt;package-name&gt;@version-number</a:t>
+                      </a:r>
+                      <a:endParaRPr lang="en-US" altLang="zh-CN" sz="1200"/>
+                    </a:p>
+                  </a:txBody>
+                  <a:tcPr/>
+                </a:tc>
+                <a:tc>
+                  <a:txBody>
+                    <a:bodyPr/>
+                    <a:p>
+                      <a:pPr>
+                        <a:buNone/>
+                      </a:pPr>
+                      <a:r>
+                        <a:rPr lang="en-US" altLang="zh-CN" sz="1200"/>
+                        <a:t>Install a package</a:t>
+                      </a:r>
+                      <a:endParaRPr lang="en-US" altLang="zh-CN" sz="1200"/>
+                    </a:p>
+                    <a:p>
+                      <a:pPr marL="0" lvl="1">
+                        <a:buNone/>
+                      </a:pPr>
+                      <a:r>
+                        <a:rPr lang="en-US" altLang="zh-CN" sz="1200">
+                          <a:sym typeface="+mn-ea"/>
+                        </a:rPr>
+                        <a:t>-g  // global</a:t>
+                      </a:r>
+                      <a:endParaRPr lang="en-US" altLang="zh-CN" sz="1200"/>
+                    </a:p>
+                    <a:p>
+                      <a:pPr>
+                        <a:buNone/>
+                      </a:pPr>
+                      <a:r>
+                        <a:rPr lang="en-US" altLang="zh-CN" sz="1200"/>
+                        <a:t>-S  // install and save to package.json</a:t>
+                      </a:r>
+                      <a:endParaRPr lang="en-US" altLang="zh-CN" sz="1200"/>
+                    </a:p>
+                    <a:p>
+                      <a:pPr>
+                        <a:buNone/>
+                      </a:pPr>
+                      <a:r>
+                        <a:rPr lang="en-US" altLang="zh-CN" sz="1200"/>
+                        <a:t>--verbose // verbose output</a:t>
+                      </a:r>
+                      <a:endParaRPr lang="en-US" altLang="zh-CN" sz="1200"/>
+                    </a:p>
+                  </a:txBody>
+                  <a:tcPr/>
+                </a:tc>
+              </a:tr>
+              <a:tr h="276225">
+                <a:tc>
+                  <a:txBody>
+                    <a:bodyPr/>
+                    <a:p>
+                      <a:pPr marL="0" lvl="1">
+                        <a:buNone/>
+                      </a:pPr>
+                      <a:r>
+                        <a:rPr lang="en-US" altLang="zh-CN" sz="1200"/>
+                        <a:t>npm uninstall &lt;package-name&gt;</a:t>
+                      </a:r>
+                      <a:endParaRPr lang="en-US" altLang="zh-CN" sz="1200"/>
+                    </a:p>
+                  </a:txBody>
+                  <a:tcPr/>
+                </a:tc>
+                <a:tc>
+                  <a:txBody>
+                    <a:bodyPr/>
+                    <a:p>
+                      <a:pPr>
+                        <a:buNone/>
+                      </a:pPr>
+                      <a:r>
+                        <a:rPr lang="en-US" altLang="zh-CN" sz="1200"/>
+                        <a:t>Uninstall a package</a:t>
+                      </a:r>
+                      <a:endParaRPr lang="en-US" altLang="zh-CN" sz="1200"/>
+                    </a:p>
+                  </a:txBody>
+                  <a:tcPr/>
+                </a:tc>
+              </a:tr>
+              <a:tr h="457200">
+                <a:tc>
+                  <a:txBody>
+                    <a:bodyPr/>
+                    <a:p>
+                      <a:pPr marL="0" lvl="1">
+                        <a:buNone/>
+                      </a:pPr>
+                      <a:r>
+                        <a:rPr lang="en-US" altLang="zh-CN" sz="1200">
+                          <a:sym typeface="+mn-ea"/>
+                        </a:rPr>
+                        <a:t>npm view &lt;package-name&gt; versions</a:t>
+                      </a:r>
+                      <a:endParaRPr lang="en-US" altLang="zh-CN" sz="1200"/>
+                    </a:p>
+                  </a:txBody>
+                  <a:tcPr/>
+                </a:tc>
+                <a:tc>
+                  <a:txBody>
+                    <a:bodyPr/>
+                    <a:p>
+                      <a:pPr>
+                        <a:buNone/>
+                      </a:pPr>
+                      <a:r>
+                        <a:rPr lang="en-US" altLang="zh-CN" sz="1200">
+                          <a:sym typeface="+mn-ea"/>
+                        </a:rPr>
+                        <a:t>List available versions of a package</a:t>
+                      </a:r>
+                      <a:endParaRPr lang="en-US" altLang="zh-CN" sz="1200"/>
+                    </a:p>
+                  </a:txBody>
+                  <a:tcPr/>
+                </a:tc>
+              </a:tr>
+              <a:tr h="344805">
+                <a:tc>
+                  <a:txBody>
+                    <a:bodyPr/>
+                    <a:p>
+                      <a:pPr marL="0" lvl="1">
+                        <a:buNone/>
+                      </a:pPr>
+                      <a:r>
+                        <a:rPr lang="en-US" altLang="zh-CN" sz="1200"/>
+                        <a:t>npm search &lt;keyword&gt;</a:t>
+                      </a:r>
+                      <a:endParaRPr lang="en-US" altLang="zh-CN" sz="1200"/>
+                    </a:p>
+                  </a:txBody>
+                  <a:tcPr/>
+                </a:tc>
+                <a:tc>
+                  <a:txBody>
+                    <a:bodyPr/>
+                    <a:p>
+                      <a:pPr>
+                        <a:buNone/>
+                      </a:pPr>
+                      <a:r>
+                        <a:rPr lang="en-US" altLang="zh-CN" sz="1200"/>
+                        <a:t>Search npm package</a:t>
+                      </a:r>
+                      <a:endParaRPr lang="en-US" altLang="zh-CN" sz="1200"/>
+                    </a:p>
+                  </a:txBody>
+                  <a:tcPr/>
+                </a:tc>
+              </a:tr>
+              <a:tr h="274320">
+                <a:tc>
+                  <a:txBody>
+                    <a:bodyPr/>
+                    <a:p>
+                      <a:pPr marL="0" lvl="1">
+                        <a:buNone/>
+                      </a:pPr>
+                      <a:r>
+                        <a:rPr lang="en-US" altLang="zh-CN" sz="1200"/>
+                        <a:t>npm update &lt;package-name&gt;</a:t>
+                      </a:r>
+                      <a:endParaRPr lang="en-US" altLang="zh-CN" sz="1200"/>
+                    </a:p>
+                  </a:txBody>
+                  <a:tcPr/>
+                </a:tc>
+                <a:tc>
+                  <a:txBody>
+                    <a:bodyPr/>
+                    <a:p>
+                      <a:pPr>
+                        <a:buNone/>
+                      </a:pPr>
+                      <a:endParaRPr lang="en-US" altLang="zh-CN" sz="1200"/>
+                    </a:p>
+                  </a:txBody>
+                  <a:tcPr/>
+                </a:tc>
+              </a:tr>
+              <a:tr h="457200">
+                <a:tc>
+                  <a:txBody>
+                    <a:bodyPr/>
+                    <a:p>
+                      <a:pPr marL="0" lvl="1">
+                        <a:buNone/>
+                      </a:pPr>
+                      <a:r>
+                        <a:rPr lang="en-US" altLang="zh-CN" sz="1200"/>
+                        <a:t>npm update</a:t>
+                      </a:r>
+                      <a:endParaRPr lang="en-US" altLang="zh-CN" sz="1200"/>
+                    </a:p>
+                  </a:txBody>
+                  <a:tcPr/>
+                </a:tc>
+                <a:tc>
+                  <a:txBody>
+                    <a:bodyPr/>
+                    <a:p>
+                      <a:pPr>
+                        <a:buNone/>
+                      </a:pPr>
+                      <a:r>
+                        <a:rPr lang="en-US" altLang="zh-CN" sz="1200">
+                          <a:sym typeface="+mn-ea"/>
+                        </a:rPr>
+                        <a:t>Update all packages with newer minor version listed in package.json</a:t>
+                      </a:r>
+                      <a:endParaRPr lang="en-US" altLang="zh-CN" sz="1200"/>
+                    </a:p>
+                  </a:txBody>
+                  <a:tcPr/>
+                </a:tc>
+              </a:tr>
+              <a:tr h="274320">
+                <a:tc>
+                  <a:txBody>
+                    <a:bodyPr/>
+                    <a:p>
+                      <a:pPr marL="0" lvl="1">
+                        <a:buNone/>
+                      </a:pPr>
+                      <a:r>
+                        <a:rPr lang="en-US" altLang="zh-CN" sz="1200"/>
+                        <a:t>npm cache clean</a:t>
+                      </a:r>
+                      <a:endParaRPr lang="en-US" altLang="zh-CN" sz="1200"/>
+                    </a:p>
+                  </a:txBody>
+                  <a:tcPr/>
+                </a:tc>
+                <a:tc>
+                  <a:txBody>
+                    <a:bodyPr/>
+                    <a:p>
+                      <a:pPr>
+                        <a:buNone/>
+                      </a:pPr>
+                      <a:r>
+                        <a:rPr lang="en-US" altLang="zh-CN" sz="1200"/>
+                        <a:t>Clean npm cache</a:t>
+                      </a:r>
+                      <a:endParaRPr lang="en-US" altLang="zh-CN" sz="1200"/>
+                    </a:p>
+                  </a:txBody>
+                  <a:tcPr/>
+                </a:tc>
+              </a:tr>
+              <a:tr h="274320">
+                <a:tc>
+                  <a:txBody>
+                    <a:bodyPr/>
+                    <a:p>
+                      <a:pPr marL="0" lvl="1">
+                        <a:buNone/>
+                      </a:pPr>
+                      <a:r>
+                        <a:rPr lang="en-US" altLang="zh-CN" sz="1200"/>
+                        <a:t>npm outdated</a:t>
+                      </a:r>
+                      <a:endParaRPr lang="en-US" altLang="zh-CN" sz="1200"/>
+                    </a:p>
+                  </a:txBody>
+                  <a:tcPr/>
+                </a:tc>
+                <a:tc>
+                  <a:txBody>
+                    <a:bodyPr/>
+                    <a:p>
+                      <a:pPr>
+                        <a:buNone/>
+                      </a:pPr>
+                      <a:r>
+                        <a:rPr lang="en-US" altLang="zh-CN" sz="1200"/>
+                        <a:t>List outdated packages</a:t>
+                      </a:r>
+                      <a:endParaRPr lang="en-US" altLang="zh-CN" sz="1200"/>
+                    </a:p>
+                  </a:txBody>
+                  <a:tcPr/>
+                </a:tc>
+              </a:tr>
+            </a:tbl>
+          </a:graphicData>
+        </a:graphic>
+      </p:graphicFrame>
     </p:spTree>
     <p:custDataLst>
-      <p:tags r:id="rId1"/>
+      <p:tags r:id="rId2"/>
     </p:custDataLst>
   </p:cSld>
   <p:clrMapOvr>
@@ -7914,9 +9076,8 @@
 
 <file path=ppt/tags/tag13.xml><?xml version="1.0" encoding="utf-8"?>
 <p:tagLst xmlns:p="http://schemas.openxmlformats.org/presentationml/2006/main">
-  <p:tag name="KSO_WM_BEAUTIFY_FLAG" val="#wm#"/>
-  <p:tag name="KSO_WM_TEMPLATE_CATEGORY" val="custom"/>
-  <p:tag name="KSO_WM_TEMPLATE_INDEX" val="160402"/>
+  <p:tag name="TABLE_ENDDRAG_ORIGIN_RECT" val="466*309"/>
+  <p:tag name="TABLE_ENDDRAG_RECT" val="465*86*466*309"/>
 </p:tagLst>
 </file>
 
@@ -8010,6 +9171,38 @@
 
 <file path=ppt/tags/tag24.xml><?xml version="1.0" encoding="utf-8"?>
 <p:tagLst xmlns:p="http://schemas.openxmlformats.org/presentationml/2006/main">
+  <p:tag name="KSO_WM_BEAUTIFY_FLAG" val="#wm#"/>
+  <p:tag name="KSO_WM_TEMPLATE_CATEGORY" val="custom"/>
+  <p:tag name="KSO_WM_TEMPLATE_INDEX" val="160402"/>
+</p:tagLst>
+</file>
+
+<file path=ppt/tags/tag25.xml><?xml version="1.0" encoding="utf-8"?>
+<p:tagLst xmlns:p="http://schemas.openxmlformats.org/presentationml/2006/main">
+  <p:tag name="KSO_WM_BEAUTIFY_FLAG" val="#wm#"/>
+  <p:tag name="KSO_WM_TEMPLATE_CATEGORY" val="custom"/>
+  <p:tag name="KSO_WM_TEMPLATE_INDEX" val="160402"/>
+</p:tagLst>
+</file>
+
+<file path=ppt/tags/tag26.xml><?xml version="1.0" encoding="utf-8"?>
+<p:tagLst xmlns:p="http://schemas.openxmlformats.org/presentationml/2006/main">
+  <p:tag name="KSO_WM_BEAUTIFY_FLAG" val="#wm#"/>
+  <p:tag name="KSO_WM_TEMPLATE_CATEGORY" val="custom"/>
+  <p:tag name="KSO_WM_TEMPLATE_INDEX" val="160402"/>
+</p:tagLst>
+</file>
+
+<file path=ppt/tags/tag27.xml><?xml version="1.0" encoding="utf-8"?>
+<p:tagLst xmlns:p="http://schemas.openxmlformats.org/presentationml/2006/main">
+  <p:tag name="KSO_WM_BEAUTIFY_FLAG" val="#wm#"/>
+  <p:tag name="KSO_WM_TEMPLATE_CATEGORY" val="custom"/>
+  <p:tag name="KSO_WM_TEMPLATE_INDEX" val="160402"/>
+</p:tagLst>
+</file>
+
+<file path=ppt/tags/tag28.xml><?xml version="1.0" encoding="utf-8"?>
+<p:tagLst xmlns:p="http://schemas.openxmlformats.org/presentationml/2006/main">
   <p:tag name="KSO_WM_TAG_VERSION" val="1.0"/>
   <p:tag name="KSO_WM_BEAUTIFY_FLAG" val="#wm#"/>
   <p:tag name="KSO_WM_TEMPLATE_CATEGORY" val="custom"/>
@@ -8027,7 +9220,7 @@
 </p:tagLst>
 </file>
 
-<file path=ppt/tags/tag25.xml><?xml version="1.0" encoding="utf-8"?>
+<file path=ppt/tags/tag29.xml><?xml version="1.0" encoding="utf-8"?>
 <p:tagLst xmlns:p="http://schemas.openxmlformats.org/presentationml/2006/main">
   <p:tag name="KSO_WM_TAG_VERSION" val="1.0"/>
   <p:tag name="KSO_WM_BEAUTIFY_FLAG" val="#wm#"/>
@@ -8046,7 +9239,17 @@
 </p:tagLst>
 </file>
 
-<file path=ppt/tags/tag26.xml><?xml version="1.0" encoding="utf-8"?>
+<file path=ppt/tags/tag3.xml><?xml version="1.0" encoding="utf-8"?>
+<p:tagLst xmlns:p="http://schemas.openxmlformats.org/presentationml/2006/main">
+  <p:tag name="KSO_WM_TEMPLATE_THUMBS_INDEX" val="1、9、12、16、19、20、24、27、28"/>
+  <p:tag name="KSO_WM_TEMPLATE_CATEGORY" val="custom"/>
+  <p:tag name="KSO_WM_TEMPLATE_INDEX" val="160402"/>
+  <p:tag name="KSO_WM_TAG_VERSION" val="1.0"/>
+  <p:tag name="KSO_WM_BEAUTIFY_FLAG" val="#wm#"/>
+</p:tagLst>
+</file>
+
+<file path=ppt/tags/tag30.xml><?xml version="1.0" encoding="utf-8"?>
 <p:tagLst xmlns:p="http://schemas.openxmlformats.org/presentationml/2006/main">
   <p:tag name="KSO_WM_TEMPLATE_CATEGORY" val="custom"/>
   <p:tag name="KSO_WM_TEMPLATE_INDEX" val="160402"/>
@@ -8061,20 +9264,11 @@
 </p:tagLst>
 </file>
 
-<file path=ppt/tags/tag27.xml><?xml version="1.0" encoding="utf-8"?>
+<file path=ppt/tags/tag31.xml><?xml version="1.0" encoding="utf-8"?>
 <p:tagLst xmlns:p="http://schemas.openxmlformats.org/presentationml/2006/main">
   <p:tag name="COMMONDATA" val="eyJoZGlkIjoiYjRhZjQ5NWVmZmQxNmM3NmNkNDYxNWRmNzNmMjA1ZDAifQ=="/>
   <p:tag name="KSO_WPP_MARK_KEY" val="e2cf5ec0-0f92-446a-9169-3346f0c164cb"/>
-</p:tagLst>
-</file>
-
-<file path=ppt/tags/tag3.xml><?xml version="1.0" encoding="utf-8"?>
-<p:tagLst xmlns:p="http://schemas.openxmlformats.org/presentationml/2006/main">
-  <p:tag name="KSO_WM_TEMPLATE_THUMBS_INDEX" val="1、9、12、16、19、20、24、27、28"/>
-  <p:tag name="KSO_WM_TEMPLATE_CATEGORY" val="custom"/>
-  <p:tag name="KSO_WM_TEMPLATE_INDEX" val="160402"/>
-  <p:tag name="KSO_WM_TAG_VERSION" val="1.0"/>
-  <p:tag name="KSO_WM_BEAUTIFY_FLAG" val="#wm#"/>
+  <p:tag name="commondata" val="eyJoZGlkIjoiYjk5ODM0YmMxOWJiYWQyNDU4MGIzYWRmYTA0ZmI5NDcifQ=="/>
 </p:tagLst>
 </file>
 
